--- a/Slide Show.pptx
+++ b/Slide Show.pptx
@@ -12,13 +12,28 @@
     <p:sldId id="269" r:id="rId6"/>
     <p:sldId id="268" r:id="rId7"/>
     <p:sldId id="270" r:id="rId8"/>
-    <p:sldId id="256" r:id="rId9"/>
-    <p:sldId id="257" r:id="rId10"/>
-    <p:sldId id="258" r:id="rId11"/>
-    <p:sldId id="259" r:id="rId12"/>
-    <p:sldId id="260" r:id="rId13"/>
-    <p:sldId id="261" r:id="rId14"/>
-    <p:sldId id="262" r:id="rId15"/>
+    <p:sldId id="271" r:id="rId9"/>
+    <p:sldId id="272" r:id="rId10"/>
+    <p:sldId id="273" r:id="rId11"/>
+    <p:sldId id="274" r:id="rId12"/>
+    <p:sldId id="275" r:id="rId13"/>
+    <p:sldId id="276" r:id="rId14"/>
+    <p:sldId id="278" r:id="rId15"/>
+    <p:sldId id="279" r:id="rId16"/>
+    <p:sldId id="282" r:id="rId17"/>
+    <p:sldId id="280" r:id="rId18"/>
+    <p:sldId id="286" r:id="rId19"/>
+    <p:sldId id="281" r:id="rId20"/>
+    <p:sldId id="283" r:id="rId21"/>
+    <p:sldId id="284" r:id="rId22"/>
+    <p:sldId id="285" r:id="rId23"/>
+    <p:sldId id="256" r:id="rId24"/>
+    <p:sldId id="257" r:id="rId25"/>
+    <p:sldId id="258" r:id="rId26"/>
+    <p:sldId id="259" r:id="rId27"/>
+    <p:sldId id="260" r:id="rId28"/>
+    <p:sldId id="261" r:id="rId29"/>
+    <p:sldId id="262" r:id="rId30"/>
   </p:sldIdLst>
   <p:sldSz cx="12192000" cy="6858000"/>
   <p:notesSz cx="6858000" cy="9144000"/>
@@ -123,6 +138,46 @@
     </p:ext>
   </p:extLst>
 </p:presentation>
+</file>
+
+<file path=ppt/commentAuthors.xml><?xml version="1.0" encoding="utf-8"?>
+<p:cmAuthorLst xmlns:a="http://schemas.openxmlformats.org/drawingml/2006/main" xmlns:r="http://schemas.openxmlformats.org/officeDocument/2006/relationships" xmlns:p="http://schemas.openxmlformats.org/presentationml/2006/main">
+  <p:cmAuthor id="1" name="Jordan Tangy" initials="JT" lastIdx="2" clrIdx="0">
+    <p:extLst>
+      <p:ext uri="{19B8F6BF-5375-455C-9EA6-DF929625EA0E}">
+        <p15:presenceInfo xmlns:p15="http://schemas.microsoft.com/office/powerpoint/2012/main" userId="96b1209cbeba39ee" providerId="Windows Live"/>
+      </p:ext>
+    </p:extLst>
+  </p:cmAuthor>
+</p:cmAuthorLst>
+</file>
+
+<file path=ppt/comments/comment1.xml><?xml version="1.0" encoding="utf-8"?>
+<p:cmLst xmlns:a="http://schemas.openxmlformats.org/drawingml/2006/main" xmlns:r="http://schemas.openxmlformats.org/officeDocument/2006/relationships" xmlns:p="http://schemas.openxmlformats.org/presentationml/2006/main">
+  <p:cm authorId="1" dt="2021-02-05T01:36:36.270" idx="1">
+    <p:pos x="7670" y="10"/>
+    <p:text/>
+    <p:extLst>
+      <p:ext uri="{C676402C-5697-4E1C-873F-D02D1690AC5C}">
+        <p15:threadingInfo xmlns:p15="http://schemas.microsoft.com/office/powerpoint/2012/main" timeZoneBias="-120"/>
+      </p:ext>
+    </p:extLst>
+  </p:cm>
+</p:cmLst>
+</file>
+
+<file path=ppt/comments/comment2.xml><?xml version="1.0" encoding="utf-8"?>
+<p:cmLst xmlns:a="http://schemas.openxmlformats.org/drawingml/2006/main" xmlns:r="http://schemas.openxmlformats.org/officeDocument/2006/relationships" xmlns:p="http://schemas.openxmlformats.org/presentationml/2006/main">
+  <p:cm authorId="1" dt="2021-02-05T13:00:29.007" idx="2">
+    <p:pos x="7670" y="10"/>
+    <p:text/>
+    <p:extLst>
+      <p:ext uri="{C676402C-5697-4E1C-873F-D02D1690AC5C}">
+        <p15:threadingInfo xmlns:p15="http://schemas.microsoft.com/office/powerpoint/2012/main" timeZoneBias="-120"/>
+      </p:ext>
+    </p:extLst>
+  </p:cm>
+</p:cmLst>
 </file>
 
 <file path=ppt/ink/ink1.xml><?xml version="1.0" encoding="utf-8"?>
@@ -5498,7 +5553,12 @@
             <p:ph type="title"/>
           </p:nvPr>
         </p:nvSpPr>
-        <p:spPr/>
+        <p:spPr>
+          <a:xfrm>
+            <a:off x="1455174" y="423332"/>
+            <a:ext cx="8534400" cy="1507067"/>
+          </a:xfrm>
+        </p:spPr>
         <p:txBody>
           <a:bodyPr>
             <a:normAutofit fontScale="90000"/>
@@ -5507,14 +5567,7 @@
           <a:p>
             <a:pPr algn="ctr"/>
             <a:r>
-              <a:rPr lang="en-US" dirty="0"/>
-              <a:t>v\</a:t>
-            </a:r>
-            <a:r>
               <a:rPr lang="en-US" sz="5400" b="1" dirty="0">
-                <a:solidFill>
-                  <a:schemeClr val="bg1"/>
-                </a:solidFill>
                 <a:latin typeface="Agency FB" panose="020B0503020202020204" pitchFamily="34" charset="0"/>
               </a:rPr>
               <a:t>Convolutional Neural Network for Movie Genre classification </a:t>
@@ -5549,7 +5602,7 @@
         </p:spPr>
         <p:txBody>
           <a:bodyPr>
-            <a:normAutofit fontScale="92500" lnSpcReduction="10000"/>
+            <a:normAutofit fontScale="92500" lnSpcReduction="20000"/>
           </a:bodyPr>
           <a:lstStyle/>
           <a:p>
@@ -5576,7 +5629,7 @@
           <a:p>
             <a:endParaRPr lang="en-US" sz="4400" b="1" dirty="0">
               <a:solidFill>
-                <a:srgbClr val="FF0000"/>
+                <a:schemeClr val="tx1"/>
               </a:solidFill>
             </a:endParaRPr>
           </a:p>
@@ -5585,13 +5638,22 @@
               <a:buNone/>
             </a:pPr>
             <a:r>
-              <a:rPr lang="en-US" b="1" dirty="0">
+              <a:rPr lang="en-US" sz="3900" b="1" u="sng" dirty="0">
                 <a:solidFill>
-                  <a:schemeClr val="bg1"/>
+                  <a:schemeClr val="tx1"/>
                 </a:solidFill>
                 <a:latin typeface="Agency FB" panose="020B0503020202020204" pitchFamily="34" charset="0"/>
               </a:rPr>
-              <a:t>Presented by : Ron Sider and Jordan Tangy</a:t>
+              <a:t>Presented by </a:t>
+            </a:r>
+            <a:r>
+              <a:rPr lang="en-US" sz="3900" b="1" dirty="0">
+                <a:solidFill>
+                  <a:schemeClr val="tx1"/>
+                </a:solidFill>
+                <a:latin typeface="Agency FB" panose="020B0503020202020204" pitchFamily="34" charset="0"/>
+              </a:rPr>
+              <a:t>: Ron Sider and Jordan Tangy</a:t>
             </a:r>
           </a:p>
         </p:txBody>
@@ -5606,10 +5668,3546 @@
   <p:clrMapOvr>
     <a:masterClrMapping/>
   </p:clrMapOvr>
+  <p:transition spd="slow">
+    <p:wipe dir="r"/>
+  </p:transition>
 </p:sld>
 </file>
 
 <file path=ppt/slides/slide10.xml><?xml version="1.0" encoding="utf-8"?>
+<p:sld xmlns:a="http://schemas.openxmlformats.org/drawingml/2006/main" xmlns:r="http://schemas.openxmlformats.org/officeDocument/2006/relationships" xmlns:p="http://schemas.openxmlformats.org/presentationml/2006/main">
+  <p:cSld>
+    <p:spTree>
+      <p:nvGrpSpPr>
+        <p:cNvPr id="1" name=""/>
+        <p:cNvGrpSpPr/>
+        <p:nvPr/>
+      </p:nvGrpSpPr>
+      <p:grpSpPr>
+        <a:xfrm>
+          <a:off x="0" y="0"/>
+          <a:ext cx="0" cy="0"/>
+          <a:chOff x="0" y="0"/>
+          <a:chExt cx="0" cy="0"/>
+        </a:xfrm>
+      </p:grpSpPr>
+      <p:sp>
+        <p:nvSpPr>
+          <p:cNvPr id="5" name="ZoneTexte 4">
+            <a:extLst>
+              <a:ext uri="{FF2B5EF4-FFF2-40B4-BE49-F238E27FC236}">
+                <a16:creationId xmlns:a16="http://schemas.microsoft.com/office/drawing/2014/main" id="{4B756054-08A3-4288-9125-9F314B993E8F}"/>
+              </a:ext>
+            </a:extLst>
+          </p:cNvPr>
+          <p:cNvSpPr txBox="1"/>
+          <p:nvPr/>
+        </p:nvSpPr>
+        <p:spPr>
+          <a:xfrm>
+            <a:off x="804402" y="383458"/>
+            <a:ext cx="10987548" cy="584775"/>
+          </a:xfrm>
+          <a:prstGeom prst="rect">
+            <a:avLst/>
+          </a:prstGeom>
+          <a:noFill/>
+        </p:spPr>
+        <p:txBody>
+          <a:bodyPr wrap="square" rtlCol="0">
+            <a:spAutoFit/>
+          </a:bodyPr>
+          <a:lstStyle/>
+          <a:p>
+            <a:pPr marL="457200" indent="-457200">
+              <a:buFont typeface="Wingdings" panose="05000000000000000000" pitchFamily="2" charset="2"/>
+              <a:buChar char="v"/>
+            </a:pPr>
+            <a:r>
+              <a:rPr lang="en-US" sz="3200" b="1" dirty="0">
+                <a:solidFill>
+                  <a:schemeClr val="bg1"/>
+                </a:solidFill>
+              </a:rPr>
+              <a:t>Insertion of the pictures into a manageable array</a:t>
+            </a:r>
+            <a:endParaRPr lang="en-IL" sz="3200" b="1" dirty="0">
+              <a:solidFill>
+                <a:schemeClr val="bg1"/>
+              </a:solidFill>
+            </a:endParaRPr>
+          </a:p>
+        </p:txBody>
+      </p:sp>
+      <p:pic>
+        <p:nvPicPr>
+          <p:cNvPr id="4" name="Image 3" descr="Une image contenant texte&#10;&#10;Description générée automatiquement">
+            <a:extLst>
+              <a:ext uri="{FF2B5EF4-FFF2-40B4-BE49-F238E27FC236}">
+                <a16:creationId xmlns:a16="http://schemas.microsoft.com/office/drawing/2014/main" id="{7B8B17DB-8D37-43BF-AC23-AEAAD5B2C4F7}"/>
+              </a:ext>
+            </a:extLst>
+          </p:cNvPr>
+          <p:cNvPicPr>
+            <a:picLocks noChangeAspect="1"/>
+          </p:cNvPicPr>
+          <p:nvPr/>
+        </p:nvPicPr>
+        <p:blipFill>
+          <a:blip r:embed="rId2">
+            <a:extLst>
+              <a:ext uri="{28A0092B-C50C-407E-A947-70E740481C1C}">
+                <a14:useLocalDpi xmlns:a14="http://schemas.microsoft.com/office/drawing/2010/main" val="0"/>
+              </a:ext>
+            </a:extLst>
+          </a:blip>
+          <a:stretch>
+            <a:fillRect/>
+          </a:stretch>
+        </p:blipFill>
+        <p:spPr>
+          <a:xfrm>
+            <a:off x="117987" y="1071715"/>
+            <a:ext cx="11997203" cy="5525730"/>
+          </a:xfrm>
+          <a:prstGeom prst="rect">
+            <a:avLst/>
+          </a:prstGeom>
+        </p:spPr>
+      </p:pic>
+    </p:spTree>
+    <p:extLst>
+      <p:ext uri="{BB962C8B-B14F-4D97-AF65-F5344CB8AC3E}">
+        <p14:creationId xmlns:p14="http://schemas.microsoft.com/office/powerpoint/2010/main" val="3380656047"/>
+      </p:ext>
+    </p:extLst>
+  </p:cSld>
+  <p:clrMapOvr>
+    <a:masterClrMapping/>
+  </p:clrMapOvr>
+  <p:transition spd="slow">
+    <p:wipe dir="r"/>
+  </p:transition>
+</p:sld>
+</file>
+
+<file path=ppt/slides/slide11.xml><?xml version="1.0" encoding="utf-8"?>
+<p:sld xmlns:a="http://schemas.openxmlformats.org/drawingml/2006/main" xmlns:r="http://schemas.openxmlformats.org/officeDocument/2006/relationships" xmlns:p="http://schemas.openxmlformats.org/presentationml/2006/main">
+  <p:cSld>
+    <p:spTree>
+      <p:nvGrpSpPr>
+        <p:cNvPr id="1" name=""/>
+        <p:cNvGrpSpPr/>
+        <p:nvPr/>
+      </p:nvGrpSpPr>
+      <p:grpSpPr>
+        <a:xfrm>
+          <a:off x="0" y="0"/>
+          <a:ext cx="0" cy="0"/>
+          <a:chOff x="0" y="0"/>
+          <a:chExt cx="0" cy="0"/>
+        </a:xfrm>
+      </p:grpSpPr>
+      <p:sp>
+        <p:nvSpPr>
+          <p:cNvPr id="5" name="ZoneTexte 4">
+            <a:extLst>
+              <a:ext uri="{FF2B5EF4-FFF2-40B4-BE49-F238E27FC236}">
+                <a16:creationId xmlns:a16="http://schemas.microsoft.com/office/drawing/2014/main" id="{4B756054-08A3-4288-9125-9F314B993E8F}"/>
+              </a:ext>
+            </a:extLst>
+          </p:cNvPr>
+          <p:cNvSpPr txBox="1"/>
+          <p:nvPr/>
+        </p:nvSpPr>
+        <p:spPr>
+          <a:xfrm>
+            <a:off x="804402" y="383458"/>
+            <a:ext cx="10987548" cy="584775"/>
+          </a:xfrm>
+          <a:prstGeom prst="rect">
+            <a:avLst/>
+          </a:prstGeom>
+          <a:noFill/>
+        </p:spPr>
+        <p:txBody>
+          <a:bodyPr wrap="square" rtlCol="0">
+            <a:spAutoFit/>
+          </a:bodyPr>
+          <a:lstStyle/>
+          <a:p>
+            <a:pPr marL="457200" indent="-457200">
+              <a:buFont typeface="Wingdings" panose="05000000000000000000" pitchFamily="2" charset="2"/>
+              <a:buChar char="v"/>
+            </a:pPr>
+            <a:r>
+              <a:rPr lang="en-US" sz="3200" b="1" dirty="0">
+                <a:solidFill>
+                  <a:schemeClr val="bg1"/>
+                </a:solidFill>
+              </a:rPr>
+              <a:t>Insertion of the pictures into a manageable array</a:t>
+            </a:r>
+            <a:endParaRPr lang="en-IL" sz="3200" b="1" dirty="0">
+              <a:solidFill>
+                <a:schemeClr val="bg1"/>
+              </a:solidFill>
+            </a:endParaRPr>
+          </a:p>
+        </p:txBody>
+      </p:sp>
+      <p:pic>
+        <p:nvPicPr>
+          <p:cNvPr id="4" name="Image 3" descr="Une image contenant texte&#10;&#10;Description générée automatiquement">
+            <a:extLst>
+              <a:ext uri="{FF2B5EF4-FFF2-40B4-BE49-F238E27FC236}">
+                <a16:creationId xmlns:a16="http://schemas.microsoft.com/office/drawing/2014/main" id="{7B8B17DB-8D37-43BF-AC23-AEAAD5B2C4F7}"/>
+              </a:ext>
+            </a:extLst>
+          </p:cNvPr>
+          <p:cNvPicPr>
+            <a:picLocks noChangeAspect="1"/>
+          </p:cNvPicPr>
+          <p:nvPr/>
+        </p:nvPicPr>
+        <p:blipFill>
+          <a:blip r:embed="rId2">
+            <a:extLst>
+              <a:ext uri="{28A0092B-C50C-407E-A947-70E740481C1C}">
+                <a14:useLocalDpi xmlns:a14="http://schemas.microsoft.com/office/drawing/2010/main" val="0"/>
+              </a:ext>
+            </a:extLst>
+          </a:blip>
+          <a:stretch>
+            <a:fillRect/>
+          </a:stretch>
+        </p:blipFill>
+        <p:spPr>
+          <a:xfrm>
+            <a:off x="117987" y="1071715"/>
+            <a:ext cx="11997203" cy="5525730"/>
+          </a:xfrm>
+          <a:prstGeom prst="rect">
+            <a:avLst/>
+          </a:prstGeom>
+        </p:spPr>
+      </p:pic>
+    </p:spTree>
+    <p:extLst>
+      <p:ext uri="{BB962C8B-B14F-4D97-AF65-F5344CB8AC3E}">
+        <p14:creationId xmlns:p14="http://schemas.microsoft.com/office/powerpoint/2010/main" val="1193362825"/>
+      </p:ext>
+    </p:extLst>
+  </p:cSld>
+  <p:clrMapOvr>
+    <a:masterClrMapping/>
+  </p:clrMapOvr>
+  <p:transition spd="slow">
+    <p:wipe dir="r"/>
+  </p:transition>
+</p:sld>
+</file>
+
+<file path=ppt/slides/slide12.xml><?xml version="1.0" encoding="utf-8"?>
+<p:sld xmlns:a="http://schemas.openxmlformats.org/drawingml/2006/main" xmlns:r="http://schemas.openxmlformats.org/officeDocument/2006/relationships" xmlns:p="http://schemas.openxmlformats.org/presentationml/2006/main">
+  <p:cSld>
+    <p:spTree>
+      <p:nvGrpSpPr>
+        <p:cNvPr id="1" name=""/>
+        <p:cNvGrpSpPr/>
+        <p:nvPr/>
+      </p:nvGrpSpPr>
+      <p:grpSpPr>
+        <a:xfrm>
+          <a:off x="0" y="0"/>
+          <a:ext cx="0" cy="0"/>
+          <a:chOff x="0" y="0"/>
+          <a:chExt cx="0" cy="0"/>
+        </a:xfrm>
+      </p:grpSpPr>
+      <p:sp>
+        <p:nvSpPr>
+          <p:cNvPr id="5" name="ZoneTexte 4">
+            <a:extLst>
+              <a:ext uri="{FF2B5EF4-FFF2-40B4-BE49-F238E27FC236}">
+                <a16:creationId xmlns:a16="http://schemas.microsoft.com/office/drawing/2014/main" id="{4B756054-08A3-4288-9125-9F314B993E8F}"/>
+              </a:ext>
+            </a:extLst>
+          </p:cNvPr>
+          <p:cNvSpPr txBox="1"/>
+          <p:nvPr/>
+        </p:nvSpPr>
+        <p:spPr>
+          <a:xfrm>
+            <a:off x="804402" y="383458"/>
+            <a:ext cx="10987548" cy="584775"/>
+          </a:xfrm>
+          <a:prstGeom prst="rect">
+            <a:avLst/>
+          </a:prstGeom>
+          <a:noFill/>
+        </p:spPr>
+        <p:txBody>
+          <a:bodyPr wrap="square" rtlCol="0">
+            <a:spAutoFit/>
+          </a:bodyPr>
+          <a:lstStyle/>
+          <a:p>
+            <a:pPr marL="457200" indent="-457200">
+              <a:buFont typeface="Wingdings" panose="05000000000000000000" pitchFamily="2" charset="2"/>
+              <a:buChar char="v"/>
+            </a:pPr>
+            <a:r>
+              <a:rPr lang="en-US" sz="3200" b="1" dirty="0">
+                <a:solidFill>
+                  <a:schemeClr val="bg1"/>
+                </a:solidFill>
+              </a:rPr>
+              <a:t>Rearranging y data by dropping irrelevant fields</a:t>
+            </a:r>
+            <a:endParaRPr lang="en-IL" sz="3200" b="1" dirty="0">
+              <a:solidFill>
+                <a:schemeClr val="bg1"/>
+              </a:solidFill>
+            </a:endParaRPr>
+          </a:p>
+        </p:txBody>
+      </p:sp>
+      <p:pic>
+        <p:nvPicPr>
+          <p:cNvPr id="7" name="Image 6">
+            <a:extLst>
+              <a:ext uri="{FF2B5EF4-FFF2-40B4-BE49-F238E27FC236}">
+                <a16:creationId xmlns:a16="http://schemas.microsoft.com/office/drawing/2014/main" id="{B228FE8A-BCE7-4D14-B8DD-DD1A803B5658}"/>
+              </a:ext>
+            </a:extLst>
+          </p:cNvPr>
+          <p:cNvPicPr>
+            <a:picLocks noChangeAspect="1"/>
+          </p:cNvPicPr>
+          <p:nvPr/>
+        </p:nvPicPr>
+        <p:blipFill>
+          <a:blip r:embed="rId2">
+            <a:extLst>
+              <a:ext uri="{28A0092B-C50C-407E-A947-70E740481C1C}">
+                <a14:useLocalDpi xmlns:a14="http://schemas.microsoft.com/office/drawing/2010/main" val="0"/>
+              </a:ext>
+            </a:extLst>
+          </a:blip>
+          <a:stretch>
+            <a:fillRect/>
+          </a:stretch>
+        </p:blipFill>
+        <p:spPr>
+          <a:xfrm>
+            <a:off x="804402" y="1818640"/>
+            <a:ext cx="9819054" cy="1290320"/>
+          </a:xfrm>
+          <a:prstGeom prst="rect">
+            <a:avLst/>
+          </a:prstGeom>
+        </p:spPr>
+      </p:pic>
+      <p:sp>
+        <p:nvSpPr>
+          <p:cNvPr id="8" name="ZoneTexte 7">
+            <a:extLst>
+              <a:ext uri="{FF2B5EF4-FFF2-40B4-BE49-F238E27FC236}">
+                <a16:creationId xmlns:a16="http://schemas.microsoft.com/office/drawing/2014/main" id="{98DE5086-5681-4A1E-BBDC-B0A2F7C90422}"/>
+              </a:ext>
+            </a:extLst>
+          </p:cNvPr>
+          <p:cNvSpPr txBox="1"/>
+          <p:nvPr/>
+        </p:nvSpPr>
+        <p:spPr>
+          <a:xfrm>
+            <a:off x="804402" y="4114800"/>
+            <a:ext cx="10066798" cy="1569660"/>
+          </a:xfrm>
+          <a:prstGeom prst="rect">
+            <a:avLst/>
+          </a:prstGeom>
+          <a:noFill/>
+        </p:spPr>
+        <p:txBody>
+          <a:bodyPr wrap="square" rtlCol="0">
+            <a:spAutoFit/>
+          </a:bodyPr>
+          <a:lstStyle/>
+          <a:p>
+            <a:pPr marL="285750" indent="-285750">
+              <a:buFont typeface="Arial" panose="020B0604020202020204" pitchFamily="34" charset="0"/>
+              <a:buChar char="•"/>
+            </a:pPr>
+            <a:r>
+              <a:rPr lang="en-US" sz="3200" dirty="0"/>
+              <a:t>Our aim is to “cut” the data frame and get the array representing the classification of the movies (1’s and 0’s only)</a:t>
+            </a:r>
+            <a:endParaRPr lang="en-IL" sz="3200" dirty="0"/>
+          </a:p>
+        </p:txBody>
+      </p:sp>
+    </p:spTree>
+    <p:extLst>
+      <p:ext uri="{BB962C8B-B14F-4D97-AF65-F5344CB8AC3E}">
+        <p14:creationId xmlns:p14="http://schemas.microsoft.com/office/powerpoint/2010/main" val="2994031352"/>
+      </p:ext>
+    </p:extLst>
+  </p:cSld>
+  <p:clrMapOvr>
+    <a:masterClrMapping/>
+  </p:clrMapOvr>
+  <p:transition spd="slow">
+    <p:wipe dir="r"/>
+  </p:transition>
+</p:sld>
+</file>
+
+<file path=ppt/slides/slide13.xml><?xml version="1.0" encoding="utf-8"?>
+<p:sld xmlns:a="http://schemas.openxmlformats.org/drawingml/2006/main" xmlns:r="http://schemas.openxmlformats.org/officeDocument/2006/relationships" xmlns:p="http://schemas.openxmlformats.org/presentationml/2006/main">
+  <p:cSld>
+    <p:spTree>
+      <p:nvGrpSpPr>
+        <p:cNvPr id="1" name=""/>
+        <p:cNvGrpSpPr/>
+        <p:nvPr/>
+      </p:nvGrpSpPr>
+      <p:grpSpPr>
+        <a:xfrm>
+          <a:off x="0" y="0"/>
+          <a:ext cx="0" cy="0"/>
+          <a:chOff x="0" y="0"/>
+          <a:chExt cx="0" cy="0"/>
+        </a:xfrm>
+      </p:grpSpPr>
+      <p:sp>
+        <p:nvSpPr>
+          <p:cNvPr id="5" name="ZoneTexte 4">
+            <a:extLst>
+              <a:ext uri="{FF2B5EF4-FFF2-40B4-BE49-F238E27FC236}">
+                <a16:creationId xmlns:a16="http://schemas.microsoft.com/office/drawing/2014/main" id="{4B756054-08A3-4288-9125-9F314B993E8F}"/>
+              </a:ext>
+            </a:extLst>
+          </p:cNvPr>
+          <p:cNvSpPr txBox="1"/>
+          <p:nvPr/>
+        </p:nvSpPr>
+        <p:spPr>
+          <a:xfrm>
+            <a:off x="804402" y="383458"/>
+            <a:ext cx="10987548" cy="1077218"/>
+          </a:xfrm>
+          <a:prstGeom prst="rect">
+            <a:avLst/>
+          </a:prstGeom>
+          <a:noFill/>
+        </p:spPr>
+        <p:txBody>
+          <a:bodyPr wrap="square" rtlCol="0">
+            <a:spAutoFit/>
+          </a:bodyPr>
+          <a:lstStyle/>
+          <a:p>
+            <a:pPr marL="457200" indent="-457200">
+              <a:buFont typeface="Wingdings" panose="05000000000000000000" pitchFamily="2" charset="2"/>
+              <a:buChar char="v"/>
+            </a:pPr>
+            <a:r>
+              <a:rPr lang="en-US" sz="3200" b="1" i="0" dirty="0">
+                <a:solidFill>
+                  <a:srgbClr val="212121"/>
+                </a:solidFill>
+                <a:effectLst/>
+                <a:latin typeface="Roboto"/>
+              </a:rPr>
+              <a:t>Splitting the dataset into train set and test set</a:t>
+            </a:r>
+            <a:endParaRPr lang="en-US" sz="3200" b="0" i="0" dirty="0">
+              <a:solidFill>
+                <a:srgbClr val="212121"/>
+              </a:solidFill>
+              <a:effectLst/>
+              <a:latin typeface="Roboto"/>
+            </a:endParaRPr>
+          </a:p>
+          <a:p>
+            <a:pPr marL="457200" indent="-457200">
+              <a:buFont typeface="Wingdings" panose="05000000000000000000" pitchFamily="2" charset="2"/>
+              <a:buChar char="v"/>
+            </a:pPr>
+            <a:endParaRPr lang="en-IL" sz="3200" b="1" dirty="0">
+              <a:solidFill>
+                <a:schemeClr val="bg1"/>
+              </a:solidFill>
+            </a:endParaRPr>
+          </a:p>
+        </p:txBody>
+      </p:sp>
+      <p:pic>
+        <p:nvPicPr>
+          <p:cNvPr id="3" name="Image 2" descr="Une image contenant texte&#10;&#10;Description générée automatiquement">
+            <a:extLst>
+              <a:ext uri="{FF2B5EF4-FFF2-40B4-BE49-F238E27FC236}">
+                <a16:creationId xmlns:a16="http://schemas.microsoft.com/office/drawing/2014/main" id="{8709D862-5785-4677-95C1-03814FD814D7}"/>
+              </a:ext>
+            </a:extLst>
+          </p:cNvPr>
+          <p:cNvPicPr>
+            <a:picLocks noChangeAspect="1"/>
+          </p:cNvPicPr>
+          <p:nvPr/>
+        </p:nvPicPr>
+        <p:blipFill>
+          <a:blip r:embed="rId2">
+            <a:extLst>
+              <a:ext uri="{28A0092B-C50C-407E-A947-70E740481C1C}">
+                <a14:useLocalDpi xmlns:a14="http://schemas.microsoft.com/office/drawing/2010/main" val="0"/>
+              </a:ext>
+            </a:extLst>
+          </a:blip>
+          <a:stretch>
+            <a:fillRect/>
+          </a:stretch>
+        </p:blipFill>
+        <p:spPr>
+          <a:xfrm>
+            <a:off x="459046" y="1605280"/>
+            <a:ext cx="8796714" cy="2194560"/>
+          </a:xfrm>
+          <a:prstGeom prst="rect">
+            <a:avLst/>
+          </a:prstGeom>
+        </p:spPr>
+      </p:pic>
+      <p:sp>
+        <p:nvSpPr>
+          <p:cNvPr id="6" name="ZoneTexte 5">
+            <a:extLst>
+              <a:ext uri="{FF2B5EF4-FFF2-40B4-BE49-F238E27FC236}">
+                <a16:creationId xmlns:a16="http://schemas.microsoft.com/office/drawing/2014/main" id="{F25A8FD4-982B-4045-8531-49AF061E984E}"/>
+              </a:ext>
+            </a:extLst>
+          </p:cNvPr>
+          <p:cNvSpPr txBox="1"/>
+          <p:nvPr/>
+        </p:nvSpPr>
+        <p:spPr>
+          <a:xfrm>
+            <a:off x="804402" y="4267200"/>
+            <a:ext cx="7089918" cy="954107"/>
+          </a:xfrm>
+          <a:prstGeom prst="rect">
+            <a:avLst/>
+          </a:prstGeom>
+          <a:noFill/>
+        </p:spPr>
+        <p:txBody>
+          <a:bodyPr wrap="square" rtlCol="0">
+            <a:spAutoFit/>
+          </a:bodyPr>
+          <a:lstStyle/>
+          <a:p>
+            <a:pPr marL="285750" indent="-285750">
+              <a:buFont typeface="Arial" panose="020B0604020202020204" pitchFamily="34" charset="0"/>
+              <a:buChar char="•"/>
+            </a:pPr>
+            <a:r>
+              <a:rPr lang="en-US" sz="2800" dirty="0"/>
+              <a:t>Training data size = 80%</a:t>
+            </a:r>
+          </a:p>
+          <a:p>
+            <a:pPr marL="285750" indent="-285750">
+              <a:buFont typeface="Arial" panose="020B0604020202020204" pitchFamily="34" charset="0"/>
+              <a:buChar char="•"/>
+            </a:pPr>
+            <a:r>
+              <a:rPr lang="en-US" sz="2800" dirty="0"/>
+              <a:t>Testing data size = 20%</a:t>
+            </a:r>
+          </a:p>
+        </p:txBody>
+      </p:sp>
+    </p:spTree>
+    <p:extLst>
+      <p:ext uri="{BB962C8B-B14F-4D97-AF65-F5344CB8AC3E}">
+        <p14:creationId xmlns:p14="http://schemas.microsoft.com/office/powerpoint/2010/main" val="212952581"/>
+      </p:ext>
+    </p:extLst>
+  </p:cSld>
+  <p:clrMapOvr>
+    <a:masterClrMapping/>
+  </p:clrMapOvr>
+  <p:transition spd="slow">
+    <p:wipe dir="r"/>
+  </p:transition>
+</p:sld>
+</file>
+
+<file path=ppt/slides/slide14.xml><?xml version="1.0" encoding="utf-8"?>
+<p:sld xmlns:a="http://schemas.openxmlformats.org/drawingml/2006/main" xmlns:r="http://schemas.openxmlformats.org/officeDocument/2006/relationships" xmlns:p="http://schemas.openxmlformats.org/presentationml/2006/main">
+  <p:cSld>
+    <p:bg>
+      <p:bgPr>
+        <a:gradFill rotWithShape="1">
+          <a:gsLst>
+            <a:gs pos="10000">
+              <a:schemeClr val="bg1">
+                <a:tint val="97000"/>
+                <a:hueMod val="92000"/>
+                <a:satMod val="169000"/>
+                <a:lumMod val="164000"/>
+              </a:schemeClr>
+            </a:gs>
+            <a:gs pos="100000">
+              <a:schemeClr val="bg1">
+                <a:shade val="96000"/>
+                <a:satMod val="120000"/>
+                <a:lumMod val="90000"/>
+              </a:schemeClr>
+            </a:gs>
+          </a:gsLst>
+          <a:lin ang="6120000" scaled="1"/>
+        </a:gradFill>
+        <a:effectLst/>
+      </p:bgPr>
+    </p:bg>
+    <p:spTree>
+      <p:nvGrpSpPr>
+        <p:cNvPr id="1" name=""/>
+        <p:cNvGrpSpPr/>
+        <p:nvPr/>
+      </p:nvGrpSpPr>
+      <p:grpSpPr>
+        <a:xfrm>
+          <a:off x="0" y="0"/>
+          <a:ext cx="0" cy="0"/>
+          <a:chOff x="0" y="0"/>
+          <a:chExt cx="0" cy="0"/>
+        </a:xfrm>
+      </p:grpSpPr>
+      <p:sp>
+        <p:nvSpPr>
+          <p:cNvPr id="5" name="ZoneTexte 4">
+            <a:extLst>
+              <a:ext uri="{FF2B5EF4-FFF2-40B4-BE49-F238E27FC236}">
+                <a16:creationId xmlns:a16="http://schemas.microsoft.com/office/drawing/2014/main" id="{876FF7F0-32D0-4CD4-A877-04E15965A92F}"/>
+              </a:ext>
+            </a:extLst>
+          </p:cNvPr>
+          <p:cNvSpPr txBox="1"/>
+          <p:nvPr/>
+        </p:nvSpPr>
+        <p:spPr>
+          <a:xfrm>
+            <a:off x="161926" y="729779"/>
+            <a:ext cx="11934824" cy="3293209"/>
+          </a:xfrm>
+          <a:prstGeom prst="rect">
+            <a:avLst/>
+          </a:prstGeom>
+          <a:noFill/>
+        </p:spPr>
+        <p:txBody>
+          <a:bodyPr wrap="square" rtlCol="0">
+            <a:spAutoFit/>
+          </a:bodyPr>
+          <a:lstStyle/>
+          <a:p>
+            <a:pPr marL="914400" indent="-914400">
+              <a:buAutoNum type="arabicPeriod" startAt="3"/>
+            </a:pPr>
+            <a:r>
+              <a:rPr lang="en-US" sz="5400" b="1" dirty="0">
+                <a:latin typeface="Agency FB" panose="020B0503020202020204" pitchFamily="34" charset="0"/>
+              </a:rPr>
+              <a:t>Implementation</a:t>
+            </a:r>
+          </a:p>
+          <a:p>
+            <a:endParaRPr lang="en-US" sz="5400" b="1" dirty="0">
+              <a:latin typeface="Agency FB" panose="020B0503020202020204" pitchFamily="34" charset="0"/>
+            </a:endParaRPr>
+          </a:p>
+          <a:p>
+            <a:r>
+              <a:rPr lang="en-US" sz="4000" b="1" dirty="0">
+                <a:latin typeface="Agency FB" panose="020B0503020202020204" pitchFamily="34" charset="0"/>
+              </a:rPr>
+              <a:t>	</a:t>
+            </a:r>
+            <a:r>
+              <a:rPr lang="en-US" sz="3200" b="1" dirty="0">
+                <a:latin typeface="Agency FB" panose="020B0503020202020204" pitchFamily="34" charset="0"/>
+              </a:rPr>
+              <a:t>3.2 Convolutional Neural Network Architecture</a:t>
+            </a:r>
+          </a:p>
+          <a:p>
+            <a:endParaRPr lang="en-US" dirty="0">
+              <a:solidFill>
+                <a:schemeClr val="bg1"/>
+              </a:solidFill>
+            </a:endParaRPr>
+          </a:p>
+          <a:p>
+            <a:endParaRPr lang="en-US" dirty="0"/>
+          </a:p>
+          <a:p>
+            <a:r>
+              <a:rPr lang="en-US" sz="2400" dirty="0"/>
+              <a:t>		</a:t>
+            </a:r>
+            <a:endParaRPr lang="en-IL" sz="2800" i="1" dirty="0"/>
+          </a:p>
+        </p:txBody>
+      </p:sp>
+    </p:spTree>
+    <p:extLst>
+      <p:ext uri="{BB962C8B-B14F-4D97-AF65-F5344CB8AC3E}">
+        <p14:creationId xmlns:p14="http://schemas.microsoft.com/office/powerpoint/2010/main" val="3911725902"/>
+      </p:ext>
+    </p:extLst>
+  </p:cSld>
+  <p:clrMapOvr>
+    <a:masterClrMapping/>
+  </p:clrMapOvr>
+  <p:transition spd="slow">
+    <p:wipe dir="r"/>
+  </p:transition>
+</p:sld>
+</file>
+
+<file path=ppt/slides/slide15.xml><?xml version="1.0" encoding="utf-8"?>
+<p:sld xmlns:a="http://schemas.openxmlformats.org/drawingml/2006/main" xmlns:r="http://schemas.openxmlformats.org/officeDocument/2006/relationships" xmlns:p="http://schemas.openxmlformats.org/presentationml/2006/main">
+  <p:cSld>
+    <p:spTree>
+      <p:nvGrpSpPr>
+        <p:cNvPr id="1" name=""/>
+        <p:cNvGrpSpPr/>
+        <p:nvPr/>
+      </p:nvGrpSpPr>
+      <p:grpSpPr>
+        <a:xfrm>
+          <a:off x="0" y="0"/>
+          <a:ext cx="0" cy="0"/>
+          <a:chOff x="0" y="0"/>
+          <a:chExt cx="0" cy="0"/>
+        </a:xfrm>
+      </p:grpSpPr>
+      <p:sp>
+        <p:nvSpPr>
+          <p:cNvPr id="5" name="ZoneTexte 4">
+            <a:extLst>
+              <a:ext uri="{FF2B5EF4-FFF2-40B4-BE49-F238E27FC236}">
+                <a16:creationId xmlns:a16="http://schemas.microsoft.com/office/drawing/2014/main" id="{4B756054-08A3-4288-9125-9F314B993E8F}"/>
+              </a:ext>
+            </a:extLst>
+          </p:cNvPr>
+          <p:cNvSpPr txBox="1"/>
+          <p:nvPr/>
+        </p:nvSpPr>
+        <p:spPr>
+          <a:xfrm>
+            <a:off x="804402" y="383458"/>
+            <a:ext cx="10987548" cy="1077218"/>
+          </a:xfrm>
+          <a:prstGeom prst="rect">
+            <a:avLst/>
+          </a:prstGeom>
+          <a:noFill/>
+        </p:spPr>
+        <p:txBody>
+          <a:bodyPr wrap="square" rtlCol="0">
+            <a:spAutoFit/>
+          </a:bodyPr>
+          <a:lstStyle/>
+          <a:p>
+            <a:pPr marL="457200" indent="-457200">
+              <a:buFont typeface="Wingdings" panose="05000000000000000000" pitchFamily="2" charset="2"/>
+              <a:buChar char="v"/>
+            </a:pPr>
+            <a:r>
+              <a:rPr lang="en-US" sz="3200" b="1" dirty="0">
+                <a:solidFill>
+                  <a:srgbClr val="212121"/>
+                </a:solidFill>
+                <a:latin typeface="Roboto"/>
+              </a:rPr>
+              <a:t>ConvNet Architecture</a:t>
+            </a:r>
+            <a:endParaRPr lang="en-US" sz="3200" b="0" i="0" dirty="0">
+              <a:solidFill>
+                <a:srgbClr val="212121"/>
+              </a:solidFill>
+              <a:effectLst/>
+              <a:latin typeface="Roboto"/>
+            </a:endParaRPr>
+          </a:p>
+          <a:p>
+            <a:pPr marL="457200" indent="-457200">
+              <a:buFont typeface="Wingdings" panose="05000000000000000000" pitchFamily="2" charset="2"/>
+              <a:buChar char="v"/>
+            </a:pPr>
+            <a:endParaRPr lang="en-IL" sz="3200" b="1" dirty="0">
+              <a:solidFill>
+                <a:schemeClr val="bg1"/>
+              </a:solidFill>
+            </a:endParaRPr>
+          </a:p>
+        </p:txBody>
+      </p:sp>
+      <p:pic>
+        <p:nvPicPr>
+          <p:cNvPr id="4" name="Image 3">
+            <a:extLst>
+              <a:ext uri="{FF2B5EF4-FFF2-40B4-BE49-F238E27FC236}">
+                <a16:creationId xmlns:a16="http://schemas.microsoft.com/office/drawing/2014/main" id="{E248AC89-FDA2-49C6-B26B-353734F8716B}"/>
+              </a:ext>
+            </a:extLst>
+          </p:cNvPr>
+          <p:cNvPicPr>
+            <a:picLocks noChangeAspect="1"/>
+          </p:cNvPicPr>
+          <p:nvPr/>
+        </p:nvPicPr>
+        <p:blipFill>
+          <a:blip r:embed="rId2"/>
+          <a:stretch>
+            <a:fillRect/>
+          </a:stretch>
+        </p:blipFill>
+        <p:spPr>
+          <a:xfrm>
+            <a:off x="400050" y="1018622"/>
+            <a:ext cx="6614160" cy="5455920"/>
+          </a:xfrm>
+          <a:prstGeom prst="rect">
+            <a:avLst/>
+          </a:prstGeom>
+        </p:spPr>
+      </p:pic>
+      <p:sp>
+        <p:nvSpPr>
+          <p:cNvPr id="9" name="ZoneTexte 8">
+            <a:extLst>
+              <a:ext uri="{FF2B5EF4-FFF2-40B4-BE49-F238E27FC236}">
+                <a16:creationId xmlns:a16="http://schemas.microsoft.com/office/drawing/2014/main" id="{ADDB37C2-15B5-4360-A688-96186D9535A3}"/>
+              </a:ext>
+            </a:extLst>
+          </p:cNvPr>
+          <p:cNvSpPr txBox="1"/>
+          <p:nvPr/>
+        </p:nvSpPr>
+        <p:spPr>
+          <a:xfrm>
+            <a:off x="6636242" y="1338373"/>
+            <a:ext cx="5697998" cy="523220"/>
+          </a:xfrm>
+          <a:prstGeom prst="rect">
+            <a:avLst/>
+          </a:prstGeom>
+          <a:noFill/>
+        </p:spPr>
+        <p:txBody>
+          <a:bodyPr wrap="square" rtlCol="0">
+            <a:spAutoFit/>
+          </a:bodyPr>
+          <a:lstStyle/>
+          <a:p>
+            <a:pPr algn="ctr"/>
+            <a:r>
+              <a:rPr lang="en-US" sz="1400" dirty="0"/>
+              <a:t>          16 filters, each one of size 3x3 (Relu Activation Function)</a:t>
+            </a:r>
+          </a:p>
+          <a:p>
+            <a:pPr algn="ctr"/>
+            <a:r>
+              <a:rPr lang="en-US" sz="1400" dirty="0"/>
+              <a:t>	Batch Normalization </a:t>
+            </a:r>
+            <a:r>
+              <a:rPr lang="en-US" sz="1400" dirty="0">
+                <a:sym typeface="Wingdings" panose="05000000000000000000" pitchFamily="2" charset="2"/>
+              </a:rPr>
+              <a:t> Maxpooling 2x2  10% 	DropOut</a:t>
+            </a:r>
+            <a:endParaRPr lang="en-IL" sz="4000" dirty="0"/>
+          </a:p>
+        </p:txBody>
+      </p:sp>
+      <p:sp>
+        <p:nvSpPr>
+          <p:cNvPr id="10" name="ZoneTexte 9">
+            <a:extLst>
+              <a:ext uri="{FF2B5EF4-FFF2-40B4-BE49-F238E27FC236}">
+                <a16:creationId xmlns:a16="http://schemas.microsoft.com/office/drawing/2014/main" id="{19304ECA-5078-4DE6-B274-64A5695AE6F8}"/>
+              </a:ext>
+            </a:extLst>
+          </p:cNvPr>
+          <p:cNvSpPr txBox="1"/>
+          <p:nvPr/>
+        </p:nvSpPr>
+        <p:spPr>
+          <a:xfrm>
+            <a:off x="7014210" y="710845"/>
+            <a:ext cx="270510" cy="1292662"/>
+          </a:xfrm>
+          <a:prstGeom prst="rect">
+            <a:avLst/>
+          </a:prstGeom>
+          <a:noFill/>
+        </p:spPr>
+        <p:txBody>
+          <a:bodyPr wrap="square" rtlCol="0">
+            <a:spAutoFit/>
+          </a:bodyPr>
+          <a:lstStyle/>
+          <a:p>
+            <a:endParaRPr lang="en-US" dirty="0"/>
+          </a:p>
+          <a:p>
+            <a:r>
+              <a:rPr lang="en-US" sz="6000" dirty="0"/>
+              <a:t>}</a:t>
+            </a:r>
+            <a:endParaRPr lang="en-IL" sz="6000" dirty="0"/>
+          </a:p>
+        </p:txBody>
+      </p:sp>
+      <p:sp>
+        <p:nvSpPr>
+          <p:cNvPr id="11" name="ZoneTexte 10">
+            <a:extLst>
+              <a:ext uri="{FF2B5EF4-FFF2-40B4-BE49-F238E27FC236}">
+                <a16:creationId xmlns:a16="http://schemas.microsoft.com/office/drawing/2014/main" id="{F09459A5-424D-4E8E-AAE9-11291DDC4D39}"/>
+              </a:ext>
+            </a:extLst>
+          </p:cNvPr>
+          <p:cNvSpPr txBox="1"/>
+          <p:nvPr/>
+        </p:nvSpPr>
+        <p:spPr>
+          <a:xfrm>
+            <a:off x="7014210" y="1460676"/>
+            <a:ext cx="270510" cy="1292662"/>
+          </a:xfrm>
+          <a:prstGeom prst="rect">
+            <a:avLst/>
+          </a:prstGeom>
+          <a:noFill/>
+        </p:spPr>
+        <p:txBody>
+          <a:bodyPr wrap="square" rtlCol="0">
+            <a:spAutoFit/>
+          </a:bodyPr>
+          <a:lstStyle/>
+          <a:p>
+            <a:endParaRPr lang="en-US" dirty="0"/>
+          </a:p>
+          <a:p>
+            <a:r>
+              <a:rPr lang="en-US" sz="6000" dirty="0"/>
+              <a:t>}</a:t>
+            </a:r>
+            <a:endParaRPr lang="en-IL" sz="6000" dirty="0"/>
+          </a:p>
+        </p:txBody>
+      </p:sp>
+      <p:sp>
+        <p:nvSpPr>
+          <p:cNvPr id="13" name="ZoneTexte 12">
+            <a:extLst>
+              <a:ext uri="{FF2B5EF4-FFF2-40B4-BE49-F238E27FC236}">
+                <a16:creationId xmlns:a16="http://schemas.microsoft.com/office/drawing/2014/main" id="{8FEC1659-8E46-4D0A-8164-3680A98ABC78}"/>
+              </a:ext>
+            </a:extLst>
+          </p:cNvPr>
+          <p:cNvSpPr txBox="1"/>
+          <p:nvPr/>
+        </p:nvSpPr>
+        <p:spPr>
+          <a:xfrm>
+            <a:off x="7014210" y="2227627"/>
+            <a:ext cx="270510" cy="1292662"/>
+          </a:xfrm>
+          <a:prstGeom prst="rect">
+            <a:avLst/>
+          </a:prstGeom>
+          <a:noFill/>
+        </p:spPr>
+        <p:txBody>
+          <a:bodyPr wrap="square" rtlCol="0">
+            <a:spAutoFit/>
+          </a:bodyPr>
+          <a:lstStyle/>
+          <a:p>
+            <a:endParaRPr lang="en-US" dirty="0"/>
+          </a:p>
+          <a:p>
+            <a:r>
+              <a:rPr lang="en-US" sz="6000" dirty="0"/>
+              <a:t>}</a:t>
+            </a:r>
+            <a:endParaRPr lang="en-IL" sz="6000" dirty="0"/>
+          </a:p>
+        </p:txBody>
+      </p:sp>
+      <p:sp>
+        <p:nvSpPr>
+          <p:cNvPr id="15" name="ZoneTexte 14">
+            <a:extLst>
+              <a:ext uri="{FF2B5EF4-FFF2-40B4-BE49-F238E27FC236}">
+                <a16:creationId xmlns:a16="http://schemas.microsoft.com/office/drawing/2014/main" id="{4612E022-F368-4C6D-A4B9-03FE74241004}"/>
+              </a:ext>
+            </a:extLst>
+          </p:cNvPr>
+          <p:cNvSpPr txBox="1"/>
+          <p:nvPr/>
+        </p:nvSpPr>
+        <p:spPr>
+          <a:xfrm>
+            <a:off x="7023243" y="2970232"/>
+            <a:ext cx="270510" cy="1292662"/>
+          </a:xfrm>
+          <a:prstGeom prst="rect">
+            <a:avLst/>
+          </a:prstGeom>
+          <a:noFill/>
+        </p:spPr>
+        <p:txBody>
+          <a:bodyPr wrap="square" rtlCol="0">
+            <a:spAutoFit/>
+          </a:bodyPr>
+          <a:lstStyle/>
+          <a:p>
+            <a:endParaRPr lang="en-US" dirty="0"/>
+          </a:p>
+          <a:p>
+            <a:r>
+              <a:rPr lang="en-US" sz="6000" dirty="0"/>
+              <a:t>}</a:t>
+            </a:r>
+            <a:endParaRPr lang="en-IL" sz="6000" dirty="0"/>
+          </a:p>
+        </p:txBody>
+      </p:sp>
+      <p:sp>
+        <p:nvSpPr>
+          <p:cNvPr id="17" name="ZoneTexte 16">
+            <a:extLst>
+              <a:ext uri="{FF2B5EF4-FFF2-40B4-BE49-F238E27FC236}">
+                <a16:creationId xmlns:a16="http://schemas.microsoft.com/office/drawing/2014/main" id="{BC976C3A-A058-4C85-AA1D-1F84D2053BE4}"/>
+              </a:ext>
+            </a:extLst>
+          </p:cNvPr>
+          <p:cNvSpPr txBox="1"/>
+          <p:nvPr/>
+        </p:nvSpPr>
+        <p:spPr>
+          <a:xfrm>
+            <a:off x="6707362" y="2070343"/>
+            <a:ext cx="5697998" cy="523220"/>
+          </a:xfrm>
+          <a:prstGeom prst="rect">
+            <a:avLst/>
+          </a:prstGeom>
+          <a:noFill/>
+        </p:spPr>
+        <p:txBody>
+          <a:bodyPr wrap="square" rtlCol="0">
+            <a:spAutoFit/>
+          </a:bodyPr>
+          <a:lstStyle/>
+          <a:p>
+            <a:pPr algn="ctr"/>
+            <a:r>
+              <a:rPr lang="en-US" sz="1400" dirty="0"/>
+              <a:t>          32 filters, each one of size 3x3 (Relu Activation Function)</a:t>
+            </a:r>
+          </a:p>
+          <a:p>
+            <a:pPr algn="ctr"/>
+            <a:r>
+              <a:rPr lang="en-US" sz="1400" dirty="0"/>
+              <a:t>	Batch Normalization </a:t>
+            </a:r>
+            <a:r>
+              <a:rPr lang="en-US" sz="1400" dirty="0">
+                <a:sym typeface="Wingdings" panose="05000000000000000000" pitchFamily="2" charset="2"/>
+              </a:rPr>
+              <a:t> Maxpooling 2x2</a:t>
+            </a:r>
+            <a:endParaRPr lang="en-IL" sz="4000" dirty="0"/>
+          </a:p>
+        </p:txBody>
+      </p:sp>
+      <p:sp>
+        <p:nvSpPr>
+          <p:cNvPr id="18" name="ZoneTexte 17">
+            <a:extLst>
+              <a:ext uri="{FF2B5EF4-FFF2-40B4-BE49-F238E27FC236}">
+                <a16:creationId xmlns:a16="http://schemas.microsoft.com/office/drawing/2014/main" id="{11BAABFF-AA0C-44B7-B5CB-A9324ED17696}"/>
+              </a:ext>
+            </a:extLst>
+          </p:cNvPr>
+          <p:cNvSpPr txBox="1"/>
+          <p:nvPr/>
+        </p:nvSpPr>
+        <p:spPr>
+          <a:xfrm>
+            <a:off x="6707362" y="2813440"/>
+            <a:ext cx="5697998" cy="523220"/>
+          </a:xfrm>
+          <a:prstGeom prst="rect">
+            <a:avLst/>
+          </a:prstGeom>
+          <a:noFill/>
+        </p:spPr>
+        <p:txBody>
+          <a:bodyPr wrap="square" rtlCol="0">
+            <a:spAutoFit/>
+          </a:bodyPr>
+          <a:lstStyle/>
+          <a:p>
+            <a:pPr algn="ctr"/>
+            <a:r>
+              <a:rPr lang="en-US" sz="1400" dirty="0"/>
+              <a:t>          64 filters, each one of size 3x3 (Relu Activation Function)</a:t>
+            </a:r>
+          </a:p>
+          <a:p>
+            <a:pPr algn="ctr"/>
+            <a:r>
+              <a:rPr lang="en-US" sz="1400" dirty="0"/>
+              <a:t>	Batch Normalization </a:t>
+            </a:r>
+            <a:r>
+              <a:rPr lang="en-US" sz="1400" dirty="0">
+                <a:sym typeface="Wingdings" panose="05000000000000000000" pitchFamily="2" charset="2"/>
+              </a:rPr>
+              <a:t> Maxpooling 2x2  20% 	DropOut</a:t>
+            </a:r>
+            <a:endParaRPr lang="en-IL" sz="4000" dirty="0"/>
+          </a:p>
+        </p:txBody>
+      </p:sp>
+      <p:sp>
+        <p:nvSpPr>
+          <p:cNvPr id="19" name="ZoneTexte 18">
+            <a:extLst>
+              <a:ext uri="{FF2B5EF4-FFF2-40B4-BE49-F238E27FC236}">
+                <a16:creationId xmlns:a16="http://schemas.microsoft.com/office/drawing/2014/main" id="{FFB72200-2188-4E60-AB4C-455AEFE00A39}"/>
+              </a:ext>
+            </a:extLst>
+          </p:cNvPr>
+          <p:cNvSpPr txBox="1"/>
+          <p:nvPr/>
+        </p:nvSpPr>
+        <p:spPr>
+          <a:xfrm>
+            <a:off x="6636242" y="3568291"/>
+            <a:ext cx="5697998" cy="523220"/>
+          </a:xfrm>
+          <a:prstGeom prst="rect">
+            <a:avLst/>
+          </a:prstGeom>
+          <a:noFill/>
+        </p:spPr>
+        <p:txBody>
+          <a:bodyPr wrap="square" rtlCol="0">
+            <a:spAutoFit/>
+          </a:bodyPr>
+          <a:lstStyle/>
+          <a:p>
+            <a:pPr algn="ctr"/>
+            <a:r>
+              <a:rPr lang="en-US" sz="1400" dirty="0"/>
+              <a:t>          128 filters, each one of size 3x3 (Relu Activation Function)</a:t>
+            </a:r>
+          </a:p>
+          <a:p>
+            <a:pPr algn="ctr"/>
+            <a:r>
+              <a:rPr lang="en-US" sz="1400" dirty="0"/>
+              <a:t>	Batch Normalization </a:t>
+            </a:r>
+            <a:r>
+              <a:rPr lang="en-US" sz="1400" dirty="0">
+                <a:sym typeface="Wingdings" panose="05000000000000000000" pitchFamily="2" charset="2"/>
+              </a:rPr>
+              <a:t> Maxpooling 2x2</a:t>
+            </a:r>
+            <a:endParaRPr lang="en-IL" sz="4000" dirty="0"/>
+          </a:p>
+        </p:txBody>
+      </p:sp>
+      <p:sp>
+        <p:nvSpPr>
+          <p:cNvPr id="21" name="ZoneTexte 20">
+            <a:extLst>
+              <a:ext uri="{FF2B5EF4-FFF2-40B4-BE49-F238E27FC236}">
+                <a16:creationId xmlns:a16="http://schemas.microsoft.com/office/drawing/2014/main" id="{BC77B6DE-CB8C-4620-94A1-7E04CA716C75}"/>
+              </a:ext>
+            </a:extLst>
+          </p:cNvPr>
+          <p:cNvSpPr txBox="1"/>
+          <p:nvPr/>
+        </p:nvSpPr>
+        <p:spPr>
+          <a:xfrm>
+            <a:off x="7061835" y="3835527"/>
+            <a:ext cx="270510" cy="738664"/>
+          </a:xfrm>
+          <a:prstGeom prst="rect">
+            <a:avLst/>
+          </a:prstGeom>
+          <a:noFill/>
+        </p:spPr>
+        <p:txBody>
+          <a:bodyPr wrap="square" rtlCol="0">
+            <a:spAutoFit/>
+          </a:bodyPr>
+          <a:lstStyle/>
+          <a:p>
+            <a:endParaRPr lang="en-US" dirty="0"/>
+          </a:p>
+          <a:p>
+            <a:r>
+              <a:rPr lang="en-US" sz="2400" dirty="0"/>
+              <a:t>}</a:t>
+            </a:r>
+            <a:endParaRPr lang="en-IL" sz="2400" dirty="0"/>
+          </a:p>
+        </p:txBody>
+      </p:sp>
+      <p:sp>
+        <p:nvSpPr>
+          <p:cNvPr id="22" name="ZoneTexte 21">
+            <a:extLst>
+              <a:ext uri="{FF2B5EF4-FFF2-40B4-BE49-F238E27FC236}">
+                <a16:creationId xmlns:a16="http://schemas.microsoft.com/office/drawing/2014/main" id="{0E31EA7D-14DB-476A-B3EC-F19EEC03833B}"/>
+              </a:ext>
+            </a:extLst>
+          </p:cNvPr>
+          <p:cNvSpPr txBox="1"/>
+          <p:nvPr/>
+        </p:nvSpPr>
+        <p:spPr>
+          <a:xfrm>
+            <a:off x="6707362" y="4182534"/>
+            <a:ext cx="5697998" cy="307777"/>
+          </a:xfrm>
+          <a:prstGeom prst="rect">
+            <a:avLst/>
+          </a:prstGeom>
+          <a:noFill/>
+        </p:spPr>
+        <p:txBody>
+          <a:bodyPr wrap="square" rtlCol="0">
+            <a:spAutoFit/>
+          </a:bodyPr>
+          <a:lstStyle/>
+          <a:p>
+            <a:pPr algn="ctr"/>
+            <a:r>
+              <a:rPr lang="en-US" sz="1400" dirty="0"/>
+              <a:t>          Flatten Layer</a:t>
+            </a:r>
+            <a:endParaRPr lang="en-IL" sz="4000" dirty="0"/>
+          </a:p>
+        </p:txBody>
+      </p:sp>
+      <p:sp>
+        <p:nvSpPr>
+          <p:cNvPr id="25" name="ZoneTexte 24">
+            <a:extLst>
+              <a:ext uri="{FF2B5EF4-FFF2-40B4-BE49-F238E27FC236}">
+                <a16:creationId xmlns:a16="http://schemas.microsoft.com/office/drawing/2014/main" id="{19F3BFB7-382E-47B4-BBE3-E53A1E0D7D52}"/>
+              </a:ext>
+            </a:extLst>
+          </p:cNvPr>
+          <p:cNvSpPr txBox="1"/>
+          <p:nvPr/>
+        </p:nvSpPr>
+        <p:spPr>
+          <a:xfrm>
+            <a:off x="7061835" y="4163713"/>
+            <a:ext cx="270510" cy="923330"/>
+          </a:xfrm>
+          <a:prstGeom prst="rect">
+            <a:avLst/>
+          </a:prstGeom>
+          <a:noFill/>
+        </p:spPr>
+        <p:txBody>
+          <a:bodyPr wrap="square" rtlCol="0">
+            <a:spAutoFit/>
+          </a:bodyPr>
+          <a:lstStyle/>
+          <a:p>
+            <a:endParaRPr lang="en-US" dirty="0"/>
+          </a:p>
+          <a:p>
+            <a:r>
+              <a:rPr lang="en-US" sz="3600" dirty="0"/>
+              <a:t>}</a:t>
+            </a:r>
+            <a:endParaRPr lang="en-IL" sz="3600" dirty="0"/>
+          </a:p>
+        </p:txBody>
+      </p:sp>
+      <p:sp>
+        <p:nvSpPr>
+          <p:cNvPr id="26" name="ZoneTexte 25">
+            <a:extLst>
+              <a:ext uri="{FF2B5EF4-FFF2-40B4-BE49-F238E27FC236}">
+                <a16:creationId xmlns:a16="http://schemas.microsoft.com/office/drawing/2014/main" id="{09B00049-A6BB-4B3C-AFCC-EA6A43A0C456}"/>
+              </a:ext>
+            </a:extLst>
+          </p:cNvPr>
+          <p:cNvSpPr txBox="1"/>
+          <p:nvPr/>
+        </p:nvSpPr>
+        <p:spPr>
+          <a:xfrm>
+            <a:off x="6814042" y="4585443"/>
+            <a:ext cx="5484638" cy="523220"/>
+          </a:xfrm>
+          <a:prstGeom prst="rect">
+            <a:avLst/>
+          </a:prstGeom>
+          <a:noFill/>
+        </p:spPr>
+        <p:txBody>
+          <a:bodyPr wrap="square" rtlCol="0">
+            <a:spAutoFit/>
+          </a:bodyPr>
+          <a:lstStyle/>
+          <a:p>
+            <a:pPr algn="ctr"/>
+            <a:r>
+              <a:rPr lang="en-US" sz="1400" dirty="0"/>
+              <a:t>          Dense Layer (128 neurons) , Relu Activation  Function </a:t>
+            </a:r>
+            <a:r>
+              <a:rPr lang="en-US" sz="1400" dirty="0">
+                <a:sym typeface="Wingdings" panose="05000000000000000000" pitchFamily="2" charset="2"/>
+              </a:rPr>
+              <a:t>Batch Normalization </a:t>
+            </a:r>
+            <a:endParaRPr lang="en-US" sz="1400" dirty="0"/>
+          </a:p>
+        </p:txBody>
+      </p:sp>
+      <p:sp>
+        <p:nvSpPr>
+          <p:cNvPr id="27" name="ZoneTexte 26">
+            <a:extLst>
+              <a:ext uri="{FF2B5EF4-FFF2-40B4-BE49-F238E27FC236}">
+                <a16:creationId xmlns:a16="http://schemas.microsoft.com/office/drawing/2014/main" id="{EB19B338-E753-4460-9B8A-BEDF0E9EC9B2}"/>
+              </a:ext>
+            </a:extLst>
+          </p:cNvPr>
+          <p:cNvSpPr txBox="1"/>
+          <p:nvPr/>
+        </p:nvSpPr>
+        <p:spPr>
+          <a:xfrm>
+            <a:off x="6742922" y="5304696"/>
+            <a:ext cx="5484638" cy="523220"/>
+          </a:xfrm>
+          <a:prstGeom prst="rect">
+            <a:avLst/>
+          </a:prstGeom>
+          <a:noFill/>
+        </p:spPr>
+        <p:txBody>
+          <a:bodyPr wrap="square" rtlCol="0">
+            <a:spAutoFit/>
+          </a:bodyPr>
+          <a:lstStyle/>
+          <a:p>
+            <a:pPr algn="ctr"/>
+            <a:r>
+              <a:rPr lang="en-US" sz="1400" dirty="0"/>
+              <a:t>          Dense Layer (128 neurons) , Relu Activation  Function </a:t>
+            </a:r>
+            <a:r>
+              <a:rPr lang="en-US" sz="1400" dirty="0">
+                <a:sym typeface="Wingdings" panose="05000000000000000000" pitchFamily="2" charset="2"/>
+              </a:rPr>
+              <a:t>Batch Normalization </a:t>
+            </a:r>
+            <a:endParaRPr lang="en-US" sz="1400" dirty="0"/>
+          </a:p>
+        </p:txBody>
+      </p:sp>
+      <p:sp>
+        <p:nvSpPr>
+          <p:cNvPr id="28" name="ZoneTexte 27">
+            <a:extLst>
+              <a:ext uri="{FF2B5EF4-FFF2-40B4-BE49-F238E27FC236}">
+                <a16:creationId xmlns:a16="http://schemas.microsoft.com/office/drawing/2014/main" id="{F0FE3783-E022-4537-9EE2-C8041898C933}"/>
+              </a:ext>
+            </a:extLst>
+          </p:cNvPr>
+          <p:cNvSpPr txBox="1"/>
+          <p:nvPr/>
+        </p:nvSpPr>
+        <p:spPr>
+          <a:xfrm>
+            <a:off x="7098522" y="4874879"/>
+            <a:ext cx="270510" cy="923330"/>
+          </a:xfrm>
+          <a:prstGeom prst="rect">
+            <a:avLst/>
+          </a:prstGeom>
+          <a:noFill/>
+        </p:spPr>
+        <p:txBody>
+          <a:bodyPr wrap="square" rtlCol="0">
+            <a:spAutoFit/>
+          </a:bodyPr>
+          <a:lstStyle/>
+          <a:p>
+            <a:endParaRPr lang="en-US" dirty="0"/>
+          </a:p>
+          <a:p>
+            <a:r>
+              <a:rPr lang="en-US" sz="3600" dirty="0"/>
+              <a:t>}</a:t>
+            </a:r>
+            <a:endParaRPr lang="en-IL" sz="3600" dirty="0"/>
+          </a:p>
+        </p:txBody>
+      </p:sp>
+      <p:sp>
+        <p:nvSpPr>
+          <p:cNvPr id="29" name="ZoneTexte 28">
+            <a:extLst>
+              <a:ext uri="{FF2B5EF4-FFF2-40B4-BE49-F238E27FC236}">
+                <a16:creationId xmlns:a16="http://schemas.microsoft.com/office/drawing/2014/main" id="{1F96F0C6-8BE2-435F-9634-AEB444042FD2}"/>
+              </a:ext>
+            </a:extLst>
+          </p:cNvPr>
+          <p:cNvSpPr txBox="1"/>
+          <p:nvPr/>
+        </p:nvSpPr>
+        <p:spPr>
+          <a:xfrm>
+            <a:off x="7098522" y="5827916"/>
+            <a:ext cx="270510" cy="677108"/>
+          </a:xfrm>
+          <a:prstGeom prst="rect">
+            <a:avLst/>
+          </a:prstGeom>
+          <a:noFill/>
+        </p:spPr>
+        <p:txBody>
+          <a:bodyPr wrap="square" rtlCol="0">
+            <a:spAutoFit/>
+          </a:bodyPr>
+          <a:lstStyle/>
+          <a:p>
+            <a:endParaRPr lang="en-US" dirty="0"/>
+          </a:p>
+          <a:p>
+            <a:r>
+              <a:rPr lang="en-US" sz="2000" dirty="0"/>
+              <a:t>}</a:t>
+            </a:r>
+            <a:endParaRPr lang="en-IL" sz="2000" dirty="0"/>
+          </a:p>
+        </p:txBody>
+      </p:sp>
+      <p:sp>
+        <p:nvSpPr>
+          <p:cNvPr id="30" name="ZoneTexte 29">
+            <a:extLst>
+              <a:ext uri="{FF2B5EF4-FFF2-40B4-BE49-F238E27FC236}">
+                <a16:creationId xmlns:a16="http://schemas.microsoft.com/office/drawing/2014/main" id="{2C120D1D-4BE9-43F1-BFEC-7279E5CB483B}"/>
+              </a:ext>
+            </a:extLst>
+          </p:cNvPr>
+          <p:cNvSpPr txBox="1"/>
+          <p:nvPr/>
+        </p:nvSpPr>
+        <p:spPr>
+          <a:xfrm>
+            <a:off x="6742922" y="6043137"/>
+            <a:ext cx="5484638" cy="307777"/>
+          </a:xfrm>
+          <a:prstGeom prst="rect">
+            <a:avLst/>
+          </a:prstGeom>
+          <a:noFill/>
+        </p:spPr>
+        <p:txBody>
+          <a:bodyPr wrap="square" rtlCol="0">
+            <a:spAutoFit/>
+          </a:bodyPr>
+          <a:lstStyle/>
+          <a:p>
+            <a:pPr algn="ctr"/>
+            <a:r>
+              <a:rPr lang="en-US" sz="1400" dirty="0"/>
+              <a:t>          Output Layer (13 neurons), Sigmoid Activation Function</a:t>
+            </a:r>
+          </a:p>
+        </p:txBody>
+      </p:sp>
+    </p:spTree>
+    <p:extLst>
+      <p:ext uri="{BB962C8B-B14F-4D97-AF65-F5344CB8AC3E}">
+        <p14:creationId xmlns:p14="http://schemas.microsoft.com/office/powerpoint/2010/main" val="3668284390"/>
+      </p:ext>
+    </p:extLst>
+  </p:cSld>
+  <p:clrMapOvr>
+    <a:masterClrMapping/>
+  </p:clrMapOvr>
+  <p:transition spd="slow">
+    <p:wipe dir="r"/>
+  </p:transition>
+</p:sld>
+</file>
+
+<file path=ppt/slides/slide16.xml><?xml version="1.0" encoding="utf-8"?>
+<p:sld xmlns:a="http://schemas.openxmlformats.org/drawingml/2006/main" xmlns:r="http://schemas.openxmlformats.org/officeDocument/2006/relationships" xmlns:p="http://schemas.openxmlformats.org/presentationml/2006/main">
+  <p:cSld>
+    <p:bg>
+      <p:bgPr>
+        <a:gradFill rotWithShape="1">
+          <a:gsLst>
+            <a:gs pos="10000">
+              <a:schemeClr val="bg1">
+                <a:tint val="97000"/>
+                <a:hueMod val="92000"/>
+                <a:satMod val="169000"/>
+                <a:lumMod val="164000"/>
+              </a:schemeClr>
+            </a:gs>
+            <a:gs pos="100000">
+              <a:schemeClr val="bg1">
+                <a:shade val="96000"/>
+                <a:satMod val="120000"/>
+                <a:lumMod val="90000"/>
+              </a:schemeClr>
+            </a:gs>
+          </a:gsLst>
+          <a:lin ang="6120000" scaled="1"/>
+        </a:gradFill>
+        <a:effectLst/>
+      </p:bgPr>
+    </p:bg>
+    <p:spTree>
+      <p:nvGrpSpPr>
+        <p:cNvPr id="1" name=""/>
+        <p:cNvGrpSpPr/>
+        <p:nvPr/>
+      </p:nvGrpSpPr>
+      <p:grpSpPr>
+        <a:xfrm>
+          <a:off x="0" y="0"/>
+          <a:ext cx="0" cy="0"/>
+          <a:chOff x="0" y="0"/>
+          <a:chExt cx="0" cy="0"/>
+        </a:xfrm>
+      </p:grpSpPr>
+      <p:sp>
+        <p:nvSpPr>
+          <p:cNvPr id="5" name="ZoneTexte 4">
+            <a:extLst>
+              <a:ext uri="{FF2B5EF4-FFF2-40B4-BE49-F238E27FC236}">
+                <a16:creationId xmlns:a16="http://schemas.microsoft.com/office/drawing/2014/main" id="{876FF7F0-32D0-4CD4-A877-04E15965A92F}"/>
+              </a:ext>
+            </a:extLst>
+          </p:cNvPr>
+          <p:cNvSpPr txBox="1"/>
+          <p:nvPr/>
+        </p:nvSpPr>
+        <p:spPr>
+          <a:xfrm>
+            <a:off x="161926" y="729779"/>
+            <a:ext cx="11934824" cy="3293209"/>
+          </a:xfrm>
+          <a:prstGeom prst="rect">
+            <a:avLst/>
+          </a:prstGeom>
+          <a:noFill/>
+        </p:spPr>
+        <p:txBody>
+          <a:bodyPr wrap="square" rtlCol="0">
+            <a:spAutoFit/>
+          </a:bodyPr>
+          <a:lstStyle/>
+          <a:p>
+            <a:pPr marL="914400" indent="-914400">
+              <a:buAutoNum type="arabicPeriod" startAt="3"/>
+            </a:pPr>
+            <a:r>
+              <a:rPr lang="en-US" sz="5400" b="1" dirty="0">
+                <a:latin typeface="Agency FB" panose="020B0503020202020204" pitchFamily="34" charset="0"/>
+              </a:rPr>
+              <a:t>Implementation</a:t>
+            </a:r>
+          </a:p>
+          <a:p>
+            <a:endParaRPr lang="en-US" sz="5400" b="1" dirty="0">
+              <a:latin typeface="Agency FB" panose="020B0503020202020204" pitchFamily="34" charset="0"/>
+            </a:endParaRPr>
+          </a:p>
+          <a:p>
+            <a:r>
+              <a:rPr lang="en-US" sz="4000" b="1" dirty="0">
+                <a:latin typeface="Agency FB" panose="020B0503020202020204" pitchFamily="34" charset="0"/>
+              </a:rPr>
+              <a:t>	</a:t>
+            </a:r>
+            <a:r>
+              <a:rPr lang="en-US" sz="3200" b="1" dirty="0">
+                <a:latin typeface="Agency FB" panose="020B0503020202020204" pitchFamily="34" charset="0"/>
+              </a:rPr>
+              <a:t>3.3 Training</a:t>
+            </a:r>
+          </a:p>
+          <a:p>
+            <a:endParaRPr lang="en-US" dirty="0">
+              <a:solidFill>
+                <a:schemeClr val="bg1"/>
+              </a:solidFill>
+            </a:endParaRPr>
+          </a:p>
+          <a:p>
+            <a:endParaRPr lang="en-US" dirty="0"/>
+          </a:p>
+          <a:p>
+            <a:r>
+              <a:rPr lang="en-US" sz="2400" dirty="0"/>
+              <a:t>		</a:t>
+            </a:r>
+            <a:endParaRPr lang="en-IL" sz="2800" i="1" dirty="0"/>
+          </a:p>
+        </p:txBody>
+      </p:sp>
+    </p:spTree>
+    <p:extLst>
+      <p:ext uri="{BB962C8B-B14F-4D97-AF65-F5344CB8AC3E}">
+        <p14:creationId xmlns:p14="http://schemas.microsoft.com/office/powerpoint/2010/main" val="2157823740"/>
+      </p:ext>
+    </p:extLst>
+  </p:cSld>
+  <p:clrMapOvr>
+    <a:masterClrMapping/>
+  </p:clrMapOvr>
+  <p:transition spd="slow">
+    <p:wipe dir="r"/>
+  </p:transition>
+</p:sld>
+</file>
+
+<file path=ppt/slides/slide17.xml><?xml version="1.0" encoding="utf-8"?>
+<p:sld xmlns:a="http://schemas.openxmlformats.org/drawingml/2006/main" xmlns:r="http://schemas.openxmlformats.org/officeDocument/2006/relationships" xmlns:p="http://schemas.openxmlformats.org/presentationml/2006/main">
+  <p:cSld>
+    <p:spTree>
+      <p:nvGrpSpPr>
+        <p:cNvPr id="1" name=""/>
+        <p:cNvGrpSpPr/>
+        <p:nvPr/>
+      </p:nvGrpSpPr>
+      <p:grpSpPr>
+        <a:xfrm>
+          <a:off x="0" y="0"/>
+          <a:ext cx="0" cy="0"/>
+          <a:chOff x="0" y="0"/>
+          <a:chExt cx="0" cy="0"/>
+        </a:xfrm>
+      </p:grpSpPr>
+      <p:sp>
+        <p:nvSpPr>
+          <p:cNvPr id="5" name="ZoneTexte 4">
+            <a:extLst>
+              <a:ext uri="{FF2B5EF4-FFF2-40B4-BE49-F238E27FC236}">
+                <a16:creationId xmlns:a16="http://schemas.microsoft.com/office/drawing/2014/main" id="{4B756054-08A3-4288-9125-9F314B993E8F}"/>
+              </a:ext>
+            </a:extLst>
+          </p:cNvPr>
+          <p:cNvSpPr txBox="1"/>
+          <p:nvPr/>
+        </p:nvSpPr>
+        <p:spPr>
+          <a:xfrm>
+            <a:off x="804402" y="383458"/>
+            <a:ext cx="10987548" cy="1077218"/>
+          </a:xfrm>
+          <a:prstGeom prst="rect">
+            <a:avLst/>
+          </a:prstGeom>
+          <a:noFill/>
+        </p:spPr>
+        <p:txBody>
+          <a:bodyPr wrap="square" rtlCol="0">
+            <a:spAutoFit/>
+          </a:bodyPr>
+          <a:lstStyle/>
+          <a:p>
+            <a:pPr marL="457200" indent="-457200">
+              <a:buFont typeface="Wingdings" panose="05000000000000000000" pitchFamily="2" charset="2"/>
+              <a:buChar char="v"/>
+            </a:pPr>
+            <a:r>
+              <a:rPr lang="en-US" sz="3200" b="1" dirty="0">
+                <a:solidFill>
+                  <a:srgbClr val="212121"/>
+                </a:solidFill>
+                <a:latin typeface="Roboto"/>
+              </a:rPr>
+              <a:t>Compiling and training the model</a:t>
+            </a:r>
+            <a:endParaRPr lang="en-US" sz="3200" b="0" i="0" dirty="0">
+              <a:solidFill>
+                <a:srgbClr val="212121"/>
+              </a:solidFill>
+              <a:effectLst/>
+              <a:latin typeface="Roboto"/>
+            </a:endParaRPr>
+          </a:p>
+          <a:p>
+            <a:pPr marL="457200" indent="-457200">
+              <a:buFont typeface="Wingdings" panose="05000000000000000000" pitchFamily="2" charset="2"/>
+              <a:buChar char="v"/>
+            </a:pPr>
+            <a:endParaRPr lang="en-IL" sz="3200" b="1" dirty="0">
+              <a:solidFill>
+                <a:schemeClr val="bg1"/>
+              </a:solidFill>
+            </a:endParaRPr>
+          </a:p>
+        </p:txBody>
+      </p:sp>
+      <p:pic>
+        <p:nvPicPr>
+          <p:cNvPr id="3" name="Image 2">
+            <a:extLst>
+              <a:ext uri="{FF2B5EF4-FFF2-40B4-BE49-F238E27FC236}">
+                <a16:creationId xmlns:a16="http://schemas.microsoft.com/office/drawing/2014/main" id="{2CDA7EC8-DE67-432A-8587-B6D695234FB3}"/>
+              </a:ext>
+            </a:extLst>
+          </p:cNvPr>
+          <p:cNvPicPr>
+            <a:picLocks noChangeAspect="1"/>
+          </p:cNvPicPr>
+          <p:nvPr/>
+        </p:nvPicPr>
+        <p:blipFill>
+          <a:blip r:embed="rId2">
+            <a:extLst>
+              <a:ext uri="{28A0092B-C50C-407E-A947-70E740481C1C}">
+                <a14:useLocalDpi xmlns:a14="http://schemas.microsoft.com/office/drawing/2010/main" val="0"/>
+              </a:ext>
+            </a:extLst>
+          </a:blip>
+          <a:stretch>
+            <a:fillRect/>
+          </a:stretch>
+        </p:blipFill>
+        <p:spPr>
+          <a:xfrm>
+            <a:off x="335280" y="1188976"/>
+            <a:ext cx="11238886" cy="543399"/>
+          </a:xfrm>
+          <a:prstGeom prst="rect">
+            <a:avLst/>
+          </a:prstGeom>
+        </p:spPr>
+      </p:pic>
+      <p:pic>
+        <p:nvPicPr>
+          <p:cNvPr id="7" name="Image 6" descr="Une image contenant texte&#10;&#10;Description générée automatiquement">
+            <a:extLst>
+              <a:ext uri="{FF2B5EF4-FFF2-40B4-BE49-F238E27FC236}">
+                <a16:creationId xmlns:a16="http://schemas.microsoft.com/office/drawing/2014/main" id="{4C7442AA-8B60-41DB-9E6C-197EB515522A}"/>
+              </a:ext>
+            </a:extLst>
+          </p:cNvPr>
+          <p:cNvPicPr>
+            <a:picLocks noChangeAspect="1"/>
+          </p:cNvPicPr>
+          <p:nvPr/>
+        </p:nvPicPr>
+        <p:blipFill>
+          <a:blip r:embed="rId3">
+            <a:extLst>
+              <a:ext uri="{28A0092B-C50C-407E-A947-70E740481C1C}">
+                <a14:useLocalDpi xmlns:a14="http://schemas.microsoft.com/office/drawing/2010/main" val="0"/>
+              </a:ext>
+            </a:extLst>
+          </a:blip>
+          <a:stretch>
+            <a:fillRect/>
+          </a:stretch>
+        </p:blipFill>
+        <p:spPr>
+          <a:xfrm>
+            <a:off x="335280" y="1960880"/>
+            <a:ext cx="11238886" cy="4513661"/>
+          </a:xfrm>
+          <a:prstGeom prst="rect">
+            <a:avLst/>
+          </a:prstGeom>
+        </p:spPr>
+      </p:pic>
+    </p:spTree>
+    <p:extLst>
+      <p:ext uri="{BB962C8B-B14F-4D97-AF65-F5344CB8AC3E}">
+        <p14:creationId xmlns:p14="http://schemas.microsoft.com/office/powerpoint/2010/main" val="1056489369"/>
+      </p:ext>
+    </p:extLst>
+  </p:cSld>
+  <p:clrMapOvr>
+    <a:masterClrMapping/>
+  </p:clrMapOvr>
+  <p:transition spd="slow">
+    <p:wipe dir="r"/>
+  </p:transition>
+</p:sld>
+</file>
+
+<file path=ppt/slides/slide18.xml><?xml version="1.0" encoding="utf-8"?>
+<p:sld xmlns:a="http://schemas.openxmlformats.org/drawingml/2006/main" xmlns:r="http://schemas.openxmlformats.org/officeDocument/2006/relationships" xmlns:p="http://schemas.openxmlformats.org/presentationml/2006/main">
+  <p:cSld>
+    <p:spTree>
+      <p:nvGrpSpPr>
+        <p:cNvPr id="1" name=""/>
+        <p:cNvGrpSpPr/>
+        <p:nvPr/>
+      </p:nvGrpSpPr>
+      <p:grpSpPr>
+        <a:xfrm>
+          <a:off x="0" y="0"/>
+          <a:ext cx="0" cy="0"/>
+          <a:chOff x="0" y="0"/>
+          <a:chExt cx="0" cy="0"/>
+        </a:xfrm>
+      </p:grpSpPr>
+      <p:sp>
+        <p:nvSpPr>
+          <p:cNvPr id="5" name="ZoneTexte 4">
+            <a:extLst>
+              <a:ext uri="{FF2B5EF4-FFF2-40B4-BE49-F238E27FC236}">
+                <a16:creationId xmlns:a16="http://schemas.microsoft.com/office/drawing/2014/main" id="{4B756054-08A3-4288-9125-9F314B993E8F}"/>
+              </a:ext>
+            </a:extLst>
+          </p:cNvPr>
+          <p:cNvSpPr txBox="1"/>
+          <p:nvPr/>
+        </p:nvSpPr>
+        <p:spPr>
+          <a:xfrm>
+            <a:off x="804402" y="383458"/>
+            <a:ext cx="10987548" cy="1077218"/>
+          </a:xfrm>
+          <a:prstGeom prst="rect">
+            <a:avLst/>
+          </a:prstGeom>
+          <a:noFill/>
+        </p:spPr>
+        <p:txBody>
+          <a:bodyPr wrap="square" rtlCol="0">
+            <a:spAutoFit/>
+          </a:bodyPr>
+          <a:lstStyle/>
+          <a:p>
+            <a:pPr marL="457200" indent="-457200">
+              <a:buFont typeface="Wingdings" panose="05000000000000000000" pitchFamily="2" charset="2"/>
+              <a:buChar char="v"/>
+            </a:pPr>
+            <a:r>
+              <a:rPr lang="en-US" sz="3200" b="1" dirty="0">
+                <a:solidFill>
+                  <a:srgbClr val="212121"/>
+                </a:solidFill>
+                <a:latin typeface="Roboto"/>
+              </a:rPr>
+              <a:t>Compiling and training the model</a:t>
+            </a:r>
+            <a:endParaRPr lang="en-US" sz="3200" b="0" i="0" dirty="0">
+              <a:solidFill>
+                <a:srgbClr val="212121"/>
+              </a:solidFill>
+              <a:effectLst/>
+              <a:latin typeface="Roboto"/>
+            </a:endParaRPr>
+          </a:p>
+          <a:p>
+            <a:pPr marL="457200" indent="-457200">
+              <a:buFont typeface="Wingdings" panose="05000000000000000000" pitchFamily="2" charset="2"/>
+              <a:buChar char="v"/>
+            </a:pPr>
+            <a:endParaRPr lang="en-IL" sz="3200" b="1" dirty="0">
+              <a:solidFill>
+                <a:schemeClr val="bg1"/>
+              </a:solidFill>
+            </a:endParaRPr>
+          </a:p>
+        </p:txBody>
+      </p:sp>
+      <p:pic>
+        <p:nvPicPr>
+          <p:cNvPr id="3" name="Image 2">
+            <a:extLst>
+              <a:ext uri="{FF2B5EF4-FFF2-40B4-BE49-F238E27FC236}">
+                <a16:creationId xmlns:a16="http://schemas.microsoft.com/office/drawing/2014/main" id="{2CDA7EC8-DE67-432A-8587-B6D695234FB3}"/>
+              </a:ext>
+            </a:extLst>
+          </p:cNvPr>
+          <p:cNvPicPr>
+            <a:picLocks noChangeAspect="1"/>
+          </p:cNvPicPr>
+          <p:nvPr/>
+        </p:nvPicPr>
+        <p:blipFill>
+          <a:blip r:embed="rId2">
+            <a:extLst>
+              <a:ext uri="{28A0092B-C50C-407E-A947-70E740481C1C}">
+                <a14:useLocalDpi xmlns:a14="http://schemas.microsoft.com/office/drawing/2010/main" val="0"/>
+              </a:ext>
+            </a:extLst>
+          </a:blip>
+          <a:stretch>
+            <a:fillRect/>
+          </a:stretch>
+        </p:blipFill>
+        <p:spPr>
+          <a:xfrm>
+            <a:off x="335280" y="1188976"/>
+            <a:ext cx="11238886" cy="543399"/>
+          </a:xfrm>
+          <a:prstGeom prst="rect">
+            <a:avLst/>
+          </a:prstGeom>
+        </p:spPr>
+      </p:pic>
+      <p:sp>
+        <p:nvSpPr>
+          <p:cNvPr id="2" name="ZoneTexte 1">
+            <a:extLst>
+              <a:ext uri="{FF2B5EF4-FFF2-40B4-BE49-F238E27FC236}">
+                <a16:creationId xmlns:a16="http://schemas.microsoft.com/office/drawing/2014/main" id="{C3F65CD4-D521-41B2-B614-1B1932418A6A}"/>
+              </a:ext>
+            </a:extLst>
+          </p:cNvPr>
+          <p:cNvSpPr txBox="1"/>
+          <p:nvPr/>
+        </p:nvSpPr>
+        <p:spPr>
+          <a:xfrm>
+            <a:off x="1249680" y="2346960"/>
+            <a:ext cx="9692640" cy="3139321"/>
+          </a:xfrm>
+          <a:prstGeom prst="rect">
+            <a:avLst/>
+          </a:prstGeom>
+          <a:noFill/>
+        </p:spPr>
+        <p:txBody>
+          <a:bodyPr wrap="square" rtlCol="0">
+            <a:spAutoFit/>
+          </a:bodyPr>
+          <a:lstStyle/>
+          <a:p>
+            <a:pPr marL="285750" indent="-285750">
+              <a:buFont typeface="Wingdings" panose="05000000000000000000" pitchFamily="2" charset="2"/>
+              <a:buChar char="v"/>
+            </a:pPr>
+            <a:r>
+              <a:rPr lang="en-US" u="sng" dirty="0">
+                <a:effectLst>
+                  <a:outerShdw blurRad="38100" dist="38100" dir="2700000" algn="tl">
+                    <a:srgbClr val="000000">
+                      <a:alpha val="43137"/>
+                    </a:srgbClr>
+                  </a:outerShdw>
+                </a:effectLst>
+              </a:rPr>
+              <a:t>Optimizer :</a:t>
+            </a:r>
+          </a:p>
+          <a:p>
+            <a:endParaRPr lang="en-US" dirty="0">
+              <a:effectLst>
+                <a:outerShdw blurRad="38100" dist="38100" dir="2700000" algn="tl">
+                  <a:srgbClr val="000000">
+                    <a:alpha val="43137"/>
+                  </a:srgbClr>
+                </a:outerShdw>
+              </a:effectLst>
+            </a:endParaRPr>
+          </a:p>
+          <a:p>
+            <a:pPr marL="742950" lvl="1" indent="-285750">
+              <a:buFontTx/>
+              <a:buChar char="-"/>
+            </a:pPr>
+            <a:r>
+              <a:rPr lang="en-US" dirty="0"/>
+              <a:t>Adam Optimizer : Empirically, Adam gave use better results than other optimizers </a:t>
+            </a:r>
+          </a:p>
+          <a:p>
+            <a:pPr marL="742950" lvl="1" indent="-285750">
+              <a:buFontTx/>
+              <a:buChar char="-"/>
+            </a:pPr>
+            <a:r>
+              <a:rPr lang="en-US" dirty="0"/>
+              <a:t>We assumed that there are a lot of noisy problems (even between pictures of the same genre) and because Adam handle noisy problems, it was another reason for us to choose this algorithm instead of SGD ,</a:t>
+            </a:r>
+            <a:r>
+              <a:rPr lang="en-US" dirty="0" err="1"/>
+              <a:t>RMSProp</a:t>
+            </a:r>
+            <a:r>
+              <a:rPr lang="en-US" dirty="0"/>
+              <a:t> or </a:t>
+            </a:r>
+            <a:r>
+              <a:rPr lang="en-US" dirty="0" err="1"/>
+              <a:t>Adagrad</a:t>
+            </a:r>
+            <a:endParaRPr lang="en-US" dirty="0"/>
+          </a:p>
+          <a:p>
+            <a:pPr lvl="1"/>
+            <a:endParaRPr lang="en-US" dirty="0"/>
+          </a:p>
+          <a:p>
+            <a:pPr marL="285750" indent="-285750">
+              <a:buFont typeface="Wingdings" panose="05000000000000000000" pitchFamily="2" charset="2"/>
+              <a:buChar char="v"/>
+            </a:pPr>
+            <a:r>
+              <a:rPr lang="en-US" u="sng" dirty="0"/>
+              <a:t>Loss function:</a:t>
+            </a:r>
+          </a:p>
+          <a:p>
+            <a:endParaRPr lang="en-US" dirty="0"/>
+          </a:p>
+          <a:p>
+            <a:r>
+              <a:rPr lang="en-US" dirty="0"/>
+              <a:t>	-</a:t>
+            </a:r>
+          </a:p>
+        </p:txBody>
+      </p:sp>
+    </p:spTree>
+    <p:extLst>
+      <p:ext uri="{BB962C8B-B14F-4D97-AF65-F5344CB8AC3E}">
+        <p14:creationId xmlns:p14="http://schemas.microsoft.com/office/powerpoint/2010/main" val="789464126"/>
+      </p:ext>
+    </p:extLst>
+  </p:cSld>
+  <p:clrMapOvr>
+    <a:masterClrMapping/>
+  </p:clrMapOvr>
+  <p:transition spd="slow">
+    <p:wipe dir="r"/>
+  </p:transition>
+</p:sld>
+</file>
+
+<file path=ppt/slides/slide19.xml><?xml version="1.0" encoding="utf-8"?>
+<p:sld xmlns:a="http://schemas.openxmlformats.org/drawingml/2006/main" xmlns:r="http://schemas.openxmlformats.org/officeDocument/2006/relationships" xmlns:p="http://schemas.openxmlformats.org/presentationml/2006/main">
+  <p:cSld>
+    <p:bg>
+      <p:bgPr>
+        <a:gradFill rotWithShape="1">
+          <a:gsLst>
+            <a:gs pos="10000">
+              <a:schemeClr val="bg1">
+                <a:tint val="97000"/>
+                <a:hueMod val="92000"/>
+                <a:satMod val="169000"/>
+                <a:lumMod val="164000"/>
+              </a:schemeClr>
+            </a:gs>
+            <a:gs pos="100000">
+              <a:schemeClr val="bg1">
+                <a:shade val="96000"/>
+                <a:satMod val="120000"/>
+                <a:lumMod val="90000"/>
+              </a:schemeClr>
+            </a:gs>
+          </a:gsLst>
+          <a:lin ang="6120000" scaled="1"/>
+        </a:gradFill>
+        <a:effectLst/>
+      </p:bgPr>
+    </p:bg>
+    <p:spTree>
+      <p:nvGrpSpPr>
+        <p:cNvPr id="1" name=""/>
+        <p:cNvGrpSpPr/>
+        <p:nvPr/>
+      </p:nvGrpSpPr>
+      <p:grpSpPr>
+        <a:xfrm>
+          <a:off x="0" y="0"/>
+          <a:ext cx="0" cy="0"/>
+          <a:chOff x="0" y="0"/>
+          <a:chExt cx="0" cy="0"/>
+        </a:xfrm>
+      </p:grpSpPr>
+      <p:sp>
+        <p:nvSpPr>
+          <p:cNvPr id="5" name="ZoneTexte 4">
+            <a:extLst>
+              <a:ext uri="{FF2B5EF4-FFF2-40B4-BE49-F238E27FC236}">
+                <a16:creationId xmlns:a16="http://schemas.microsoft.com/office/drawing/2014/main" id="{876FF7F0-32D0-4CD4-A877-04E15965A92F}"/>
+              </a:ext>
+            </a:extLst>
+          </p:cNvPr>
+          <p:cNvSpPr txBox="1"/>
+          <p:nvPr/>
+        </p:nvSpPr>
+        <p:spPr>
+          <a:xfrm>
+            <a:off x="161926" y="729779"/>
+            <a:ext cx="11934824" cy="3293209"/>
+          </a:xfrm>
+          <a:prstGeom prst="rect">
+            <a:avLst/>
+          </a:prstGeom>
+          <a:noFill/>
+        </p:spPr>
+        <p:txBody>
+          <a:bodyPr wrap="square" rtlCol="0">
+            <a:spAutoFit/>
+          </a:bodyPr>
+          <a:lstStyle/>
+          <a:p>
+            <a:pPr marL="914400" indent="-914400">
+              <a:buAutoNum type="arabicPeriod" startAt="3"/>
+            </a:pPr>
+            <a:r>
+              <a:rPr lang="en-US" sz="5400" b="1" dirty="0">
+                <a:latin typeface="Agency FB" panose="020B0503020202020204" pitchFamily="34" charset="0"/>
+              </a:rPr>
+              <a:t>Implementation</a:t>
+            </a:r>
+          </a:p>
+          <a:p>
+            <a:endParaRPr lang="en-US" sz="5400" b="1" dirty="0">
+              <a:latin typeface="Agency FB" panose="020B0503020202020204" pitchFamily="34" charset="0"/>
+            </a:endParaRPr>
+          </a:p>
+          <a:p>
+            <a:r>
+              <a:rPr lang="en-US" sz="4000" b="1" dirty="0">
+                <a:latin typeface="Agency FB" panose="020B0503020202020204" pitchFamily="34" charset="0"/>
+              </a:rPr>
+              <a:t>	</a:t>
+            </a:r>
+            <a:r>
+              <a:rPr lang="en-US" sz="3200" b="1" dirty="0">
+                <a:latin typeface="Agency FB" panose="020B0503020202020204" pitchFamily="34" charset="0"/>
+              </a:rPr>
+              <a:t>3.4 Results (Model Accuracy and Model Loss</a:t>
+            </a:r>
+            <a:r>
+              <a:rPr lang="en-US" sz="3200" b="1" dirty="0">
+                <a:solidFill>
+                  <a:schemeClr val="bg1"/>
+                </a:solidFill>
+                <a:latin typeface="Agency FB" panose="020B0503020202020204" pitchFamily="34" charset="0"/>
+              </a:rPr>
+              <a:t>)</a:t>
+            </a:r>
+          </a:p>
+          <a:p>
+            <a:endParaRPr lang="en-US" dirty="0">
+              <a:solidFill>
+                <a:schemeClr val="bg1"/>
+              </a:solidFill>
+            </a:endParaRPr>
+          </a:p>
+          <a:p>
+            <a:endParaRPr lang="en-US" dirty="0"/>
+          </a:p>
+          <a:p>
+            <a:r>
+              <a:rPr lang="en-US" sz="2400" dirty="0"/>
+              <a:t>		</a:t>
+            </a:r>
+            <a:endParaRPr lang="en-IL" sz="2800" i="1" dirty="0"/>
+          </a:p>
+        </p:txBody>
+      </p:sp>
+    </p:spTree>
+    <p:extLst>
+      <p:ext uri="{BB962C8B-B14F-4D97-AF65-F5344CB8AC3E}">
+        <p14:creationId xmlns:p14="http://schemas.microsoft.com/office/powerpoint/2010/main" val="2400191133"/>
+      </p:ext>
+    </p:extLst>
+  </p:cSld>
+  <p:clrMapOvr>
+    <a:masterClrMapping/>
+  </p:clrMapOvr>
+  <p:transition spd="slow">
+    <p:wipe dir="r"/>
+  </p:transition>
+</p:sld>
+</file>
+
+<file path=ppt/slides/slide2.xml><?xml version="1.0" encoding="utf-8"?>
+<p:sld xmlns:a="http://schemas.openxmlformats.org/drawingml/2006/main" xmlns:r="http://schemas.openxmlformats.org/officeDocument/2006/relationships" xmlns:p="http://schemas.openxmlformats.org/presentationml/2006/main">
+  <p:cSld>
+    <p:spTree>
+      <p:nvGrpSpPr>
+        <p:cNvPr id="1" name=""/>
+        <p:cNvGrpSpPr/>
+        <p:nvPr/>
+      </p:nvGrpSpPr>
+      <p:grpSpPr>
+        <a:xfrm>
+          <a:off x="0" y="0"/>
+          <a:ext cx="0" cy="0"/>
+          <a:chOff x="0" y="0"/>
+          <a:chExt cx="0" cy="0"/>
+        </a:xfrm>
+      </p:grpSpPr>
+      <p:sp>
+        <p:nvSpPr>
+          <p:cNvPr id="4" name="ZoneTexte 3">
+            <a:extLst>
+              <a:ext uri="{FF2B5EF4-FFF2-40B4-BE49-F238E27FC236}">
+                <a16:creationId xmlns:a16="http://schemas.microsoft.com/office/drawing/2014/main" id="{A075CB93-4D07-4A41-ABEB-3654CDE30508}"/>
+              </a:ext>
+            </a:extLst>
+          </p:cNvPr>
+          <p:cNvSpPr txBox="1"/>
+          <p:nvPr/>
+        </p:nvSpPr>
+        <p:spPr>
+          <a:xfrm>
+            <a:off x="504824" y="0"/>
+            <a:ext cx="10820401" cy="6740307"/>
+          </a:xfrm>
+          <a:prstGeom prst="rect">
+            <a:avLst/>
+          </a:prstGeom>
+          <a:noFill/>
+        </p:spPr>
+        <p:txBody>
+          <a:bodyPr wrap="square" rtlCol="0">
+            <a:spAutoFit/>
+          </a:bodyPr>
+          <a:lstStyle/>
+          <a:p>
+            <a:pPr marL="457200" indent="-457200">
+              <a:buFont typeface="Wingdings" panose="05000000000000000000" pitchFamily="2" charset="2"/>
+              <a:buChar char="v"/>
+            </a:pPr>
+            <a:r>
+              <a:rPr lang="en-US" sz="4000" b="1" u="sng" dirty="0">
+                <a:solidFill>
+                  <a:schemeClr val="bg1"/>
+                </a:solidFill>
+                <a:latin typeface="Agency FB" panose="020B0503020202020204" pitchFamily="34" charset="0"/>
+              </a:rPr>
+              <a:t>Steps of our presentation :</a:t>
+            </a:r>
+            <a:endParaRPr lang="en-US" b="1" u="sng" dirty="0">
+              <a:solidFill>
+                <a:schemeClr val="bg1"/>
+              </a:solidFill>
+            </a:endParaRPr>
+          </a:p>
+          <a:p>
+            <a:endParaRPr lang="en-US" b="1" dirty="0">
+              <a:latin typeface="Agency FB" panose="020B0503020202020204" pitchFamily="34" charset="0"/>
+            </a:endParaRPr>
+          </a:p>
+          <a:p>
+            <a:pPr marL="457200" indent="-457200">
+              <a:buFont typeface="+mj-lt"/>
+              <a:buAutoNum type="arabicPeriod"/>
+            </a:pPr>
+            <a:r>
+              <a:rPr lang="en-US" sz="3200" b="1" dirty="0">
+                <a:solidFill>
+                  <a:schemeClr val="bg1"/>
+                </a:solidFill>
+                <a:latin typeface="Agency FB" panose="020B0503020202020204" pitchFamily="34" charset="0"/>
+              </a:rPr>
+              <a:t>Introduction</a:t>
+            </a:r>
+          </a:p>
+          <a:p>
+            <a:pPr lvl="1"/>
+            <a:r>
+              <a:rPr lang="en-US" sz="3200" b="1" dirty="0">
+                <a:solidFill>
+                  <a:schemeClr val="bg1"/>
+                </a:solidFill>
+                <a:latin typeface="Agency FB" panose="020B0503020202020204" pitchFamily="34" charset="0"/>
+              </a:rPr>
+              <a:t>1.1 What we want to achieve in our project</a:t>
+            </a:r>
+          </a:p>
+          <a:p>
+            <a:pPr marL="457200" indent="-457200">
+              <a:buFont typeface="+mj-lt"/>
+              <a:buAutoNum type="arabicPeriod"/>
+            </a:pPr>
+            <a:r>
+              <a:rPr lang="en-US" sz="3200" b="1" dirty="0">
+                <a:solidFill>
+                  <a:schemeClr val="bg1"/>
+                </a:solidFill>
+                <a:latin typeface="Agency FB" panose="020B0503020202020204" pitchFamily="34" charset="0"/>
+              </a:rPr>
+              <a:t> Our dataset and some examples</a:t>
+            </a:r>
+          </a:p>
+          <a:p>
+            <a:pPr marL="457200" indent="-457200">
+              <a:buFont typeface="+mj-lt"/>
+              <a:buAutoNum type="arabicPeriod"/>
+            </a:pPr>
+            <a:r>
+              <a:rPr lang="en-US" sz="3200" b="1" dirty="0">
+                <a:solidFill>
+                  <a:schemeClr val="bg1"/>
+                </a:solidFill>
+                <a:latin typeface="Agency FB" panose="020B0503020202020204" pitchFamily="34" charset="0"/>
+              </a:rPr>
+              <a:t> Implementation</a:t>
+            </a:r>
+          </a:p>
+          <a:p>
+            <a:r>
+              <a:rPr lang="en-US" sz="3200" b="1" dirty="0">
+                <a:solidFill>
+                  <a:schemeClr val="bg1"/>
+                </a:solidFill>
+                <a:latin typeface="Agency FB" panose="020B0503020202020204" pitchFamily="34" charset="0"/>
+              </a:rPr>
+              <a:t>	3.1 Dealing with the dataset (Normalization, splitting,..)</a:t>
+            </a:r>
+          </a:p>
+          <a:p>
+            <a:r>
+              <a:rPr lang="en-US" sz="3200" b="1" dirty="0">
+                <a:solidFill>
+                  <a:schemeClr val="bg1"/>
+                </a:solidFill>
+                <a:latin typeface="Agency FB" panose="020B0503020202020204" pitchFamily="34" charset="0"/>
+              </a:rPr>
+              <a:t>	3.2 Convolutional Neural Network Architecture</a:t>
+            </a:r>
+          </a:p>
+          <a:p>
+            <a:r>
+              <a:rPr lang="en-US" sz="3200" b="1" dirty="0">
+                <a:solidFill>
+                  <a:schemeClr val="bg1"/>
+                </a:solidFill>
+                <a:latin typeface="Agency FB" panose="020B0503020202020204" pitchFamily="34" charset="0"/>
+              </a:rPr>
+              <a:t>	3.3 Training</a:t>
+            </a:r>
+          </a:p>
+          <a:p>
+            <a:r>
+              <a:rPr lang="en-US" sz="3200" b="1" dirty="0">
+                <a:solidFill>
+                  <a:schemeClr val="bg1"/>
+                </a:solidFill>
+                <a:latin typeface="Agency FB" panose="020B0503020202020204" pitchFamily="34" charset="0"/>
+              </a:rPr>
+              <a:t>	3.4 Results (Model Accuracy and Model Loss)</a:t>
+            </a:r>
+          </a:p>
+          <a:p>
+            <a:r>
+              <a:rPr lang="en-US" sz="3200" b="1" dirty="0">
+                <a:solidFill>
+                  <a:schemeClr val="bg1"/>
+                </a:solidFill>
+                <a:latin typeface="Agency FB" panose="020B0503020202020204" pitchFamily="34" charset="0"/>
+              </a:rPr>
+              <a:t>	3.5 Some examples of testing</a:t>
+            </a:r>
+          </a:p>
+          <a:p>
+            <a:r>
+              <a:rPr lang="en-US" sz="3200" b="1" dirty="0">
+                <a:solidFill>
+                  <a:schemeClr val="bg1"/>
+                </a:solidFill>
+                <a:latin typeface="Agency FB" panose="020B0503020202020204" pitchFamily="34" charset="0"/>
+              </a:rPr>
+              <a:t>4. Conclusion</a:t>
+            </a:r>
+          </a:p>
+          <a:p>
+            <a:endParaRPr lang="en-US" dirty="0"/>
+          </a:p>
+          <a:p>
+            <a:endParaRPr lang="en-US" dirty="0"/>
+          </a:p>
+          <a:p>
+            <a:endParaRPr lang="en-IL" dirty="0"/>
+          </a:p>
+        </p:txBody>
+      </p:sp>
+    </p:spTree>
+    <p:extLst>
+      <p:ext uri="{BB962C8B-B14F-4D97-AF65-F5344CB8AC3E}">
+        <p14:creationId xmlns:p14="http://schemas.microsoft.com/office/powerpoint/2010/main" val="2506319317"/>
+      </p:ext>
+    </p:extLst>
+  </p:cSld>
+  <p:clrMapOvr>
+    <a:masterClrMapping/>
+  </p:clrMapOvr>
+  <p:transition spd="slow">
+    <p:wipe dir="r"/>
+  </p:transition>
+</p:sld>
+</file>
+
+<file path=ppt/slides/slide20.xml><?xml version="1.0" encoding="utf-8"?>
+<p:sld xmlns:a="http://schemas.openxmlformats.org/drawingml/2006/main" xmlns:r="http://schemas.openxmlformats.org/officeDocument/2006/relationships" xmlns:p="http://schemas.openxmlformats.org/presentationml/2006/main">
+  <p:cSld>
+    <p:spTree>
+      <p:nvGrpSpPr>
+        <p:cNvPr id="1" name=""/>
+        <p:cNvGrpSpPr/>
+        <p:nvPr/>
+      </p:nvGrpSpPr>
+      <p:grpSpPr>
+        <a:xfrm>
+          <a:off x="0" y="0"/>
+          <a:ext cx="0" cy="0"/>
+          <a:chOff x="0" y="0"/>
+          <a:chExt cx="0" cy="0"/>
+        </a:xfrm>
+      </p:grpSpPr>
+      <p:sp>
+        <p:nvSpPr>
+          <p:cNvPr id="5" name="ZoneTexte 4">
+            <a:extLst>
+              <a:ext uri="{FF2B5EF4-FFF2-40B4-BE49-F238E27FC236}">
+                <a16:creationId xmlns:a16="http://schemas.microsoft.com/office/drawing/2014/main" id="{4B756054-08A3-4288-9125-9F314B993E8F}"/>
+              </a:ext>
+            </a:extLst>
+          </p:cNvPr>
+          <p:cNvSpPr txBox="1"/>
+          <p:nvPr/>
+        </p:nvSpPr>
+        <p:spPr>
+          <a:xfrm>
+            <a:off x="804402" y="383458"/>
+            <a:ext cx="10987548" cy="1077218"/>
+          </a:xfrm>
+          <a:prstGeom prst="rect">
+            <a:avLst/>
+          </a:prstGeom>
+          <a:noFill/>
+        </p:spPr>
+        <p:txBody>
+          <a:bodyPr wrap="square" rtlCol="0">
+            <a:spAutoFit/>
+          </a:bodyPr>
+          <a:lstStyle/>
+          <a:p>
+            <a:pPr marL="457200" indent="-457200">
+              <a:buFont typeface="Wingdings" panose="05000000000000000000" pitchFamily="2" charset="2"/>
+              <a:buChar char="v"/>
+            </a:pPr>
+            <a:r>
+              <a:rPr lang="en-US" sz="3200" b="1" dirty="0">
+                <a:solidFill>
+                  <a:srgbClr val="212121"/>
+                </a:solidFill>
+                <a:latin typeface="Roboto"/>
+              </a:rPr>
+              <a:t>Plots of our results</a:t>
+            </a:r>
+            <a:endParaRPr lang="en-US" sz="3200" b="0" i="0" dirty="0">
+              <a:solidFill>
+                <a:srgbClr val="212121"/>
+              </a:solidFill>
+              <a:effectLst/>
+              <a:latin typeface="Roboto"/>
+            </a:endParaRPr>
+          </a:p>
+          <a:p>
+            <a:pPr marL="457200" indent="-457200">
+              <a:buFont typeface="Wingdings" panose="05000000000000000000" pitchFamily="2" charset="2"/>
+              <a:buChar char="v"/>
+            </a:pPr>
+            <a:endParaRPr lang="en-IL" sz="3200" b="1" dirty="0">
+              <a:solidFill>
+                <a:schemeClr val="bg1"/>
+              </a:solidFill>
+            </a:endParaRPr>
+          </a:p>
+        </p:txBody>
+      </p:sp>
+      <p:pic>
+        <p:nvPicPr>
+          <p:cNvPr id="4" name="Image 3">
+            <a:extLst>
+              <a:ext uri="{FF2B5EF4-FFF2-40B4-BE49-F238E27FC236}">
+                <a16:creationId xmlns:a16="http://schemas.microsoft.com/office/drawing/2014/main" id="{C196A33A-C91C-43DF-B2A8-D68FAC11F01D}"/>
+              </a:ext>
+            </a:extLst>
+          </p:cNvPr>
+          <p:cNvPicPr>
+            <a:picLocks noChangeAspect="1"/>
+          </p:cNvPicPr>
+          <p:nvPr/>
+        </p:nvPicPr>
+        <p:blipFill>
+          <a:blip r:embed="rId2">
+            <a:extLst>
+              <a:ext uri="{28A0092B-C50C-407E-A947-70E740481C1C}">
+                <a14:useLocalDpi xmlns:a14="http://schemas.microsoft.com/office/drawing/2010/main" val="0"/>
+              </a:ext>
+            </a:extLst>
+          </a:blip>
+          <a:stretch>
+            <a:fillRect/>
+          </a:stretch>
+        </p:blipFill>
+        <p:spPr>
+          <a:xfrm>
+            <a:off x="924560" y="1032302"/>
+            <a:ext cx="5618480" cy="5442240"/>
+          </a:xfrm>
+          <a:prstGeom prst="rect">
+            <a:avLst/>
+          </a:prstGeom>
+        </p:spPr>
+      </p:pic>
+    </p:spTree>
+    <p:extLst>
+      <p:ext uri="{BB962C8B-B14F-4D97-AF65-F5344CB8AC3E}">
+        <p14:creationId xmlns:p14="http://schemas.microsoft.com/office/powerpoint/2010/main" val="3945840291"/>
+      </p:ext>
+    </p:extLst>
+  </p:cSld>
+  <p:clrMapOvr>
+    <a:masterClrMapping/>
+  </p:clrMapOvr>
+  <p:transition spd="slow">
+    <p:wipe dir="r"/>
+  </p:transition>
+</p:sld>
+</file>
+
+<file path=ppt/slides/slide21.xml><?xml version="1.0" encoding="utf-8"?>
+<p:sld xmlns:a="http://schemas.openxmlformats.org/drawingml/2006/main" xmlns:r="http://schemas.openxmlformats.org/officeDocument/2006/relationships" xmlns:p="http://schemas.openxmlformats.org/presentationml/2006/main">
+  <p:cSld>
+    <p:bg>
+      <p:bgPr>
+        <a:gradFill rotWithShape="1">
+          <a:gsLst>
+            <a:gs pos="10000">
+              <a:schemeClr val="bg1">
+                <a:tint val="97000"/>
+                <a:hueMod val="92000"/>
+                <a:satMod val="169000"/>
+                <a:lumMod val="164000"/>
+              </a:schemeClr>
+            </a:gs>
+            <a:gs pos="100000">
+              <a:schemeClr val="bg1">
+                <a:shade val="96000"/>
+                <a:satMod val="120000"/>
+                <a:lumMod val="90000"/>
+              </a:schemeClr>
+            </a:gs>
+          </a:gsLst>
+          <a:lin ang="6120000" scaled="1"/>
+        </a:gradFill>
+        <a:effectLst/>
+      </p:bgPr>
+    </p:bg>
+    <p:spTree>
+      <p:nvGrpSpPr>
+        <p:cNvPr id="1" name=""/>
+        <p:cNvGrpSpPr/>
+        <p:nvPr/>
+      </p:nvGrpSpPr>
+      <p:grpSpPr>
+        <a:xfrm>
+          <a:off x="0" y="0"/>
+          <a:ext cx="0" cy="0"/>
+          <a:chOff x="0" y="0"/>
+          <a:chExt cx="0" cy="0"/>
+        </a:xfrm>
+      </p:grpSpPr>
+      <p:sp>
+        <p:nvSpPr>
+          <p:cNvPr id="5" name="ZoneTexte 4">
+            <a:extLst>
+              <a:ext uri="{FF2B5EF4-FFF2-40B4-BE49-F238E27FC236}">
+                <a16:creationId xmlns:a16="http://schemas.microsoft.com/office/drawing/2014/main" id="{876FF7F0-32D0-4CD4-A877-04E15965A92F}"/>
+              </a:ext>
+            </a:extLst>
+          </p:cNvPr>
+          <p:cNvSpPr txBox="1"/>
+          <p:nvPr/>
+        </p:nvSpPr>
+        <p:spPr>
+          <a:xfrm>
+            <a:off x="161926" y="729779"/>
+            <a:ext cx="11934824" cy="3293209"/>
+          </a:xfrm>
+          <a:prstGeom prst="rect">
+            <a:avLst/>
+          </a:prstGeom>
+          <a:noFill/>
+        </p:spPr>
+        <p:txBody>
+          <a:bodyPr wrap="square" rtlCol="0">
+            <a:spAutoFit/>
+          </a:bodyPr>
+          <a:lstStyle/>
+          <a:p>
+            <a:pPr marL="914400" indent="-914400">
+              <a:buAutoNum type="arabicPeriod" startAt="3"/>
+            </a:pPr>
+            <a:r>
+              <a:rPr lang="en-US" sz="5400" b="1" dirty="0">
+                <a:latin typeface="Agency FB" panose="020B0503020202020204" pitchFamily="34" charset="0"/>
+              </a:rPr>
+              <a:t>Implementation</a:t>
+            </a:r>
+          </a:p>
+          <a:p>
+            <a:endParaRPr lang="en-US" sz="5400" b="1" dirty="0">
+              <a:latin typeface="Agency FB" panose="020B0503020202020204" pitchFamily="34" charset="0"/>
+            </a:endParaRPr>
+          </a:p>
+          <a:p>
+            <a:r>
+              <a:rPr lang="en-US" sz="4000" b="1" dirty="0">
+                <a:latin typeface="Agency FB" panose="020B0503020202020204" pitchFamily="34" charset="0"/>
+              </a:rPr>
+              <a:t>	</a:t>
+            </a:r>
+            <a:r>
+              <a:rPr lang="en-US" sz="3200" b="1" dirty="0">
+                <a:latin typeface="Agency FB" panose="020B0503020202020204" pitchFamily="34" charset="0"/>
+              </a:rPr>
+              <a:t>3.5 Some examples of testing</a:t>
+            </a:r>
+          </a:p>
+          <a:p>
+            <a:endParaRPr lang="en-US" dirty="0">
+              <a:solidFill>
+                <a:schemeClr val="bg1"/>
+              </a:solidFill>
+            </a:endParaRPr>
+          </a:p>
+          <a:p>
+            <a:endParaRPr lang="en-US" dirty="0"/>
+          </a:p>
+          <a:p>
+            <a:r>
+              <a:rPr lang="en-US" sz="2400" dirty="0"/>
+              <a:t>		</a:t>
+            </a:r>
+            <a:endParaRPr lang="en-IL" sz="2800" i="1" dirty="0"/>
+          </a:p>
+        </p:txBody>
+      </p:sp>
+    </p:spTree>
+    <p:extLst>
+      <p:ext uri="{BB962C8B-B14F-4D97-AF65-F5344CB8AC3E}">
+        <p14:creationId xmlns:p14="http://schemas.microsoft.com/office/powerpoint/2010/main" val="3784921959"/>
+      </p:ext>
+    </p:extLst>
+  </p:cSld>
+  <p:clrMapOvr>
+    <a:masterClrMapping/>
+  </p:clrMapOvr>
+  <p:transition spd="slow">
+    <p:wipe dir="r"/>
+  </p:transition>
+</p:sld>
+</file>
+
+<file path=ppt/slides/slide22.xml><?xml version="1.0" encoding="utf-8"?>
+<p:sld xmlns:a="http://schemas.openxmlformats.org/drawingml/2006/main" xmlns:r="http://schemas.openxmlformats.org/officeDocument/2006/relationships" xmlns:p="http://schemas.openxmlformats.org/presentationml/2006/main">
+  <p:cSld>
+    <p:spTree>
+      <p:nvGrpSpPr>
+        <p:cNvPr id="1" name=""/>
+        <p:cNvGrpSpPr/>
+        <p:nvPr/>
+      </p:nvGrpSpPr>
+      <p:grpSpPr>
+        <a:xfrm>
+          <a:off x="0" y="0"/>
+          <a:ext cx="0" cy="0"/>
+          <a:chOff x="0" y="0"/>
+          <a:chExt cx="0" cy="0"/>
+        </a:xfrm>
+      </p:grpSpPr>
+      <p:sp>
+        <p:nvSpPr>
+          <p:cNvPr id="5" name="ZoneTexte 4">
+            <a:extLst>
+              <a:ext uri="{FF2B5EF4-FFF2-40B4-BE49-F238E27FC236}">
+                <a16:creationId xmlns:a16="http://schemas.microsoft.com/office/drawing/2014/main" id="{4B756054-08A3-4288-9125-9F314B993E8F}"/>
+              </a:ext>
+            </a:extLst>
+          </p:cNvPr>
+          <p:cNvSpPr txBox="1"/>
+          <p:nvPr/>
+        </p:nvSpPr>
+        <p:spPr>
+          <a:xfrm>
+            <a:off x="804402" y="383458"/>
+            <a:ext cx="10987548" cy="584775"/>
+          </a:xfrm>
+          <a:prstGeom prst="rect">
+            <a:avLst/>
+          </a:prstGeom>
+          <a:noFill/>
+        </p:spPr>
+        <p:txBody>
+          <a:bodyPr wrap="square" rtlCol="0">
+            <a:spAutoFit/>
+          </a:bodyPr>
+          <a:lstStyle/>
+          <a:p>
+            <a:pPr marL="457200" indent="-457200">
+              <a:buFont typeface="Wingdings" panose="05000000000000000000" pitchFamily="2" charset="2"/>
+              <a:buChar char="v"/>
+            </a:pPr>
+            <a:r>
+              <a:rPr lang="en-US" sz="3200" b="1" dirty="0">
+                <a:solidFill>
+                  <a:schemeClr val="bg1"/>
+                </a:solidFill>
+              </a:rPr>
+              <a:t>Testing  Examples</a:t>
+            </a:r>
+            <a:endParaRPr lang="en-IL" sz="3200" b="1" dirty="0">
+              <a:solidFill>
+                <a:schemeClr val="bg1"/>
+              </a:solidFill>
+            </a:endParaRPr>
+          </a:p>
+        </p:txBody>
+      </p:sp>
+      <p:pic>
+        <p:nvPicPr>
+          <p:cNvPr id="3" name="Image 2" descr="Une image contenant texte&#10;&#10;Description générée automatiquement">
+            <a:extLst>
+              <a:ext uri="{FF2B5EF4-FFF2-40B4-BE49-F238E27FC236}">
+                <a16:creationId xmlns:a16="http://schemas.microsoft.com/office/drawing/2014/main" id="{142E7E27-E0D8-483C-AE73-55C02EA855D5}"/>
+              </a:ext>
+            </a:extLst>
+          </p:cNvPr>
+          <p:cNvPicPr>
+            <a:picLocks noChangeAspect="1"/>
+          </p:cNvPicPr>
+          <p:nvPr/>
+        </p:nvPicPr>
+        <p:blipFill>
+          <a:blip r:embed="rId2">
+            <a:extLst>
+              <a:ext uri="{28A0092B-C50C-407E-A947-70E740481C1C}">
+                <a14:useLocalDpi xmlns:a14="http://schemas.microsoft.com/office/drawing/2010/main" val="0"/>
+              </a:ext>
+            </a:extLst>
+          </a:blip>
+          <a:stretch>
+            <a:fillRect/>
+          </a:stretch>
+        </p:blipFill>
+        <p:spPr>
+          <a:xfrm>
+            <a:off x="804402" y="968232"/>
+            <a:ext cx="9249227" cy="5506309"/>
+          </a:xfrm>
+          <a:prstGeom prst="rect">
+            <a:avLst/>
+          </a:prstGeom>
+        </p:spPr>
+      </p:pic>
+    </p:spTree>
+    <p:extLst>
+      <p:ext uri="{BB962C8B-B14F-4D97-AF65-F5344CB8AC3E}">
+        <p14:creationId xmlns:p14="http://schemas.microsoft.com/office/powerpoint/2010/main" val="857055219"/>
+      </p:ext>
+    </p:extLst>
+  </p:cSld>
+  <p:clrMapOvr>
+    <a:masterClrMapping/>
+  </p:clrMapOvr>
+  <p:transition spd="slow">
+    <p:wipe dir="r"/>
+  </p:transition>
+</p:sld>
+</file>
+
+<file path=ppt/slides/slide23.xml><?xml version="1.0" encoding="utf-8"?>
+<p:sld xmlns:a="http://schemas.openxmlformats.org/drawingml/2006/main" xmlns:r="http://schemas.openxmlformats.org/officeDocument/2006/relationships" xmlns:p="http://schemas.openxmlformats.org/presentationml/2006/main">
+  <p:cSld>
+    <p:spTree>
+      <p:nvGrpSpPr>
+        <p:cNvPr id="1" name=""/>
+        <p:cNvGrpSpPr/>
+        <p:nvPr/>
+      </p:nvGrpSpPr>
+      <p:grpSpPr>
+        <a:xfrm>
+          <a:off x="0" y="0"/>
+          <a:ext cx="0" cy="0"/>
+          <a:chOff x="0" y="0"/>
+          <a:chExt cx="0" cy="0"/>
+        </a:xfrm>
+      </p:grpSpPr>
+      <p:sp>
+        <p:nvSpPr>
+          <p:cNvPr id="2" name="כותרת 1">
+            <a:extLst>
+              <a:ext uri="{FF2B5EF4-FFF2-40B4-BE49-F238E27FC236}">
+                <a16:creationId xmlns:a16="http://schemas.microsoft.com/office/drawing/2014/main" id="{E2039549-3B74-486A-9D48-3C6F09599F35}"/>
+              </a:ext>
+            </a:extLst>
+          </p:cNvPr>
+          <p:cNvSpPr>
+            <a:spLocks noGrp="1"/>
+          </p:cNvSpPr>
+          <p:nvPr>
+            <p:ph type="ctrTitle"/>
+          </p:nvPr>
+        </p:nvSpPr>
+        <p:spPr>
+          <a:xfrm>
+            <a:off x="1442977" y="0"/>
+            <a:ext cx="9144000" cy="2387600"/>
+          </a:xfrm>
+        </p:spPr>
+        <p:txBody>
+          <a:bodyPr/>
+          <a:lstStyle/>
+          <a:p>
+            <a:r>
+              <a:rPr lang="en-US" dirty="0"/>
+              <a:t>Genre Classification</a:t>
+            </a:r>
+            <a:r>
+              <a:rPr lang="he-IL" dirty="0"/>
+              <a:t> </a:t>
+            </a:r>
+          </a:p>
+        </p:txBody>
+      </p:sp>
+      <p:pic>
+        <p:nvPicPr>
+          <p:cNvPr id="5" name="תמונה 4">
+            <a:extLst>
+              <a:ext uri="{FF2B5EF4-FFF2-40B4-BE49-F238E27FC236}">
+                <a16:creationId xmlns:a16="http://schemas.microsoft.com/office/drawing/2014/main" id="{B45DFDA4-DBF6-4EDB-8902-7A57036E3794}"/>
+              </a:ext>
+            </a:extLst>
+          </p:cNvPr>
+          <p:cNvPicPr>
+            <a:picLocks noChangeAspect="1"/>
+          </p:cNvPicPr>
+          <p:nvPr/>
+        </p:nvPicPr>
+        <p:blipFill>
+          <a:blip r:embed="rId2"/>
+          <a:stretch>
+            <a:fillRect/>
+          </a:stretch>
+        </p:blipFill>
+        <p:spPr>
+          <a:xfrm>
+            <a:off x="1202133" y="2491995"/>
+            <a:ext cx="2698535" cy="1511180"/>
+          </a:xfrm>
+          <a:prstGeom prst="rect">
+            <a:avLst/>
+          </a:prstGeom>
+        </p:spPr>
+      </p:pic>
+      <p:sp>
+        <p:nvSpPr>
+          <p:cNvPr id="8" name="חץ: ימינה 7">
+            <a:extLst>
+              <a:ext uri="{FF2B5EF4-FFF2-40B4-BE49-F238E27FC236}">
+                <a16:creationId xmlns:a16="http://schemas.microsoft.com/office/drawing/2014/main" id="{EF3725FD-B077-4CF7-BD19-AC24B5C7A689}"/>
+              </a:ext>
+            </a:extLst>
+          </p:cNvPr>
+          <p:cNvSpPr/>
+          <p:nvPr/>
+        </p:nvSpPr>
+        <p:spPr>
+          <a:xfrm>
+            <a:off x="3900668" y="3104444"/>
+            <a:ext cx="2556576" cy="541867"/>
+          </a:xfrm>
+          <a:prstGeom prst="rightArrow">
+            <a:avLst/>
+          </a:prstGeom>
+        </p:spPr>
+        <p:style>
+          <a:lnRef idx="2">
+            <a:schemeClr val="accent1">
+              <a:shade val="50000"/>
+            </a:schemeClr>
+          </a:lnRef>
+          <a:fillRef idx="1">
+            <a:schemeClr val="accent1"/>
+          </a:fillRef>
+          <a:effectRef idx="0">
+            <a:schemeClr val="accent1"/>
+          </a:effectRef>
+          <a:fontRef idx="minor">
+            <a:schemeClr val="lt1"/>
+          </a:fontRef>
+        </p:style>
+        <p:txBody>
+          <a:bodyPr rtlCol="1" anchor="ctr"/>
+          <a:lstStyle/>
+          <a:p>
+            <a:pPr algn="ctr"/>
+            <a:endParaRPr lang="he-IL"/>
+          </a:p>
+        </p:txBody>
+      </p:sp>
+      <p:sp>
+        <p:nvSpPr>
+          <p:cNvPr id="10" name="תיבת טקסט 9">
+            <a:extLst>
+              <a:ext uri="{FF2B5EF4-FFF2-40B4-BE49-F238E27FC236}">
+                <a16:creationId xmlns:a16="http://schemas.microsoft.com/office/drawing/2014/main" id="{3A42A5D4-F118-468E-9A7E-54743284A369}"/>
+              </a:ext>
+            </a:extLst>
+          </p:cNvPr>
+          <p:cNvSpPr txBox="1"/>
+          <p:nvPr/>
+        </p:nvSpPr>
+        <p:spPr>
+          <a:xfrm>
+            <a:off x="6344355" y="3190711"/>
+            <a:ext cx="1038577" cy="369332"/>
+          </a:xfrm>
+          <a:prstGeom prst="rect">
+            <a:avLst/>
+          </a:prstGeom>
+          <a:noFill/>
+        </p:spPr>
+        <p:txBody>
+          <a:bodyPr wrap="square" rtlCol="1">
+            <a:spAutoFit/>
+          </a:bodyPr>
+          <a:lstStyle/>
+          <a:p>
+            <a:pPr algn="l"/>
+            <a:r>
+              <a:rPr lang="en-US" dirty="0"/>
+              <a:t>Action</a:t>
+            </a:r>
+            <a:endParaRPr lang="he-IL" dirty="0"/>
+          </a:p>
+        </p:txBody>
+      </p:sp>
+      <p:pic>
+        <p:nvPicPr>
+          <p:cNvPr id="12" name="תמונה 11">
+            <a:extLst>
+              <a:ext uri="{FF2B5EF4-FFF2-40B4-BE49-F238E27FC236}">
+                <a16:creationId xmlns:a16="http://schemas.microsoft.com/office/drawing/2014/main" id="{146CD5E5-E459-4163-B7F4-3BD05A3AB28C}"/>
+              </a:ext>
+            </a:extLst>
+          </p:cNvPr>
+          <p:cNvPicPr>
+            <a:picLocks noChangeAspect="1"/>
+          </p:cNvPicPr>
+          <p:nvPr/>
+        </p:nvPicPr>
+        <p:blipFill>
+          <a:blip r:embed="rId3"/>
+          <a:stretch>
+            <a:fillRect/>
+          </a:stretch>
+        </p:blipFill>
+        <p:spPr>
+          <a:xfrm>
+            <a:off x="1202133" y="4697913"/>
+            <a:ext cx="2158179" cy="1841674"/>
+          </a:xfrm>
+          <a:prstGeom prst="rect">
+            <a:avLst/>
+          </a:prstGeom>
+        </p:spPr>
+      </p:pic>
+      <p:sp>
+        <p:nvSpPr>
+          <p:cNvPr id="24" name="חץ: ימינה 23">
+            <a:extLst>
+              <a:ext uri="{FF2B5EF4-FFF2-40B4-BE49-F238E27FC236}">
+                <a16:creationId xmlns:a16="http://schemas.microsoft.com/office/drawing/2014/main" id="{5C62D270-DBE2-40DC-999B-1A8AA796A5AF}"/>
+              </a:ext>
+            </a:extLst>
+          </p:cNvPr>
+          <p:cNvSpPr/>
+          <p:nvPr/>
+        </p:nvSpPr>
+        <p:spPr>
+          <a:xfrm>
+            <a:off x="3360312" y="5435599"/>
+            <a:ext cx="2556576" cy="541867"/>
+          </a:xfrm>
+          <a:prstGeom prst="rightArrow">
+            <a:avLst/>
+          </a:prstGeom>
+        </p:spPr>
+        <p:style>
+          <a:lnRef idx="2">
+            <a:schemeClr val="accent1">
+              <a:shade val="50000"/>
+            </a:schemeClr>
+          </a:lnRef>
+          <a:fillRef idx="1">
+            <a:schemeClr val="accent1"/>
+          </a:fillRef>
+          <a:effectRef idx="0">
+            <a:schemeClr val="accent1"/>
+          </a:effectRef>
+          <a:fontRef idx="minor">
+            <a:schemeClr val="lt1"/>
+          </a:fontRef>
+        </p:style>
+        <p:txBody>
+          <a:bodyPr rtlCol="1" anchor="ctr"/>
+          <a:lstStyle/>
+          <a:p>
+            <a:pPr algn="ctr"/>
+            <a:endParaRPr lang="he-IL"/>
+          </a:p>
+        </p:txBody>
+      </p:sp>
+      <p:sp>
+        <p:nvSpPr>
+          <p:cNvPr id="25" name="תיבת טקסט 24">
+            <a:extLst>
+              <a:ext uri="{FF2B5EF4-FFF2-40B4-BE49-F238E27FC236}">
+                <a16:creationId xmlns:a16="http://schemas.microsoft.com/office/drawing/2014/main" id="{A1097329-6A94-4EE1-A99B-1586F351A791}"/>
+              </a:ext>
+            </a:extLst>
+          </p:cNvPr>
+          <p:cNvSpPr txBox="1"/>
+          <p:nvPr/>
+        </p:nvSpPr>
+        <p:spPr>
+          <a:xfrm>
+            <a:off x="5858931" y="5521866"/>
+            <a:ext cx="1038577" cy="369332"/>
+          </a:xfrm>
+          <a:prstGeom prst="rect">
+            <a:avLst/>
+          </a:prstGeom>
+          <a:noFill/>
+        </p:spPr>
+        <p:txBody>
+          <a:bodyPr wrap="square" rtlCol="1">
+            <a:spAutoFit/>
+          </a:bodyPr>
+          <a:lstStyle/>
+          <a:p>
+            <a:pPr algn="l"/>
+            <a:r>
+              <a:rPr lang="en-US" dirty="0"/>
+              <a:t>Horror</a:t>
+            </a:r>
+            <a:endParaRPr lang="he-IL" dirty="0"/>
+          </a:p>
+        </p:txBody>
+      </p:sp>
+      <p:sp>
+        <p:nvSpPr>
+          <p:cNvPr id="26" name="תיבת טקסט 25">
+            <a:extLst>
+              <a:ext uri="{FF2B5EF4-FFF2-40B4-BE49-F238E27FC236}">
+                <a16:creationId xmlns:a16="http://schemas.microsoft.com/office/drawing/2014/main" id="{22A384E5-0E74-4B97-8A30-C069E0F76B3C}"/>
+              </a:ext>
+            </a:extLst>
+          </p:cNvPr>
+          <p:cNvSpPr txBox="1"/>
+          <p:nvPr/>
+        </p:nvSpPr>
+        <p:spPr>
+          <a:xfrm>
+            <a:off x="4497311" y="5250933"/>
+            <a:ext cx="762000" cy="369332"/>
+          </a:xfrm>
+          <a:prstGeom prst="rect">
+            <a:avLst/>
+          </a:prstGeom>
+          <a:noFill/>
+        </p:spPr>
+        <p:txBody>
+          <a:bodyPr wrap="square" rtlCol="1">
+            <a:spAutoFit/>
+          </a:bodyPr>
+          <a:lstStyle/>
+          <a:p>
+            <a:pPr algn="l"/>
+            <a:r>
+              <a:rPr lang="en-US" dirty="0"/>
+              <a:t>CNN</a:t>
+            </a:r>
+            <a:endParaRPr lang="he-IL" dirty="0"/>
+          </a:p>
+        </p:txBody>
+      </p:sp>
+      <p:sp>
+        <p:nvSpPr>
+          <p:cNvPr id="27" name="תיבת טקסט 26">
+            <a:extLst>
+              <a:ext uri="{FF2B5EF4-FFF2-40B4-BE49-F238E27FC236}">
+                <a16:creationId xmlns:a16="http://schemas.microsoft.com/office/drawing/2014/main" id="{978CDC43-2440-4BBE-936F-31EBF8496A6D}"/>
+              </a:ext>
+            </a:extLst>
+          </p:cNvPr>
+          <p:cNvSpPr txBox="1"/>
+          <p:nvPr/>
+        </p:nvSpPr>
+        <p:spPr>
+          <a:xfrm>
+            <a:off x="4741511" y="2912912"/>
+            <a:ext cx="762000" cy="369332"/>
+          </a:xfrm>
+          <a:prstGeom prst="rect">
+            <a:avLst/>
+          </a:prstGeom>
+          <a:noFill/>
+        </p:spPr>
+        <p:txBody>
+          <a:bodyPr wrap="square" rtlCol="1">
+            <a:spAutoFit/>
+          </a:bodyPr>
+          <a:lstStyle/>
+          <a:p>
+            <a:pPr algn="l"/>
+            <a:r>
+              <a:rPr lang="en-US" dirty="0"/>
+              <a:t>CNN</a:t>
+            </a:r>
+            <a:endParaRPr lang="he-IL" dirty="0"/>
+          </a:p>
+        </p:txBody>
+      </p:sp>
+      <p:pic>
+        <p:nvPicPr>
+          <p:cNvPr id="1026" name="Picture 2" descr="15 Most Offensive Comedy Movies, You Cant Afford To Miss">
+            <a:extLst>
+              <a:ext uri="{FF2B5EF4-FFF2-40B4-BE49-F238E27FC236}">
+                <a16:creationId xmlns:a16="http://schemas.microsoft.com/office/drawing/2014/main" id="{EC355140-5542-41E4-A36F-534915466077}"/>
+              </a:ext>
+            </a:extLst>
+          </p:cNvPr>
+          <p:cNvPicPr>
+            <a:picLocks noChangeAspect="1" noChangeArrowheads="1"/>
+          </p:cNvPicPr>
+          <p:nvPr/>
+        </p:nvPicPr>
+        <p:blipFill>
+          <a:blip r:embed="rId4">
+            <a:extLst>
+              <a:ext uri="{28A0092B-C50C-407E-A947-70E740481C1C}">
+                <a14:useLocalDpi xmlns:a14="http://schemas.microsoft.com/office/drawing/2010/main" val="0"/>
+              </a:ext>
+            </a:extLst>
+          </a:blip>
+          <a:srcRect/>
+          <a:stretch>
+            <a:fillRect/>
+          </a:stretch>
+        </p:blipFill>
+        <p:spPr bwMode="auto">
+          <a:xfrm>
+            <a:off x="7729354" y="2240843"/>
+            <a:ext cx="1967801" cy="2082801"/>
+          </a:xfrm>
+          <a:prstGeom prst="rect">
+            <a:avLst/>
+          </a:prstGeom>
+          <a:noFill/>
+          <a:extLst>
+            <a:ext uri="{909E8E84-426E-40DD-AFC4-6F175D3DCCD1}">
+              <a14:hiddenFill xmlns:a14="http://schemas.microsoft.com/office/drawing/2010/main">
+                <a:solidFill>
+                  <a:srgbClr val="FFFFFF"/>
+                </a:solidFill>
+              </a14:hiddenFill>
+            </a:ext>
+          </a:extLst>
+        </p:spPr>
+      </p:pic>
+      <p:sp>
+        <p:nvSpPr>
+          <p:cNvPr id="28" name="תיבת טקסט 27">
+            <a:extLst>
+              <a:ext uri="{FF2B5EF4-FFF2-40B4-BE49-F238E27FC236}">
+                <a16:creationId xmlns:a16="http://schemas.microsoft.com/office/drawing/2014/main" id="{F099CCCB-583D-441D-8982-7DDC4FB83317}"/>
+              </a:ext>
+            </a:extLst>
+          </p:cNvPr>
+          <p:cNvSpPr txBox="1"/>
+          <p:nvPr/>
+        </p:nvSpPr>
+        <p:spPr>
+          <a:xfrm>
+            <a:off x="11403709" y="3262866"/>
+            <a:ext cx="1038577" cy="369332"/>
+          </a:xfrm>
+          <a:prstGeom prst="rect">
+            <a:avLst/>
+          </a:prstGeom>
+          <a:noFill/>
+        </p:spPr>
+        <p:txBody>
+          <a:bodyPr wrap="square" rtlCol="1">
+            <a:spAutoFit/>
+          </a:bodyPr>
+          <a:lstStyle/>
+          <a:p>
+            <a:pPr algn="l"/>
+            <a:r>
+              <a:rPr lang="en-US" dirty="0"/>
+              <a:t>Action</a:t>
+            </a:r>
+            <a:endParaRPr lang="he-IL" dirty="0"/>
+          </a:p>
+        </p:txBody>
+      </p:sp>
+      <p:sp>
+        <p:nvSpPr>
+          <p:cNvPr id="29" name="תיבת טקסט 28">
+            <a:extLst>
+              <a:ext uri="{FF2B5EF4-FFF2-40B4-BE49-F238E27FC236}">
+                <a16:creationId xmlns:a16="http://schemas.microsoft.com/office/drawing/2014/main" id="{0529B36E-51AE-4841-8248-A10883A65B57}"/>
+              </a:ext>
+            </a:extLst>
+          </p:cNvPr>
+          <p:cNvSpPr txBox="1"/>
+          <p:nvPr/>
+        </p:nvSpPr>
+        <p:spPr>
+          <a:xfrm>
+            <a:off x="9800865" y="2985067"/>
+            <a:ext cx="762000" cy="369332"/>
+          </a:xfrm>
+          <a:prstGeom prst="rect">
+            <a:avLst/>
+          </a:prstGeom>
+          <a:noFill/>
+        </p:spPr>
+        <p:txBody>
+          <a:bodyPr wrap="square" rtlCol="1">
+            <a:spAutoFit/>
+          </a:bodyPr>
+          <a:lstStyle/>
+          <a:p>
+            <a:pPr algn="l"/>
+            <a:r>
+              <a:rPr lang="en-US" dirty="0"/>
+              <a:t>CNN</a:t>
+            </a:r>
+            <a:endParaRPr lang="he-IL" dirty="0"/>
+          </a:p>
+        </p:txBody>
+      </p:sp>
+      <p:sp>
+        <p:nvSpPr>
+          <p:cNvPr id="30" name="חץ: ימינה 29">
+            <a:extLst>
+              <a:ext uri="{FF2B5EF4-FFF2-40B4-BE49-F238E27FC236}">
+                <a16:creationId xmlns:a16="http://schemas.microsoft.com/office/drawing/2014/main" id="{0A9A3749-4202-4C9B-ADB8-F54E9D4200C4}"/>
+              </a:ext>
+            </a:extLst>
+          </p:cNvPr>
+          <p:cNvSpPr/>
+          <p:nvPr/>
+        </p:nvSpPr>
+        <p:spPr>
+          <a:xfrm>
+            <a:off x="9697155" y="3190711"/>
+            <a:ext cx="1706554" cy="541867"/>
+          </a:xfrm>
+          <a:prstGeom prst="rightArrow">
+            <a:avLst/>
+          </a:prstGeom>
+        </p:spPr>
+        <p:style>
+          <a:lnRef idx="2">
+            <a:schemeClr val="accent1">
+              <a:shade val="50000"/>
+            </a:schemeClr>
+          </a:lnRef>
+          <a:fillRef idx="1">
+            <a:schemeClr val="accent1"/>
+          </a:fillRef>
+          <a:effectRef idx="0">
+            <a:schemeClr val="accent1"/>
+          </a:effectRef>
+          <a:fontRef idx="minor">
+            <a:schemeClr val="lt1"/>
+          </a:fontRef>
+        </p:style>
+        <p:txBody>
+          <a:bodyPr rtlCol="1" anchor="ctr"/>
+          <a:lstStyle/>
+          <a:p>
+            <a:pPr algn="ctr"/>
+            <a:endParaRPr lang="he-IL"/>
+          </a:p>
+        </p:txBody>
+      </p:sp>
+      <p:sp>
+        <p:nvSpPr>
+          <p:cNvPr id="18" name="תיבת טקסט 17">
+            <a:extLst>
+              <a:ext uri="{FF2B5EF4-FFF2-40B4-BE49-F238E27FC236}">
+                <a16:creationId xmlns:a16="http://schemas.microsoft.com/office/drawing/2014/main" id="{2D53E8CE-1DCD-4015-AAE1-28550F5C58B8}"/>
+              </a:ext>
+            </a:extLst>
+          </p:cNvPr>
+          <p:cNvSpPr txBox="1"/>
+          <p:nvPr/>
+        </p:nvSpPr>
+        <p:spPr>
+          <a:xfrm>
+            <a:off x="10758311" y="2987834"/>
+            <a:ext cx="1433689" cy="369332"/>
+          </a:xfrm>
+          <a:prstGeom prst="rect">
+            <a:avLst/>
+          </a:prstGeom>
+          <a:noFill/>
+        </p:spPr>
+        <p:txBody>
+          <a:bodyPr wrap="square" rtlCol="1">
+            <a:spAutoFit/>
+          </a:bodyPr>
+          <a:lstStyle/>
+          <a:p>
+            <a:r>
+              <a:rPr lang="en-US" dirty="0"/>
+              <a:t>Comedy,</a:t>
+            </a:r>
+            <a:endParaRPr lang="he-IL" dirty="0"/>
+          </a:p>
+        </p:txBody>
+      </p:sp>
+    </p:spTree>
+    <p:extLst>
+      <p:ext uri="{BB962C8B-B14F-4D97-AF65-F5344CB8AC3E}">
+        <p14:creationId xmlns:p14="http://schemas.microsoft.com/office/powerpoint/2010/main" val="3154680765"/>
+      </p:ext>
+    </p:extLst>
+  </p:cSld>
+  <p:clrMapOvr>
+    <a:masterClrMapping/>
+  </p:clrMapOvr>
+</p:sld>
+</file>
+
+<file path=ppt/slides/slide24.xml><?xml version="1.0" encoding="utf-8"?>
+<p:sld xmlns:a="http://schemas.openxmlformats.org/drawingml/2006/main" xmlns:r="http://schemas.openxmlformats.org/officeDocument/2006/relationships" xmlns:p="http://schemas.openxmlformats.org/presentationml/2006/main">
+  <p:cSld>
+    <p:spTree>
+      <p:nvGrpSpPr>
+        <p:cNvPr id="1" name=""/>
+        <p:cNvGrpSpPr/>
+        <p:nvPr/>
+      </p:nvGrpSpPr>
+      <p:grpSpPr>
+        <a:xfrm>
+          <a:off x="0" y="0"/>
+          <a:ext cx="0" cy="0"/>
+          <a:chOff x="0" y="0"/>
+          <a:chExt cx="0" cy="0"/>
+        </a:xfrm>
+      </p:grpSpPr>
+      <p:sp>
+        <p:nvSpPr>
+          <p:cNvPr id="2" name="כותרת 1">
+            <a:extLst>
+              <a:ext uri="{FF2B5EF4-FFF2-40B4-BE49-F238E27FC236}">
+                <a16:creationId xmlns:a16="http://schemas.microsoft.com/office/drawing/2014/main" id="{75613F2E-C2D0-4169-866B-F26E543368C0}"/>
+              </a:ext>
+            </a:extLst>
+          </p:cNvPr>
+          <p:cNvSpPr>
+            <a:spLocks noGrp="1"/>
+          </p:cNvSpPr>
+          <p:nvPr>
+            <p:ph type="title"/>
+          </p:nvPr>
+        </p:nvSpPr>
+        <p:spPr/>
+        <p:txBody>
+          <a:bodyPr/>
+          <a:lstStyle/>
+          <a:p>
+            <a:pPr algn="ctr"/>
+            <a:r>
+              <a:rPr lang="en-US" dirty="0"/>
+              <a:t>General Steps</a:t>
+            </a:r>
+            <a:endParaRPr lang="he-IL" dirty="0"/>
+          </a:p>
+        </p:txBody>
+      </p:sp>
+      <p:sp>
+        <p:nvSpPr>
+          <p:cNvPr id="3" name="מציין מיקום תוכן 2">
+            <a:extLst>
+              <a:ext uri="{FF2B5EF4-FFF2-40B4-BE49-F238E27FC236}">
+                <a16:creationId xmlns:a16="http://schemas.microsoft.com/office/drawing/2014/main" id="{D5DE31C6-97D6-4F18-AD39-1834290FF5EE}"/>
+              </a:ext>
+            </a:extLst>
+          </p:cNvPr>
+          <p:cNvSpPr>
+            <a:spLocks noGrp="1"/>
+          </p:cNvSpPr>
+          <p:nvPr>
+            <p:ph idx="1"/>
+          </p:nvPr>
+        </p:nvSpPr>
+        <p:spPr>
+          <a:xfrm>
+            <a:off x="838200" y="1825625"/>
+            <a:ext cx="10515600" cy="3514019"/>
+          </a:xfrm>
+        </p:spPr>
+        <p:txBody>
+          <a:bodyPr/>
+          <a:lstStyle/>
+          <a:p>
+            <a:pPr algn="l" rtl="0"/>
+            <a:r>
+              <a:rPr lang="en-US" dirty="0"/>
+              <a:t>1.  importing the data to environment(pandas)</a:t>
+            </a:r>
+          </a:p>
+          <a:p>
+            <a:pPr algn="l" rtl="0"/>
+            <a:r>
+              <a:rPr lang="en-US" dirty="0"/>
+              <a:t>2. Discarding irrelevant data.</a:t>
+            </a:r>
+          </a:p>
+          <a:p>
+            <a:pPr algn="l" rtl="0"/>
+            <a:r>
+              <a:rPr lang="en-US" dirty="0"/>
+              <a:t>3. Splitting the data to train and test sets.</a:t>
+            </a:r>
+          </a:p>
+          <a:p>
+            <a:pPr algn="l" rtl="0"/>
+            <a:r>
+              <a:rPr lang="en-US" dirty="0"/>
+              <a:t>4. deploying model of Convolutional Network.</a:t>
+            </a:r>
+          </a:p>
+          <a:p>
+            <a:pPr algn="l" rtl="0"/>
+            <a:r>
+              <a:rPr lang="en-US" dirty="0"/>
+              <a:t>5.Training the model.</a:t>
+            </a:r>
+          </a:p>
+          <a:p>
+            <a:pPr algn="l" rtl="0"/>
+            <a:r>
+              <a:rPr lang="en-US" dirty="0"/>
+              <a:t>6.deploying the results to test set.</a:t>
+            </a:r>
+          </a:p>
+          <a:p>
+            <a:pPr marL="0" indent="0" algn="l" rtl="0">
+              <a:buNone/>
+            </a:pPr>
+            <a:endParaRPr lang="en-US" dirty="0"/>
+          </a:p>
+          <a:p>
+            <a:pPr algn="l" rtl="0"/>
+            <a:endParaRPr lang="en-US" dirty="0"/>
+          </a:p>
+          <a:p>
+            <a:pPr algn="l" rtl="0"/>
+            <a:endParaRPr lang="en-US" dirty="0"/>
+          </a:p>
+          <a:p>
+            <a:pPr algn="l" rtl="0"/>
+            <a:endParaRPr lang="en-US" dirty="0"/>
+          </a:p>
+          <a:p>
+            <a:pPr algn="l" rtl="0"/>
+            <a:endParaRPr lang="en-US" dirty="0"/>
+          </a:p>
+          <a:p>
+            <a:pPr algn="l" rtl="0"/>
+            <a:endParaRPr lang="en-US" dirty="0"/>
+          </a:p>
+          <a:p>
+            <a:pPr algn="l" rtl="0"/>
+            <a:endParaRPr lang="en-US" dirty="0"/>
+          </a:p>
+          <a:p>
+            <a:pPr algn="l" rtl="0"/>
+            <a:endParaRPr lang="en-US" dirty="0"/>
+          </a:p>
+          <a:p>
+            <a:pPr algn="l" rtl="0"/>
+            <a:endParaRPr lang="en-US" dirty="0"/>
+          </a:p>
+          <a:p>
+            <a:pPr algn="l" rtl="0"/>
+            <a:endParaRPr lang="he-IL" dirty="0"/>
+          </a:p>
+        </p:txBody>
+      </p:sp>
+    </p:spTree>
+    <p:extLst>
+      <p:ext uri="{BB962C8B-B14F-4D97-AF65-F5344CB8AC3E}">
+        <p14:creationId xmlns:p14="http://schemas.microsoft.com/office/powerpoint/2010/main" val="1385907679"/>
+      </p:ext>
+    </p:extLst>
+  </p:cSld>
+  <p:clrMapOvr>
+    <a:masterClrMapping/>
+  </p:clrMapOvr>
+</p:sld>
+</file>
+
+<file path=ppt/slides/slide25.xml><?xml version="1.0" encoding="utf-8"?>
 <p:sld xmlns:a="http://schemas.openxmlformats.org/drawingml/2006/main" xmlns:r="http://schemas.openxmlformats.org/officeDocument/2006/relationships" xmlns:p="http://schemas.openxmlformats.org/presentationml/2006/main">
   <p:cSld>
     <p:spTree>
@@ -5800,7 +9398,7 @@
 </p:sld>
 </file>
 
-<file path=ppt/slides/slide11.xml><?xml version="1.0" encoding="utf-8"?>
+<file path=ppt/slides/slide26.xml><?xml version="1.0" encoding="utf-8"?>
 <p:sld xmlns:a="http://schemas.openxmlformats.org/drawingml/2006/main" xmlns:r="http://schemas.openxmlformats.org/officeDocument/2006/relationships" xmlns:p="http://schemas.openxmlformats.org/presentationml/2006/main">
   <p:cSld>
     <p:spTree>
@@ -5962,7 +9560,7 @@
 </p:sld>
 </file>
 
-<file path=ppt/slides/slide12.xml><?xml version="1.0" encoding="utf-8"?>
+<file path=ppt/slides/slide27.xml><?xml version="1.0" encoding="utf-8"?>
 <p:sld xmlns:a="http://schemas.openxmlformats.org/drawingml/2006/main" xmlns:r="http://schemas.openxmlformats.org/officeDocument/2006/relationships" xmlns:p="http://schemas.openxmlformats.org/presentationml/2006/main">
   <p:cSld>
     <p:bg>
@@ -6104,7 +9702,7 @@
 </p:sld>
 </file>
 
-<file path=ppt/slides/slide13.xml><?xml version="1.0" encoding="utf-8"?>
+<file path=ppt/slides/slide28.xml><?xml version="1.0" encoding="utf-8"?>
 <p:sld xmlns:a="http://schemas.openxmlformats.org/drawingml/2006/main" xmlns:r="http://schemas.openxmlformats.org/officeDocument/2006/relationships" xmlns:p="http://schemas.openxmlformats.org/presentationml/2006/main">
   <p:cSld>
     <p:spTree>
@@ -6513,7 +10111,7 @@
 </p:sld>
 </file>
 
-<file path=ppt/slides/slide14.xml><?xml version="1.0" encoding="utf-8"?>
+<file path=ppt/slides/slide29.xml><?xml version="1.0" encoding="utf-8"?>
 <p:sld xmlns:a="http://schemas.openxmlformats.org/drawingml/2006/main" xmlns:r="http://schemas.openxmlformats.org/officeDocument/2006/relationships" xmlns:p="http://schemas.openxmlformats.org/presentationml/2006/main">
   <p:cSld>
     <p:spTree>
@@ -6593,222 +10191,6 @@
     <p:extLst>
       <p:ext uri="{BB962C8B-B14F-4D97-AF65-F5344CB8AC3E}">
         <p14:creationId xmlns:p14="http://schemas.microsoft.com/office/powerpoint/2010/main" val="1388387552"/>
-      </p:ext>
-    </p:extLst>
-  </p:cSld>
-  <p:clrMapOvr>
-    <a:masterClrMapping/>
-  </p:clrMapOvr>
-</p:sld>
-</file>
-
-<file path=ppt/slides/slide2.xml><?xml version="1.0" encoding="utf-8"?>
-<p:sld xmlns:a="http://schemas.openxmlformats.org/drawingml/2006/main" xmlns:r="http://schemas.openxmlformats.org/officeDocument/2006/relationships" xmlns:p="http://schemas.openxmlformats.org/presentationml/2006/main">
-  <p:cSld>
-    <p:spTree>
-      <p:nvGrpSpPr>
-        <p:cNvPr id="1" name=""/>
-        <p:cNvGrpSpPr/>
-        <p:nvPr/>
-      </p:nvGrpSpPr>
-      <p:grpSpPr>
-        <a:xfrm>
-          <a:off x="0" y="0"/>
-          <a:ext cx="0" cy="0"/>
-          <a:chOff x="0" y="0"/>
-          <a:chExt cx="0" cy="0"/>
-        </a:xfrm>
-      </p:grpSpPr>
-      <p:sp>
-        <p:nvSpPr>
-          <p:cNvPr id="4" name="ZoneTexte 3">
-            <a:extLst>
-              <a:ext uri="{FF2B5EF4-FFF2-40B4-BE49-F238E27FC236}">
-                <a16:creationId xmlns:a16="http://schemas.microsoft.com/office/drawing/2014/main" id="{A075CB93-4D07-4A41-ABEB-3654CDE30508}"/>
-              </a:ext>
-            </a:extLst>
-          </p:cNvPr>
-          <p:cNvSpPr txBox="1"/>
-          <p:nvPr/>
-        </p:nvSpPr>
-        <p:spPr>
-          <a:xfrm>
-            <a:off x="504824" y="0"/>
-            <a:ext cx="10820401" cy="6740307"/>
-          </a:xfrm>
-          <a:prstGeom prst="rect">
-            <a:avLst/>
-          </a:prstGeom>
-          <a:noFill/>
-        </p:spPr>
-        <p:txBody>
-          <a:bodyPr wrap="square" rtlCol="0">
-            <a:spAutoFit/>
-          </a:bodyPr>
-          <a:lstStyle/>
-          <a:p>
-            <a:pPr marL="457200" indent="-457200">
-              <a:buFont typeface="Wingdings" panose="05000000000000000000" pitchFamily="2" charset="2"/>
-              <a:buChar char="v"/>
-            </a:pPr>
-            <a:r>
-              <a:rPr lang="en-US" sz="4000" b="1" u="sng" dirty="0">
-                <a:solidFill>
-                  <a:schemeClr val="bg1"/>
-                </a:solidFill>
-                <a:latin typeface="Agency FB" panose="020B0503020202020204" pitchFamily="34" charset="0"/>
-              </a:rPr>
-              <a:t>Steps of our presentation :</a:t>
-            </a:r>
-            <a:endParaRPr lang="en-US" b="1" u="sng" dirty="0">
-              <a:solidFill>
-                <a:schemeClr val="bg1"/>
-              </a:solidFill>
-            </a:endParaRPr>
-          </a:p>
-          <a:p>
-            <a:endParaRPr lang="en-US" b="1" dirty="0">
-              <a:latin typeface="Agency FB" panose="020B0503020202020204" pitchFamily="34" charset="0"/>
-            </a:endParaRPr>
-          </a:p>
-          <a:p>
-            <a:pPr marL="457200" indent="-457200">
-              <a:buFont typeface="+mj-lt"/>
-              <a:buAutoNum type="arabicPeriod"/>
-            </a:pPr>
-            <a:r>
-              <a:rPr lang="en-US" sz="3200" b="1" dirty="0">
-                <a:solidFill>
-                  <a:schemeClr val="bg1"/>
-                </a:solidFill>
-                <a:latin typeface="Agency FB" panose="020B0503020202020204" pitchFamily="34" charset="0"/>
-              </a:rPr>
-              <a:t>Introduction</a:t>
-            </a:r>
-          </a:p>
-          <a:p>
-            <a:pPr lvl="1"/>
-            <a:r>
-              <a:rPr lang="en-US" sz="3200" b="1" dirty="0">
-                <a:solidFill>
-                  <a:schemeClr val="bg1"/>
-                </a:solidFill>
-                <a:latin typeface="Agency FB" panose="020B0503020202020204" pitchFamily="34" charset="0"/>
-              </a:rPr>
-              <a:t>1.1 What we want to achieve in our project</a:t>
-            </a:r>
-          </a:p>
-          <a:p>
-            <a:pPr marL="457200" indent="-457200">
-              <a:buFont typeface="+mj-lt"/>
-              <a:buAutoNum type="arabicPeriod"/>
-            </a:pPr>
-            <a:r>
-              <a:rPr lang="en-US" sz="3200" b="1" dirty="0">
-                <a:solidFill>
-                  <a:schemeClr val="bg1"/>
-                </a:solidFill>
-                <a:latin typeface="Agency FB" panose="020B0503020202020204" pitchFamily="34" charset="0"/>
-              </a:rPr>
-              <a:t> Our dataset and some examples</a:t>
-            </a:r>
-          </a:p>
-          <a:p>
-            <a:pPr marL="457200" indent="-457200">
-              <a:buFont typeface="+mj-lt"/>
-              <a:buAutoNum type="arabicPeriod"/>
-            </a:pPr>
-            <a:r>
-              <a:rPr lang="en-US" sz="3200" b="1" dirty="0">
-                <a:solidFill>
-                  <a:schemeClr val="bg1"/>
-                </a:solidFill>
-                <a:latin typeface="Agency FB" panose="020B0503020202020204" pitchFamily="34" charset="0"/>
-              </a:rPr>
-              <a:t> Implementation</a:t>
-            </a:r>
-          </a:p>
-          <a:p>
-            <a:r>
-              <a:rPr lang="en-US" sz="3200" b="1" dirty="0">
-                <a:solidFill>
-                  <a:schemeClr val="bg1"/>
-                </a:solidFill>
-                <a:latin typeface="Agency FB" panose="020B0503020202020204" pitchFamily="34" charset="0"/>
-              </a:rPr>
-              <a:t>	3.1 Dealing with the dataset (Normalization, splitting,..)</a:t>
-            </a:r>
-          </a:p>
-          <a:p>
-            <a:r>
-              <a:rPr lang="en-US" sz="3200" b="1" dirty="0">
-                <a:solidFill>
-                  <a:schemeClr val="bg1"/>
-                </a:solidFill>
-                <a:latin typeface="Agency FB" panose="020B0503020202020204" pitchFamily="34" charset="0"/>
-              </a:rPr>
-              <a:t>	3.2 Convolutional Neural Network Architecture</a:t>
-            </a:r>
-          </a:p>
-          <a:p>
-            <a:r>
-              <a:rPr lang="en-US" sz="3200" b="1" dirty="0">
-                <a:solidFill>
-                  <a:schemeClr val="bg1"/>
-                </a:solidFill>
-                <a:latin typeface="Agency FB" panose="020B0503020202020204" pitchFamily="34" charset="0"/>
-              </a:rPr>
-              <a:t>	3.3 Training</a:t>
-            </a:r>
-          </a:p>
-          <a:p>
-            <a:r>
-              <a:rPr lang="en-US" sz="3200" b="1" dirty="0">
-                <a:solidFill>
-                  <a:schemeClr val="bg1"/>
-                </a:solidFill>
-                <a:latin typeface="Agency FB" panose="020B0503020202020204" pitchFamily="34" charset="0"/>
-              </a:rPr>
-              <a:t>	3.4 Results (Model Accuracy and Model Loss)</a:t>
-            </a:r>
-          </a:p>
-          <a:p>
-            <a:r>
-              <a:rPr lang="en-US" sz="3200" b="1" dirty="0">
-                <a:solidFill>
-                  <a:schemeClr val="bg1"/>
-                </a:solidFill>
-                <a:latin typeface="Agency FB" panose="020B0503020202020204" pitchFamily="34" charset="0"/>
-              </a:rPr>
-              <a:t>	3.5 Some examples of testing</a:t>
-            </a:r>
-          </a:p>
-          <a:p>
-            <a:r>
-              <a:rPr lang="en-US" sz="3200" b="1" dirty="0">
-                <a:solidFill>
-                  <a:schemeClr val="bg1"/>
-                </a:solidFill>
-                <a:latin typeface="Agency FB" panose="020B0503020202020204" pitchFamily="34" charset="0"/>
-              </a:rPr>
-              <a:t>4. Conclusion</a:t>
-            </a:r>
-          </a:p>
-          <a:p>
-            <a:endParaRPr lang="en-US" dirty="0"/>
-          </a:p>
-          <a:p>
-            <a:endParaRPr lang="en-US" dirty="0"/>
-          </a:p>
-          <a:p>
-            <a:endParaRPr lang="en-IL" dirty="0"/>
-          </a:p>
-        </p:txBody>
-      </p:sp>
-    </p:spTree>
-    <p:extLst>
-      <p:ext uri="{BB962C8B-B14F-4D97-AF65-F5344CB8AC3E}">
-        <p14:creationId xmlns:p14="http://schemas.microsoft.com/office/powerpoint/2010/main" val="2506319317"/>
       </p:ext>
     </p:extLst>
   </p:cSld>
@@ -7540,6 +10922,9 @@
   <p:clrMapOvr>
     <a:masterClrMapping/>
   </p:clrMapOvr>
+  <p:transition spd="slow">
+    <p:wipe dir="r"/>
+  </p:transition>
 </p:sld>
 </file>
 
@@ -7753,6 +11138,9 @@
   <p:clrMapOvr>
     <a:masterClrMapping/>
   </p:clrMapOvr>
+  <p:transition spd="slow">
+    <p:wipe dir="r"/>
+  </p:transition>
 </p:sld>
 </file>
 
@@ -7857,6 +11245,9 @@
   <p:clrMapOvr>
     <a:masterClrMapping/>
   </p:clrMapOvr>
+  <p:transition spd="slow">
+    <p:wipe dir="r"/>
+  </p:transition>
 </p:sld>
 </file>
 
@@ -7971,6 +11362,9 @@
   <p:clrMapOvr>
     <a:masterClrMapping/>
   </p:clrMapOvr>
+  <p:transition spd="slow">
+    <p:wipe dir="r"/>
+  </p:transition>
 </p:sld>
 </file>
 
@@ -8085,12 +11479,40 @@
   <p:clrMapOvr>
     <a:masterClrMapping/>
   </p:clrMapOvr>
+  <p:transition spd="slow">
+    <p:wipe dir="r"/>
+  </p:transition>
 </p:sld>
 </file>
 
 <file path=ppt/slides/slide8.xml><?xml version="1.0" encoding="utf-8"?>
 <p:sld xmlns:a="http://schemas.openxmlformats.org/drawingml/2006/main" xmlns:r="http://schemas.openxmlformats.org/officeDocument/2006/relationships" xmlns:p="http://schemas.openxmlformats.org/presentationml/2006/main">
   <p:cSld>
+    <p:bg>
+      <p:bgPr>
+        <a:gradFill rotWithShape="1">
+          <a:gsLst>
+            <a:gs pos="10000">
+              <a:schemeClr val="bg1">
+                <a:tint val="97000"/>
+                <a:hueMod val="92000"/>
+                <a:satMod val="169000"/>
+                <a:lumMod val="164000"/>
+              </a:schemeClr>
+            </a:gs>
+            <a:gs pos="100000">
+              <a:schemeClr val="bg1">
+                <a:shade val="96000"/>
+                <a:satMod val="120000"/>
+                <a:lumMod val="90000"/>
+              </a:schemeClr>
+            </a:gs>
+          </a:gsLst>
+          <a:lin ang="6120000" scaled="1"/>
+        </a:gradFill>
+        <a:effectLst/>
+      </p:bgPr>
+    </p:bg>
     <p:spTree>
       <p:nvGrpSpPr>
         <p:cNvPr id="1" name=""/>
@@ -8107,123 +11529,10 @@
       </p:grpSpPr>
       <p:sp>
         <p:nvSpPr>
-          <p:cNvPr id="2" name="כותרת 1">
+          <p:cNvPr id="5" name="ZoneTexte 4">
             <a:extLst>
               <a:ext uri="{FF2B5EF4-FFF2-40B4-BE49-F238E27FC236}">
-                <a16:creationId xmlns:a16="http://schemas.microsoft.com/office/drawing/2014/main" id="{E2039549-3B74-486A-9D48-3C6F09599F35}"/>
-              </a:ext>
-            </a:extLst>
-          </p:cNvPr>
-          <p:cNvSpPr>
-            <a:spLocks noGrp="1"/>
-          </p:cNvSpPr>
-          <p:nvPr>
-            <p:ph type="ctrTitle"/>
-          </p:nvPr>
-        </p:nvSpPr>
-        <p:spPr>
-          <a:xfrm>
-            <a:off x="1442977" y="0"/>
-            <a:ext cx="9144000" cy="2387600"/>
-          </a:xfrm>
-        </p:spPr>
-        <p:txBody>
-          <a:bodyPr/>
-          <a:lstStyle/>
-          <a:p>
-            <a:r>
-              <a:rPr lang="en-US" dirty="0"/>
-              <a:t>Genre Classification</a:t>
-            </a:r>
-            <a:r>
-              <a:rPr lang="he-IL" dirty="0"/>
-              <a:t> </a:t>
-            </a:r>
-          </a:p>
-        </p:txBody>
-      </p:sp>
-      <p:pic>
-        <p:nvPicPr>
-          <p:cNvPr id="5" name="תמונה 4">
-            <a:extLst>
-              <a:ext uri="{FF2B5EF4-FFF2-40B4-BE49-F238E27FC236}">
-                <a16:creationId xmlns:a16="http://schemas.microsoft.com/office/drawing/2014/main" id="{B45DFDA4-DBF6-4EDB-8902-7A57036E3794}"/>
-              </a:ext>
-            </a:extLst>
-          </p:cNvPr>
-          <p:cNvPicPr>
-            <a:picLocks noChangeAspect="1"/>
-          </p:cNvPicPr>
-          <p:nvPr/>
-        </p:nvPicPr>
-        <p:blipFill>
-          <a:blip r:embed="rId2"/>
-          <a:stretch>
-            <a:fillRect/>
-          </a:stretch>
-        </p:blipFill>
-        <p:spPr>
-          <a:xfrm>
-            <a:off x="1202133" y="2491995"/>
-            <a:ext cx="2698535" cy="1511180"/>
-          </a:xfrm>
-          <a:prstGeom prst="rect">
-            <a:avLst/>
-          </a:prstGeom>
-        </p:spPr>
-      </p:pic>
-      <p:sp>
-        <p:nvSpPr>
-          <p:cNvPr id="8" name="חץ: ימינה 7">
-            <a:extLst>
-              <a:ext uri="{FF2B5EF4-FFF2-40B4-BE49-F238E27FC236}">
-                <a16:creationId xmlns:a16="http://schemas.microsoft.com/office/drawing/2014/main" id="{EF3725FD-B077-4CF7-BD19-AC24B5C7A689}"/>
-              </a:ext>
-            </a:extLst>
-          </p:cNvPr>
-          <p:cNvSpPr/>
-          <p:nvPr/>
-        </p:nvSpPr>
-        <p:spPr>
-          <a:xfrm>
-            <a:off x="3900668" y="3104444"/>
-            <a:ext cx="2556576" cy="541867"/>
-          </a:xfrm>
-          <a:prstGeom prst="rightArrow">
-            <a:avLst/>
-          </a:prstGeom>
-        </p:spPr>
-        <p:style>
-          <a:lnRef idx="2">
-            <a:schemeClr val="accent1">
-              <a:shade val="50000"/>
-            </a:schemeClr>
-          </a:lnRef>
-          <a:fillRef idx="1">
-            <a:schemeClr val="accent1"/>
-          </a:fillRef>
-          <a:effectRef idx="0">
-            <a:schemeClr val="accent1"/>
-          </a:effectRef>
-          <a:fontRef idx="minor">
-            <a:schemeClr val="lt1"/>
-          </a:fontRef>
-        </p:style>
-        <p:txBody>
-          <a:bodyPr rtlCol="1" anchor="ctr"/>
-          <a:lstStyle/>
-          <a:p>
-            <a:pPr algn="ctr"/>
-            <a:endParaRPr lang="he-IL"/>
-          </a:p>
-        </p:txBody>
-      </p:sp>
-      <p:sp>
-        <p:nvSpPr>
-          <p:cNvPr id="10" name="תיבת טקסט 9">
-            <a:extLst>
-              <a:ext uri="{FF2B5EF4-FFF2-40B4-BE49-F238E27FC236}">
-                <a16:creationId xmlns:a16="http://schemas.microsoft.com/office/drawing/2014/main" id="{3A42A5D4-F118-468E-9A7E-54743284A369}"/>
+                <a16:creationId xmlns:a16="http://schemas.microsoft.com/office/drawing/2014/main" id="{876FF7F0-32D0-4CD4-A877-04E15965A92F}"/>
               </a:ext>
             </a:extLst>
           </p:cNvPr>
@@ -8232,8 +11541,8 @@
         </p:nvSpPr>
         <p:spPr>
           <a:xfrm>
-            <a:off x="6344355" y="3190711"/>
-            <a:ext cx="1038577" cy="369332"/>
+            <a:off x="161926" y="729779"/>
+            <a:ext cx="11934824" cy="3293209"/>
           </a:xfrm>
           <a:prstGeom prst="rect">
             <a:avLst/>
@@ -8241,420 +11550,72 @@
           <a:noFill/>
         </p:spPr>
         <p:txBody>
-          <a:bodyPr wrap="square" rtlCol="1">
+          <a:bodyPr wrap="square" rtlCol="0">
             <a:spAutoFit/>
           </a:bodyPr>
           <a:lstStyle/>
           <a:p>
-            <a:pPr algn="l"/>
-            <a:r>
-              <a:rPr lang="en-US" dirty="0"/>
-              <a:t>Action</a:t>
-            </a:r>
-            <a:endParaRPr lang="he-IL" dirty="0"/>
-          </a:p>
-        </p:txBody>
-      </p:sp>
-      <p:pic>
-        <p:nvPicPr>
-          <p:cNvPr id="12" name="תמונה 11">
-            <a:extLst>
-              <a:ext uri="{FF2B5EF4-FFF2-40B4-BE49-F238E27FC236}">
-                <a16:creationId xmlns:a16="http://schemas.microsoft.com/office/drawing/2014/main" id="{146CD5E5-E459-4163-B7F4-3BD05A3AB28C}"/>
-              </a:ext>
-            </a:extLst>
-          </p:cNvPr>
-          <p:cNvPicPr>
-            <a:picLocks noChangeAspect="1"/>
-          </p:cNvPicPr>
-          <p:nvPr/>
-        </p:nvPicPr>
-        <p:blipFill>
-          <a:blip r:embed="rId3"/>
-          <a:stretch>
-            <a:fillRect/>
-          </a:stretch>
-        </p:blipFill>
-        <p:spPr>
-          <a:xfrm>
-            <a:off x="1202133" y="4697913"/>
-            <a:ext cx="2158179" cy="1841674"/>
-          </a:xfrm>
-          <a:prstGeom prst="rect">
-            <a:avLst/>
-          </a:prstGeom>
-        </p:spPr>
-      </p:pic>
-      <p:sp>
-        <p:nvSpPr>
-          <p:cNvPr id="24" name="חץ: ימינה 23">
-            <a:extLst>
-              <a:ext uri="{FF2B5EF4-FFF2-40B4-BE49-F238E27FC236}">
-                <a16:creationId xmlns:a16="http://schemas.microsoft.com/office/drawing/2014/main" id="{5C62D270-DBE2-40DC-999B-1A8AA796A5AF}"/>
-              </a:ext>
-            </a:extLst>
-          </p:cNvPr>
-          <p:cNvSpPr/>
-          <p:nvPr/>
-        </p:nvSpPr>
-        <p:spPr>
-          <a:xfrm>
-            <a:off x="3360312" y="5435599"/>
-            <a:ext cx="2556576" cy="541867"/>
-          </a:xfrm>
-          <a:prstGeom prst="rightArrow">
-            <a:avLst/>
-          </a:prstGeom>
-        </p:spPr>
-        <p:style>
-          <a:lnRef idx="2">
-            <a:schemeClr val="accent1">
-              <a:shade val="50000"/>
-            </a:schemeClr>
-          </a:lnRef>
-          <a:fillRef idx="1">
-            <a:schemeClr val="accent1"/>
-          </a:fillRef>
-          <a:effectRef idx="0">
-            <a:schemeClr val="accent1"/>
-          </a:effectRef>
-          <a:fontRef idx="minor">
-            <a:schemeClr val="lt1"/>
-          </a:fontRef>
-        </p:style>
-        <p:txBody>
-          <a:bodyPr rtlCol="1" anchor="ctr"/>
-          <a:lstStyle/>
-          <a:p>
-            <a:pPr algn="ctr"/>
-            <a:endParaRPr lang="he-IL"/>
-          </a:p>
-        </p:txBody>
-      </p:sp>
-      <p:sp>
-        <p:nvSpPr>
-          <p:cNvPr id="25" name="תיבת טקסט 24">
-            <a:extLst>
-              <a:ext uri="{FF2B5EF4-FFF2-40B4-BE49-F238E27FC236}">
-                <a16:creationId xmlns:a16="http://schemas.microsoft.com/office/drawing/2014/main" id="{A1097329-6A94-4EE1-A99B-1586F351A791}"/>
-              </a:ext>
-            </a:extLst>
-          </p:cNvPr>
-          <p:cNvSpPr txBox="1"/>
-          <p:nvPr/>
-        </p:nvSpPr>
-        <p:spPr>
-          <a:xfrm>
-            <a:off x="5858931" y="5521866"/>
-            <a:ext cx="1038577" cy="369332"/>
-          </a:xfrm>
-          <a:prstGeom prst="rect">
-            <a:avLst/>
-          </a:prstGeom>
-          <a:noFill/>
-        </p:spPr>
-        <p:txBody>
-          <a:bodyPr wrap="square" rtlCol="1">
-            <a:spAutoFit/>
-          </a:bodyPr>
-          <a:lstStyle/>
-          <a:p>
-            <a:pPr algn="l"/>
-            <a:r>
-              <a:rPr lang="en-US" dirty="0"/>
-              <a:t>Horror</a:t>
-            </a:r>
-            <a:endParaRPr lang="he-IL" dirty="0"/>
-          </a:p>
-        </p:txBody>
-      </p:sp>
-      <p:sp>
-        <p:nvSpPr>
-          <p:cNvPr id="26" name="תיבת טקסט 25">
-            <a:extLst>
-              <a:ext uri="{FF2B5EF4-FFF2-40B4-BE49-F238E27FC236}">
-                <a16:creationId xmlns:a16="http://schemas.microsoft.com/office/drawing/2014/main" id="{22A384E5-0E74-4B97-8A30-C069E0F76B3C}"/>
-              </a:ext>
-            </a:extLst>
-          </p:cNvPr>
-          <p:cNvSpPr txBox="1"/>
-          <p:nvPr/>
-        </p:nvSpPr>
-        <p:spPr>
-          <a:xfrm>
-            <a:off x="4497311" y="5250933"/>
-            <a:ext cx="762000" cy="369332"/>
-          </a:xfrm>
-          <a:prstGeom prst="rect">
-            <a:avLst/>
-          </a:prstGeom>
-          <a:noFill/>
-        </p:spPr>
-        <p:txBody>
-          <a:bodyPr wrap="square" rtlCol="1">
-            <a:spAutoFit/>
-          </a:bodyPr>
-          <a:lstStyle/>
-          <a:p>
-            <a:pPr algn="l"/>
-            <a:r>
-              <a:rPr lang="en-US" dirty="0"/>
-              <a:t>CNN</a:t>
-            </a:r>
-            <a:endParaRPr lang="he-IL" dirty="0"/>
-          </a:p>
-        </p:txBody>
-      </p:sp>
-      <p:sp>
-        <p:nvSpPr>
-          <p:cNvPr id="27" name="תיבת טקסט 26">
-            <a:extLst>
-              <a:ext uri="{FF2B5EF4-FFF2-40B4-BE49-F238E27FC236}">
-                <a16:creationId xmlns:a16="http://schemas.microsoft.com/office/drawing/2014/main" id="{978CDC43-2440-4BBE-936F-31EBF8496A6D}"/>
-              </a:ext>
-            </a:extLst>
-          </p:cNvPr>
-          <p:cNvSpPr txBox="1"/>
-          <p:nvPr/>
-        </p:nvSpPr>
-        <p:spPr>
-          <a:xfrm>
-            <a:off x="4741511" y="2912912"/>
-            <a:ext cx="762000" cy="369332"/>
-          </a:xfrm>
-          <a:prstGeom prst="rect">
-            <a:avLst/>
-          </a:prstGeom>
-          <a:noFill/>
-        </p:spPr>
-        <p:txBody>
-          <a:bodyPr wrap="square" rtlCol="1">
-            <a:spAutoFit/>
-          </a:bodyPr>
-          <a:lstStyle/>
-          <a:p>
-            <a:pPr algn="l"/>
-            <a:r>
-              <a:rPr lang="en-US" dirty="0"/>
-              <a:t>CNN</a:t>
-            </a:r>
-            <a:endParaRPr lang="he-IL" dirty="0"/>
-          </a:p>
-        </p:txBody>
-      </p:sp>
-      <p:pic>
-        <p:nvPicPr>
-          <p:cNvPr id="1026" name="Picture 2" descr="15 Most Offensive Comedy Movies, You Cant Afford To Miss">
-            <a:extLst>
-              <a:ext uri="{FF2B5EF4-FFF2-40B4-BE49-F238E27FC236}">
-                <a16:creationId xmlns:a16="http://schemas.microsoft.com/office/drawing/2014/main" id="{EC355140-5542-41E4-A36F-534915466077}"/>
-              </a:ext>
-            </a:extLst>
-          </p:cNvPr>
-          <p:cNvPicPr>
-            <a:picLocks noChangeAspect="1" noChangeArrowheads="1"/>
-          </p:cNvPicPr>
-          <p:nvPr/>
-        </p:nvPicPr>
-        <p:blipFill>
-          <a:blip r:embed="rId4">
-            <a:extLst>
-              <a:ext uri="{28A0092B-C50C-407E-A947-70E740481C1C}">
-                <a14:useLocalDpi xmlns:a14="http://schemas.microsoft.com/office/drawing/2010/main" val="0"/>
-              </a:ext>
-            </a:extLst>
-          </a:blip>
-          <a:srcRect/>
-          <a:stretch>
-            <a:fillRect/>
-          </a:stretch>
-        </p:blipFill>
-        <p:spPr bwMode="auto">
-          <a:xfrm>
-            <a:off x="7729354" y="2240843"/>
-            <a:ext cx="1967801" cy="2082801"/>
-          </a:xfrm>
-          <a:prstGeom prst="rect">
-            <a:avLst/>
-          </a:prstGeom>
-          <a:noFill/>
-          <a:extLst>
-            <a:ext uri="{909E8E84-426E-40DD-AFC4-6F175D3DCCD1}">
-              <a14:hiddenFill xmlns:a14="http://schemas.microsoft.com/office/drawing/2010/main">
-                <a:solidFill>
-                  <a:srgbClr val="FFFFFF"/>
-                </a:solidFill>
-              </a14:hiddenFill>
-            </a:ext>
-          </a:extLst>
-        </p:spPr>
-      </p:pic>
-      <p:sp>
-        <p:nvSpPr>
-          <p:cNvPr id="28" name="תיבת טקסט 27">
-            <a:extLst>
-              <a:ext uri="{FF2B5EF4-FFF2-40B4-BE49-F238E27FC236}">
-                <a16:creationId xmlns:a16="http://schemas.microsoft.com/office/drawing/2014/main" id="{F099CCCB-583D-441D-8982-7DDC4FB83317}"/>
-              </a:ext>
-            </a:extLst>
-          </p:cNvPr>
-          <p:cNvSpPr txBox="1"/>
-          <p:nvPr/>
-        </p:nvSpPr>
-        <p:spPr>
-          <a:xfrm>
-            <a:off x="11403709" y="3262866"/>
-            <a:ext cx="1038577" cy="369332"/>
-          </a:xfrm>
-          <a:prstGeom prst="rect">
-            <a:avLst/>
-          </a:prstGeom>
-          <a:noFill/>
-        </p:spPr>
-        <p:txBody>
-          <a:bodyPr wrap="square" rtlCol="1">
-            <a:spAutoFit/>
-          </a:bodyPr>
-          <a:lstStyle/>
-          <a:p>
-            <a:pPr algn="l"/>
-            <a:r>
-              <a:rPr lang="en-US" dirty="0"/>
-              <a:t>Action</a:t>
-            </a:r>
-            <a:endParaRPr lang="he-IL" dirty="0"/>
-          </a:p>
-        </p:txBody>
-      </p:sp>
-      <p:sp>
-        <p:nvSpPr>
-          <p:cNvPr id="29" name="תיבת טקסט 28">
-            <a:extLst>
-              <a:ext uri="{FF2B5EF4-FFF2-40B4-BE49-F238E27FC236}">
-                <a16:creationId xmlns:a16="http://schemas.microsoft.com/office/drawing/2014/main" id="{0529B36E-51AE-4841-8248-A10883A65B57}"/>
-              </a:ext>
-            </a:extLst>
-          </p:cNvPr>
-          <p:cNvSpPr txBox="1"/>
-          <p:nvPr/>
-        </p:nvSpPr>
-        <p:spPr>
-          <a:xfrm>
-            <a:off x="9800865" y="2985067"/>
-            <a:ext cx="762000" cy="369332"/>
-          </a:xfrm>
-          <a:prstGeom prst="rect">
-            <a:avLst/>
-          </a:prstGeom>
-          <a:noFill/>
-        </p:spPr>
-        <p:txBody>
-          <a:bodyPr wrap="square" rtlCol="1">
-            <a:spAutoFit/>
-          </a:bodyPr>
-          <a:lstStyle/>
-          <a:p>
-            <a:pPr algn="l"/>
-            <a:r>
-              <a:rPr lang="en-US" dirty="0"/>
-              <a:t>CNN</a:t>
-            </a:r>
-            <a:endParaRPr lang="he-IL" dirty="0"/>
-          </a:p>
-        </p:txBody>
-      </p:sp>
-      <p:sp>
-        <p:nvSpPr>
-          <p:cNvPr id="30" name="חץ: ימינה 29">
-            <a:extLst>
-              <a:ext uri="{FF2B5EF4-FFF2-40B4-BE49-F238E27FC236}">
-                <a16:creationId xmlns:a16="http://schemas.microsoft.com/office/drawing/2014/main" id="{0A9A3749-4202-4C9B-ADB8-F54E9D4200C4}"/>
-              </a:ext>
-            </a:extLst>
-          </p:cNvPr>
-          <p:cNvSpPr/>
-          <p:nvPr/>
-        </p:nvSpPr>
-        <p:spPr>
-          <a:xfrm>
-            <a:off x="9697155" y="3190711"/>
-            <a:ext cx="1706554" cy="541867"/>
-          </a:xfrm>
-          <a:prstGeom prst="rightArrow">
-            <a:avLst/>
-          </a:prstGeom>
-        </p:spPr>
-        <p:style>
-          <a:lnRef idx="2">
-            <a:schemeClr val="accent1">
-              <a:shade val="50000"/>
-            </a:schemeClr>
-          </a:lnRef>
-          <a:fillRef idx="1">
-            <a:schemeClr val="accent1"/>
-          </a:fillRef>
-          <a:effectRef idx="0">
-            <a:schemeClr val="accent1"/>
-          </a:effectRef>
-          <a:fontRef idx="minor">
-            <a:schemeClr val="lt1"/>
-          </a:fontRef>
-        </p:style>
-        <p:txBody>
-          <a:bodyPr rtlCol="1" anchor="ctr"/>
-          <a:lstStyle/>
-          <a:p>
-            <a:pPr algn="ctr"/>
-            <a:endParaRPr lang="he-IL"/>
-          </a:p>
-        </p:txBody>
-      </p:sp>
-      <p:sp>
-        <p:nvSpPr>
-          <p:cNvPr id="18" name="תיבת טקסט 17">
-            <a:extLst>
-              <a:ext uri="{FF2B5EF4-FFF2-40B4-BE49-F238E27FC236}">
-                <a16:creationId xmlns:a16="http://schemas.microsoft.com/office/drawing/2014/main" id="{2D53E8CE-1DCD-4015-AAE1-28550F5C58B8}"/>
-              </a:ext>
-            </a:extLst>
-          </p:cNvPr>
-          <p:cNvSpPr txBox="1"/>
-          <p:nvPr/>
-        </p:nvSpPr>
-        <p:spPr>
-          <a:xfrm>
-            <a:off x="10758311" y="2987834"/>
-            <a:ext cx="1433689" cy="369332"/>
-          </a:xfrm>
-          <a:prstGeom prst="rect">
-            <a:avLst/>
-          </a:prstGeom>
-          <a:noFill/>
-        </p:spPr>
-        <p:txBody>
-          <a:bodyPr wrap="square" rtlCol="1">
-            <a:spAutoFit/>
-          </a:bodyPr>
-          <a:lstStyle/>
-          <a:p>
-            <a:r>
-              <a:rPr lang="en-US" dirty="0"/>
-              <a:t>Comedy,</a:t>
-            </a:r>
-            <a:endParaRPr lang="he-IL" dirty="0"/>
+            <a:pPr marL="914400" indent="-914400">
+              <a:buAutoNum type="arabicPeriod" startAt="3"/>
+            </a:pPr>
+            <a:r>
+              <a:rPr lang="en-US" sz="5400" b="1" dirty="0">
+                <a:latin typeface="Agency FB" panose="020B0503020202020204" pitchFamily="34" charset="0"/>
+              </a:rPr>
+              <a:t>Implementation</a:t>
+            </a:r>
+          </a:p>
+          <a:p>
+            <a:endParaRPr lang="en-US" sz="5400" b="1" dirty="0">
+              <a:latin typeface="Agency FB" panose="020B0503020202020204" pitchFamily="34" charset="0"/>
+            </a:endParaRPr>
+          </a:p>
+          <a:p>
+            <a:r>
+              <a:rPr lang="en-US" sz="4000" b="1" dirty="0">
+                <a:latin typeface="Agency FB" panose="020B0503020202020204" pitchFamily="34" charset="0"/>
+              </a:rPr>
+              <a:t>	</a:t>
+            </a:r>
+            <a:r>
+              <a:rPr lang="en-US" sz="3200" b="1" dirty="0">
+                <a:latin typeface="Agency FB" panose="020B0503020202020204" pitchFamily="34" charset="0"/>
+              </a:rPr>
+              <a:t>3.1 Dealing with the dataset (Normalization, splitting,..)</a:t>
+            </a:r>
+          </a:p>
+          <a:p>
+            <a:endParaRPr lang="en-US" dirty="0">
+              <a:solidFill>
+                <a:schemeClr val="bg1"/>
+              </a:solidFill>
+            </a:endParaRPr>
+          </a:p>
+          <a:p>
+            <a:endParaRPr lang="en-US" dirty="0"/>
+          </a:p>
+          <a:p>
+            <a:r>
+              <a:rPr lang="en-US" sz="2400" dirty="0"/>
+              <a:t>		</a:t>
+            </a:r>
+            <a:endParaRPr lang="en-IL" sz="2800" i="1" dirty="0"/>
           </a:p>
         </p:txBody>
       </p:sp>
     </p:spTree>
     <p:extLst>
       <p:ext uri="{BB962C8B-B14F-4D97-AF65-F5344CB8AC3E}">
-        <p14:creationId xmlns:p14="http://schemas.microsoft.com/office/powerpoint/2010/main" val="3154680765"/>
+        <p14:creationId xmlns:p14="http://schemas.microsoft.com/office/powerpoint/2010/main" val="651587612"/>
       </p:ext>
     </p:extLst>
   </p:cSld>
   <p:clrMapOvr>
     <a:masterClrMapping/>
   </p:clrMapOvr>
+  <p:transition spd="slow">
+    <p:wipe dir="r"/>
+  </p:transition>
 </p:sld>
 </file>
 
@@ -8677,155 +11638,101 @@
       </p:grpSpPr>
       <p:sp>
         <p:nvSpPr>
-          <p:cNvPr id="2" name="כותרת 1">
+          <p:cNvPr id="5" name="ZoneTexte 4">
             <a:extLst>
               <a:ext uri="{FF2B5EF4-FFF2-40B4-BE49-F238E27FC236}">
-                <a16:creationId xmlns:a16="http://schemas.microsoft.com/office/drawing/2014/main" id="{75613F2E-C2D0-4169-866B-F26E543368C0}"/>
+                <a16:creationId xmlns:a16="http://schemas.microsoft.com/office/drawing/2014/main" id="{4B756054-08A3-4288-9125-9F314B993E8F}"/>
               </a:ext>
             </a:extLst>
           </p:cNvPr>
-          <p:cNvSpPr>
-            <a:spLocks noGrp="1"/>
-          </p:cNvSpPr>
-          <p:nvPr>
-            <p:ph type="title"/>
-          </p:nvPr>
-        </p:nvSpPr>
-        <p:spPr/>
-        <p:txBody>
-          <a:bodyPr/>
-          <a:lstStyle/>
-          <a:p>
-            <a:pPr algn="ctr"/>
-            <a:r>
-              <a:rPr lang="en-US" dirty="0"/>
-              <a:t>General Steps</a:t>
-            </a:r>
-            <a:endParaRPr lang="he-IL" dirty="0"/>
-          </a:p>
-        </p:txBody>
-      </p:sp>
-      <p:sp>
-        <p:nvSpPr>
-          <p:cNvPr id="3" name="מציין מיקום תוכן 2">
+          <p:cNvSpPr txBox="1"/>
+          <p:nvPr/>
+        </p:nvSpPr>
+        <p:spPr>
+          <a:xfrm>
+            <a:off x="804402" y="383458"/>
+            <a:ext cx="9832258" cy="584775"/>
+          </a:xfrm>
+          <a:prstGeom prst="rect">
+            <a:avLst/>
+          </a:prstGeom>
+          <a:noFill/>
+        </p:spPr>
+        <p:txBody>
+          <a:bodyPr wrap="square" rtlCol="0">
+            <a:spAutoFit/>
+          </a:bodyPr>
+          <a:lstStyle/>
+          <a:p>
+            <a:pPr marL="457200" indent="-457200">
+              <a:buFont typeface="Wingdings" panose="05000000000000000000" pitchFamily="2" charset="2"/>
+              <a:buChar char="v"/>
+            </a:pPr>
+            <a:r>
+              <a:rPr lang="en-US" sz="3200" b="1" dirty="0">
+                <a:solidFill>
+                  <a:schemeClr val="bg1"/>
+                </a:solidFill>
+              </a:rPr>
+              <a:t>Converting csv file to pandas Dataframe</a:t>
+            </a:r>
+            <a:endParaRPr lang="en-IL" sz="3200" b="1" dirty="0">
+              <a:solidFill>
+                <a:schemeClr val="bg1"/>
+              </a:solidFill>
+            </a:endParaRPr>
+          </a:p>
+        </p:txBody>
+      </p:sp>
+      <p:pic>
+        <p:nvPicPr>
+          <p:cNvPr id="3" name="Image 2" descr="Une image contenant texte&#10;&#10;Description générée automatiquement">
             <a:extLst>
               <a:ext uri="{FF2B5EF4-FFF2-40B4-BE49-F238E27FC236}">
-                <a16:creationId xmlns:a16="http://schemas.microsoft.com/office/drawing/2014/main" id="{D5DE31C6-97D6-4F18-AD39-1834290FF5EE}"/>
+                <a16:creationId xmlns:a16="http://schemas.microsoft.com/office/drawing/2014/main" id="{989D8891-0452-4EBA-BE92-991398C9E569}"/>
               </a:ext>
             </a:extLst>
           </p:cNvPr>
-          <p:cNvSpPr>
-            <a:spLocks noGrp="1"/>
-          </p:cNvSpPr>
-          <p:nvPr>
-            <p:ph idx="1"/>
-          </p:nvPr>
-        </p:nvSpPr>
-        <p:spPr>
-          <a:xfrm>
-            <a:off x="838200" y="1825625"/>
-            <a:ext cx="10515600" cy="3514019"/>
-          </a:xfrm>
-        </p:spPr>
-        <p:txBody>
-          <a:bodyPr/>
-          <a:lstStyle/>
-          <a:p>
-            <a:pPr algn="l" rtl="0"/>
-            <a:r>
-              <a:rPr lang="en-US" dirty="0"/>
-              <a:t>1.  importing the data to environment(pandas)</a:t>
-            </a:r>
-          </a:p>
-          <a:p>
-            <a:pPr algn="l" rtl="0"/>
-            <a:r>
-              <a:rPr lang="en-US" dirty="0"/>
-              <a:t>2. Discarding irrelevant data.</a:t>
-            </a:r>
-          </a:p>
-          <a:p>
-            <a:pPr algn="l" rtl="0"/>
-            <a:r>
-              <a:rPr lang="en-US" dirty="0"/>
-              <a:t>3. Splitting the data to train and test sets.</a:t>
-            </a:r>
-          </a:p>
-          <a:p>
-            <a:pPr algn="l" rtl="0"/>
-            <a:r>
-              <a:rPr lang="en-US" dirty="0"/>
-              <a:t>4. deploying model of Convolutional Network.</a:t>
-            </a:r>
-          </a:p>
-          <a:p>
-            <a:pPr algn="l" rtl="0"/>
-            <a:r>
-              <a:rPr lang="en-US" dirty="0"/>
-              <a:t>5.Training the model.</a:t>
-            </a:r>
-          </a:p>
-          <a:p>
-            <a:pPr algn="l" rtl="0"/>
-            <a:r>
-              <a:rPr lang="en-US" dirty="0"/>
-              <a:t>6.deploying the results to test set.</a:t>
-            </a:r>
-          </a:p>
-          <a:p>
-            <a:pPr marL="0" indent="0" algn="l" rtl="0">
-              <a:buNone/>
-            </a:pPr>
-            <a:endParaRPr lang="en-US" dirty="0"/>
-          </a:p>
-          <a:p>
-            <a:pPr algn="l" rtl="0"/>
-            <a:endParaRPr lang="en-US" dirty="0"/>
-          </a:p>
-          <a:p>
-            <a:pPr algn="l" rtl="0"/>
-            <a:endParaRPr lang="en-US" dirty="0"/>
-          </a:p>
-          <a:p>
-            <a:pPr algn="l" rtl="0"/>
-            <a:endParaRPr lang="en-US" dirty="0"/>
-          </a:p>
-          <a:p>
-            <a:pPr algn="l" rtl="0"/>
-            <a:endParaRPr lang="en-US" dirty="0"/>
-          </a:p>
-          <a:p>
-            <a:pPr algn="l" rtl="0"/>
-            <a:endParaRPr lang="en-US" dirty="0"/>
-          </a:p>
-          <a:p>
-            <a:pPr algn="l" rtl="0"/>
-            <a:endParaRPr lang="en-US" dirty="0"/>
-          </a:p>
-          <a:p>
-            <a:pPr algn="l" rtl="0"/>
-            <a:endParaRPr lang="en-US" dirty="0"/>
-          </a:p>
-          <a:p>
-            <a:pPr algn="l" rtl="0"/>
-            <a:endParaRPr lang="en-US" dirty="0"/>
-          </a:p>
-          <a:p>
-            <a:pPr algn="l" rtl="0"/>
-            <a:endParaRPr lang="he-IL" dirty="0"/>
-          </a:p>
-        </p:txBody>
-      </p:sp>
+          <p:cNvPicPr>
+            <a:picLocks noChangeAspect="1"/>
+          </p:cNvPicPr>
+          <p:nvPr/>
+        </p:nvPicPr>
+        <p:blipFill>
+          <a:blip r:embed="rId2">
+            <a:extLst>
+              <a:ext uri="{28A0092B-C50C-407E-A947-70E740481C1C}">
+                <a14:useLocalDpi xmlns:a14="http://schemas.microsoft.com/office/drawing/2010/main" val="0"/>
+              </a:ext>
+            </a:extLst>
+          </a:blip>
+          <a:stretch>
+            <a:fillRect/>
+          </a:stretch>
+        </p:blipFill>
+        <p:spPr>
+          <a:xfrm>
+            <a:off x="142875" y="1178183"/>
+            <a:ext cx="11945192" cy="5296359"/>
+          </a:xfrm>
+          <a:prstGeom prst="rect">
+            <a:avLst/>
+          </a:prstGeom>
+        </p:spPr>
+      </p:pic>
     </p:spTree>
     <p:extLst>
       <p:ext uri="{BB962C8B-B14F-4D97-AF65-F5344CB8AC3E}">
-        <p14:creationId xmlns:p14="http://schemas.microsoft.com/office/powerpoint/2010/main" val="1385907679"/>
+        <p14:creationId xmlns:p14="http://schemas.microsoft.com/office/powerpoint/2010/main" val="843934124"/>
       </p:ext>
     </p:extLst>
   </p:cSld>
   <p:clrMapOvr>
     <a:masterClrMapping/>
   </p:clrMapOvr>
+  <p:transition spd="slow">
+    <p:wipe dir="r"/>
+  </p:transition>
 </p:sld>
 </file>
 

--- a/Slide Show.pptx
+++ b/Slide Show.pptx
@@ -23,17 +23,18 @@
     <p:sldId id="282" r:id="rId17"/>
     <p:sldId id="280" r:id="rId18"/>
     <p:sldId id="286" r:id="rId19"/>
-    <p:sldId id="281" r:id="rId20"/>
-    <p:sldId id="283" r:id="rId21"/>
-    <p:sldId id="284" r:id="rId22"/>
-    <p:sldId id="285" r:id="rId23"/>
-    <p:sldId id="256" r:id="rId24"/>
-    <p:sldId id="257" r:id="rId25"/>
-    <p:sldId id="258" r:id="rId26"/>
-    <p:sldId id="259" r:id="rId27"/>
-    <p:sldId id="260" r:id="rId28"/>
-    <p:sldId id="261" r:id="rId29"/>
-    <p:sldId id="262" r:id="rId30"/>
+    <p:sldId id="287" r:id="rId20"/>
+    <p:sldId id="281" r:id="rId21"/>
+    <p:sldId id="283" r:id="rId22"/>
+    <p:sldId id="284" r:id="rId23"/>
+    <p:sldId id="285" r:id="rId24"/>
+    <p:sldId id="256" r:id="rId25"/>
+    <p:sldId id="257" r:id="rId26"/>
+    <p:sldId id="258" r:id="rId27"/>
+    <p:sldId id="259" r:id="rId28"/>
+    <p:sldId id="260" r:id="rId29"/>
+    <p:sldId id="261" r:id="rId30"/>
+    <p:sldId id="262" r:id="rId31"/>
   </p:sldIdLst>
   <p:sldSz cx="12192000" cy="6858000"/>
   <p:notesSz cx="6858000" cy="9144000"/>
@@ -6520,22 +6521,26 @@
             <a:pPr algn="ctr"/>
             <a:r>
               <a:rPr lang="en-US" sz="1400" dirty="0"/>
-              <a:t>          16 filters, each one of size 3x3 (Relu Activation Function)</a:t>
+              <a:t>       </a:t>
+            </a:r>
+            <a:r>
+              <a:rPr lang="en-US" sz="1400" b="1" dirty="0"/>
+              <a:t>   16 filters, each one of size 3x3 (Relu Activation Function)</a:t>
             </a:r>
           </a:p>
           <a:p>
             <a:pPr algn="ctr"/>
             <a:r>
-              <a:rPr lang="en-US" sz="1400" dirty="0"/>
+              <a:rPr lang="en-US" sz="1400" b="1" dirty="0"/>
               <a:t>	Batch Normalization </a:t>
             </a:r>
             <a:r>
-              <a:rPr lang="en-US" sz="1400" dirty="0">
+              <a:rPr lang="en-US" sz="1400" b="1" dirty="0">
                 <a:sym typeface="Wingdings" panose="05000000000000000000" pitchFamily="2" charset="2"/>
               </a:rPr>
               <a:t> Maxpooling 2x2  10% 	DropOut</a:t>
             </a:r>
-            <a:endParaRPr lang="en-IL" sz="4000" dirty="0"/>
+            <a:endParaRPr lang="en-IL" sz="4000" b="1" dirty="0"/>
           </a:p>
         </p:txBody>
       </p:sp>
@@ -6726,22 +6731,26 @@
             <a:pPr algn="ctr"/>
             <a:r>
               <a:rPr lang="en-US" sz="1400" dirty="0"/>
-              <a:t>          32 filters, each one of size 3x3 (Relu Activation Function)</a:t>
+              <a:t>          </a:t>
+            </a:r>
+            <a:r>
+              <a:rPr lang="en-US" sz="1400" b="1" dirty="0"/>
+              <a:t>32 filters, each one of size 3x3 (Relu Activation Function)</a:t>
             </a:r>
           </a:p>
           <a:p>
             <a:pPr algn="ctr"/>
             <a:r>
-              <a:rPr lang="en-US" sz="1400" dirty="0"/>
+              <a:rPr lang="en-US" sz="1400" b="1" dirty="0"/>
               <a:t>	Batch Normalization </a:t>
             </a:r>
             <a:r>
-              <a:rPr lang="en-US" sz="1400" dirty="0">
+              <a:rPr lang="en-US" sz="1400" b="1" dirty="0">
                 <a:sym typeface="Wingdings" panose="05000000000000000000" pitchFamily="2" charset="2"/>
               </a:rPr>
               <a:t> Maxpooling 2x2</a:t>
             </a:r>
-            <a:endParaRPr lang="en-IL" sz="4000" dirty="0"/>
+            <a:endParaRPr lang="en-IL" sz="4000" b="1" dirty="0"/>
           </a:p>
         </p:txBody>
       </p:sp>
@@ -6776,22 +6785,26 @@
             <a:pPr algn="ctr"/>
             <a:r>
               <a:rPr lang="en-US" sz="1400" dirty="0"/>
-              <a:t>          64 filters, each one of size 3x3 (Relu Activation Function)</a:t>
+              <a:t>        </a:t>
+            </a:r>
+            <a:r>
+              <a:rPr lang="en-US" sz="1400" b="1" dirty="0"/>
+              <a:t>  64 filters, each one of size 3x3 (Relu Activation Function)</a:t>
             </a:r>
           </a:p>
           <a:p>
             <a:pPr algn="ctr"/>
             <a:r>
-              <a:rPr lang="en-US" sz="1400" dirty="0"/>
+              <a:rPr lang="en-US" sz="1400" b="1" dirty="0"/>
               <a:t>	Batch Normalization </a:t>
             </a:r>
             <a:r>
-              <a:rPr lang="en-US" sz="1400" dirty="0">
+              <a:rPr lang="en-US" sz="1400" b="1" dirty="0">
                 <a:sym typeface="Wingdings" panose="05000000000000000000" pitchFamily="2" charset="2"/>
               </a:rPr>
-              <a:t> Maxpooling 2x2  20% 	DropOut</a:t>
-            </a:r>
-            <a:endParaRPr lang="en-IL" sz="4000" dirty="0"/>
+              <a:t> Maxpooling 2x2  20% DropOut</a:t>
+            </a:r>
+            <a:endParaRPr lang="en-IL" sz="4000" b="1" dirty="0"/>
           </a:p>
         </p:txBody>
       </p:sp>
@@ -6809,7 +6822,7 @@
         </p:nvSpPr>
         <p:spPr>
           <a:xfrm>
-            <a:off x="6636242" y="3568291"/>
+            <a:off x="6636242" y="3567723"/>
             <a:ext cx="5697998" cy="523220"/>
           </a:xfrm>
           <a:prstGeom prst="rect">
@@ -6826,22 +6839,26 @@
             <a:pPr algn="ctr"/>
             <a:r>
               <a:rPr lang="en-US" sz="1400" dirty="0"/>
-              <a:t>          128 filters, each one of size 3x3 (Relu Activation Function)</a:t>
+              <a:t>          </a:t>
+            </a:r>
+            <a:r>
+              <a:rPr lang="en-US" sz="1400" b="1" dirty="0"/>
+              <a:t>128 filters, each one of size 3x3 (Relu Activation Function)</a:t>
             </a:r>
           </a:p>
           <a:p>
             <a:pPr algn="ctr"/>
             <a:r>
-              <a:rPr lang="en-US" sz="1400" dirty="0"/>
+              <a:rPr lang="en-US" sz="1400" b="1" dirty="0"/>
               <a:t>	Batch Normalization </a:t>
             </a:r>
             <a:r>
-              <a:rPr lang="en-US" sz="1400" dirty="0">
+              <a:rPr lang="en-US" sz="1400" b="1" dirty="0">
                 <a:sym typeface="Wingdings" panose="05000000000000000000" pitchFamily="2" charset="2"/>
               </a:rPr>
               <a:t> Maxpooling 2x2</a:t>
             </a:r>
-            <a:endParaRPr lang="en-IL" sz="4000" dirty="0"/>
+            <a:endParaRPr lang="en-IL" sz="4000" b="1" dirty="0"/>
           </a:p>
         </p:txBody>
       </p:sp>
@@ -6914,10 +6931,10 @@
           <a:p>
             <a:pPr algn="ctr"/>
             <a:r>
-              <a:rPr lang="en-US" sz="1400" dirty="0"/>
+              <a:rPr lang="en-US" sz="1400" b="1" dirty="0"/>
               <a:t>          Flatten Layer</a:t>
             </a:r>
-            <a:endParaRPr lang="en-IL" sz="4000" dirty="0"/>
+            <a:endParaRPr lang="en-IL" sz="4000" b="1" dirty="0"/>
           </a:p>
         </p:txBody>
       </p:sp>
@@ -6991,15 +7008,19 @@
             <a:pPr algn="ctr"/>
             <a:r>
               <a:rPr lang="en-US" sz="1400" dirty="0"/>
-              <a:t>          Dense Layer (128 neurons) , Relu Activation  Function </a:t>
-            </a:r>
-            <a:r>
-              <a:rPr lang="en-US" sz="1400" dirty="0">
+              <a:t>          </a:t>
+            </a:r>
+            <a:r>
+              <a:rPr lang="en-US" sz="1400" b="1" dirty="0"/>
+              <a:t>Dense Layer (128 neurons) , Relu Activation  Function </a:t>
+            </a:r>
+            <a:r>
+              <a:rPr lang="en-US" sz="1400" b="1" dirty="0">
                 <a:sym typeface="Wingdings" panose="05000000000000000000" pitchFamily="2" charset="2"/>
               </a:rPr>
               <a:t>Batch Normalization </a:t>
             </a:r>
-            <a:endParaRPr lang="en-US" sz="1400" dirty="0"/>
+            <a:endParaRPr lang="en-US" sz="1400" b="1" dirty="0"/>
           </a:p>
         </p:txBody>
       </p:sp>
@@ -7034,15 +7055,19 @@
             <a:pPr algn="ctr"/>
             <a:r>
               <a:rPr lang="en-US" sz="1400" dirty="0"/>
-              <a:t>          Dense Layer (128 neurons) , Relu Activation  Function </a:t>
-            </a:r>
-            <a:r>
-              <a:rPr lang="en-US" sz="1400" dirty="0">
+              <a:t>          </a:t>
+            </a:r>
+            <a:r>
+              <a:rPr lang="en-US" sz="1400" b="1" dirty="0"/>
+              <a:t>Dense Layer (128 neurons) , Relu Activation  Function </a:t>
+            </a:r>
+            <a:r>
+              <a:rPr lang="en-US" sz="1400" b="1" dirty="0">
                 <a:sym typeface="Wingdings" panose="05000000000000000000" pitchFamily="2" charset="2"/>
               </a:rPr>
               <a:t>Batch Normalization </a:t>
             </a:r>
-            <a:endParaRPr lang="en-US" sz="1400" dirty="0"/>
+            <a:endParaRPr lang="en-US" sz="1400" b="1" dirty="0"/>
           </a:p>
         </p:txBody>
       </p:sp>
@@ -7138,8 +7163,8 @@
         </p:nvSpPr>
         <p:spPr>
           <a:xfrm>
-            <a:off x="6742922" y="6043137"/>
-            <a:ext cx="5484638" cy="307777"/>
+            <a:off x="6742922" y="6178017"/>
+            <a:ext cx="5591318" cy="523220"/>
           </a:xfrm>
           <a:prstGeom prst="rect">
             <a:avLst/>
@@ -7155,7 +7180,15 @@
             <a:pPr algn="ctr"/>
             <a:r>
               <a:rPr lang="en-US" sz="1400" dirty="0"/>
-              <a:t>          Output Layer (13 neurons), Sigmoid Activation Function</a:t>
+              <a:t>          </a:t>
+            </a:r>
+            <a:r>
+              <a:rPr lang="en-US" sz="1400" b="1" dirty="0"/>
+              <a:t>Output Layer (13 neurons), Sigmoid Activation Function          	</a:t>
+            </a:r>
+            <a:r>
+              <a:rPr lang="en-US" sz="1200" b="1" dirty="0"/>
+              <a:t>(We assumed that there are no relationship between genres)</a:t>
             </a:r>
           </a:p>
         </p:txBody>
@@ -7607,7 +7640,7 @@
         <p:spPr>
           <a:xfrm>
             <a:off x="1249680" y="2346960"/>
-            <a:ext cx="9692640" cy="3139321"/>
+            <a:ext cx="9913620" cy="4524315"/>
           </a:xfrm>
           <a:prstGeom prst="rect">
             <a:avLst/>
@@ -7696,12 +7729,48 @@
             </a:r>
           </a:p>
           <a:p>
+            <a:endParaRPr lang="en-US" u="sng" dirty="0"/>
+          </a:p>
+          <a:p>
+            <a:pPr marL="742950" lvl="1" indent="-285750">
+              <a:buFontTx/>
+              <a:buChar char="-"/>
+            </a:pPr>
+            <a:r>
+              <a:rPr lang="en-US" dirty="0"/>
+              <a:t> Binary Cross entropy loss function</a:t>
+            </a:r>
+            <a:r>
+              <a:rPr lang="en-US" b="0" i="0" dirty="0">
+                <a:effectLst/>
+              </a:rPr>
+              <a:t> is independent for each vector component (class), meaning that the loss computed for the CNN output vector component is not affected by other  component values. That’s why it is used for </a:t>
+            </a:r>
+            <a:r>
+              <a:rPr lang="en-US" b="1" i="0" dirty="0">
+                <a:effectLst/>
+              </a:rPr>
+              <a:t>multi-label classification</a:t>
+            </a:r>
+            <a:r>
+              <a:rPr lang="en-US" dirty="0"/>
+              <a:t> </a:t>
+            </a:r>
+          </a:p>
+          <a:p>
+            <a:pPr lvl="1"/>
+            <a:r>
+              <a:rPr lang="en-US" dirty="0"/>
+              <a:t>	</a:t>
+            </a:r>
+          </a:p>
+          <a:p>
             <a:endParaRPr lang="en-US" dirty="0"/>
           </a:p>
           <a:p>
             <a:r>
               <a:rPr lang="en-US" dirty="0"/>
-              <a:t>	-</a:t>
+              <a:t>	</a:t>
             </a:r>
           </a:p>
         </p:txBody>
@@ -7723,6 +7792,398 @@
 </file>
 
 <file path=ppt/slides/slide19.xml><?xml version="1.0" encoding="utf-8"?>
+<p:sld xmlns:a="http://schemas.openxmlformats.org/drawingml/2006/main" xmlns:r="http://schemas.openxmlformats.org/officeDocument/2006/relationships" xmlns:p="http://schemas.openxmlformats.org/presentationml/2006/main">
+  <p:cSld>
+    <p:spTree>
+      <p:nvGrpSpPr>
+        <p:cNvPr id="1" name=""/>
+        <p:cNvGrpSpPr/>
+        <p:nvPr/>
+      </p:nvGrpSpPr>
+      <p:grpSpPr>
+        <a:xfrm>
+          <a:off x="0" y="0"/>
+          <a:ext cx="0" cy="0"/>
+          <a:chOff x="0" y="0"/>
+          <a:chExt cx="0" cy="0"/>
+        </a:xfrm>
+      </p:grpSpPr>
+      <p:sp>
+        <p:nvSpPr>
+          <p:cNvPr id="5" name="ZoneTexte 4">
+            <a:extLst>
+              <a:ext uri="{FF2B5EF4-FFF2-40B4-BE49-F238E27FC236}">
+                <a16:creationId xmlns:a16="http://schemas.microsoft.com/office/drawing/2014/main" id="{4B756054-08A3-4288-9125-9F314B993E8F}"/>
+              </a:ext>
+            </a:extLst>
+          </p:cNvPr>
+          <p:cNvSpPr txBox="1"/>
+          <p:nvPr/>
+        </p:nvSpPr>
+        <p:spPr>
+          <a:xfrm>
+            <a:off x="804402" y="383458"/>
+            <a:ext cx="10987548" cy="1077218"/>
+          </a:xfrm>
+          <a:prstGeom prst="rect">
+            <a:avLst/>
+          </a:prstGeom>
+          <a:noFill/>
+        </p:spPr>
+        <p:txBody>
+          <a:bodyPr wrap="square" rtlCol="0">
+            <a:spAutoFit/>
+          </a:bodyPr>
+          <a:lstStyle/>
+          <a:p>
+            <a:pPr marL="457200" indent="-457200">
+              <a:buFont typeface="Wingdings" panose="05000000000000000000" pitchFamily="2" charset="2"/>
+              <a:buChar char="v"/>
+            </a:pPr>
+            <a:r>
+              <a:rPr lang="en-US" sz="3200" b="1" dirty="0">
+                <a:solidFill>
+                  <a:srgbClr val="212121"/>
+                </a:solidFill>
+                <a:latin typeface="Roboto"/>
+              </a:rPr>
+              <a:t>Compiling and training the model</a:t>
+            </a:r>
+            <a:endParaRPr lang="en-US" sz="3200" b="0" i="0" dirty="0">
+              <a:solidFill>
+                <a:srgbClr val="212121"/>
+              </a:solidFill>
+              <a:effectLst/>
+              <a:latin typeface="Roboto"/>
+            </a:endParaRPr>
+          </a:p>
+          <a:p>
+            <a:pPr marL="457200" indent="-457200">
+              <a:buFont typeface="Wingdings" panose="05000000000000000000" pitchFamily="2" charset="2"/>
+              <a:buChar char="v"/>
+            </a:pPr>
+            <a:endParaRPr lang="en-IL" sz="3200" b="1" dirty="0">
+              <a:solidFill>
+                <a:schemeClr val="bg1"/>
+              </a:solidFill>
+            </a:endParaRPr>
+          </a:p>
+        </p:txBody>
+      </p:sp>
+      <p:pic>
+        <p:nvPicPr>
+          <p:cNvPr id="7" name="Image 6" descr="Une image contenant texte&#10;&#10;Description générée automatiquement">
+            <a:extLst>
+              <a:ext uri="{FF2B5EF4-FFF2-40B4-BE49-F238E27FC236}">
+                <a16:creationId xmlns:a16="http://schemas.microsoft.com/office/drawing/2014/main" id="{4C7442AA-8B60-41DB-9E6C-197EB515522A}"/>
+              </a:ext>
+            </a:extLst>
+          </p:cNvPr>
+          <p:cNvPicPr>
+            <a:picLocks noChangeAspect="1"/>
+          </p:cNvPicPr>
+          <p:nvPr/>
+        </p:nvPicPr>
+        <p:blipFill>
+          <a:blip r:embed="rId2">
+            <a:extLst>
+              <a:ext uri="{28A0092B-C50C-407E-A947-70E740481C1C}">
+                <a14:useLocalDpi xmlns:a14="http://schemas.microsoft.com/office/drawing/2010/main" val="0"/>
+              </a:ext>
+            </a:extLst>
+          </a:blip>
+          <a:stretch>
+            <a:fillRect/>
+          </a:stretch>
+        </p:blipFill>
+        <p:spPr>
+          <a:xfrm>
+            <a:off x="316230" y="1075056"/>
+            <a:ext cx="10142220" cy="4073228"/>
+          </a:xfrm>
+          <a:prstGeom prst="rect">
+            <a:avLst/>
+          </a:prstGeom>
+        </p:spPr>
+      </p:pic>
+      <p:sp>
+        <p:nvSpPr>
+          <p:cNvPr id="2" name="ZoneTexte 1">
+            <a:extLst>
+              <a:ext uri="{FF2B5EF4-FFF2-40B4-BE49-F238E27FC236}">
+                <a16:creationId xmlns:a16="http://schemas.microsoft.com/office/drawing/2014/main" id="{56123C48-1C08-4D88-A06D-EE06F3F5D1B2}"/>
+              </a:ext>
+            </a:extLst>
+          </p:cNvPr>
+          <p:cNvSpPr txBox="1"/>
+          <p:nvPr/>
+        </p:nvSpPr>
+        <p:spPr>
+          <a:xfrm>
+            <a:off x="804402" y="5534025"/>
+            <a:ext cx="6958473" cy="646331"/>
+          </a:xfrm>
+          <a:prstGeom prst="rect">
+            <a:avLst/>
+          </a:prstGeom>
+          <a:noFill/>
+        </p:spPr>
+        <p:txBody>
+          <a:bodyPr wrap="square" rtlCol="0">
+            <a:spAutoFit/>
+          </a:bodyPr>
+          <a:lstStyle/>
+          <a:p>
+            <a:r>
+              <a:rPr lang="en-US" dirty="0"/>
+              <a:t>-Training of 24000 samples, validating on 6000 samples</a:t>
+            </a:r>
+          </a:p>
+          <a:p>
+            <a:r>
+              <a:rPr lang="en-US" dirty="0"/>
+              <a:t>-20 epochs</a:t>
+            </a:r>
+            <a:endParaRPr lang="en-IL" dirty="0"/>
+          </a:p>
+        </p:txBody>
+      </p:sp>
+    </p:spTree>
+    <p:extLst>
+      <p:ext uri="{BB962C8B-B14F-4D97-AF65-F5344CB8AC3E}">
+        <p14:creationId xmlns:p14="http://schemas.microsoft.com/office/powerpoint/2010/main" val="2818804260"/>
+      </p:ext>
+    </p:extLst>
+  </p:cSld>
+  <p:clrMapOvr>
+    <a:masterClrMapping/>
+  </p:clrMapOvr>
+  <p:transition spd="slow">
+    <p:wipe dir="r"/>
+  </p:transition>
+</p:sld>
+</file>
+
+<file path=ppt/slides/slide2.xml><?xml version="1.0" encoding="utf-8"?>
+<p:sld xmlns:a="http://schemas.openxmlformats.org/drawingml/2006/main" xmlns:r="http://schemas.openxmlformats.org/officeDocument/2006/relationships" xmlns:p="http://schemas.openxmlformats.org/presentationml/2006/main">
+  <p:cSld>
+    <p:spTree>
+      <p:nvGrpSpPr>
+        <p:cNvPr id="1" name=""/>
+        <p:cNvGrpSpPr/>
+        <p:nvPr/>
+      </p:nvGrpSpPr>
+      <p:grpSpPr>
+        <a:xfrm>
+          <a:off x="0" y="0"/>
+          <a:ext cx="0" cy="0"/>
+          <a:chOff x="0" y="0"/>
+          <a:chExt cx="0" cy="0"/>
+        </a:xfrm>
+      </p:grpSpPr>
+      <p:sp>
+        <p:nvSpPr>
+          <p:cNvPr id="4" name="ZoneTexte 3">
+            <a:extLst>
+              <a:ext uri="{FF2B5EF4-FFF2-40B4-BE49-F238E27FC236}">
+                <a16:creationId xmlns:a16="http://schemas.microsoft.com/office/drawing/2014/main" id="{A075CB93-4D07-4A41-ABEB-3654CDE30508}"/>
+              </a:ext>
+            </a:extLst>
+          </p:cNvPr>
+          <p:cNvSpPr txBox="1"/>
+          <p:nvPr/>
+        </p:nvSpPr>
+        <p:spPr>
+          <a:xfrm>
+            <a:off x="504824" y="0"/>
+            <a:ext cx="10820401" cy="6740307"/>
+          </a:xfrm>
+          <a:prstGeom prst="rect">
+            <a:avLst/>
+          </a:prstGeom>
+          <a:noFill/>
+        </p:spPr>
+        <p:txBody>
+          <a:bodyPr wrap="square" rtlCol="0">
+            <a:spAutoFit/>
+          </a:bodyPr>
+          <a:lstStyle/>
+          <a:p>
+            <a:pPr marL="457200" indent="-457200">
+              <a:buFont typeface="Wingdings" panose="05000000000000000000" pitchFamily="2" charset="2"/>
+              <a:buChar char="v"/>
+            </a:pPr>
+            <a:r>
+              <a:rPr lang="en-US" sz="4000" b="1" u="sng" dirty="0">
+                <a:solidFill>
+                  <a:schemeClr val="bg1"/>
+                </a:solidFill>
+                <a:latin typeface="Agency FB" panose="020B0503020202020204" pitchFamily="34" charset="0"/>
+              </a:rPr>
+              <a:t>Steps of our presentation :</a:t>
+            </a:r>
+            <a:endParaRPr lang="en-US" b="1" u="sng" dirty="0">
+              <a:solidFill>
+                <a:schemeClr val="bg1"/>
+              </a:solidFill>
+            </a:endParaRPr>
+          </a:p>
+          <a:p>
+            <a:endParaRPr lang="en-US" b="1" dirty="0">
+              <a:latin typeface="Agency FB" panose="020B0503020202020204" pitchFamily="34" charset="0"/>
+            </a:endParaRPr>
+          </a:p>
+          <a:p>
+            <a:pPr marL="457200" indent="-457200">
+              <a:buFont typeface="+mj-lt"/>
+              <a:buAutoNum type="arabicPeriod"/>
+            </a:pPr>
+            <a:r>
+              <a:rPr lang="en-US" sz="3200" b="1" dirty="0">
+                <a:solidFill>
+                  <a:schemeClr val="bg1"/>
+                </a:solidFill>
+                <a:latin typeface="Agency FB" panose="020B0503020202020204" pitchFamily="34" charset="0"/>
+              </a:rPr>
+              <a:t>Introduction</a:t>
+            </a:r>
+          </a:p>
+          <a:p>
+            <a:pPr lvl="1"/>
+            <a:r>
+              <a:rPr lang="en-US" sz="3200" b="1" dirty="0">
+                <a:solidFill>
+                  <a:schemeClr val="bg1"/>
+                </a:solidFill>
+                <a:latin typeface="Agency FB" panose="020B0503020202020204" pitchFamily="34" charset="0"/>
+              </a:rPr>
+              <a:t>1.1 What we want to achieve in our project</a:t>
+            </a:r>
+          </a:p>
+          <a:p>
+            <a:pPr marL="457200" indent="-457200">
+              <a:buFont typeface="+mj-lt"/>
+              <a:buAutoNum type="arabicPeriod"/>
+            </a:pPr>
+            <a:r>
+              <a:rPr lang="en-US" sz="3200" b="1" dirty="0">
+                <a:solidFill>
+                  <a:schemeClr val="bg1"/>
+                </a:solidFill>
+                <a:latin typeface="Agency FB" panose="020B0503020202020204" pitchFamily="34" charset="0"/>
+              </a:rPr>
+              <a:t> Our dataset and some examples</a:t>
+            </a:r>
+          </a:p>
+          <a:p>
+            <a:pPr marL="457200" indent="-457200">
+              <a:buFont typeface="+mj-lt"/>
+              <a:buAutoNum type="arabicPeriod"/>
+            </a:pPr>
+            <a:r>
+              <a:rPr lang="en-US" sz="3200" b="1" dirty="0">
+                <a:solidFill>
+                  <a:schemeClr val="bg1"/>
+                </a:solidFill>
+                <a:latin typeface="Agency FB" panose="020B0503020202020204" pitchFamily="34" charset="0"/>
+              </a:rPr>
+              <a:t> Implementation</a:t>
+            </a:r>
+          </a:p>
+          <a:p>
+            <a:r>
+              <a:rPr lang="en-US" sz="3200" b="1" dirty="0">
+                <a:solidFill>
+                  <a:schemeClr val="bg1"/>
+                </a:solidFill>
+                <a:latin typeface="Agency FB" panose="020B0503020202020204" pitchFamily="34" charset="0"/>
+              </a:rPr>
+              <a:t>	3.1 Dealing with the dataset (Normalization, splitting,..)</a:t>
+            </a:r>
+          </a:p>
+          <a:p>
+            <a:r>
+              <a:rPr lang="en-US" sz="3200" b="1" dirty="0">
+                <a:solidFill>
+                  <a:schemeClr val="bg1"/>
+                </a:solidFill>
+                <a:latin typeface="Agency FB" panose="020B0503020202020204" pitchFamily="34" charset="0"/>
+              </a:rPr>
+              <a:t>	3.2 Convolutional Neural Network Architecture</a:t>
+            </a:r>
+          </a:p>
+          <a:p>
+            <a:r>
+              <a:rPr lang="en-US" sz="3200" b="1" dirty="0">
+                <a:solidFill>
+                  <a:schemeClr val="bg1"/>
+                </a:solidFill>
+                <a:latin typeface="Agency FB" panose="020B0503020202020204" pitchFamily="34" charset="0"/>
+              </a:rPr>
+              <a:t>	3.3 Training</a:t>
+            </a:r>
+          </a:p>
+          <a:p>
+            <a:r>
+              <a:rPr lang="en-US" sz="3200" b="1" dirty="0">
+                <a:solidFill>
+                  <a:schemeClr val="bg1"/>
+                </a:solidFill>
+                <a:latin typeface="Agency FB" panose="020B0503020202020204" pitchFamily="34" charset="0"/>
+              </a:rPr>
+              <a:t>	3.4 Results (Model Accuracy and Model Loss)</a:t>
+            </a:r>
+          </a:p>
+          <a:p>
+            <a:r>
+              <a:rPr lang="en-US" sz="3200" b="1" dirty="0">
+                <a:solidFill>
+                  <a:schemeClr val="bg1"/>
+                </a:solidFill>
+                <a:latin typeface="Agency FB" panose="020B0503020202020204" pitchFamily="34" charset="0"/>
+              </a:rPr>
+              <a:t>	3.5 Some examples of testing</a:t>
+            </a:r>
+          </a:p>
+          <a:p>
+            <a:r>
+              <a:rPr lang="en-US" sz="3200" b="1" dirty="0">
+                <a:solidFill>
+                  <a:schemeClr val="bg1"/>
+                </a:solidFill>
+                <a:latin typeface="Agency FB" panose="020B0503020202020204" pitchFamily="34" charset="0"/>
+              </a:rPr>
+              <a:t>4. Conclusion</a:t>
+            </a:r>
+          </a:p>
+          <a:p>
+            <a:endParaRPr lang="en-US" dirty="0"/>
+          </a:p>
+          <a:p>
+            <a:endParaRPr lang="en-US" dirty="0"/>
+          </a:p>
+          <a:p>
+            <a:endParaRPr lang="en-IL" dirty="0"/>
+          </a:p>
+        </p:txBody>
+      </p:sp>
+    </p:spTree>
+    <p:extLst>
+      <p:ext uri="{BB962C8B-B14F-4D97-AF65-F5344CB8AC3E}">
+        <p14:creationId xmlns:p14="http://schemas.microsoft.com/office/powerpoint/2010/main" val="2506319317"/>
+      </p:ext>
+    </p:extLst>
+  </p:cSld>
+  <p:clrMapOvr>
+    <a:masterClrMapping/>
+  </p:clrMapOvr>
+  <p:transition spd="slow">
+    <p:wipe dir="r"/>
+  </p:transition>
+</p:sld>
+</file>
+
+<file path=ppt/slides/slide20.xml><?xml version="1.0" encoding="utf-8"?>
 <p:sld xmlns:a="http://schemas.openxmlformats.org/drawingml/2006/main" xmlns:r="http://schemas.openxmlformats.org/officeDocument/2006/relationships" xmlns:p="http://schemas.openxmlformats.org/presentationml/2006/main">
   <p:cSld>
     <p:bg>
@@ -7865,226 +8326,7 @@
 </p:sld>
 </file>
 
-<file path=ppt/slides/slide2.xml><?xml version="1.0" encoding="utf-8"?>
-<p:sld xmlns:a="http://schemas.openxmlformats.org/drawingml/2006/main" xmlns:r="http://schemas.openxmlformats.org/officeDocument/2006/relationships" xmlns:p="http://schemas.openxmlformats.org/presentationml/2006/main">
-  <p:cSld>
-    <p:spTree>
-      <p:nvGrpSpPr>
-        <p:cNvPr id="1" name=""/>
-        <p:cNvGrpSpPr/>
-        <p:nvPr/>
-      </p:nvGrpSpPr>
-      <p:grpSpPr>
-        <a:xfrm>
-          <a:off x="0" y="0"/>
-          <a:ext cx="0" cy="0"/>
-          <a:chOff x="0" y="0"/>
-          <a:chExt cx="0" cy="0"/>
-        </a:xfrm>
-      </p:grpSpPr>
-      <p:sp>
-        <p:nvSpPr>
-          <p:cNvPr id="4" name="ZoneTexte 3">
-            <a:extLst>
-              <a:ext uri="{FF2B5EF4-FFF2-40B4-BE49-F238E27FC236}">
-                <a16:creationId xmlns:a16="http://schemas.microsoft.com/office/drawing/2014/main" id="{A075CB93-4D07-4A41-ABEB-3654CDE30508}"/>
-              </a:ext>
-            </a:extLst>
-          </p:cNvPr>
-          <p:cNvSpPr txBox="1"/>
-          <p:nvPr/>
-        </p:nvSpPr>
-        <p:spPr>
-          <a:xfrm>
-            <a:off x="504824" y="0"/>
-            <a:ext cx="10820401" cy="6740307"/>
-          </a:xfrm>
-          <a:prstGeom prst="rect">
-            <a:avLst/>
-          </a:prstGeom>
-          <a:noFill/>
-        </p:spPr>
-        <p:txBody>
-          <a:bodyPr wrap="square" rtlCol="0">
-            <a:spAutoFit/>
-          </a:bodyPr>
-          <a:lstStyle/>
-          <a:p>
-            <a:pPr marL="457200" indent="-457200">
-              <a:buFont typeface="Wingdings" panose="05000000000000000000" pitchFamily="2" charset="2"/>
-              <a:buChar char="v"/>
-            </a:pPr>
-            <a:r>
-              <a:rPr lang="en-US" sz="4000" b="1" u="sng" dirty="0">
-                <a:solidFill>
-                  <a:schemeClr val="bg1"/>
-                </a:solidFill>
-                <a:latin typeface="Agency FB" panose="020B0503020202020204" pitchFamily="34" charset="0"/>
-              </a:rPr>
-              <a:t>Steps of our presentation :</a:t>
-            </a:r>
-            <a:endParaRPr lang="en-US" b="1" u="sng" dirty="0">
-              <a:solidFill>
-                <a:schemeClr val="bg1"/>
-              </a:solidFill>
-            </a:endParaRPr>
-          </a:p>
-          <a:p>
-            <a:endParaRPr lang="en-US" b="1" dirty="0">
-              <a:latin typeface="Agency FB" panose="020B0503020202020204" pitchFamily="34" charset="0"/>
-            </a:endParaRPr>
-          </a:p>
-          <a:p>
-            <a:pPr marL="457200" indent="-457200">
-              <a:buFont typeface="+mj-lt"/>
-              <a:buAutoNum type="arabicPeriod"/>
-            </a:pPr>
-            <a:r>
-              <a:rPr lang="en-US" sz="3200" b="1" dirty="0">
-                <a:solidFill>
-                  <a:schemeClr val="bg1"/>
-                </a:solidFill>
-                <a:latin typeface="Agency FB" panose="020B0503020202020204" pitchFamily="34" charset="0"/>
-              </a:rPr>
-              <a:t>Introduction</a:t>
-            </a:r>
-          </a:p>
-          <a:p>
-            <a:pPr lvl="1"/>
-            <a:r>
-              <a:rPr lang="en-US" sz="3200" b="1" dirty="0">
-                <a:solidFill>
-                  <a:schemeClr val="bg1"/>
-                </a:solidFill>
-                <a:latin typeface="Agency FB" panose="020B0503020202020204" pitchFamily="34" charset="0"/>
-              </a:rPr>
-              <a:t>1.1 What we want to achieve in our project</a:t>
-            </a:r>
-          </a:p>
-          <a:p>
-            <a:pPr marL="457200" indent="-457200">
-              <a:buFont typeface="+mj-lt"/>
-              <a:buAutoNum type="arabicPeriod"/>
-            </a:pPr>
-            <a:r>
-              <a:rPr lang="en-US" sz="3200" b="1" dirty="0">
-                <a:solidFill>
-                  <a:schemeClr val="bg1"/>
-                </a:solidFill>
-                <a:latin typeface="Agency FB" panose="020B0503020202020204" pitchFamily="34" charset="0"/>
-              </a:rPr>
-              <a:t> Our dataset and some examples</a:t>
-            </a:r>
-          </a:p>
-          <a:p>
-            <a:pPr marL="457200" indent="-457200">
-              <a:buFont typeface="+mj-lt"/>
-              <a:buAutoNum type="arabicPeriod"/>
-            </a:pPr>
-            <a:r>
-              <a:rPr lang="en-US" sz="3200" b="1" dirty="0">
-                <a:solidFill>
-                  <a:schemeClr val="bg1"/>
-                </a:solidFill>
-                <a:latin typeface="Agency FB" panose="020B0503020202020204" pitchFamily="34" charset="0"/>
-              </a:rPr>
-              <a:t> Implementation</a:t>
-            </a:r>
-          </a:p>
-          <a:p>
-            <a:r>
-              <a:rPr lang="en-US" sz="3200" b="1" dirty="0">
-                <a:solidFill>
-                  <a:schemeClr val="bg1"/>
-                </a:solidFill>
-                <a:latin typeface="Agency FB" panose="020B0503020202020204" pitchFamily="34" charset="0"/>
-              </a:rPr>
-              <a:t>	3.1 Dealing with the dataset (Normalization, splitting,..)</a:t>
-            </a:r>
-          </a:p>
-          <a:p>
-            <a:r>
-              <a:rPr lang="en-US" sz="3200" b="1" dirty="0">
-                <a:solidFill>
-                  <a:schemeClr val="bg1"/>
-                </a:solidFill>
-                <a:latin typeface="Agency FB" panose="020B0503020202020204" pitchFamily="34" charset="0"/>
-              </a:rPr>
-              <a:t>	3.2 Convolutional Neural Network Architecture</a:t>
-            </a:r>
-          </a:p>
-          <a:p>
-            <a:r>
-              <a:rPr lang="en-US" sz="3200" b="1" dirty="0">
-                <a:solidFill>
-                  <a:schemeClr val="bg1"/>
-                </a:solidFill>
-                <a:latin typeface="Agency FB" panose="020B0503020202020204" pitchFamily="34" charset="0"/>
-              </a:rPr>
-              <a:t>	3.3 Training</a:t>
-            </a:r>
-          </a:p>
-          <a:p>
-            <a:r>
-              <a:rPr lang="en-US" sz="3200" b="1" dirty="0">
-                <a:solidFill>
-                  <a:schemeClr val="bg1"/>
-                </a:solidFill>
-                <a:latin typeface="Agency FB" panose="020B0503020202020204" pitchFamily="34" charset="0"/>
-              </a:rPr>
-              <a:t>	3.4 Results (Model Accuracy and Model Loss)</a:t>
-            </a:r>
-          </a:p>
-          <a:p>
-            <a:r>
-              <a:rPr lang="en-US" sz="3200" b="1" dirty="0">
-                <a:solidFill>
-                  <a:schemeClr val="bg1"/>
-                </a:solidFill>
-                <a:latin typeface="Agency FB" panose="020B0503020202020204" pitchFamily="34" charset="0"/>
-              </a:rPr>
-              <a:t>	3.5 Some examples of testing</a:t>
-            </a:r>
-          </a:p>
-          <a:p>
-            <a:r>
-              <a:rPr lang="en-US" sz="3200" b="1" dirty="0">
-                <a:solidFill>
-                  <a:schemeClr val="bg1"/>
-                </a:solidFill>
-                <a:latin typeface="Agency FB" panose="020B0503020202020204" pitchFamily="34" charset="0"/>
-              </a:rPr>
-              <a:t>4. Conclusion</a:t>
-            </a:r>
-          </a:p>
-          <a:p>
-            <a:endParaRPr lang="en-US" dirty="0"/>
-          </a:p>
-          <a:p>
-            <a:endParaRPr lang="en-US" dirty="0"/>
-          </a:p>
-          <a:p>
-            <a:endParaRPr lang="en-IL" dirty="0"/>
-          </a:p>
-        </p:txBody>
-      </p:sp>
-    </p:spTree>
-    <p:extLst>
-      <p:ext uri="{BB962C8B-B14F-4D97-AF65-F5344CB8AC3E}">
-        <p14:creationId xmlns:p14="http://schemas.microsoft.com/office/powerpoint/2010/main" val="2506319317"/>
-      </p:ext>
-    </p:extLst>
-  </p:cSld>
-  <p:clrMapOvr>
-    <a:masterClrMapping/>
-  </p:clrMapOvr>
-  <p:transition spd="slow">
-    <p:wipe dir="r"/>
-  </p:transition>
-</p:sld>
-</file>
-
-<file path=ppt/slides/slide20.xml><?xml version="1.0" encoding="utf-8"?>
+<file path=ppt/slides/slide21.xml><?xml version="1.0" encoding="utf-8"?>
 <p:sld xmlns:a="http://schemas.openxmlformats.org/drawingml/2006/main" xmlns:r="http://schemas.openxmlformats.org/officeDocument/2006/relationships" xmlns:p="http://schemas.openxmlformats.org/presentationml/2006/main">
   <p:cSld>
     <p:spTree>
@@ -8199,6 +8441,101 @@
           </a:prstGeom>
         </p:spPr>
       </p:pic>
+      <p:sp>
+        <p:nvSpPr>
+          <p:cNvPr id="6" name="ZoneTexte 5">
+            <a:extLst>
+              <a:ext uri="{FF2B5EF4-FFF2-40B4-BE49-F238E27FC236}">
+                <a16:creationId xmlns:a16="http://schemas.microsoft.com/office/drawing/2014/main" id="{6C6CE549-0871-43C9-951F-BE9EBA674A31}"/>
+              </a:ext>
+            </a:extLst>
+          </p:cNvPr>
+          <p:cNvSpPr txBox="1"/>
+          <p:nvPr/>
+        </p:nvSpPr>
+        <p:spPr>
+          <a:xfrm>
+            <a:off x="7086600" y="1133475"/>
+            <a:ext cx="4591050" cy="4247317"/>
+          </a:xfrm>
+          <a:prstGeom prst="rect">
+            <a:avLst/>
+          </a:prstGeom>
+          <a:noFill/>
+        </p:spPr>
+        <p:txBody>
+          <a:bodyPr wrap="square" rtlCol="0">
+            <a:spAutoFit/>
+          </a:bodyPr>
+          <a:lstStyle/>
+          <a:p>
+            <a:pPr marL="285750" indent="-285750">
+              <a:buFontTx/>
+              <a:buChar char="-"/>
+            </a:pPr>
+            <a:r>
+              <a:rPr lang="en-US" dirty="0"/>
+              <a:t>It seems that validation accuracy is higher than training accuracy because when we use dropout , we use it only for the training and not for the validation.</a:t>
+            </a:r>
+          </a:p>
+          <a:p>
+            <a:pPr marL="285750" indent="-285750">
+              <a:buFontTx/>
+              <a:buChar char="-"/>
+            </a:pPr>
+            <a:endParaRPr lang="en-US" dirty="0"/>
+          </a:p>
+          <a:p>
+            <a:pPr marL="285750" indent="-285750">
+              <a:buFontTx/>
+              <a:buChar char="-"/>
+            </a:pPr>
+            <a:endParaRPr lang="en-US" dirty="0"/>
+          </a:p>
+          <a:p>
+            <a:pPr marL="285750" indent="-285750">
+              <a:buFontTx/>
+              <a:buChar char="-"/>
+            </a:pPr>
+            <a:endParaRPr lang="en-US" dirty="0"/>
+          </a:p>
+          <a:p>
+            <a:pPr marL="285750" indent="-285750">
+              <a:buFontTx/>
+              <a:buChar char="-"/>
+            </a:pPr>
+            <a:endParaRPr lang="en-US" dirty="0"/>
+          </a:p>
+          <a:p>
+            <a:pPr marL="285750" indent="-285750">
+              <a:buFontTx/>
+              <a:buChar char="-"/>
+            </a:pPr>
+            <a:endParaRPr lang="en-US" dirty="0"/>
+          </a:p>
+          <a:p>
+            <a:pPr marL="285750" indent="-285750">
+              <a:buFontTx/>
+              <a:buChar char="-"/>
+            </a:pPr>
+            <a:endParaRPr lang="en-US" dirty="0"/>
+          </a:p>
+          <a:p>
+            <a:endParaRPr lang="en-US" dirty="0"/>
+          </a:p>
+          <a:p>
+            <a:pPr marL="285750" indent="-285750">
+              <a:buFontTx/>
+              <a:buChar char="-"/>
+            </a:pPr>
+            <a:r>
+              <a:rPr lang="en-US" dirty="0"/>
+              <a:t>For the loss, the validation loss is smaller than the training loss for the same reason mentioned previously</a:t>
+            </a:r>
+            <a:endParaRPr lang="en-IL" dirty="0"/>
+          </a:p>
+        </p:txBody>
+      </p:sp>
     </p:spTree>
     <p:extLst>
       <p:ext uri="{BB962C8B-B14F-4D97-AF65-F5344CB8AC3E}">
@@ -8215,7 +8552,7 @@
 </p:sld>
 </file>
 
-<file path=ppt/slides/slide21.xml><?xml version="1.0" encoding="utf-8"?>
+<file path=ppt/slides/slide22.xml><?xml version="1.0" encoding="utf-8"?>
 <p:sld xmlns:a="http://schemas.openxmlformats.org/drawingml/2006/main" xmlns:r="http://schemas.openxmlformats.org/officeDocument/2006/relationships" xmlns:p="http://schemas.openxmlformats.org/presentationml/2006/main">
   <p:cSld>
     <p:bg>
@@ -8349,7 +8686,7 @@
 </p:sld>
 </file>
 
-<file path=ppt/slides/slide22.xml><?xml version="1.0" encoding="utf-8"?>
+<file path=ppt/slides/slide23.xml><?xml version="1.0" encoding="utf-8"?>
 <p:sld xmlns:a="http://schemas.openxmlformats.org/drawingml/2006/main" xmlns:r="http://schemas.openxmlformats.org/officeDocument/2006/relationships" xmlns:p="http://schemas.openxmlformats.org/presentationml/2006/main">
   <p:cSld>
     <p:spTree>
@@ -8466,7 +8803,7 @@
 </p:sld>
 </file>
 
-<file path=ppt/slides/slide23.xml><?xml version="1.0" encoding="utf-8"?>
+<file path=ppt/slides/slide24.xml><?xml version="1.0" encoding="utf-8"?>
 <p:sld xmlns:a="http://schemas.openxmlformats.org/drawingml/2006/main" xmlns:r="http://schemas.openxmlformats.org/officeDocument/2006/relationships" xmlns:p="http://schemas.openxmlformats.org/presentationml/2006/main">
   <p:cSld>
     <p:spTree>
@@ -9036,177 +9373,6 @@
 </p:sld>
 </file>
 
-<file path=ppt/slides/slide24.xml><?xml version="1.0" encoding="utf-8"?>
-<p:sld xmlns:a="http://schemas.openxmlformats.org/drawingml/2006/main" xmlns:r="http://schemas.openxmlformats.org/officeDocument/2006/relationships" xmlns:p="http://schemas.openxmlformats.org/presentationml/2006/main">
-  <p:cSld>
-    <p:spTree>
-      <p:nvGrpSpPr>
-        <p:cNvPr id="1" name=""/>
-        <p:cNvGrpSpPr/>
-        <p:nvPr/>
-      </p:nvGrpSpPr>
-      <p:grpSpPr>
-        <a:xfrm>
-          <a:off x="0" y="0"/>
-          <a:ext cx="0" cy="0"/>
-          <a:chOff x="0" y="0"/>
-          <a:chExt cx="0" cy="0"/>
-        </a:xfrm>
-      </p:grpSpPr>
-      <p:sp>
-        <p:nvSpPr>
-          <p:cNvPr id="2" name="כותרת 1">
-            <a:extLst>
-              <a:ext uri="{FF2B5EF4-FFF2-40B4-BE49-F238E27FC236}">
-                <a16:creationId xmlns:a16="http://schemas.microsoft.com/office/drawing/2014/main" id="{75613F2E-C2D0-4169-866B-F26E543368C0}"/>
-              </a:ext>
-            </a:extLst>
-          </p:cNvPr>
-          <p:cNvSpPr>
-            <a:spLocks noGrp="1"/>
-          </p:cNvSpPr>
-          <p:nvPr>
-            <p:ph type="title"/>
-          </p:nvPr>
-        </p:nvSpPr>
-        <p:spPr/>
-        <p:txBody>
-          <a:bodyPr/>
-          <a:lstStyle/>
-          <a:p>
-            <a:pPr algn="ctr"/>
-            <a:r>
-              <a:rPr lang="en-US" dirty="0"/>
-              <a:t>General Steps</a:t>
-            </a:r>
-            <a:endParaRPr lang="he-IL" dirty="0"/>
-          </a:p>
-        </p:txBody>
-      </p:sp>
-      <p:sp>
-        <p:nvSpPr>
-          <p:cNvPr id="3" name="מציין מיקום תוכן 2">
-            <a:extLst>
-              <a:ext uri="{FF2B5EF4-FFF2-40B4-BE49-F238E27FC236}">
-                <a16:creationId xmlns:a16="http://schemas.microsoft.com/office/drawing/2014/main" id="{D5DE31C6-97D6-4F18-AD39-1834290FF5EE}"/>
-              </a:ext>
-            </a:extLst>
-          </p:cNvPr>
-          <p:cNvSpPr>
-            <a:spLocks noGrp="1"/>
-          </p:cNvSpPr>
-          <p:nvPr>
-            <p:ph idx="1"/>
-          </p:nvPr>
-        </p:nvSpPr>
-        <p:spPr>
-          <a:xfrm>
-            <a:off x="838200" y="1825625"/>
-            <a:ext cx="10515600" cy="3514019"/>
-          </a:xfrm>
-        </p:spPr>
-        <p:txBody>
-          <a:bodyPr/>
-          <a:lstStyle/>
-          <a:p>
-            <a:pPr algn="l" rtl="0"/>
-            <a:r>
-              <a:rPr lang="en-US" dirty="0"/>
-              <a:t>1.  importing the data to environment(pandas)</a:t>
-            </a:r>
-          </a:p>
-          <a:p>
-            <a:pPr algn="l" rtl="0"/>
-            <a:r>
-              <a:rPr lang="en-US" dirty="0"/>
-              <a:t>2. Discarding irrelevant data.</a:t>
-            </a:r>
-          </a:p>
-          <a:p>
-            <a:pPr algn="l" rtl="0"/>
-            <a:r>
-              <a:rPr lang="en-US" dirty="0"/>
-              <a:t>3. Splitting the data to train and test sets.</a:t>
-            </a:r>
-          </a:p>
-          <a:p>
-            <a:pPr algn="l" rtl="0"/>
-            <a:r>
-              <a:rPr lang="en-US" dirty="0"/>
-              <a:t>4. deploying model of Convolutional Network.</a:t>
-            </a:r>
-          </a:p>
-          <a:p>
-            <a:pPr algn="l" rtl="0"/>
-            <a:r>
-              <a:rPr lang="en-US" dirty="0"/>
-              <a:t>5.Training the model.</a:t>
-            </a:r>
-          </a:p>
-          <a:p>
-            <a:pPr algn="l" rtl="0"/>
-            <a:r>
-              <a:rPr lang="en-US" dirty="0"/>
-              <a:t>6.deploying the results to test set.</a:t>
-            </a:r>
-          </a:p>
-          <a:p>
-            <a:pPr marL="0" indent="0" algn="l" rtl="0">
-              <a:buNone/>
-            </a:pPr>
-            <a:endParaRPr lang="en-US" dirty="0"/>
-          </a:p>
-          <a:p>
-            <a:pPr algn="l" rtl="0"/>
-            <a:endParaRPr lang="en-US" dirty="0"/>
-          </a:p>
-          <a:p>
-            <a:pPr algn="l" rtl="0"/>
-            <a:endParaRPr lang="en-US" dirty="0"/>
-          </a:p>
-          <a:p>
-            <a:pPr algn="l" rtl="0"/>
-            <a:endParaRPr lang="en-US" dirty="0"/>
-          </a:p>
-          <a:p>
-            <a:pPr algn="l" rtl="0"/>
-            <a:endParaRPr lang="en-US" dirty="0"/>
-          </a:p>
-          <a:p>
-            <a:pPr algn="l" rtl="0"/>
-            <a:endParaRPr lang="en-US" dirty="0"/>
-          </a:p>
-          <a:p>
-            <a:pPr algn="l" rtl="0"/>
-            <a:endParaRPr lang="en-US" dirty="0"/>
-          </a:p>
-          <a:p>
-            <a:pPr algn="l" rtl="0"/>
-            <a:endParaRPr lang="en-US" dirty="0"/>
-          </a:p>
-          <a:p>
-            <a:pPr algn="l" rtl="0"/>
-            <a:endParaRPr lang="en-US" dirty="0"/>
-          </a:p>
-          <a:p>
-            <a:pPr algn="l" rtl="0"/>
-            <a:endParaRPr lang="he-IL" dirty="0"/>
-          </a:p>
-        </p:txBody>
-      </p:sp>
-    </p:spTree>
-    <p:extLst>
-      <p:ext uri="{BB962C8B-B14F-4D97-AF65-F5344CB8AC3E}">
-        <p14:creationId xmlns:p14="http://schemas.microsoft.com/office/powerpoint/2010/main" val="1385907679"/>
-      </p:ext>
-    </p:extLst>
-  </p:cSld>
-  <p:clrMapOvr>
-    <a:masterClrMapping/>
-  </p:clrMapOvr>
-</p:sld>
-</file>
-
 <file path=ppt/slides/slide25.xml><?xml version="1.0" encoding="utf-8"?>
 <p:sld xmlns:a="http://schemas.openxmlformats.org/drawingml/2006/main" xmlns:r="http://schemas.openxmlformats.org/officeDocument/2006/relationships" xmlns:p="http://schemas.openxmlformats.org/presentationml/2006/main">
   <p:cSld>
@@ -9229,7 +9395,7 @@
           <p:cNvPr id="2" name="כותרת 1">
             <a:extLst>
               <a:ext uri="{FF2B5EF4-FFF2-40B4-BE49-F238E27FC236}">
-                <a16:creationId xmlns:a16="http://schemas.microsoft.com/office/drawing/2014/main" id="{FC19E7B7-3876-4BB0-9EB0-FFE7C2F5E572}"/>
+                <a16:creationId xmlns:a16="http://schemas.microsoft.com/office/drawing/2014/main" id="{75613F2E-C2D0-4169-866B-F26E543368C0}"/>
               </a:ext>
             </a:extLst>
           </p:cNvPr>
@@ -9248,139 +9414,119 @@
             <a:pPr algn="ctr"/>
             <a:r>
               <a:rPr lang="en-US" dirty="0"/>
-              <a:t>Data slicing(steps : 1,2,3)</a:t>
+              <a:t>General Steps</a:t>
             </a:r>
             <a:endParaRPr lang="he-IL" dirty="0"/>
           </a:p>
         </p:txBody>
       </p:sp>
-      <p:pic>
-        <p:nvPicPr>
-          <p:cNvPr id="5" name="מציין מיקום תוכן 4">
+      <p:sp>
+        <p:nvSpPr>
+          <p:cNvPr id="3" name="מציין מיקום תוכן 2">
             <a:extLst>
               <a:ext uri="{FF2B5EF4-FFF2-40B4-BE49-F238E27FC236}">
-                <a16:creationId xmlns:a16="http://schemas.microsoft.com/office/drawing/2014/main" id="{AB35F5B7-1761-4C6E-818D-FD11A5857BD7}"/>
+                <a16:creationId xmlns:a16="http://schemas.microsoft.com/office/drawing/2014/main" id="{D5DE31C6-97D6-4F18-AD39-1834290FF5EE}"/>
               </a:ext>
             </a:extLst>
           </p:cNvPr>
-          <p:cNvPicPr>
-            <a:picLocks noGrp="1" noChangeAspect="1"/>
-          </p:cNvPicPr>
+          <p:cNvSpPr>
+            <a:spLocks noGrp="1"/>
+          </p:cNvSpPr>
           <p:nvPr>
             <p:ph idx="1"/>
           </p:nvPr>
-        </p:nvPicPr>
-        <p:blipFill rotWithShape="1">
-          <a:blip r:embed="rId2"/>
-          <a:srcRect l="20424" t="71628" r="48304" b="19860"/>
-          <a:stretch/>
-        </p:blipFill>
-        <p:spPr>
-          <a:xfrm>
-            <a:off x="682906" y="1355022"/>
-            <a:ext cx="6874236" cy="1052512"/>
-          </a:xfrm>
-        </p:spPr>
-      </p:pic>
-      <p:sp>
-        <p:nvSpPr>
-          <p:cNvPr id="6" name="תיבת טקסט 5">
-            <a:extLst>
-              <a:ext uri="{FF2B5EF4-FFF2-40B4-BE49-F238E27FC236}">
-                <a16:creationId xmlns:a16="http://schemas.microsoft.com/office/drawing/2014/main" id="{C70779D9-5C46-4F8D-AF90-F7C0E981D3E6}"/>
-              </a:ext>
-            </a:extLst>
-          </p:cNvPr>
-          <p:cNvSpPr txBox="1"/>
-          <p:nvPr/>
-        </p:nvSpPr>
-        <p:spPr>
-          <a:xfrm>
-            <a:off x="7720314" y="1551008"/>
-            <a:ext cx="2974694" cy="369332"/>
-          </a:xfrm>
-          <a:prstGeom prst="rect">
-            <a:avLst/>
-          </a:prstGeom>
-          <a:noFill/>
-        </p:spPr>
-        <p:txBody>
-          <a:bodyPr wrap="square" rtlCol="1">
-            <a:spAutoFit/>
-          </a:bodyPr>
+        </p:nvSpPr>
+        <p:spPr>
+          <a:xfrm>
+            <a:off x="838200" y="1825625"/>
+            <a:ext cx="10515600" cy="3514019"/>
+          </a:xfrm>
+        </p:spPr>
+        <p:txBody>
+          <a:bodyPr/>
           <a:lstStyle/>
           <a:p>
             <a:pPr algn="l" rtl="0"/>
             <a:r>
               <a:rPr lang="en-US" dirty="0"/>
-              <a:t>30000 samples</a:t>
-            </a:r>
-            <a:endParaRPr lang="he-IL" dirty="0"/>
-          </a:p>
-        </p:txBody>
-      </p:sp>
-      <p:pic>
-        <p:nvPicPr>
-          <p:cNvPr id="8" name="תמונה 7">
-            <a:extLst>
-              <a:ext uri="{FF2B5EF4-FFF2-40B4-BE49-F238E27FC236}">
-                <a16:creationId xmlns:a16="http://schemas.microsoft.com/office/drawing/2014/main" id="{0E722076-7EF9-4706-831C-2F7DECC078E0}"/>
-              </a:ext>
-            </a:extLst>
-          </p:cNvPr>
-          <p:cNvPicPr>
-            <a:picLocks noChangeAspect="1"/>
-          </p:cNvPicPr>
-          <p:nvPr/>
-        </p:nvPicPr>
-        <p:blipFill rotWithShape="1">
-          <a:blip r:embed="rId3"/>
-          <a:srcRect l="18322" t="57058" r="44557" b="27595"/>
-          <a:stretch/>
-        </p:blipFill>
-        <p:spPr>
-          <a:xfrm>
-            <a:off x="592712" y="2506048"/>
-            <a:ext cx="6964430" cy="1619671"/>
-          </a:xfrm>
-          <a:prstGeom prst="rect">
-            <a:avLst/>
-          </a:prstGeom>
-        </p:spPr>
-      </p:pic>
-      <p:sp>
-        <p:nvSpPr>
-          <p:cNvPr id="9" name="תיבת טקסט 8">
-            <a:extLst>
-              <a:ext uri="{FF2B5EF4-FFF2-40B4-BE49-F238E27FC236}">
-                <a16:creationId xmlns:a16="http://schemas.microsoft.com/office/drawing/2014/main" id="{84706EE7-B170-43CB-8FEE-6C1DB92B27E4}"/>
-              </a:ext>
-            </a:extLst>
-          </p:cNvPr>
-          <p:cNvSpPr txBox="1"/>
-          <p:nvPr/>
-        </p:nvSpPr>
-        <p:spPr>
-          <a:xfrm>
-            <a:off x="7720314" y="2905246"/>
-            <a:ext cx="2563864" cy="646331"/>
-          </a:xfrm>
-          <a:prstGeom prst="rect">
-            <a:avLst/>
-          </a:prstGeom>
-          <a:noFill/>
-        </p:spPr>
-        <p:txBody>
-          <a:bodyPr wrap="square" rtlCol="1">
-            <a:spAutoFit/>
-          </a:bodyPr>
-          <a:lstStyle/>
+              <a:t>1.  importing the data to environment(pandas)</a:t>
+            </a:r>
+          </a:p>
           <a:p>
             <a:pPr algn="l" rtl="0"/>
             <a:r>
               <a:rPr lang="en-US" dirty="0"/>
-              <a:t>Dropping irrelevant features</a:t>
-            </a:r>
+              <a:t>2. Discarding irrelevant data.</a:t>
+            </a:r>
+          </a:p>
+          <a:p>
+            <a:pPr algn="l" rtl="0"/>
+            <a:r>
+              <a:rPr lang="en-US" dirty="0"/>
+              <a:t>3. Splitting the data to train and test sets.</a:t>
+            </a:r>
+          </a:p>
+          <a:p>
+            <a:pPr algn="l" rtl="0"/>
+            <a:r>
+              <a:rPr lang="en-US" dirty="0"/>
+              <a:t>4. deploying model of Convolutional Network.</a:t>
+            </a:r>
+          </a:p>
+          <a:p>
+            <a:pPr algn="l" rtl="0"/>
+            <a:r>
+              <a:rPr lang="en-US" dirty="0"/>
+              <a:t>5.Training the model.</a:t>
+            </a:r>
+          </a:p>
+          <a:p>
+            <a:pPr algn="l" rtl="0"/>
+            <a:r>
+              <a:rPr lang="en-US" dirty="0"/>
+              <a:t>6.deploying the results to test set.</a:t>
+            </a:r>
+          </a:p>
+          <a:p>
+            <a:pPr marL="0" indent="0" algn="l" rtl="0">
+              <a:buNone/>
+            </a:pPr>
+            <a:endParaRPr lang="en-US" dirty="0"/>
+          </a:p>
+          <a:p>
+            <a:pPr algn="l" rtl="0"/>
+            <a:endParaRPr lang="en-US" dirty="0"/>
+          </a:p>
+          <a:p>
+            <a:pPr algn="l" rtl="0"/>
+            <a:endParaRPr lang="en-US" dirty="0"/>
+          </a:p>
+          <a:p>
+            <a:pPr algn="l" rtl="0"/>
+            <a:endParaRPr lang="en-US" dirty="0"/>
+          </a:p>
+          <a:p>
+            <a:pPr algn="l" rtl="0"/>
+            <a:endParaRPr lang="en-US" dirty="0"/>
+          </a:p>
+          <a:p>
+            <a:pPr algn="l" rtl="0"/>
+            <a:endParaRPr lang="en-US" dirty="0"/>
+          </a:p>
+          <a:p>
+            <a:pPr algn="l" rtl="0"/>
+            <a:endParaRPr lang="en-US" dirty="0"/>
+          </a:p>
+          <a:p>
+            <a:pPr algn="l" rtl="0"/>
+            <a:endParaRPr lang="en-US" dirty="0"/>
+          </a:p>
+          <a:p>
+            <a:pPr algn="l" rtl="0"/>
+            <a:endParaRPr lang="en-US" dirty="0"/>
+          </a:p>
+          <a:p>
+            <a:pPr algn="l" rtl="0"/>
             <a:endParaRPr lang="he-IL" dirty="0"/>
           </a:p>
         </p:txBody>
@@ -9388,7 +9534,7 @@
     </p:spTree>
     <p:extLst>
       <p:ext uri="{BB962C8B-B14F-4D97-AF65-F5344CB8AC3E}">
-        <p14:creationId xmlns:p14="http://schemas.microsoft.com/office/powerpoint/2010/main" val="4055798461"/>
+        <p14:creationId xmlns:p14="http://schemas.microsoft.com/office/powerpoint/2010/main" val="1385907679"/>
       </p:ext>
     </p:extLst>
   </p:cSld>
@@ -9420,6 +9566,197 @@
           <p:cNvPr id="2" name="כותרת 1">
             <a:extLst>
               <a:ext uri="{FF2B5EF4-FFF2-40B4-BE49-F238E27FC236}">
+                <a16:creationId xmlns:a16="http://schemas.microsoft.com/office/drawing/2014/main" id="{FC19E7B7-3876-4BB0-9EB0-FFE7C2F5E572}"/>
+              </a:ext>
+            </a:extLst>
+          </p:cNvPr>
+          <p:cNvSpPr>
+            <a:spLocks noGrp="1"/>
+          </p:cNvSpPr>
+          <p:nvPr>
+            <p:ph type="title"/>
+          </p:nvPr>
+        </p:nvSpPr>
+        <p:spPr/>
+        <p:txBody>
+          <a:bodyPr/>
+          <a:lstStyle/>
+          <a:p>
+            <a:pPr algn="ctr"/>
+            <a:r>
+              <a:rPr lang="en-US" dirty="0"/>
+              <a:t>Data slicing(steps : 1,2,3)</a:t>
+            </a:r>
+            <a:endParaRPr lang="he-IL" dirty="0"/>
+          </a:p>
+        </p:txBody>
+      </p:sp>
+      <p:pic>
+        <p:nvPicPr>
+          <p:cNvPr id="5" name="מציין מיקום תוכן 4">
+            <a:extLst>
+              <a:ext uri="{FF2B5EF4-FFF2-40B4-BE49-F238E27FC236}">
+                <a16:creationId xmlns:a16="http://schemas.microsoft.com/office/drawing/2014/main" id="{AB35F5B7-1761-4C6E-818D-FD11A5857BD7}"/>
+              </a:ext>
+            </a:extLst>
+          </p:cNvPr>
+          <p:cNvPicPr>
+            <a:picLocks noGrp="1" noChangeAspect="1"/>
+          </p:cNvPicPr>
+          <p:nvPr>
+            <p:ph idx="1"/>
+          </p:nvPr>
+        </p:nvPicPr>
+        <p:blipFill rotWithShape="1">
+          <a:blip r:embed="rId2"/>
+          <a:srcRect l="20424" t="71628" r="48304" b="19860"/>
+          <a:stretch/>
+        </p:blipFill>
+        <p:spPr>
+          <a:xfrm>
+            <a:off x="682906" y="1355022"/>
+            <a:ext cx="6874236" cy="1052512"/>
+          </a:xfrm>
+        </p:spPr>
+      </p:pic>
+      <p:sp>
+        <p:nvSpPr>
+          <p:cNvPr id="6" name="תיבת טקסט 5">
+            <a:extLst>
+              <a:ext uri="{FF2B5EF4-FFF2-40B4-BE49-F238E27FC236}">
+                <a16:creationId xmlns:a16="http://schemas.microsoft.com/office/drawing/2014/main" id="{C70779D9-5C46-4F8D-AF90-F7C0E981D3E6}"/>
+              </a:ext>
+            </a:extLst>
+          </p:cNvPr>
+          <p:cNvSpPr txBox="1"/>
+          <p:nvPr/>
+        </p:nvSpPr>
+        <p:spPr>
+          <a:xfrm>
+            <a:off x="7720314" y="1551008"/>
+            <a:ext cx="2974694" cy="369332"/>
+          </a:xfrm>
+          <a:prstGeom prst="rect">
+            <a:avLst/>
+          </a:prstGeom>
+          <a:noFill/>
+        </p:spPr>
+        <p:txBody>
+          <a:bodyPr wrap="square" rtlCol="1">
+            <a:spAutoFit/>
+          </a:bodyPr>
+          <a:lstStyle/>
+          <a:p>
+            <a:pPr algn="l" rtl="0"/>
+            <a:r>
+              <a:rPr lang="en-US" dirty="0"/>
+              <a:t>30000 samples</a:t>
+            </a:r>
+            <a:endParaRPr lang="he-IL" dirty="0"/>
+          </a:p>
+        </p:txBody>
+      </p:sp>
+      <p:pic>
+        <p:nvPicPr>
+          <p:cNvPr id="8" name="תמונה 7">
+            <a:extLst>
+              <a:ext uri="{FF2B5EF4-FFF2-40B4-BE49-F238E27FC236}">
+                <a16:creationId xmlns:a16="http://schemas.microsoft.com/office/drawing/2014/main" id="{0E722076-7EF9-4706-831C-2F7DECC078E0}"/>
+              </a:ext>
+            </a:extLst>
+          </p:cNvPr>
+          <p:cNvPicPr>
+            <a:picLocks noChangeAspect="1"/>
+          </p:cNvPicPr>
+          <p:nvPr/>
+        </p:nvPicPr>
+        <p:blipFill rotWithShape="1">
+          <a:blip r:embed="rId3"/>
+          <a:srcRect l="18322" t="57058" r="44557" b="27595"/>
+          <a:stretch/>
+        </p:blipFill>
+        <p:spPr>
+          <a:xfrm>
+            <a:off x="592712" y="2506048"/>
+            <a:ext cx="6964430" cy="1619671"/>
+          </a:xfrm>
+          <a:prstGeom prst="rect">
+            <a:avLst/>
+          </a:prstGeom>
+        </p:spPr>
+      </p:pic>
+      <p:sp>
+        <p:nvSpPr>
+          <p:cNvPr id="9" name="תיבת טקסט 8">
+            <a:extLst>
+              <a:ext uri="{FF2B5EF4-FFF2-40B4-BE49-F238E27FC236}">
+                <a16:creationId xmlns:a16="http://schemas.microsoft.com/office/drawing/2014/main" id="{84706EE7-B170-43CB-8FEE-6C1DB92B27E4}"/>
+              </a:ext>
+            </a:extLst>
+          </p:cNvPr>
+          <p:cNvSpPr txBox="1"/>
+          <p:nvPr/>
+        </p:nvSpPr>
+        <p:spPr>
+          <a:xfrm>
+            <a:off x="7720314" y="2905246"/>
+            <a:ext cx="2563864" cy="646331"/>
+          </a:xfrm>
+          <a:prstGeom prst="rect">
+            <a:avLst/>
+          </a:prstGeom>
+          <a:noFill/>
+        </p:spPr>
+        <p:txBody>
+          <a:bodyPr wrap="square" rtlCol="1">
+            <a:spAutoFit/>
+          </a:bodyPr>
+          <a:lstStyle/>
+          <a:p>
+            <a:pPr algn="l" rtl="0"/>
+            <a:r>
+              <a:rPr lang="en-US" dirty="0"/>
+              <a:t>Dropping irrelevant features</a:t>
+            </a:r>
+            <a:endParaRPr lang="he-IL" dirty="0"/>
+          </a:p>
+        </p:txBody>
+      </p:sp>
+    </p:spTree>
+    <p:extLst>
+      <p:ext uri="{BB962C8B-B14F-4D97-AF65-F5344CB8AC3E}">
+        <p14:creationId xmlns:p14="http://schemas.microsoft.com/office/powerpoint/2010/main" val="4055798461"/>
+      </p:ext>
+    </p:extLst>
+  </p:cSld>
+  <p:clrMapOvr>
+    <a:masterClrMapping/>
+  </p:clrMapOvr>
+</p:sld>
+</file>
+
+<file path=ppt/slides/slide27.xml><?xml version="1.0" encoding="utf-8"?>
+<p:sld xmlns:a="http://schemas.openxmlformats.org/drawingml/2006/main" xmlns:r="http://schemas.openxmlformats.org/officeDocument/2006/relationships" xmlns:p="http://schemas.openxmlformats.org/presentationml/2006/main">
+  <p:cSld>
+    <p:spTree>
+      <p:nvGrpSpPr>
+        <p:cNvPr id="1" name=""/>
+        <p:cNvGrpSpPr/>
+        <p:nvPr/>
+      </p:nvGrpSpPr>
+      <p:grpSpPr>
+        <a:xfrm>
+          <a:off x="0" y="0"/>
+          <a:ext cx="0" cy="0"/>
+          <a:chOff x="0" y="0"/>
+          <a:chExt cx="0" cy="0"/>
+        </a:xfrm>
+      </p:grpSpPr>
+      <p:sp>
+        <p:nvSpPr>
+          <p:cNvPr id="2" name="כותרת 1">
+            <a:extLst>
+              <a:ext uri="{FF2B5EF4-FFF2-40B4-BE49-F238E27FC236}">
                 <a16:creationId xmlns:a16="http://schemas.microsoft.com/office/drawing/2014/main" id="{DDF0E7E6-6964-46DD-83AC-ABDB883EF4C6}"/>
               </a:ext>
             </a:extLst>
@@ -9560,7 +9897,7 @@
 </p:sld>
 </file>
 
-<file path=ppt/slides/slide27.xml><?xml version="1.0" encoding="utf-8"?>
+<file path=ppt/slides/slide28.xml><?xml version="1.0" encoding="utf-8"?>
 <p:sld xmlns:a="http://schemas.openxmlformats.org/drawingml/2006/main" xmlns:r="http://schemas.openxmlformats.org/officeDocument/2006/relationships" xmlns:p="http://schemas.openxmlformats.org/presentationml/2006/main">
   <p:cSld>
     <p:bg>
@@ -9702,7 +10039,7 @@
 </p:sld>
 </file>
 
-<file path=ppt/slides/slide28.xml><?xml version="1.0" encoding="utf-8"?>
+<file path=ppt/slides/slide29.xml><?xml version="1.0" encoding="utf-8"?>
 <p:sld xmlns:a="http://schemas.openxmlformats.org/drawingml/2006/main" xmlns:r="http://schemas.openxmlformats.org/officeDocument/2006/relationships" xmlns:p="http://schemas.openxmlformats.org/presentationml/2006/main">
   <p:cSld>
     <p:spTree>
@@ -10102,95 +10439,6 @@
     <p:extLst>
       <p:ext uri="{BB962C8B-B14F-4D97-AF65-F5344CB8AC3E}">
         <p14:creationId xmlns:p14="http://schemas.microsoft.com/office/powerpoint/2010/main" val="4274377935"/>
-      </p:ext>
-    </p:extLst>
-  </p:cSld>
-  <p:clrMapOvr>
-    <a:masterClrMapping/>
-  </p:clrMapOvr>
-</p:sld>
-</file>
-
-<file path=ppt/slides/slide29.xml><?xml version="1.0" encoding="utf-8"?>
-<p:sld xmlns:a="http://schemas.openxmlformats.org/drawingml/2006/main" xmlns:r="http://schemas.openxmlformats.org/officeDocument/2006/relationships" xmlns:p="http://schemas.openxmlformats.org/presentationml/2006/main">
-  <p:cSld>
-    <p:spTree>
-      <p:nvGrpSpPr>
-        <p:cNvPr id="1" name=""/>
-        <p:cNvGrpSpPr/>
-        <p:nvPr/>
-      </p:nvGrpSpPr>
-      <p:grpSpPr>
-        <a:xfrm>
-          <a:off x="0" y="0"/>
-          <a:ext cx="0" cy="0"/>
-          <a:chOff x="0" y="0"/>
-          <a:chExt cx="0" cy="0"/>
-        </a:xfrm>
-      </p:grpSpPr>
-      <p:sp>
-        <p:nvSpPr>
-          <p:cNvPr id="2" name="כותרת 1">
-            <a:extLst>
-              <a:ext uri="{FF2B5EF4-FFF2-40B4-BE49-F238E27FC236}">
-                <a16:creationId xmlns:a16="http://schemas.microsoft.com/office/drawing/2014/main" id="{AA98EC22-28E0-47EA-957B-82106268F31E}"/>
-              </a:ext>
-            </a:extLst>
-          </p:cNvPr>
-          <p:cNvSpPr>
-            <a:spLocks noGrp="1"/>
-          </p:cNvSpPr>
-          <p:nvPr>
-            <p:ph type="title"/>
-          </p:nvPr>
-        </p:nvSpPr>
-        <p:spPr/>
-        <p:txBody>
-          <a:bodyPr/>
-          <a:lstStyle/>
-          <a:p>
-            <a:pPr algn="ctr"/>
-            <a:r>
-              <a:rPr lang="en-US" dirty="0"/>
-              <a:t>Results</a:t>
-            </a:r>
-            <a:endParaRPr lang="he-IL" dirty="0"/>
-          </a:p>
-        </p:txBody>
-      </p:sp>
-      <p:pic>
-        <p:nvPicPr>
-          <p:cNvPr id="5" name="תמונה 4">
-            <a:extLst>
-              <a:ext uri="{FF2B5EF4-FFF2-40B4-BE49-F238E27FC236}">
-                <a16:creationId xmlns:a16="http://schemas.microsoft.com/office/drawing/2014/main" id="{50268C66-1635-4857-8F0E-34641F823DC9}"/>
-              </a:ext>
-            </a:extLst>
-          </p:cNvPr>
-          <p:cNvPicPr>
-            <a:picLocks noChangeAspect="1"/>
-          </p:cNvPicPr>
-          <p:nvPr/>
-        </p:nvPicPr>
-        <p:blipFill rotWithShape="1">
-          <a:blip r:embed="rId2"/>
-          <a:srcRect l="18987" t="32236" r="55570" b="10380"/>
-          <a:stretch/>
-        </p:blipFill>
-        <p:spPr>
-          <a:xfrm>
-            <a:off x="1986986" y="1248597"/>
-            <a:ext cx="8218027" cy="5609403"/>
-          </a:xfrm>
-          <a:prstGeom prst="rect">
-            <a:avLst/>
-          </a:prstGeom>
-        </p:spPr>
-      </p:pic>
-    </p:spTree>
-    <p:extLst>
-      <p:ext uri="{BB962C8B-B14F-4D97-AF65-F5344CB8AC3E}">
-        <p14:creationId xmlns:p14="http://schemas.microsoft.com/office/powerpoint/2010/main" val="1388387552"/>
       </p:ext>
     </p:extLst>
   </p:cSld>
@@ -10925,6 +11173,95 @@
   <p:transition spd="slow">
     <p:wipe dir="r"/>
   </p:transition>
+</p:sld>
+</file>
+
+<file path=ppt/slides/slide30.xml><?xml version="1.0" encoding="utf-8"?>
+<p:sld xmlns:a="http://schemas.openxmlformats.org/drawingml/2006/main" xmlns:r="http://schemas.openxmlformats.org/officeDocument/2006/relationships" xmlns:p="http://schemas.openxmlformats.org/presentationml/2006/main">
+  <p:cSld>
+    <p:spTree>
+      <p:nvGrpSpPr>
+        <p:cNvPr id="1" name=""/>
+        <p:cNvGrpSpPr/>
+        <p:nvPr/>
+      </p:nvGrpSpPr>
+      <p:grpSpPr>
+        <a:xfrm>
+          <a:off x="0" y="0"/>
+          <a:ext cx="0" cy="0"/>
+          <a:chOff x="0" y="0"/>
+          <a:chExt cx="0" cy="0"/>
+        </a:xfrm>
+      </p:grpSpPr>
+      <p:sp>
+        <p:nvSpPr>
+          <p:cNvPr id="2" name="כותרת 1">
+            <a:extLst>
+              <a:ext uri="{FF2B5EF4-FFF2-40B4-BE49-F238E27FC236}">
+                <a16:creationId xmlns:a16="http://schemas.microsoft.com/office/drawing/2014/main" id="{AA98EC22-28E0-47EA-957B-82106268F31E}"/>
+              </a:ext>
+            </a:extLst>
+          </p:cNvPr>
+          <p:cNvSpPr>
+            <a:spLocks noGrp="1"/>
+          </p:cNvSpPr>
+          <p:nvPr>
+            <p:ph type="title"/>
+          </p:nvPr>
+        </p:nvSpPr>
+        <p:spPr/>
+        <p:txBody>
+          <a:bodyPr/>
+          <a:lstStyle/>
+          <a:p>
+            <a:pPr algn="ctr"/>
+            <a:r>
+              <a:rPr lang="en-US" dirty="0"/>
+              <a:t>Results</a:t>
+            </a:r>
+            <a:endParaRPr lang="he-IL" dirty="0"/>
+          </a:p>
+        </p:txBody>
+      </p:sp>
+      <p:pic>
+        <p:nvPicPr>
+          <p:cNvPr id="5" name="תמונה 4">
+            <a:extLst>
+              <a:ext uri="{FF2B5EF4-FFF2-40B4-BE49-F238E27FC236}">
+                <a16:creationId xmlns:a16="http://schemas.microsoft.com/office/drawing/2014/main" id="{50268C66-1635-4857-8F0E-34641F823DC9}"/>
+              </a:ext>
+            </a:extLst>
+          </p:cNvPr>
+          <p:cNvPicPr>
+            <a:picLocks noChangeAspect="1"/>
+          </p:cNvPicPr>
+          <p:nvPr/>
+        </p:nvPicPr>
+        <p:blipFill rotWithShape="1">
+          <a:blip r:embed="rId2"/>
+          <a:srcRect l="18987" t="32236" r="55570" b="10380"/>
+          <a:stretch/>
+        </p:blipFill>
+        <p:spPr>
+          <a:xfrm>
+            <a:off x="1986986" y="1248597"/>
+            <a:ext cx="8218027" cy="5609403"/>
+          </a:xfrm>
+          <a:prstGeom prst="rect">
+            <a:avLst/>
+          </a:prstGeom>
+        </p:spPr>
+      </p:pic>
+    </p:spTree>
+    <p:extLst>
+      <p:ext uri="{BB962C8B-B14F-4D97-AF65-F5344CB8AC3E}">
+        <p14:creationId xmlns:p14="http://schemas.microsoft.com/office/powerpoint/2010/main" val="1388387552"/>
+      </p:ext>
+    </p:extLst>
+  </p:cSld>
+  <p:clrMapOvr>
+    <a:masterClrMapping/>
+  </p:clrMapOvr>
 </p:sld>
 </file>
 

--- a/Slide Show.pptx
+++ b/Slide Show.pptx
@@ -28,13 +28,13 @@
     <p:sldId id="283" r:id="rId22"/>
     <p:sldId id="284" r:id="rId23"/>
     <p:sldId id="285" r:id="rId24"/>
-    <p:sldId id="256" r:id="rId25"/>
-    <p:sldId id="257" r:id="rId26"/>
-    <p:sldId id="258" r:id="rId27"/>
-    <p:sldId id="259" r:id="rId28"/>
-    <p:sldId id="260" r:id="rId29"/>
-    <p:sldId id="261" r:id="rId30"/>
-    <p:sldId id="262" r:id="rId31"/>
+    <p:sldId id="288" r:id="rId25"/>
+    <p:sldId id="289" r:id="rId26"/>
+    <p:sldId id="290" r:id="rId27"/>
+    <p:sldId id="291" r:id="rId28"/>
+    <p:sldId id="293" r:id="rId29"/>
+    <p:sldId id="292" r:id="rId30"/>
+    <p:sldId id="294" r:id="rId31"/>
   </p:sldIdLst>
   <p:sldSz cx="12192000" cy="6858000"/>
   <p:notesSz cx="6858000" cy="9144000"/>
@@ -181,93 +181,6 @@
 </p:cmLst>
 </file>
 
-<file path=ppt/ink/ink1.xml><?xml version="1.0" encoding="utf-8"?>
-<inkml:ink xmlns:inkml="http://www.w3.org/2003/InkML">
-  <inkml:definitions>
-    <inkml:context xml:id="ctx0">
-      <inkml:inkSource xml:id="inkSrc0">
-        <inkml:traceFormat>
-          <inkml:channel name="X" type="integer" min="-2.14748E9" max="2.14748E9" units="cm"/>
-          <inkml:channel name="Y" type="integer" min="-2.14748E9" max="2.14748E9" units="cm"/>
-        </inkml:traceFormat>
-        <inkml:channelProperties>
-          <inkml:channelProperty channel="X" name="resolution" value="1000" units="1/cm"/>
-          <inkml:channelProperty channel="Y" name="resolution" value="1000" units="1/cm"/>
-        </inkml:channelProperties>
-      </inkml:inkSource>
-      <inkml:timestamp xml:id="ts0" timeString="2021-02-03T11:24:06.505"/>
-    </inkml:context>
-    <inkml:brush xml:id="br0">
-      <inkml:brushProperty name="width" value="0.3" units="cm"/>
-      <inkml:brushProperty name="height" value="0.6" units="cm"/>
-      <inkml:brushProperty name="color" value="#FFFFFF"/>
-      <inkml:brushProperty name="tip" value="rectangle"/>
-      <inkml:brushProperty name="rasterOp" value="maskPen"/>
-      <inkml:brushProperty name="ignorePressure" value="1"/>
-    </inkml:brush>
-  </inkml:definitions>
-  <inkml:trace contextRef="#ctx0" brushRef="#br0">448 1,'-7'8,"-1"0,0-1,0 0,-1 0,0-1,0 0,0 0,-11 4,-10 1,-1-2,0 0,0-2,-43 3,38-5,1 1,-56 18,91-24,0 0,0 0,0 0,0 0,1 0,-1 0,0 0,0 0,0 1,0-1,0 0,0 0,0 0,0 0,0 0,0 0,0 0,0 0,0 1,0-1,0 0,0 0,0 0,0 0,0 0,0 0,0 0,0 1,0-1,0 0,0 0,0 0,0 0,0 0,0 0,0 0,0 1,0-1,0 0,0 0,0 0,0 0,0 0,-1 0,1 0,0 0,0 0,0 0,0 0,0 0,0 0,0 1,0-1,-1 0,1 0,0 0,0 0,0 0,0 0,0 0,0 0,-1 0,17 3,24 1,0-6,-20 1,1 1,28 2,-45-1,0-1,0 1,0 0,0 0,0 0,0 0,0 1,-1-1,1 1,0 0,-1 1,1-1,-1 0,0 1,0 0,0 0,4 5,3 11</inkml:trace>
-</inkml:ink>
-</file>
-
-<file path=ppt/ink/ink2.xml><?xml version="1.0" encoding="utf-8"?>
-<inkml:ink xmlns:inkml="http://www.w3.org/2003/InkML">
-  <inkml:definitions>
-    <inkml:context xml:id="ctx0">
-      <inkml:inkSource xml:id="inkSrc0">
-        <inkml:traceFormat>
-          <inkml:channel name="X" type="integer" min="-2.14748E9" max="2.14748E9" units="cm"/>
-          <inkml:channel name="Y" type="integer" min="-2.14748E9" max="2.14748E9" units="cm"/>
-        </inkml:traceFormat>
-        <inkml:channelProperties>
-          <inkml:channelProperty channel="X" name="resolution" value="1000" units="1/cm"/>
-          <inkml:channelProperty channel="Y" name="resolution" value="1000" units="1/cm"/>
-        </inkml:channelProperties>
-      </inkml:inkSource>
-      <inkml:timestamp xml:id="ts0" timeString="2021-02-03T11:24:06.841"/>
-    </inkml:context>
-    <inkml:brush xml:id="br0">
-      <inkml:brushProperty name="width" value="0.3" units="cm"/>
-      <inkml:brushProperty name="height" value="0.6" units="cm"/>
-      <inkml:brushProperty name="color" value="#FFFFFF"/>
-      <inkml:brushProperty name="tip" value="rectangle"/>
-      <inkml:brushProperty name="rasterOp" value="maskPen"/>
-      <inkml:brushProperty name="ignorePressure" value="1"/>
-    </inkml:brush>
-  </inkml:definitions>
-  <inkml:trace contextRef="#ctx0" brushRef="#br0">0 0,'11'0,"8"0,7 0,10 0,3 0,1 0,-1 0,4 0,-1 0,-7 0</inkml:trace>
-</inkml:ink>
-</file>
-
-<file path=ppt/ink/ink3.xml><?xml version="1.0" encoding="utf-8"?>
-<inkml:ink xmlns:inkml="http://www.w3.org/2003/InkML">
-  <inkml:definitions>
-    <inkml:context xml:id="ctx0">
-      <inkml:inkSource xml:id="inkSrc0">
-        <inkml:traceFormat>
-          <inkml:channel name="X" type="integer" min="-2.14748E9" max="2.14748E9" units="cm"/>
-          <inkml:channel name="Y" type="integer" min="-2.14748E9" max="2.14748E9" units="cm"/>
-        </inkml:traceFormat>
-        <inkml:channelProperties>
-          <inkml:channelProperty channel="X" name="resolution" value="1000" units="1/cm"/>
-          <inkml:channelProperty channel="Y" name="resolution" value="1000" units="1/cm"/>
-        </inkml:channelProperties>
-      </inkml:inkSource>
-      <inkml:timestamp xml:id="ts0" timeString="2021-02-03T11:24:07.650"/>
-    </inkml:context>
-    <inkml:brush xml:id="br0">
-      <inkml:brushProperty name="width" value="0.3" units="cm"/>
-      <inkml:brushProperty name="height" value="0.6" units="cm"/>
-      <inkml:brushProperty name="color" value="#FFFFFF"/>
-      <inkml:brushProperty name="tip" value="rectangle"/>
-      <inkml:brushProperty name="rasterOp" value="maskPen"/>
-      <inkml:brushProperty name="ignorePressure" value="1"/>
-    </inkml:brush>
-  </inkml:definitions>
-  <inkml:trace contextRef="#ctx0" brushRef="#br0">0 1139,'2'5,"0"-1,0 0,0 1,1-1,-1 0,1-1,0 1,0 0,7 5,7 11,23 41,77 103,-84-127,2-1,1-2,77 57,138 63,-216-135,5 4,52 21,-76-38,1 0,0-2,-1 0,1 0,1-2,29 1,11-3,184-6,-237 5,-1-1,1 1,0-1,0 0,0 0,-1-1,1 0,-1 1,0-1,0-1,0 1,0 0,-1-1,1 0,-1 0,0 0,0 0,0-1,-1 1,1-1,1-6,6-12,-1 0,-1 0,4-25,0-11,-2 0,2-91,-13-124,-1 149,3-59,1 47,-22-198,17 314,-1 0,-1 0,0 0,-2 1,0 0,-2 0,0 0,-19-29,19 37,-1-1,0 1,-1 1,0 0,-1 1,0 0,-1 1,0 0,0 1,-1 0,0 1,-20-7,4 6,0 2,0 1,0 1,-1 1,1 2,-1 1,-30 4,-13-2,63-2,-19 0,0 1,0 2,-50 10,70-11,1 1,0 0,0 1,0 0,1 1,-1 0,1 0,0 0,0 1,1 1,0-1,0 1,0 0,1 1,-9 13,-1 8,1 0,1 1,2 0,1 1,1 0,2 1,1 0,-4 51,5 29,8 130,1-114,-3-68,3 0,21 115,-19-151,2-1,1 0,0-1,2 1,0-2,2 0,0 0,2-1,0 0,22 23,19 17,-16-16,62 55,-86-87,1 0,0-1,1 0,0-1,0-1,1-1,0-1,24 7,9-5,0-2,1-2,-1-3,70-5,-97 3,39-2</inkml:trace>
-</inkml:ink>
-</file>
-
 <file path=ppt/slideLayouts/slideLayout1.xml><?xml version="1.0" encoding="utf-8"?>
 <p:sldLayout xmlns:a="http://schemas.openxmlformats.org/drawingml/2006/main" xmlns:r="http://schemas.openxmlformats.org/officeDocument/2006/relationships" xmlns:p="http://schemas.openxmlformats.org/presentationml/2006/main" showMasterSp="0" type="title" preserve="1">
   <p:cSld name="Diapositive de titre">
@@ -459,7 +372,7 @@
           <a:p>
             <a:fld id="{DF23ADD9-DF4E-4354-88F9-F6DD2B2814A9}" type="datetimeFigureOut">
               <a:rPr lang="he-IL" smtClean="0"/>
-              <a:t>כ"ב/שבט/תשפ"א</a:t>
+              <a:t>כ"ה/שבט/תשפ"א</a:t>
             </a:fld>
             <a:endParaRPr lang="he-IL"/>
           </a:p>
@@ -895,7 +808,7 @@
           <a:p>
             <a:fld id="{DF23ADD9-DF4E-4354-88F9-F6DD2B2814A9}" type="datetimeFigureOut">
               <a:rPr lang="he-IL" smtClean="0"/>
-              <a:t>כ"ב/שבט/תשפ"א</a:t>
+              <a:t>כ"ה/שבט/תשפ"א</a:t>
             </a:fld>
             <a:endParaRPr lang="he-IL"/>
           </a:p>
@@ -1145,7 +1058,7 @@
           <a:p>
             <a:fld id="{DF23ADD9-DF4E-4354-88F9-F6DD2B2814A9}" type="datetimeFigureOut">
               <a:rPr lang="he-IL" smtClean="0"/>
-              <a:t>כ"ב/שבט/תשפ"א</a:t>
+              <a:t>כ"ה/שבט/תשפ"א</a:t>
             </a:fld>
             <a:endParaRPr lang="he-IL"/>
           </a:p>
@@ -1453,7 +1366,7 @@
           <a:p>
             <a:fld id="{DF23ADD9-DF4E-4354-88F9-F6DD2B2814A9}" type="datetimeFigureOut">
               <a:rPr lang="he-IL" smtClean="0"/>
-              <a:t>כ"ב/שבט/תשפ"א</a:t>
+              <a:t>כ"ה/שבט/תשפ"א</a:t>
             </a:fld>
             <a:endParaRPr lang="he-IL"/>
           </a:p>
@@ -1771,7 +1684,7 @@
           <a:p>
             <a:fld id="{DF23ADD9-DF4E-4354-88F9-F6DD2B2814A9}" type="datetimeFigureOut">
               <a:rPr lang="he-IL" smtClean="0"/>
-              <a:t>כ"ב/שבט/תשפ"א</a:t>
+              <a:t>כ"ה/שבט/תשפ"א</a:t>
             </a:fld>
             <a:endParaRPr lang="he-IL"/>
           </a:p>
@@ -2073,7 +1986,7 @@
           <a:p>
             <a:fld id="{DF23ADD9-DF4E-4354-88F9-F6DD2B2814A9}" type="datetimeFigureOut">
               <a:rPr lang="he-IL" smtClean="0"/>
-              <a:t>כ"ב/שבט/תשפ"א</a:t>
+              <a:t>כ"ה/שבט/תשפ"א</a:t>
             </a:fld>
             <a:endParaRPr lang="he-IL"/>
           </a:p>
@@ -2440,7 +2353,7 @@
           <a:p>
             <a:fld id="{DF23ADD9-DF4E-4354-88F9-F6DD2B2814A9}" type="datetimeFigureOut">
               <a:rPr lang="he-IL" smtClean="0"/>
-              <a:t>כ"ב/שבט/תשפ"א</a:t>
+              <a:t>כ"ה/שבט/תשפ"א</a:t>
             </a:fld>
             <a:endParaRPr lang="he-IL"/>
           </a:p>
@@ -2614,7 +2527,7 @@
           <a:p>
             <a:fld id="{DF23ADD9-DF4E-4354-88F9-F6DD2B2814A9}" type="datetimeFigureOut">
               <a:rPr lang="he-IL" smtClean="0"/>
-              <a:t>כ"ב/שבט/תשפ"א</a:t>
+              <a:t>כ"ה/שבט/תשפ"א</a:t>
             </a:fld>
             <a:endParaRPr lang="he-IL"/>
           </a:p>
@@ -2794,7 +2707,7 @@
           <a:p>
             <a:fld id="{DF23ADD9-DF4E-4354-88F9-F6DD2B2814A9}" type="datetimeFigureOut">
               <a:rPr lang="he-IL" smtClean="0"/>
-              <a:t>כ"ב/שבט/תשפ"א</a:t>
+              <a:t>כ"ה/שבט/תשפ"א</a:t>
             </a:fld>
             <a:endParaRPr lang="he-IL"/>
           </a:p>
@@ -2964,7 +2877,7 @@
           <a:p>
             <a:fld id="{DF23ADD9-DF4E-4354-88F9-F6DD2B2814A9}" type="datetimeFigureOut">
               <a:rPr lang="he-IL" smtClean="0"/>
-              <a:t>כ"ב/שבט/תשפ"א</a:t>
+              <a:t>כ"ה/שבט/תשפ"א</a:t>
             </a:fld>
             <a:endParaRPr lang="he-IL"/>
           </a:p>
@@ -3214,7 +3127,7 @@
           <a:p>
             <a:fld id="{DF23ADD9-DF4E-4354-88F9-F6DD2B2814A9}" type="datetimeFigureOut">
               <a:rPr lang="he-IL" smtClean="0"/>
-              <a:t>כ"ב/שבט/תשפ"א</a:t>
+              <a:t>כ"ה/שבט/תשפ"א</a:t>
             </a:fld>
             <a:endParaRPr lang="he-IL"/>
           </a:p>
@@ -3450,7 +3363,7 @@
           <a:p>
             <a:fld id="{DF23ADD9-DF4E-4354-88F9-F6DD2B2814A9}" type="datetimeFigureOut">
               <a:rPr lang="he-IL" smtClean="0"/>
-              <a:t>כ"ב/שבט/תשפ"א</a:t>
+              <a:t>כ"ה/שבט/תשפ"א</a:t>
             </a:fld>
             <a:endParaRPr lang="he-IL"/>
           </a:p>
@@ -3832,7 +3745,7 @@
           <a:p>
             <a:fld id="{DF23ADD9-DF4E-4354-88F9-F6DD2B2814A9}" type="datetimeFigureOut">
               <a:rPr lang="he-IL" smtClean="0"/>
-              <a:t>כ"ב/שבט/תשפ"א</a:t>
+              <a:t>כ"ה/שבט/תשפ"א</a:t>
             </a:fld>
             <a:endParaRPr lang="he-IL"/>
           </a:p>
@@ -3950,7 +3863,7 @@
           <a:p>
             <a:fld id="{DF23ADD9-DF4E-4354-88F9-F6DD2B2814A9}" type="datetimeFigureOut">
               <a:rPr lang="he-IL" smtClean="0"/>
-              <a:t>כ"ב/שבט/תשפ"א</a:t>
+              <a:t>כ"ה/שבט/תשפ"א</a:t>
             </a:fld>
             <a:endParaRPr lang="he-IL"/>
           </a:p>
@@ -4045,7 +3958,7 @@
           <a:p>
             <a:fld id="{DF23ADD9-DF4E-4354-88F9-F6DD2B2814A9}" type="datetimeFigureOut">
               <a:rPr lang="he-IL" smtClean="0"/>
-              <a:t>כ"ב/שבט/תשפ"א</a:t>
+              <a:t>כ"ה/שבט/תשפ"א</a:t>
             </a:fld>
             <a:endParaRPr lang="he-IL"/>
           </a:p>
@@ -4300,7 +4213,7 @@
           <a:p>
             <a:fld id="{DF23ADD9-DF4E-4354-88F9-F6DD2B2814A9}" type="datetimeFigureOut">
               <a:rPr lang="he-IL" smtClean="0"/>
-              <a:t>כ"ב/שבט/תשפ"א</a:t>
+              <a:t>כ"ה/שבט/תשפ"א</a:t>
             </a:fld>
             <a:endParaRPr lang="he-IL"/>
           </a:p>
@@ -4583,7 +4496,7 @@
           <a:p>
             <a:fld id="{DF23ADD9-DF4E-4354-88F9-F6DD2B2814A9}" type="datetimeFigureOut">
               <a:rPr lang="he-IL" smtClean="0"/>
-              <a:t>כ"ב/שבט/תשפ"א</a:t>
+              <a:t>כ"ה/שבט/תשפ"א</a:t>
             </a:fld>
             <a:endParaRPr lang="he-IL"/>
           </a:p>
@@ -4989,7 +4902,7 @@
           <a:p>
             <a:fld id="{DF23ADD9-DF4E-4354-88F9-F6DD2B2814A9}" type="datetimeFigureOut">
               <a:rPr lang="he-IL" smtClean="0"/>
-              <a:t>כ"ב/שבט/תשפ"א</a:t>
+              <a:t>כ"ה/שבט/תשפ"א</a:t>
             </a:fld>
             <a:endParaRPr lang="he-IL"/>
           </a:p>
@@ -7639,8 +7552,8 @@
         </p:nvSpPr>
         <p:spPr>
           <a:xfrm>
-            <a:off x="1249680" y="2346960"/>
-            <a:ext cx="9913620" cy="4524315"/>
+            <a:off x="1231664" y="2333685"/>
+            <a:ext cx="10133023" cy="4524315"/>
           </a:xfrm>
           <a:prstGeom prst="rect">
             <a:avLst/>
@@ -7744,7 +7657,11 @@
               <a:rPr lang="en-US" b="0" i="0" dirty="0">
                 <a:effectLst/>
               </a:rPr>
-              <a:t> is independent for each vector component (class), meaning that the loss computed for the CNN output vector component is not affected by other  component values. That’s why it is used for </a:t>
+              <a:t> is independent for each vector component (class), meaning that the loss computed for the CNN output vector component is not affected by other  component values. That’s why </a:t>
+            </a:r>
+            <a:r>
+              <a:rPr lang="en-US" dirty="0"/>
+              <a:t>we use binary cross entropy (</a:t>
             </a:r>
             <a:r>
               <a:rPr lang="en-US" b="1" i="0" dirty="0">
@@ -7754,7 +7671,7 @@
             </a:r>
             <a:r>
               <a:rPr lang="en-US" dirty="0"/>
-              <a:t> </a:t>
+              <a:t> to be differentiated with multi-class classification)</a:t>
             </a:r>
           </a:p>
           <a:p>
@@ -8279,16 +8196,7 @@
               <a:rPr lang="en-US" sz="3200" b="1" dirty="0">
                 <a:latin typeface="Agency FB" panose="020B0503020202020204" pitchFamily="34" charset="0"/>
               </a:rPr>
-              <a:t>3.4 Results (Model Accuracy and Model Loss</a:t>
-            </a:r>
-            <a:r>
-              <a:rPr lang="en-US" sz="3200" b="1" dirty="0">
-                <a:solidFill>
-                  <a:schemeClr val="bg1"/>
-                </a:solidFill>
-                <a:latin typeface="Agency FB" panose="020B0503020202020204" pitchFamily="34" charset="0"/>
-              </a:rPr>
-              <a:t>)</a:t>
+              <a:t>3.4 Results (Model Accuracy and Model Loss)</a:t>
             </a:r>
           </a:p>
           <a:p>
@@ -8736,7 +8644,7 @@
               <a:buChar char="v"/>
             </a:pPr>
             <a:r>
-              <a:rPr lang="en-US" sz="3200" b="1" dirty="0">
+              <a:rPr lang="en-US" sz="3200" b="1">
                 <a:solidFill>
                   <a:schemeClr val="bg1"/>
                 </a:solidFill>
@@ -8753,7 +8661,7 @@
       </p:sp>
       <p:pic>
         <p:nvPicPr>
-          <p:cNvPr id="3" name="Image 2" descr="Une image contenant texte&#10;&#10;Description générée automatiquement">
+          <p:cNvPr id="3" name="Image 2">
             <a:extLst>
               <a:ext uri="{FF2B5EF4-FFF2-40B4-BE49-F238E27FC236}">
                 <a16:creationId xmlns:a16="http://schemas.microsoft.com/office/drawing/2014/main" id="{142E7E27-E0D8-483C-AE73-55C02EA855D5}"/>
@@ -8773,14 +8681,13 @@
               </a:ext>
             </a:extLst>
           </a:blip>
-          <a:stretch>
-            <a:fillRect/>
-          </a:stretch>
+          <a:srcRect/>
+          <a:stretch/>
         </p:blipFill>
         <p:spPr>
           <a:xfrm>
-            <a:off x="804402" y="968232"/>
-            <a:ext cx="9249227" cy="5506309"/>
+            <a:off x="804403" y="1053957"/>
+            <a:ext cx="7706982" cy="5506309"/>
           </a:xfrm>
           <a:prstGeom prst="rect">
             <a:avLst/>
@@ -8822,47 +8729,58 @@
       </p:grpSpPr>
       <p:sp>
         <p:nvSpPr>
-          <p:cNvPr id="2" name="כותרת 1">
+          <p:cNvPr id="5" name="ZoneTexte 4">
             <a:extLst>
               <a:ext uri="{FF2B5EF4-FFF2-40B4-BE49-F238E27FC236}">
-                <a16:creationId xmlns:a16="http://schemas.microsoft.com/office/drawing/2014/main" id="{E2039549-3B74-486A-9D48-3C6F09599F35}"/>
+                <a16:creationId xmlns:a16="http://schemas.microsoft.com/office/drawing/2014/main" id="{4B756054-08A3-4288-9125-9F314B993E8F}"/>
               </a:ext>
             </a:extLst>
           </p:cNvPr>
-          <p:cNvSpPr>
-            <a:spLocks noGrp="1"/>
-          </p:cNvSpPr>
-          <p:nvPr>
-            <p:ph type="ctrTitle"/>
-          </p:nvPr>
-        </p:nvSpPr>
-        <p:spPr>
-          <a:xfrm>
-            <a:off x="1442977" y="0"/>
-            <a:ext cx="9144000" cy="2387600"/>
-          </a:xfrm>
-        </p:spPr>
-        <p:txBody>
-          <a:bodyPr/>
-          <a:lstStyle/>
-          <a:p>
-            <a:r>
-              <a:rPr lang="en-US" dirty="0"/>
-              <a:t>Genre Classification</a:t>
-            </a:r>
-            <a:r>
-              <a:rPr lang="he-IL" dirty="0"/>
-              <a:t> </a:t>
-            </a:r>
+          <p:cNvSpPr txBox="1"/>
+          <p:nvPr/>
+        </p:nvSpPr>
+        <p:spPr>
+          <a:xfrm>
+            <a:off x="804402" y="383458"/>
+            <a:ext cx="10987548" cy="584775"/>
+          </a:xfrm>
+          <a:prstGeom prst="rect">
+            <a:avLst/>
+          </a:prstGeom>
+          <a:noFill/>
+        </p:spPr>
+        <p:txBody>
+          <a:bodyPr wrap="square" rtlCol="0">
+            <a:spAutoFit/>
+          </a:bodyPr>
+          <a:lstStyle/>
+          <a:p>
+            <a:pPr marL="457200" indent="-457200">
+              <a:buFont typeface="Wingdings" panose="05000000000000000000" pitchFamily="2" charset="2"/>
+              <a:buChar char="v"/>
+            </a:pPr>
+            <a:r>
+              <a:rPr lang="en-US" sz="3200" b="1" dirty="0">
+                <a:solidFill>
+                  <a:schemeClr val="bg1"/>
+                </a:solidFill>
+              </a:rPr>
+              <a:t>Testing  Examples</a:t>
+            </a:r>
+            <a:endParaRPr lang="en-IL" sz="3200" b="1" dirty="0">
+              <a:solidFill>
+                <a:schemeClr val="bg1"/>
+              </a:solidFill>
+            </a:endParaRPr>
           </a:p>
         </p:txBody>
       </p:sp>
       <p:pic>
         <p:nvPicPr>
-          <p:cNvPr id="5" name="תמונה 4">
+          <p:cNvPr id="4" name="Image 3" descr="Une image contenant texte&#10;&#10;Description générée automatiquement">
             <a:extLst>
               <a:ext uri="{FF2B5EF4-FFF2-40B4-BE49-F238E27FC236}">
-                <a16:creationId xmlns:a16="http://schemas.microsoft.com/office/drawing/2014/main" id="{B45DFDA4-DBF6-4EDB-8902-7A57036E3794}"/>
+                <a16:creationId xmlns:a16="http://schemas.microsoft.com/office/drawing/2014/main" id="{AB8BFE25-5113-4CC9-A7ED-999618E7C732}"/>
               </a:ext>
             </a:extLst>
           </p:cNvPr>
@@ -8872,504 +8790,40 @@
           <p:nvPr/>
         </p:nvPicPr>
         <p:blipFill>
-          <a:blip r:embed="rId2"/>
-          <a:stretch>
-            <a:fillRect/>
-          </a:stretch>
-        </p:blipFill>
-        <p:spPr>
-          <a:xfrm>
-            <a:off x="1202133" y="2491995"/>
-            <a:ext cx="2698535" cy="1511180"/>
-          </a:xfrm>
-          <a:prstGeom prst="rect">
-            <a:avLst/>
-          </a:prstGeom>
-        </p:spPr>
-      </p:pic>
-      <p:sp>
-        <p:nvSpPr>
-          <p:cNvPr id="8" name="חץ: ימינה 7">
-            <a:extLst>
-              <a:ext uri="{FF2B5EF4-FFF2-40B4-BE49-F238E27FC236}">
-                <a16:creationId xmlns:a16="http://schemas.microsoft.com/office/drawing/2014/main" id="{EF3725FD-B077-4CF7-BD19-AC24B5C7A689}"/>
-              </a:ext>
-            </a:extLst>
-          </p:cNvPr>
-          <p:cNvSpPr/>
-          <p:nvPr/>
-        </p:nvSpPr>
-        <p:spPr>
-          <a:xfrm>
-            <a:off x="3900668" y="3104444"/>
-            <a:ext cx="2556576" cy="541867"/>
-          </a:xfrm>
-          <a:prstGeom prst="rightArrow">
-            <a:avLst/>
-          </a:prstGeom>
-        </p:spPr>
-        <p:style>
-          <a:lnRef idx="2">
-            <a:schemeClr val="accent1">
-              <a:shade val="50000"/>
-            </a:schemeClr>
-          </a:lnRef>
-          <a:fillRef idx="1">
-            <a:schemeClr val="accent1"/>
-          </a:fillRef>
-          <a:effectRef idx="0">
-            <a:schemeClr val="accent1"/>
-          </a:effectRef>
-          <a:fontRef idx="minor">
-            <a:schemeClr val="lt1"/>
-          </a:fontRef>
-        </p:style>
-        <p:txBody>
-          <a:bodyPr rtlCol="1" anchor="ctr"/>
-          <a:lstStyle/>
-          <a:p>
-            <a:pPr algn="ctr"/>
-            <a:endParaRPr lang="he-IL"/>
-          </a:p>
-        </p:txBody>
-      </p:sp>
-      <p:sp>
-        <p:nvSpPr>
-          <p:cNvPr id="10" name="תיבת טקסט 9">
-            <a:extLst>
-              <a:ext uri="{FF2B5EF4-FFF2-40B4-BE49-F238E27FC236}">
-                <a16:creationId xmlns:a16="http://schemas.microsoft.com/office/drawing/2014/main" id="{3A42A5D4-F118-468E-9A7E-54743284A369}"/>
-              </a:ext>
-            </a:extLst>
-          </p:cNvPr>
-          <p:cNvSpPr txBox="1"/>
-          <p:nvPr/>
-        </p:nvSpPr>
-        <p:spPr>
-          <a:xfrm>
-            <a:off x="6344355" y="3190711"/>
-            <a:ext cx="1038577" cy="369332"/>
-          </a:xfrm>
-          <a:prstGeom prst="rect">
-            <a:avLst/>
-          </a:prstGeom>
-          <a:noFill/>
-        </p:spPr>
-        <p:txBody>
-          <a:bodyPr wrap="square" rtlCol="1">
-            <a:spAutoFit/>
-          </a:bodyPr>
-          <a:lstStyle/>
-          <a:p>
-            <a:pPr algn="l"/>
-            <a:r>
-              <a:rPr lang="en-US" dirty="0"/>
-              <a:t>Action</a:t>
-            </a:r>
-            <a:endParaRPr lang="he-IL" dirty="0"/>
-          </a:p>
-        </p:txBody>
-      </p:sp>
-      <p:pic>
-        <p:nvPicPr>
-          <p:cNvPr id="12" name="תמונה 11">
-            <a:extLst>
-              <a:ext uri="{FF2B5EF4-FFF2-40B4-BE49-F238E27FC236}">
-                <a16:creationId xmlns:a16="http://schemas.microsoft.com/office/drawing/2014/main" id="{146CD5E5-E459-4163-B7F4-3BD05A3AB28C}"/>
-              </a:ext>
-            </a:extLst>
-          </p:cNvPr>
-          <p:cNvPicPr>
-            <a:picLocks noChangeAspect="1"/>
-          </p:cNvPicPr>
-          <p:nvPr/>
-        </p:nvPicPr>
-        <p:blipFill>
-          <a:blip r:embed="rId3"/>
-          <a:stretch>
-            <a:fillRect/>
-          </a:stretch>
-        </p:blipFill>
-        <p:spPr>
-          <a:xfrm>
-            <a:off x="1202133" y="4697913"/>
-            <a:ext cx="2158179" cy="1841674"/>
-          </a:xfrm>
-          <a:prstGeom prst="rect">
-            <a:avLst/>
-          </a:prstGeom>
-        </p:spPr>
-      </p:pic>
-      <p:sp>
-        <p:nvSpPr>
-          <p:cNvPr id="24" name="חץ: ימינה 23">
-            <a:extLst>
-              <a:ext uri="{FF2B5EF4-FFF2-40B4-BE49-F238E27FC236}">
-                <a16:creationId xmlns:a16="http://schemas.microsoft.com/office/drawing/2014/main" id="{5C62D270-DBE2-40DC-999B-1A8AA796A5AF}"/>
-              </a:ext>
-            </a:extLst>
-          </p:cNvPr>
-          <p:cNvSpPr/>
-          <p:nvPr/>
-        </p:nvSpPr>
-        <p:spPr>
-          <a:xfrm>
-            <a:off x="3360312" y="5435599"/>
-            <a:ext cx="2556576" cy="541867"/>
-          </a:xfrm>
-          <a:prstGeom prst="rightArrow">
-            <a:avLst/>
-          </a:prstGeom>
-        </p:spPr>
-        <p:style>
-          <a:lnRef idx="2">
-            <a:schemeClr val="accent1">
-              <a:shade val="50000"/>
-            </a:schemeClr>
-          </a:lnRef>
-          <a:fillRef idx="1">
-            <a:schemeClr val="accent1"/>
-          </a:fillRef>
-          <a:effectRef idx="0">
-            <a:schemeClr val="accent1"/>
-          </a:effectRef>
-          <a:fontRef idx="minor">
-            <a:schemeClr val="lt1"/>
-          </a:fontRef>
-        </p:style>
-        <p:txBody>
-          <a:bodyPr rtlCol="1" anchor="ctr"/>
-          <a:lstStyle/>
-          <a:p>
-            <a:pPr algn="ctr"/>
-            <a:endParaRPr lang="he-IL"/>
-          </a:p>
-        </p:txBody>
-      </p:sp>
-      <p:sp>
-        <p:nvSpPr>
-          <p:cNvPr id="25" name="תיבת טקסט 24">
-            <a:extLst>
-              <a:ext uri="{FF2B5EF4-FFF2-40B4-BE49-F238E27FC236}">
-                <a16:creationId xmlns:a16="http://schemas.microsoft.com/office/drawing/2014/main" id="{A1097329-6A94-4EE1-A99B-1586F351A791}"/>
-              </a:ext>
-            </a:extLst>
-          </p:cNvPr>
-          <p:cNvSpPr txBox="1"/>
-          <p:nvPr/>
-        </p:nvSpPr>
-        <p:spPr>
-          <a:xfrm>
-            <a:off x="5858931" y="5521866"/>
-            <a:ext cx="1038577" cy="369332"/>
-          </a:xfrm>
-          <a:prstGeom prst="rect">
-            <a:avLst/>
-          </a:prstGeom>
-          <a:noFill/>
-        </p:spPr>
-        <p:txBody>
-          <a:bodyPr wrap="square" rtlCol="1">
-            <a:spAutoFit/>
-          </a:bodyPr>
-          <a:lstStyle/>
-          <a:p>
-            <a:pPr algn="l"/>
-            <a:r>
-              <a:rPr lang="en-US" dirty="0"/>
-              <a:t>Horror</a:t>
-            </a:r>
-            <a:endParaRPr lang="he-IL" dirty="0"/>
-          </a:p>
-        </p:txBody>
-      </p:sp>
-      <p:sp>
-        <p:nvSpPr>
-          <p:cNvPr id="26" name="תיבת טקסט 25">
-            <a:extLst>
-              <a:ext uri="{FF2B5EF4-FFF2-40B4-BE49-F238E27FC236}">
-                <a16:creationId xmlns:a16="http://schemas.microsoft.com/office/drawing/2014/main" id="{22A384E5-0E74-4B97-8A30-C069E0F76B3C}"/>
-              </a:ext>
-            </a:extLst>
-          </p:cNvPr>
-          <p:cNvSpPr txBox="1"/>
-          <p:nvPr/>
-        </p:nvSpPr>
-        <p:spPr>
-          <a:xfrm>
-            <a:off x="4497311" y="5250933"/>
-            <a:ext cx="762000" cy="369332"/>
-          </a:xfrm>
-          <a:prstGeom prst="rect">
-            <a:avLst/>
-          </a:prstGeom>
-          <a:noFill/>
-        </p:spPr>
-        <p:txBody>
-          <a:bodyPr wrap="square" rtlCol="1">
-            <a:spAutoFit/>
-          </a:bodyPr>
-          <a:lstStyle/>
-          <a:p>
-            <a:pPr algn="l"/>
-            <a:r>
-              <a:rPr lang="en-US" dirty="0"/>
-              <a:t>CNN</a:t>
-            </a:r>
-            <a:endParaRPr lang="he-IL" dirty="0"/>
-          </a:p>
-        </p:txBody>
-      </p:sp>
-      <p:sp>
-        <p:nvSpPr>
-          <p:cNvPr id="27" name="תיבת טקסט 26">
-            <a:extLst>
-              <a:ext uri="{FF2B5EF4-FFF2-40B4-BE49-F238E27FC236}">
-                <a16:creationId xmlns:a16="http://schemas.microsoft.com/office/drawing/2014/main" id="{978CDC43-2440-4BBE-936F-31EBF8496A6D}"/>
-              </a:ext>
-            </a:extLst>
-          </p:cNvPr>
-          <p:cNvSpPr txBox="1"/>
-          <p:nvPr/>
-        </p:nvSpPr>
-        <p:spPr>
-          <a:xfrm>
-            <a:off x="4741511" y="2912912"/>
-            <a:ext cx="762000" cy="369332"/>
-          </a:xfrm>
-          <a:prstGeom prst="rect">
-            <a:avLst/>
-          </a:prstGeom>
-          <a:noFill/>
-        </p:spPr>
-        <p:txBody>
-          <a:bodyPr wrap="square" rtlCol="1">
-            <a:spAutoFit/>
-          </a:bodyPr>
-          <a:lstStyle/>
-          <a:p>
-            <a:pPr algn="l"/>
-            <a:r>
-              <a:rPr lang="en-US" dirty="0"/>
-              <a:t>CNN</a:t>
-            </a:r>
-            <a:endParaRPr lang="he-IL" dirty="0"/>
-          </a:p>
-        </p:txBody>
-      </p:sp>
-      <p:pic>
-        <p:nvPicPr>
-          <p:cNvPr id="1026" name="Picture 2" descr="15 Most Offensive Comedy Movies, You Cant Afford To Miss">
-            <a:extLst>
-              <a:ext uri="{FF2B5EF4-FFF2-40B4-BE49-F238E27FC236}">
-                <a16:creationId xmlns:a16="http://schemas.microsoft.com/office/drawing/2014/main" id="{EC355140-5542-41E4-A36F-534915466077}"/>
-              </a:ext>
-            </a:extLst>
-          </p:cNvPr>
-          <p:cNvPicPr>
-            <a:picLocks noChangeAspect="1" noChangeArrowheads="1"/>
-          </p:cNvPicPr>
-          <p:nvPr/>
-        </p:nvPicPr>
-        <p:blipFill>
-          <a:blip r:embed="rId4">
+          <a:blip r:embed="rId2">
             <a:extLst>
               <a:ext uri="{28A0092B-C50C-407E-A947-70E740481C1C}">
                 <a14:useLocalDpi xmlns:a14="http://schemas.microsoft.com/office/drawing/2010/main" val="0"/>
               </a:ext>
             </a:extLst>
           </a:blip>
-          <a:srcRect/>
           <a:stretch>
             <a:fillRect/>
           </a:stretch>
         </p:blipFill>
-        <p:spPr bwMode="auto">
-          <a:xfrm>
-            <a:off x="7729354" y="2240843"/>
-            <a:ext cx="1967801" cy="2082801"/>
+        <p:spPr>
+          <a:xfrm>
+            <a:off x="877926" y="968233"/>
+            <a:ext cx="6837323" cy="5700476"/>
           </a:xfrm>
           <a:prstGeom prst="rect">
             <a:avLst/>
           </a:prstGeom>
-          <a:noFill/>
-          <a:extLst>
-            <a:ext uri="{909E8E84-426E-40DD-AFC4-6F175D3DCCD1}">
-              <a14:hiddenFill xmlns:a14="http://schemas.microsoft.com/office/drawing/2010/main">
-                <a:solidFill>
-                  <a:srgbClr val="FFFFFF"/>
-                </a:solidFill>
-              </a14:hiddenFill>
-            </a:ext>
-          </a:extLst>
         </p:spPr>
       </p:pic>
-      <p:sp>
-        <p:nvSpPr>
-          <p:cNvPr id="28" name="תיבת טקסט 27">
-            <a:extLst>
-              <a:ext uri="{FF2B5EF4-FFF2-40B4-BE49-F238E27FC236}">
-                <a16:creationId xmlns:a16="http://schemas.microsoft.com/office/drawing/2014/main" id="{F099CCCB-583D-441D-8982-7DDC4FB83317}"/>
-              </a:ext>
-            </a:extLst>
-          </p:cNvPr>
-          <p:cNvSpPr txBox="1"/>
-          <p:nvPr/>
-        </p:nvSpPr>
-        <p:spPr>
-          <a:xfrm>
-            <a:off x="11403709" y="3262866"/>
-            <a:ext cx="1038577" cy="369332"/>
-          </a:xfrm>
-          <a:prstGeom prst="rect">
-            <a:avLst/>
-          </a:prstGeom>
-          <a:noFill/>
-        </p:spPr>
-        <p:txBody>
-          <a:bodyPr wrap="square" rtlCol="1">
-            <a:spAutoFit/>
-          </a:bodyPr>
-          <a:lstStyle/>
-          <a:p>
-            <a:pPr algn="l"/>
-            <a:r>
-              <a:rPr lang="en-US" dirty="0"/>
-              <a:t>Action</a:t>
-            </a:r>
-            <a:endParaRPr lang="he-IL" dirty="0"/>
-          </a:p>
-        </p:txBody>
-      </p:sp>
-      <p:sp>
-        <p:nvSpPr>
-          <p:cNvPr id="29" name="תיבת טקסט 28">
-            <a:extLst>
-              <a:ext uri="{FF2B5EF4-FFF2-40B4-BE49-F238E27FC236}">
-                <a16:creationId xmlns:a16="http://schemas.microsoft.com/office/drawing/2014/main" id="{0529B36E-51AE-4841-8248-A10883A65B57}"/>
-              </a:ext>
-            </a:extLst>
-          </p:cNvPr>
-          <p:cNvSpPr txBox="1"/>
-          <p:nvPr/>
-        </p:nvSpPr>
-        <p:spPr>
-          <a:xfrm>
-            <a:off x="9800865" y="2985067"/>
-            <a:ext cx="762000" cy="369332"/>
-          </a:xfrm>
-          <a:prstGeom prst="rect">
-            <a:avLst/>
-          </a:prstGeom>
-          <a:noFill/>
-        </p:spPr>
-        <p:txBody>
-          <a:bodyPr wrap="square" rtlCol="1">
-            <a:spAutoFit/>
-          </a:bodyPr>
-          <a:lstStyle/>
-          <a:p>
-            <a:pPr algn="l"/>
-            <a:r>
-              <a:rPr lang="en-US" dirty="0"/>
-              <a:t>CNN</a:t>
-            </a:r>
-            <a:endParaRPr lang="he-IL" dirty="0"/>
-          </a:p>
-        </p:txBody>
-      </p:sp>
-      <p:sp>
-        <p:nvSpPr>
-          <p:cNvPr id="30" name="חץ: ימינה 29">
-            <a:extLst>
-              <a:ext uri="{FF2B5EF4-FFF2-40B4-BE49-F238E27FC236}">
-                <a16:creationId xmlns:a16="http://schemas.microsoft.com/office/drawing/2014/main" id="{0A9A3749-4202-4C9B-ADB8-F54E9D4200C4}"/>
-              </a:ext>
-            </a:extLst>
-          </p:cNvPr>
-          <p:cNvSpPr/>
-          <p:nvPr/>
-        </p:nvSpPr>
-        <p:spPr>
-          <a:xfrm>
-            <a:off x="9697155" y="3190711"/>
-            <a:ext cx="1706554" cy="541867"/>
-          </a:xfrm>
-          <a:prstGeom prst="rightArrow">
-            <a:avLst/>
-          </a:prstGeom>
-        </p:spPr>
-        <p:style>
-          <a:lnRef idx="2">
-            <a:schemeClr val="accent1">
-              <a:shade val="50000"/>
-            </a:schemeClr>
-          </a:lnRef>
-          <a:fillRef idx="1">
-            <a:schemeClr val="accent1"/>
-          </a:fillRef>
-          <a:effectRef idx="0">
-            <a:schemeClr val="accent1"/>
-          </a:effectRef>
-          <a:fontRef idx="minor">
-            <a:schemeClr val="lt1"/>
-          </a:fontRef>
-        </p:style>
-        <p:txBody>
-          <a:bodyPr rtlCol="1" anchor="ctr"/>
-          <a:lstStyle/>
-          <a:p>
-            <a:pPr algn="ctr"/>
-            <a:endParaRPr lang="he-IL"/>
-          </a:p>
-        </p:txBody>
-      </p:sp>
-      <p:sp>
-        <p:nvSpPr>
-          <p:cNvPr id="18" name="תיבת טקסט 17">
-            <a:extLst>
-              <a:ext uri="{FF2B5EF4-FFF2-40B4-BE49-F238E27FC236}">
-                <a16:creationId xmlns:a16="http://schemas.microsoft.com/office/drawing/2014/main" id="{2D53E8CE-1DCD-4015-AAE1-28550F5C58B8}"/>
-              </a:ext>
-            </a:extLst>
-          </p:cNvPr>
-          <p:cNvSpPr txBox="1"/>
-          <p:nvPr/>
-        </p:nvSpPr>
-        <p:spPr>
-          <a:xfrm>
-            <a:off x="10758311" y="2987834"/>
-            <a:ext cx="1433689" cy="369332"/>
-          </a:xfrm>
-          <a:prstGeom prst="rect">
-            <a:avLst/>
-          </a:prstGeom>
-          <a:noFill/>
-        </p:spPr>
-        <p:txBody>
-          <a:bodyPr wrap="square" rtlCol="1">
-            <a:spAutoFit/>
-          </a:bodyPr>
-          <a:lstStyle/>
-          <a:p>
-            <a:r>
-              <a:rPr lang="en-US" dirty="0"/>
-              <a:t>Comedy,</a:t>
-            </a:r>
-            <a:endParaRPr lang="he-IL" dirty="0"/>
-          </a:p>
-        </p:txBody>
-      </p:sp>
     </p:spTree>
     <p:extLst>
       <p:ext uri="{BB962C8B-B14F-4D97-AF65-F5344CB8AC3E}">
-        <p14:creationId xmlns:p14="http://schemas.microsoft.com/office/powerpoint/2010/main" val="3154680765"/>
+        <p14:creationId xmlns:p14="http://schemas.microsoft.com/office/powerpoint/2010/main" val="3109745550"/>
       </p:ext>
     </p:extLst>
   </p:cSld>
   <p:clrMapOvr>
     <a:masterClrMapping/>
   </p:clrMapOvr>
+  <p:transition spd="slow">
+    <p:wipe dir="r"/>
+  </p:transition>
 </p:sld>
 </file>
 
@@ -9392,155 +8846,101 @@
       </p:grpSpPr>
       <p:sp>
         <p:nvSpPr>
-          <p:cNvPr id="2" name="כותרת 1">
+          <p:cNvPr id="5" name="ZoneTexte 4">
             <a:extLst>
               <a:ext uri="{FF2B5EF4-FFF2-40B4-BE49-F238E27FC236}">
-                <a16:creationId xmlns:a16="http://schemas.microsoft.com/office/drawing/2014/main" id="{75613F2E-C2D0-4169-866B-F26E543368C0}"/>
+                <a16:creationId xmlns:a16="http://schemas.microsoft.com/office/drawing/2014/main" id="{4B756054-08A3-4288-9125-9F314B993E8F}"/>
               </a:ext>
             </a:extLst>
           </p:cNvPr>
-          <p:cNvSpPr>
-            <a:spLocks noGrp="1"/>
-          </p:cNvSpPr>
-          <p:nvPr>
-            <p:ph type="title"/>
-          </p:nvPr>
-        </p:nvSpPr>
-        <p:spPr/>
-        <p:txBody>
-          <a:bodyPr/>
-          <a:lstStyle/>
-          <a:p>
-            <a:pPr algn="ctr"/>
-            <a:r>
-              <a:rPr lang="en-US" dirty="0"/>
-              <a:t>General Steps</a:t>
-            </a:r>
-            <a:endParaRPr lang="he-IL" dirty="0"/>
-          </a:p>
-        </p:txBody>
-      </p:sp>
-      <p:sp>
-        <p:nvSpPr>
-          <p:cNvPr id="3" name="מציין מיקום תוכן 2">
+          <p:cNvSpPr txBox="1"/>
+          <p:nvPr/>
+        </p:nvSpPr>
+        <p:spPr>
+          <a:xfrm>
+            <a:off x="804402" y="383458"/>
+            <a:ext cx="10987548" cy="584775"/>
+          </a:xfrm>
+          <a:prstGeom prst="rect">
+            <a:avLst/>
+          </a:prstGeom>
+          <a:noFill/>
+        </p:spPr>
+        <p:txBody>
+          <a:bodyPr wrap="square" rtlCol="0">
+            <a:spAutoFit/>
+          </a:bodyPr>
+          <a:lstStyle/>
+          <a:p>
+            <a:pPr marL="457200" indent="-457200">
+              <a:buFont typeface="Wingdings" panose="05000000000000000000" pitchFamily="2" charset="2"/>
+              <a:buChar char="v"/>
+            </a:pPr>
+            <a:r>
+              <a:rPr lang="en-US" sz="3200" b="1" dirty="0">
+                <a:solidFill>
+                  <a:schemeClr val="bg1"/>
+                </a:solidFill>
+              </a:rPr>
+              <a:t>Testing  Examples</a:t>
+            </a:r>
+            <a:endParaRPr lang="en-IL" sz="3200" b="1" dirty="0">
+              <a:solidFill>
+                <a:schemeClr val="bg1"/>
+              </a:solidFill>
+            </a:endParaRPr>
+          </a:p>
+        </p:txBody>
+      </p:sp>
+      <p:pic>
+        <p:nvPicPr>
+          <p:cNvPr id="3" name="Image 2" descr="Une image contenant texte&#10;&#10;Description générée automatiquement">
             <a:extLst>
               <a:ext uri="{FF2B5EF4-FFF2-40B4-BE49-F238E27FC236}">
-                <a16:creationId xmlns:a16="http://schemas.microsoft.com/office/drawing/2014/main" id="{D5DE31C6-97D6-4F18-AD39-1834290FF5EE}"/>
+                <a16:creationId xmlns:a16="http://schemas.microsoft.com/office/drawing/2014/main" id="{6C7D628D-F760-43B8-88E2-62F6D9295F03}"/>
               </a:ext>
             </a:extLst>
           </p:cNvPr>
-          <p:cNvSpPr>
-            <a:spLocks noGrp="1"/>
-          </p:cNvSpPr>
-          <p:nvPr>
-            <p:ph idx="1"/>
-          </p:nvPr>
-        </p:nvSpPr>
-        <p:spPr>
-          <a:xfrm>
-            <a:off x="838200" y="1825625"/>
-            <a:ext cx="10515600" cy="3514019"/>
-          </a:xfrm>
-        </p:spPr>
-        <p:txBody>
-          <a:bodyPr/>
-          <a:lstStyle/>
-          <a:p>
-            <a:pPr algn="l" rtl="0"/>
-            <a:r>
-              <a:rPr lang="en-US" dirty="0"/>
-              <a:t>1.  importing the data to environment(pandas)</a:t>
-            </a:r>
-          </a:p>
-          <a:p>
-            <a:pPr algn="l" rtl="0"/>
-            <a:r>
-              <a:rPr lang="en-US" dirty="0"/>
-              <a:t>2. Discarding irrelevant data.</a:t>
-            </a:r>
-          </a:p>
-          <a:p>
-            <a:pPr algn="l" rtl="0"/>
-            <a:r>
-              <a:rPr lang="en-US" dirty="0"/>
-              <a:t>3. Splitting the data to train and test sets.</a:t>
-            </a:r>
-          </a:p>
-          <a:p>
-            <a:pPr algn="l" rtl="0"/>
-            <a:r>
-              <a:rPr lang="en-US" dirty="0"/>
-              <a:t>4. deploying model of Convolutional Network.</a:t>
-            </a:r>
-          </a:p>
-          <a:p>
-            <a:pPr algn="l" rtl="0"/>
-            <a:r>
-              <a:rPr lang="en-US" dirty="0"/>
-              <a:t>5.Training the model.</a:t>
-            </a:r>
-          </a:p>
-          <a:p>
-            <a:pPr algn="l" rtl="0"/>
-            <a:r>
-              <a:rPr lang="en-US" dirty="0"/>
-              <a:t>6.deploying the results to test set.</a:t>
-            </a:r>
-          </a:p>
-          <a:p>
-            <a:pPr marL="0" indent="0" algn="l" rtl="0">
-              <a:buNone/>
-            </a:pPr>
-            <a:endParaRPr lang="en-US" dirty="0"/>
-          </a:p>
-          <a:p>
-            <a:pPr algn="l" rtl="0"/>
-            <a:endParaRPr lang="en-US" dirty="0"/>
-          </a:p>
-          <a:p>
-            <a:pPr algn="l" rtl="0"/>
-            <a:endParaRPr lang="en-US" dirty="0"/>
-          </a:p>
-          <a:p>
-            <a:pPr algn="l" rtl="0"/>
-            <a:endParaRPr lang="en-US" dirty="0"/>
-          </a:p>
-          <a:p>
-            <a:pPr algn="l" rtl="0"/>
-            <a:endParaRPr lang="en-US" dirty="0"/>
-          </a:p>
-          <a:p>
-            <a:pPr algn="l" rtl="0"/>
-            <a:endParaRPr lang="en-US" dirty="0"/>
-          </a:p>
-          <a:p>
-            <a:pPr algn="l" rtl="0"/>
-            <a:endParaRPr lang="en-US" dirty="0"/>
-          </a:p>
-          <a:p>
-            <a:pPr algn="l" rtl="0"/>
-            <a:endParaRPr lang="en-US" dirty="0"/>
-          </a:p>
-          <a:p>
-            <a:pPr algn="l" rtl="0"/>
-            <a:endParaRPr lang="en-US" dirty="0"/>
-          </a:p>
-          <a:p>
-            <a:pPr algn="l" rtl="0"/>
-            <a:endParaRPr lang="he-IL" dirty="0"/>
-          </a:p>
-        </p:txBody>
-      </p:sp>
+          <p:cNvPicPr>
+            <a:picLocks noChangeAspect="1"/>
+          </p:cNvPicPr>
+          <p:nvPr/>
+        </p:nvPicPr>
+        <p:blipFill>
+          <a:blip r:embed="rId2">
+            <a:extLst>
+              <a:ext uri="{28A0092B-C50C-407E-A947-70E740481C1C}">
+                <a14:useLocalDpi xmlns:a14="http://schemas.microsoft.com/office/drawing/2010/main" val="0"/>
+              </a:ext>
+            </a:extLst>
+          </a:blip>
+          <a:stretch>
+            <a:fillRect/>
+          </a:stretch>
+        </p:blipFill>
+        <p:spPr>
+          <a:xfrm>
+            <a:off x="804402" y="1038226"/>
+            <a:ext cx="7849280" cy="5511402"/>
+          </a:xfrm>
+          <a:prstGeom prst="rect">
+            <a:avLst/>
+          </a:prstGeom>
+        </p:spPr>
+      </p:pic>
     </p:spTree>
     <p:extLst>
       <p:ext uri="{BB962C8B-B14F-4D97-AF65-F5344CB8AC3E}">
-        <p14:creationId xmlns:p14="http://schemas.microsoft.com/office/powerpoint/2010/main" val="1385907679"/>
+        <p14:creationId xmlns:p14="http://schemas.microsoft.com/office/powerpoint/2010/main" val="1829723746"/>
       </p:ext>
     </p:extLst>
   </p:cSld>
   <p:clrMapOvr>
     <a:masterClrMapping/>
   </p:clrMapOvr>
+  <p:transition spd="slow">
+    <p:wipe dir="r"/>
+  </p:transition>
 </p:sld>
 </file>
 
@@ -9563,68 +8963,10 @@
       </p:grpSpPr>
       <p:sp>
         <p:nvSpPr>
-          <p:cNvPr id="2" name="כותרת 1">
+          <p:cNvPr id="5" name="ZoneTexte 4">
             <a:extLst>
               <a:ext uri="{FF2B5EF4-FFF2-40B4-BE49-F238E27FC236}">
-                <a16:creationId xmlns:a16="http://schemas.microsoft.com/office/drawing/2014/main" id="{FC19E7B7-3876-4BB0-9EB0-FFE7C2F5E572}"/>
-              </a:ext>
-            </a:extLst>
-          </p:cNvPr>
-          <p:cNvSpPr>
-            <a:spLocks noGrp="1"/>
-          </p:cNvSpPr>
-          <p:nvPr>
-            <p:ph type="title"/>
-          </p:nvPr>
-        </p:nvSpPr>
-        <p:spPr/>
-        <p:txBody>
-          <a:bodyPr/>
-          <a:lstStyle/>
-          <a:p>
-            <a:pPr algn="ctr"/>
-            <a:r>
-              <a:rPr lang="en-US" dirty="0"/>
-              <a:t>Data slicing(steps : 1,2,3)</a:t>
-            </a:r>
-            <a:endParaRPr lang="he-IL" dirty="0"/>
-          </a:p>
-        </p:txBody>
-      </p:sp>
-      <p:pic>
-        <p:nvPicPr>
-          <p:cNvPr id="5" name="מציין מיקום תוכן 4">
-            <a:extLst>
-              <a:ext uri="{FF2B5EF4-FFF2-40B4-BE49-F238E27FC236}">
-                <a16:creationId xmlns:a16="http://schemas.microsoft.com/office/drawing/2014/main" id="{AB35F5B7-1761-4C6E-818D-FD11A5857BD7}"/>
-              </a:ext>
-            </a:extLst>
-          </p:cNvPr>
-          <p:cNvPicPr>
-            <a:picLocks noGrp="1" noChangeAspect="1"/>
-          </p:cNvPicPr>
-          <p:nvPr>
-            <p:ph idx="1"/>
-          </p:nvPr>
-        </p:nvPicPr>
-        <p:blipFill rotWithShape="1">
-          <a:blip r:embed="rId2"/>
-          <a:srcRect l="20424" t="71628" r="48304" b="19860"/>
-          <a:stretch/>
-        </p:blipFill>
-        <p:spPr>
-          <a:xfrm>
-            <a:off x="682906" y="1355022"/>
-            <a:ext cx="6874236" cy="1052512"/>
-          </a:xfrm>
-        </p:spPr>
-      </p:pic>
-      <p:sp>
-        <p:nvSpPr>
-          <p:cNvPr id="6" name="תיבת טקסט 5">
-            <a:extLst>
-              <a:ext uri="{FF2B5EF4-FFF2-40B4-BE49-F238E27FC236}">
-                <a16:creationId xmlns:a16="http://schemas.microsoft.com/office/drawing/2014/main" id="{C70779D9-5C46-4F8D-AF90-F7C0E981D3E6}"/>
+                <a16:creationId xmlns:a16="http://schemas.microsoft.com/office/drawing/2014/main" id="{4B756054-08A3-4288-9125-9F314B993E8F}"/>
               </a:ext>
             </a:extLst>
           </p:cNvPr>
@@ -9633,8 +8975,8 @@
         </p:nvSpPr>
         <p:spPr>
           <a:xfrm>
-            <a:off x="7720314" y="1551008"/>
-            <a:ext cx="2974694" cy="369332"/>
+            <a:off x="804402" y="383458"/>
+            <a:ext cx="10987548" cy="584775"/>
           </a:xfrm>
           <a:prstGeom prst="rect">
             <a:avLst/>
@@ -9642,26 +8984,37 @@
           <a:noFill/>
         </p:spPr>
         <p:txBody>
-          <a:bodyPr wrap="square" rtlCol="1">
+          <a:bodyPr wrap="square" rtlCol="0">
             <a:spAutoFit/>
           </a:bodyPr>
           <a:lstStyle/>
           <a:p>
-            <a:pPr algn="l" rtl="0"/>
-            <a:r>
-              <a:rPr lang="en-US" dirty="0"/>
-              <a:t>30000 samples</a:t>
-            </a:r>
-            <a:endParaRPr lang="he-IL" dirty="0"/>
+            <a:pPr marL="457200" indent="-457200">
+              <a:buFont typeface="Wingdings" panose="05000000000000000000" pitchFamily="2" charset="2"/>
+              <a:buChar char="v"/>
+            </a:pPr>
+            <a:r>
+              <a:rPr lang="en-US" sz="3200" b="1" dirty="0">
+                <a:solidFill>
+                  <a:schemeClr val="bg1"/>
+                </a:solidFill>
+              </a:rPr>
+              <a:t>Interesting output</a:t>
+            </a:r>
+            <a:endParaRPr lang="en-IL" sz="3200" b="1" dirty="0">
+              <a:solidFill>
+                <a:schemeClr val="bg1"/>
+              </a:solidFill>
+            </a:endParaRPr>
           </a:p>
         </p:txBody>
       </p:sp>
       <p:pic>
         <p:nvPicPr>
-          <p:cNvPr id="8" name="תמונה 7">
+          <p:cNvPr id="4" name="Image 3" descr="Une image contenant texte&#10;&#10;Description générée automatiquement">
             <a:extLst>
               <a:ext uri="{FF2B5EF4-FFF2-40B4-BE49-F238E27FC236}">
-                <a16:creationId xmlns:a16="http://schemas.microsoft.com/office/drawing/2014/main" id="{0E722076-7EF9-4706-831C-2F7DECC078E0}"/>
+                <a16:creationId xmlns:a16="http://schemas.microsoft.com/office/drawing/2014/main" id="{85EC88CC-A850-43B4-AA9F-EEA55B579069}"/>
               </a:ext>
             </a:extLst>
           </p:cNvPr>
@@ -9670,15 +9023,22 @@
           </p:cNvPicPr>
           <p:nvPr/>
         </p:nvPicPr>
-        <p:blipFill rotWithShape="1">
-          <a:blip r:embed="rId3"/>
-          <a:srcRect l="18322" t="57058" r="44557" b="27595"/>
-          <a:stretch/>
+        <p:blipFill>
+          <a:blip r:embed="rId2">
+            <a:extLst>
+              <a:ext uri="{28A0092B-C50C-407E-A947-70E740481C1C}">
+                <a14:useLocalDpi xmlns:a14="http://schemas.microsoft.com/office/drawing/2010/main" val="0"/>
+              </a:ext>
+            </a:extLst>
+          </a:blip>
+          <a:stretch>
+            <a:fillRect/>
+          </a:stretch>
         </p:blipFill>
         <p:spPr>
           <a:xfrm>
-            <a:off x="592712" y="2506048"/>
-            <a:ext cx="6964430" cy="1619671"/>
+            <a:off x="400050" y="968233"/>
+            <a:ext cx="7181850" cy="5395428"/>
           </a:xfrm>
           <a:prstGeom prst="rect">
             <a:avLst/>
@@ -9687,10 +9047,10 @@
       </p:pic>
       <p:sp>
         <p:nvSpPr>
-          <p:cNvPr id="9" name="תיבת טקסט 8">
+          <p:cNvPr id="6" name="ZoneTexte 5">
             <a:extLst>
               <a:ext uri="{FF2B5EF4-FFF2-40B4-BE49-F238E27FC236}">
-                <a16:creationId xmlns:a16="http://schemas.microsoft.com/office/drawing/2014/main" id="{84706EE7-B170-43CB-8FEE-6C1DB92B27E4}"/>
+                <a16:creationId xmlns:a16="http://schemas.microsoft.com/office/drawing/2014/main" id="{CD13A848-68C3-4BF8-ABA7-D59462B1332D}"/>
               </a:ext>
             </a:extLst>
           </p:cNvPr>
@@ -9699,8 +9059,8 @@
         </p:nvSpPr>
         <p:spPr>
           <a:xfrm>
-            <a:off x="7720314" y="2905246"/>
-            <a:ext cx="2563864" cy="646331"/>
+            <a:off x="7724774" y="968233"/>
+            <a:ext cx="4391025" cy="3693319"/>
           </a:xfrm>
           <a:prstGeom prst="rect">
             <a:avLst/>
@@ -9708,30 +9068,49 @@
           <a:noFill/>
         </p:spPr>
         <p:txBody>
-          <a:bodyPr wrap="square" rtlCol="1">
+          <a:bodyPr wrap="square" rtlCol="0">
             <a:spAutoFit/>
           </a:bodyPr>
           <a:lstStyle/>
           <a:p>
-            <a:pPr algn="l" rtl="0"/>
             <a:r>
               <a:rPr lang="en-US" dirty="0"/>
-              <a:t>Dropping irrelevant features</a:t>
-            </a:r>
-            <a:endParaRPr lang="he-IL" dirty="0"/>
+              <a:t>This picture is not a movie Poster.</a:t>
+            </a:r>
+          </a:p>
+          <a:p>
+            <a:r>
+              <a:rPr lang="en-US" dirty="0"/>
+              <a:t>We wanted to challenge the Network on a picture that shows two dogs one next to the other.</a:t>
+            </a:r>
+          </a:p>
+          <a:p>
+            <a:r>
+              <a:rPr lang="en-US" dirty="0"/>
+              <a:t>As humans, we can see  “ a couple “ of dogs, and it is interesting to see that the network classified this picture as a ‘romance’. </a:t>
+            </a:r>
+          </a:p>
+          <a:p>
+            <a:r>
+              <a:rPr lang="en-US" dirty="0"/>
+              <a:t>It seems like the Network has identified the pattern of ‘couple’ in romance movie posters and that might be the reason why this picture is classified as ‘romance’.</a:t>
+            </a:r>
           </a:p>
         </p:txBody>
       </p:sp>
     </p:spTree>
     <p:extLst>
       <p:ext uri="{BB962C8B-B14F-4D97-AF65-F5344CB8AC3E}">
-        <p14:creationId xmlns:p14="http://schemas.microsoft.com/office/powerpoint/2010/main" val="4055798461"/>
+        <p14:creationId xmlns:p14="http://schemas.microsoft.com/office/powerpoint/2010/main" val="3797049450"/>
       </p:ext>
     </p:extLst>
   </p:cSld>
   <p:clrMapOvr>
     <a:masterClrMapping/>
   </p:clrMapOvr>
+  <p:transition spd="slow">
+    <p:wipe dir="r"/>
+  </p:transition>
 </p:sld>
 </file>
 
@@ -9754,68 +9133,10 @@
       </p:grpSpPr>
       <p:sp>
         <p:nvSpPr>
-          <p:cNvPr id="2" name="כותרת 1">
+          <p:cNvPr id="5" name="ZoneTexte 4">
             <a:extLst>
               <a:ext uri="{FF2B5EF4-FFF2-40B4-BE49-F238E27FC236}">
-                <a16:creationId xmlns:a16="http://schemas.microsoft.com/office/drawing/2014/main" id="{DDF0E7E6-6964-46DD-83AC-ABDB883EF4C6}"/>
-              </a:ext>
-            </a:extLst>
-          </p:cNvPr>
-          <p:cNvSpPr>
-            <a:spLocks noGrp="1"/>
-          </p:cNvSpPr>
-          <p:nvPr>
-            <p:ph type="title"/>
-          </p:nvPr>
-        </p:nvSpPr>
-        <p:spPr/>
-        <p:txBody>
-          <a:bodyPr/>
-          <a:lstStyle/>
-          <a:p>
-            <a:pPr algn="ctr"/>
-            <a:r>
-              <a:rPr lang="en-US" dirty="0"/>
-              <a:t>Train &amp; Test set</a:t>
-            </a:r>
-            <a:endParaRPr lang="he-IL" dirty="0"/>
-          </a:p>
-        </p:txBody>
-      </p:sp>
-      <p:pic>
-        <p:nvPicPr>
-          <p:cNvPr id="5" name="מציין מיקום תוכן 4">
-            <a:extLst>
-              <a:ext uri="{FF2B5EF4-FFF2-40B4-BE49-F238E27FC236}">
-                <a16:creationId xmlns:a16="http://schemas.microsoft.com/office/drawing/2014/main" id="{326F9202-3824-473D-934D-FF09D9C0D895}"/>
-              </a:ext>
-            </a:extLst>
-          </p:cNvPr>
-          <p:cNvPicPr>
-            <a:picLocks noGrp="1" noChangeAspect="1"/>
-          </p:cNvPicPr>
-          <p:nvPr>
-            <p:ph idx="1"/>
-          </p:nvPr>
-        </p:nvPicPr>
-        <p:blipFill rotWithShape="1">
-          <a:blip r:embed="rId2"/>
-          <a:srcRect l="19975" t="51943" r="61172" b="33959"/>
-          <a:stretch/>
-        </p:blipFill>
-        <p:spPr>
-          <a:xfrm>
-            <a:off x="1365812" y="1690688"/>
-            <a:ext cx="6932454" cy="2916036"/>
-          </a:xfrm>
-        </p:spPr>
-      </p:pic>
-      <p:sp>
-        <p:nvSpPr>
-          <p:cNvPr id="6" name="תיבת טקסט 5">
-            <a:extLst>
-              <a:ext uri="{FF2B5EF4-FFF2-40B4-BE49-F238E27FC236}">
-                <a16:creationId xmlns:a16="http://schemas.microsoft.com/office/drawing/2014/main" id="{A67852CD-919A-4962-9D27-F8871AFB2427}"/>
+                <a16:creationId xmlns:a16="http://schemas.microsoft.com/office/drawing/2014/main" id="{4B756054-08A3-4288-9125-9F314B993E8F}"/>
               </a:ext>
             </a:extLst>
           </p:cNvPr>
@@ -9824,8 +9145,8 @@
         </p:nvSpPr>
         <p:spPr>
           <a:xfrm>
-            <a:off x="8298266" y="1690688"/>
-            <a:ext cx="2939650" cy="646331"/>
+            <a:off x="804402" y="383458"/>
+            <a:ext cx="10987548" cy="584775"/>
           </a:xfrm>
           <a:prstGeom prst="rect">
             <a:avLst/>
@@ -9833,67 +9154,80 @@
           <a:noFill/>
         </p:spPr>
         <p:txBody>
-          <a:bodyPr wrap="square" rtlCol="1">
+          <a:bodyPr wrap="square" rtlCol="0">
             <a:spAutoFit/>
           </a:bodyPr>
           <a:lstStyle/>
           <a:p>
-            <a:pPr algn="l"/>
-            <a:r>
-              <a:rPr lang="en-US" dirty="0"/>
-              <a:t>Train set size = 30000*0.8 = 24000 training samples</a:t>
-            </a:r>
-            <a:endParaRPr lang="he-IL" dirty="0"/>
-          </a:p>
-        </p:txBody>
-      </p:sp>
-      <p:sp>
-        <p:nvSpPr>
-          <p:cNvPr id="7" name="תיבת טקסט 6">
+            <a:pPr marL="457200" indent="-457200">
+              <a:buFont typeface="Wingdings" panose="05000000000000000000" pitchFamily="2" charset="2"/>
+              <a:buChar char="v"/>
+            </a:pPr>
+            <a:r>
+              <a:rPr lang="en-US" sz="3200" b="1" dirty="0">
+                <a:solidFill>
+                  <a:schemeClr val="bg1"/>
+                </a:solidFill>
+              </a:rPr>
+              <a:t>Testing  Examples</a:t>
+            </a:r>
+            <a:endParaRPr lang="en-IL" sz="3200" b="1" dirty="0">
+              <a:solidFill>
+                <a:schemeClr val="bg1"/>
+              </a:solidFill>
+            </a:endParaRPr>
+          </a:p>
+        </p:txBody>
+      </p:sp>
+      <p:pic>
+        <p:nvPicPr>
+          <p:cNvPr id="4" name="Image 3" descr="Une image contenant texte&#10;&#10;Description générée automatiquement">
             <a:extLst>
               <a:ext uri="{FF2B5EF4-FFF2-40B4-BE49-F238E27FC236}">
-                <a16:creationId xmlns:a16="http://schemas.microsoft.com/office/drawing/2014/main" id="{DDE6FCD2-5384-4916-BF0B-52D912B5B72F}"/>
+                <a16:creationId xmlns:a16="http://schemas.microsoft.com/office/drawing/2014/main" id="{9DD7A5CC-6930-4621-981F-138A9668580C}"/>
               </a:ext>
             </a:extLst>
           </p:cNvPr>
-          <p:cNvSpPr txBox="1"/>
+          <p:cNvPicPr>
+            <a:picLocks noChangeAspect="1"/>
+          </p:cNvPicPr>
           <p:nvPr/>
-        </p:nvSpPr>
-        <p:spPr>
-          <a:xfrm>
-            <a:off x="8298266" y="3234866"/>
-            <a:ext cx="2624706" cy="646331"/>
+        </p:nvPicPr>
+        <p:blipFill>
+          <a:blip r:embed="rId2">
+            <a:extLst>
+              <a:ext uri="{28A0092B-C50C-407E-A947-70E740481C1C}">
+                <a14:useLocalDpi xmlns:a14="http://schemas.microsoft.com/office/drawing/2010/main" val="0"/>
+              </a:ext>
+            </a:extLst>
+          </a:blip>
+          <a:stretch>
+            <a:fillRect/>
+          </a:stretch>
+        </p:blipFill>
+        <p:spPr>
+          <a:xfrm>
+            <a:off x="643498" y="968233"/>
+            <a:ext cx="9038103" cy="5364945"/>
           </a:xfrm>
           <a:prstGeom prst="rect">
             <a:avLst/>
           </a:prstGeom>
-          <a:noFill/>
-        </p:spPr>
-        <p:txBody>
-          <a:bodyPr wrap="square" rtlCol="1">
-            <a:spAutoFit/>
-          </a:bodyPr>
-          <a:lstStyle/>
-          <a:p>
-            <a:pPr algn="l"/>
-            <a:r>
-              <a:rPr lang="en-US" dirty="0"/>
-              <a:t>Test set size = 30000*0.2 = 6000 test samples</a:t>
-            </a:r>
-            <a:endParaRPr lang="he-IL" dirty="0"/>
-          </a:p>
-        </p:txBody>
-      </p:sp>
+        </p:spPr>
+      </p:pic>
     </p:spTree>
     <p:extLst>
       <p:ext uri="{BB962C8B-B14F-4D97-AF65-F5344CB8AC3E}">
-        <p14:creationId xmlns:p14="http://schemas.microsoft.com/office/powerpoint/2010/main" val="3398960563"/>
+        <p14:creationId xmlns:p14="http://schemas.microsoft.com/office/powerpoint/2010/main" val="2117051270"/>
       </p:ext>
     </p:extLst>
   </p:cSld>
   <p:clrMapOvr>
     <a:masterClrMapping/>
   </p:clrMapOvr>
+  <p:transition spd="slow">
+    <p:wipe dir="r"/>
+  </p:transition>
 </p:sld>
 </file>
 
@@ -9902,12 +9236,26 @@
   <p:cSld>
     <p:bg>
       <p:bgPr>
-        <a:solidFill>
-          <a:schemeClr val="bg1">
-            <a:tint val="95000"/>
-            <a:satMod val="170000"/>
-          </a:schemeClr>
-        </a:solidFill>
+        <a:gradFill rotWithShape="1">
+          <a:gsLst>
+            <a:gs pos="10000">
+              <a:schemeClr val="bg1">
+                <a:tint val="97000"/>
+                <a:hueMod val="92000"/>
+                <a:satMod val="169000"/>
+                <a:lumMod val="164000"/>
+              </a:schemeClr>
+            </a:gs>
+            <a:gs pos="100000">
+              <a:schemeClr val="bg1">
+                <a:shade val="96000"/>
+                <a:satMod val="120000"/>
+                <a:lumMod val="90000"/>
+              </a:schemeClr>
+            </a:gs>
+          </a:gsLst>
+          <a:lin ang="6120000" scaled="1"/>
+        </a:gradFill>
         <a:effectLst/>
       </p:bgPr>
     </p:bg>
@@ -9927,115 +9275,82 @@
       </p:grpSpPr>
       <p:sp>
         <p:nvSpPr>
-          <p:cNvPr id="2" name="כותרת 1">
+          <p:cNvPr id="5" name="ZoneTexte 4">
             <a:extLst>
               <a:ext uri="{FF2B5EF4-FFF2-40B4-BE49-F238E27FC236}">
-                <a16:creationId xmlns:a16="http://schemas.microsoft.com/office/drawing/2014/main" id="{E880F50A-5FD5-4AC5-9BBA-0C13BE8072C9}"/>
+                <a16:creationId xmlns:a16="http://schemas.microsoft.com/office/drawing/2014/main" id="{876FF7F0-32D0-4CD4-A877-04E15965A92F}"/>
               </a:ext>
             </a:extLst>
           </p:cNvPr>
-          <p:cNvSpPr>
-            <a:spLocks noGrp="1"/>
-          </p:cNvSpPr>
-          <p:nvPr>
-            <p:ph type="title"/>
-          </p:nvPr>
-        </p:nvSpPr>
-        <p:spPr>
-          <a:xfrm>
-            <a:off x="7464613" y="1783959"/>
-            <a:ext cx="4642505" cy="2889114"/>
-          </a:xfrm>
-        </p:spPr>
-        <p:txBody>
-          <a:bodyPr vert="horz" lIns="91440" tIns="45720" rIns="91440" bIns="45720" rtlCol="0" anchor="b">
-            <a:normAutofit fontScale="90000"/>
+          <p:cNvSpPr txBox="1"/>
+          <p:nvPr/>
+        </p:nvSpPr>
+        <p:spPr>
+          <a:xfrm>
+            <a:off x="161926" y="729779"/>
+            <a:ext cx="11934824" cy="3016210"/>
+          </a:xfrm>
+          <a:prstGeom prst="rect">
+            <a:avLst/>
+          </a:prstGeom>
+          <a:noFill/>
+        </p:spPr>
+        <p:txBody>
+          <a:bodyPr wrap="square" rtlCol="0">
+            <a:spAutoFit/>
           </a:bodyPr>
           <a:lstStyle/>
           <a:p>
-            <a:pPr algn="l" rtl="0"/>
-            <a:r>
-              <a:rPr lang="en-US" sz="5000" dirty="0"/>
-              <a:t>Convolutional Neural Network - model</a:t>
-            </a:r>
-          </a:p>
-        </p:txBody>
-      </p:sp>
-      <p:pic>
-        <p:nvPicPr>
-          <p:cNvPr id="4" name="מציין מיקום תוכן 3">
-            <a:extLst>
-              <a:ext uri="{FF2B5EF4-FFF2-40B4-BE49-F238E27FC236}">
-                <a16:creationId xmlns:a16="http://schemas.microsoft.com/office/drawing/2014/main" id="{15F627A9-17AF-4CF9-A533-F005FD3DA51C}"/>
-              </a:ext>
-            </a:extLst>
-          </p:cNvPr>
-          <p:cNvPicPr>
-            <a:picLocks noGrp="1" noChangeAspect="1"/>
-          </p:cNvPicPr>
-          <p:nvPr>
-            <p:ph idx="1"/>
-          </p:nvPr>
-        </p:nvPicPr>
-        <p:blipFill rotWithShape="1">
-          <a:blip r:embed="rId2"/>
-          <a:srcRect b="3158"/>
-          <a:stretch/>
-        </p:blipFill>
-        <p:spPr>
-          <a:xfrm>
-            <a:off x="1" y="10"/>
-            <a:ext cx="7028495" cy="6857990"/>
-          </a:xfrm>
-          <a:custGeom>
-            <a:avLst/>
-            <a:gdLst/>
-            <a:ahLst/>
-            <a:cxnLst/>
-            <a:rect l="l" t="t" r="r" b="b"/>
-            <a:pathLst>
-              <a:path w="7028495" h="6858000">
-                <a:moveTo>
-                  <a:pt x="0" y="0"/>
-                </a:moveTo>
-                <a:lnTo>
-                  <a:pt x="6915668" y="0"/>
-                </a:lnTo>
-                <a:lnTo>
-                  <a:pt x="6952411" y="219663"/>
-                </a:lnTo>
-                <a:cubicBezTo>
-                  <a:pt x="7002551" y="569921"/>
-                  <a:pt x="7028495" y="927986"/>
-                  <a:pt x="7028495" y="1292112"/>
-                </a:cubicBezTo>
-                <a:cubicBezTo>
-                  <a:pt x="7028495" y="3343346"/>
-                  <a:pt x="6205186" y="5202289"/>
-                  <a:pt x="4870994" y="6556512"/>
-                </a:cubicBezTo>
-                <a:lnTo>
-                  <a:pt x="4556185" y="6858000"/>
-                </a:lnTo>
-                <a:lnTo>
-                  <a:pt x="0" y="6858000"/>
-                </a:lnTo>
-                <a:close/>
-              </a:path>
-            </a:pathLst>
-          </a:custGeom>
-        </p:spPr>
-      </p:pic>
+            <a:r>
+              <a:rPr lang="en-US" sz="5400" b="1" dirty="0">
+                <a:latin typeface="Agency FB" panose="020B0503020202020204" pitchFamily="34" charset="0"/>
+              </a:rPr>
+              <a:t>4. Conclusion</a:t>
+            </a:r>
+          </a:p>
+          <a:p>
+            <a:endParaRPr lang="en-US" sz="5400" b="1" dirty="0">
+              <a:latin typeface="Agency FB" panose="020B0503020202020204" pitchFamily="34" charset="0"/>
+            </a:endParaRPr>
+          </a:p>
+          <a:p>
+            <a:r>
+              <a:rPr lang="en-US" sz="4000" b="1" dirty="0">
+                <a:latin typeface="Agency FB" panose="020B0503020202020204" pitchFamily="34" charset="0"/>
+              </a:rPr>
+              <a:t>	</a:t>
+            </a:r>
+            <a:endParaRPr lang="en-US" dirty="0">
+              <a:solidFill>
+                <a:schemeClr val="bg1"/>
+              </a:solidFill>
+            </a:endParaRPr>
+          </a:p>
+          <a:p>
+            <a:endParaRPr lang="en-US" dirty="0"/>
+          </a:p>
+          <a:p>
+            <a:r>
+              <a:rPr lang="en-US" sz="2400" dirty="0"/>
+              <a:t>		</a:t>
+            </a:r>
+            <a:endParaRPr lang="en-IL" sz="2800" i="1" dirty="0"/>
+          </a:p>
+        </p:txBody>
+      </p:sp>
     </p:spTree>
     <p:extLst>
       <p:ext uri="{BB962C8B-B14F-4D97-AF65-F5344CB8AC3E}">
-        <p14:creationId xmlns:p14="http://schemas.microsoft.com/office/powerpoint/2010/main" val="797371981"/>
+        <p14:creationId xmlns:p14="http://schemas.microsoft.com/office/powerpoint/2010/main" val="3343105150"/>
       </p:ext>
     </p:extLst>
   </p:cSld>
   <p:clrMapOvr>
-    <a:overrideClrMapping bg1="dk1" tx1="lt1" bg2="dk2" tx2="lt2" accent1="accent1" accent2="accent2" accent3="accent3" accent4="accent4" accent5="accent5" accent6="accent6" hlink="hlink" folHlink="folHlink"/>
+    <a:masterClrMapping/>
   </p:clrMapOvr>
+  <p:transition spd="slow">
+    <p:wipe dir="r"/>
+  </p:transition>
 </p:sld>
 </file>
 
@@ -10058,222 +9373,10 @@
       </p:grpSpPr>
       <p:sp>
         <p:nvSpPr>
-          <p:cNvPr id="2" name="כותרת 1">
+          <p:cNvPr id="2" name="ZoneTexte 1">
             <a:extLst>
               <a:ext uri="{FF2B5EF4-FFF2-40B4-BE49-F238E27FC236}">
-                <a16:creationId xmlns:a16="http://schemas.microsoft.com/office/drawing/2014/main" id="{FDC7FDD6-1384-4121-9E9F-AC959CB97428}"/>
-              </a:ext>
-            </a:extLst>
-          </p:cNvPr>
-          <p:cNvSpPr>
-            <a:spLocks noGrp="1"/>
-          </p:cNvSpPr>
-          <p:nvPr>
-            <p:ph type="title"/>
-          </p:nvPr>
-        </p:nvSpPr>
-        <p:spPr/>
-        <p:txBody>
-          <a:bodyPr/>
-          <a:lstStyle/>
-          <a:p>
-            <a:pPr algn="ctr"/>
-            <a:r>
-              <a:rPr lang="en-US" dirty="0"/>
-              <a:t>Model Visual Description</a:t>
-            </a:r>
-            <a:endParaRPr lang="he-IL" dirty="0"/>
-          </a:p>
-        </p:txBody>
-      </p:sp>
-      <mc:AlternateContent xmlns:mc="http://schemas.openxmlformats.org/markup-compatibility/2006" xmlns:p14="http://schemas.microsoft.com/office/powerpoint/2010/main">
-        <mc:Choice Requires="p14">
-          <p:contentPart p14:bwMode="auto" r:id="rId2">
-            <p14:nvContentPartPr>
-              <p14:cNvPr id="24" name="דיו 23">
-                <a:extLst>
-                  <a:ext uri="{FF2B5EF4-FFF2-40B4-BE49-F238E27FC236}">
-                    <a16:creationId xmlns:a16="http://schemas.microsoft.com/office/drawing/2014/main" id="{B05F73C9-F1D9-4059-9AA6-9C41F6336F0E}"/>
-                  </a:ext>
-                </a:extLst>
-              </p14:cNvPr>
-              <p14:cNvContentPartPr/>
-              <p14:nvPr/>
-            </p14:nvContentPartPr>
-            <p14:xfrm>
-              <a:off x="9174173" y="5486036"/>
-              <a:ext cx="161640" cy="77040"/>
-            </p14:xfrm>
-          </p:contentPart>
-        </mc:Choice>
-        <mc:Fallback xmlns="">
-          <p:pic>
-            <p:nvPicPr>
-              <p:cNvPr id="24" name="דיו 23">
-                <a:extLst>
-                  <a:ext uri="{FF2B5EF4-FFF2-40B4-BE49-F238E27FC236}">
-                    <a16:creationId xmlns:a16="http://schemas.microsoft.com/office/drawing/2014/main" id="{B05F73C9-F1D9-4059-9AA6-9C41F6336F0E}"/>
-                  </a:ext>
-                </a:extLst>
-              </p:cNvPr>
-              <p:cNvPicPr/>
-              <p:nvPr/>
-            </p:nvPicPr>
-            <p:blipFill>
-              <a:blip r:embed="rId3"/>
-              <a:stretch>
-                <a:fillRect/>
-              </a:stretch>
-            </p:blipFill>
-            <p:spPr>
-              <a:xfrm>
-                <a:off x="9120173" y="5378396"/>
-                <a:ext cx="269280" cy="292680"/>
-              </a:xfrm>
-              <a:prstGeom prst="rect">
-                <a:avLst/>
-              </a:prstGeom>
-            </p:spPr>
-          </p:pic>
-        </mc:Fallback>
-      </mc:AlternateContent>
-      <mc:AlternateContent xmlns:mc="http://schemas.openxmlformats.org/markup-compatibility/2006" xmlns:p14="http://schemas.microsoft.com/office/powerpoint/2010/main">
-        <mc:Choice Requires="p14">
-          <p:contentPart p14:bwMode="auto" r:id="rId4">
-            <p14:nvContentPartPr>
-              <p14:cNvPr id="25" name="דיו 24">
-                <a:extLst>
-                  <a:ext uri="{FF2B5EF4-FFF2-40B4-BE49-F238E27FC236}">
-                    <a16:creationId xmlns:a16="http://schemas.microsoft.com/office/drawing/2014/main" id="{3B9F33F8-7DDA-4DFA-9988-B9009F3D46A2}"/>
-                  </a:ext>
-                </a:extLst>
-              </p14:cNvPr>
-              <p14:cNvContentPartPr/>
-              <p14:nvPr/>
-            </p14:nvContentPartPr>
-            <p14:xfrm>
-              <a:off x="9245453" y="5599436"/>
-              <a:ext cx="118800" cy="360"/>
-            </p14:xfrm>
-          </p:contentPart>
-        </mc:Choice>
-        <mc:Fallback xmlns="">
-          <p:pic>
-            <p:nvPicPr>
-              <p:cNvPr id="25" name="דיו 24">
-                <a:extLst>
-                  <a:ext uri="{FF2B5EF4-FFF2-40B4-BE49-F238E27FC236}">
-                    <a16:creationId xmlns:a16="http://schemas.microsoft.com/office/drawing/2014/main" id="{3B9F33F8-7DDA-4DFA-9988-B9009F3D46A2}"/>
-                  </a:ext>
-                </a:extLst>
-              </p:cNvPr>
-              <p:cNvPicPr/>
-              <p:nvPr/>
-            </p:nvPicPr>
-            <p:blipFill>
-              <a:blip r:embed="rId5"/>
-              <a:stretch>
-                <a:fillRect/>
-              </a:stretch>
-            </p:blipFill>
-            <p:spPr>
-              <a:xfrm>
-                <a:off x="9191453" y="5491436"/>
-                <a:ext cx="226440" cy="216000"/>
-              </a:xfrm>
-              <a:prstGeom prst="rect">
-                <a:avLst/>
-              </a:prstGeom>
-            </p:spPr>
-          </p:pic>
-        </mc:Fallback>
-      </mc:AlternateContent>
-      <mc:AlternateContent xmlns:mc="http://schemas.openxmlformats.org/markup-compatibility/2006" xmlns:p14="http://schemas.microsoft.com/office/powerpoint/2010/main">
-        <mc:Choice Requires="p14">
-          <p:contentPart p14:bwMode="auto" r:id="rId6">
-            <p14:nvContentPartPr>
-              <p14:cNvPr id="26" name="דיו 25">
-                <a:extLst>
-                  <a:ext uri="{FF2B5EF4-FFF2-40B4-BE49-F238E27FC236}">
-                    <a16:creationId xmlns:a16="http://schemas.microsoft.com/office/drawing/2014/main" id="{DBBEDC9C-CD3A-49EE-9EA7-1C22C4FC3DA3}"/>
-                  </a:ext>
-                </a:extLst>
-              </p14:cNvPr>
-              <p14:cNvContentPartPr/>
-              <p14:nvPr/>
-            </p14:nvContentPartPr>
-            <p14:xfrm>
-              <a:off x="10724333" y="5166716"/>
-              <a:ext cx="521640" cy="683280"/>
-            </p14:xfrm>
-          </p:contentPart>
-        </mc:Choice>
-        <mc:Fallback xmlns="">
-          <p:pic>
-            <p:nvPicPr>
-              <p:cNvPr id="26" name="דיו 25">
-                <a:extLst>
-                  <a:ext uri="{FF2B5EF4-FFF2-40B4-BE49-F238E27FC236}">
-                    <a16:creationId xmlns:a16="http://schemas.microsoft.com/office/drawing/2014/main" id="{DBBEDC9C-CD3A-49EE-9EA7-1C22C4FC3DA3}"/>
-                  </a:ext>
-                </a:extLst>
-              </p:cNvPr>
-              <p:cNvPicPr/>
-              <p:nvPr/>
-            </p:nvPicPr>
-            <p:blipFill>
-              <a:blip r:embed="rId7"/>
-              <a:stretch>
-                <a:fillRect/>
-              </a:stretch>
-            </p:blipFill>
-            <p:spPr>
-              <a:xfrm>
-                <a:off x="10670333" y="5059076"/>
-                <a:ext cx="629280" cy="898920"/>
-              </a:xfrm>
-              <a:prstGeom prst="rect">
-                <a:avLst/>
-              </a:prstGeom>
-            </p:spPr>
-          </p:pic>
-        </mc:Fallback>
-      </mc:AlternateContent>
-      <p:pic>
-        <p:nvPicPr>
-          <p:cNvPr id="51" name="תמונה 50">
-            <a:extLst>
-              <a:ext uri="{FF2B5EF4-FFF2-40B4-BE49-F238E27FC236}">
-                <a16:creationId xmlns:a16="http://schemas.microsoft.com/office/drawing/2014/main" id="{64C35A16-693D-4D4D-A951-E937568A830E}"/>
-              </a:ext>
-            </a:extLst>
-          </p:cNvPr>
-          <p:cNvPicPr>
-            <a:picLocks noChangeAspect="1"/>
-          </p:cNvPicPr>
-          <p:nvPr/>
-        </p:nvPicPr>
-        <p:blipFill rotWithShape="1">
-          <a:blip r:embed="rId8"/>
-          <a:srcRect l="16481" t="34239" r="32500" b="32510"/>
-          <a:stretch/>
-        </p:blipFill>
-        <p:spPr>
-          <a:xfrm>
-            <a:off x="730373" y="1501458"/>
-            <a:ext cx="10515600" cy="3855083"/>
-          </a:xfrm>
-          <a:prstGeom prst="rect">
-            <a:avLst/>
-          </a:prstGeom>
-        </p:spPr>
-      </p:pic>
-      <p:sp>
-        <p:nvSpPr>
-          <p:cNvPr id="52" name="תיבת טקסט 51">
-            <a:extLst>
-              <a:ext uri="{FF2B5EF4-FFF2-40B4-BE49-F238E27FC236}">
-                <a16:creationId xmlns:a16="http://schemas.microsoft.com/office/drawing/2014/main" id="{F1F4B59A-AFC9-4429-B5F0-0CEE3D5CFB9F}"/>
+                <a16:creationId xmlns:a16="http://schemas.microsoft.com/office/drawing/2014/main" id="{DC8DBC59-0350-4D33-BE2D-3F3BA0D19ECB}"/>
               </a:ext>
             </a:extLst>
           </p:cNvPr>
@@ -10282,8 +9385,8 @@
         </p:nvSpPr>
         <p:spPr>
           <a:xfrm>
-            <a:off x="1174044" y="5849996"/>
-            <a:ext cx="5960534" cy="369332"/>
+            <a:off x="542924" y="866775"/>
+            <a:ext cx="10944225" cy="5355312"/>
           </a:xfrm>
           <a:prstGeom prst="rect">
             <a:avLst/>
@@ -10291,160 +9394,111 @@
           <a:noFill/>
         </p:spPr>
         <p:txBody>
-          <a:bodyPr wrap="square" rtlCol="1">
+          <a:bodyPr wrap="square" rtlCol="0">
             <a:spAutoFit/>
           </a:bodyPr>
           <a:lstStyle/>
           <a:p>
-            <a:pPr algn="l" rtl="0"/>
-            <a:r>
-              <a:rPr lang="en-US" dirty="0"/>
-              <a:t>4 Convolutional Layers.  Sigmoid serves as an activation layer.</a:t>
-            </a:r>
-            <a:endParaRPr lang="he-IL" dirty="0"/>
-          </a:p>
-        </p:txBody>
-      </p:sp>
-      <p:sp>
-        <p:nvSpPr>
-          <p:cNvPr id="53" name="תיבת טקסט 52">
-            <a:extLst>
-              <a:ext uri="{FF2B5EF4-FFF2-40B4-BE49-F238E27FC236}">
-                <a16:creationId xmlns:a16="http://schemas.microsoft.com/office/drawing/2014/main" id="{590860F0-ED24-471E-B952-07645BE5DAE3}"/>
-              </a:ext>
-            </a:extLst>
-          </p:cNvPr>
-          <p:cNvSpPr txBox="1"/>
-          <p:nvPr/>
-        </p:nvSpPr>
-        <p:spPr>
-          <a:xfrm>
-            <a:off x="10476089" y="2404533"/>
-            <a:ext cx="769884" cy="1708160"/>
-          </a:xfrm>
-          <a:prstGeom prst="rect">
-            <a:avLst/>
-          </a:prstGeom>
-          <a:noFill/>
-        </p:spPr>
-        <p:txBody>
-          <a:bodyPr wrap="square" rtlCol="1">
-            <a:spAutoFit/>
-          </a:bodyPr>
-          <a:lstStyle/>
-          <a:p>
-            <a:pPr algn="l" rtl="0"/>
-            <a:r>
-              <a:rPr lang="en-US" sz="1050" dirty="0">
-                <a:solidFill>
-                  <a:schemeClr val="accent5"/>
-                </a:solidFill>
-              </a:rPr>
-              <a:t>Action</a:t>
-            </a:r>
-          </a:p>
-          <a:p>
-            <a:pPr algn="l" rtl="0"/>
-            <a:endParaRPr lang="en-US" sz="1050" dirty="0">
-              <a:solidFill>
-                <a:schemeClr val="accent5"/>
-              </a:solidFill>
-            </a:endParaRPr>
-          </a:p>
-          <a:p>
-            <a:pPr algn="l" rtl="0"/>
-            <a:r>
-              <a:rPr lang="en-US" sz="1050" dirty="0">
-                <a:solidFill>
-                  <a:schemeClr val="accent5"/>
-                </a:solidFill>
-              </a:rPr>
-              <a:t>Comedy</a:t>
-            </a:r>
-          </a:p>
-          <a:p>
-            <a:pPr algn="l" rtl="0"/>
-            <a:endParaRPr lang="en-US" sz="1050" dirty="0">
-              <a:solidFill>
-                <a:schemeClr val="accent5"/>
-              </a:solidFill>
-            </a:endParaRPr>
-          </a:p>
-          <a:p>
-            <a:pPr algn="l" rtl="0"/>
-            <a:r>
-              <a:rPr lang="en-US" sz="1050" dirty="0">
-                <a:solidFill>
-                  <a:schemeClr val="accent5"/>
-                </a:solidFill>
-              </a:rPr>
-              <a:t>Horror</a:t>
-            </a:r>
-          </a:p>
-          <a:p>
-            <a:pPr algn="l" rtl="0"/>
-            <a:endParaRPr lang="en-US" sz="1050" dirty="0">
-              <a:solidFill>
-                <a:schemeClr val="accent5"/>
-              </a:solidFill>
-            </a:endParaRPr>
-          </a:p>
-          <a:p>
-            <a:pPr algn="l" rtl="0"/>
-            <a:r>
-              <a:rPr lang="en-US" sz="1050" dirty="0">
-                <a:solidFill>
-                  <a:schemeClr val="accent5"/>
-                </a:solidFill>
-              </a:rPr>
-              <a:t>Sci Fi</a:t>
-            </a:r>
-          </a:p>
-          <a:p>
-            <a:pPr algn="l" rtl="0"/>
-            <a:r>
-              <a:rPr lang="en-US" sz="1050" dirty="0">
-                <a:solidFill>
-                  <a:schemeClr val="accent5"/>
-                </a:solidFill>
-              </a:rPr>
-              <a:t>.</a:t>
-            </a:r>
-          </a:p>
-          <a:p>
-            <a:pPr algn="l" rtl="0"/>
-            <a:r>
-              <a:rPr lang="en-US" sz="1050" dirty="0">
-                <a:solidFill>
-                  <a:schemeClr val="accent5"/>
-                </a:solidFill>
-              </a:rPr>
-              <a:t>.</a:t>
-            </a:r>
-          </a:p>
-          <a:p>
-            <a:pPr algn="l" rtl="0"/>
-            <a:r>
-              <a:rPr lang="en-US" sz="1050" dirty="0">
-                <a:solidFill>
-                  <a:schemeClr val="accent5"/>
-                </a:solidFill>
-              </a:rPr>
-              <a:t>.</a:t>
-            </a:r>
+            <a:pPr marL="285750" indent="-285750">
+              <a:buFont typeface="Arial" panose="020B0604020202020204" pitchFamily="34" charset="0"/>
+              <a:buChar char="•"/>
+            </a:pPr>
+            <a:endParaRPr lang="en-US" sz="2800" dirty="0"/>
+          </a:p>
+          <a:p>
+            <a:pPr marL="285750" indent="-285750">
+              <a:buFont typeface="Arial" panose="020B0604020202020204" pitchFamily="34" charset="0"/>
+              <a:buChar char="•"/>
+            </a:pPr>
+            <a:r>
+              <a:rPr lang="en-US" sz="2800" dirty="0"/>
+              <a:t>The CNN is accurate at a rate of 97% !</a:t>
+            </a:r>
+          </a:p>
+          <a:p>
+            <a:pPr marL="285750" indent="-285750">
+              <a:buFont typeface="Arial" panose="020B0604020202020204" pitchFamily="34" charset="0"/>
+              <a:buChar char="•"/>
+            </a:pPr>
+            <a:endParaRPr lang="en-US" sz="2800" dirty="0"/>
+          </a:p>
+          <a:p>
+            <a:pPr marL="285750" indent="-285750">
+              <a:buFont typeface="Arial" panose="020B0604020202020204" pitchFamily="34" charset="0"/>
+              <a:buChar char="•"/>
+            </a:pPr>
+            <a:r>
+              <a:rPr lang="en-US" sz="2800" dirty="0"/>
+              <a:t>Overall, the CNN gives accurate predictions and even showed us some kind of “creativity”.</a:t>
+            </a:r>
+          </a:p>
+          <a:p>
+            <a:pPr marL="285750" indent="-285750">
+              <a:buFont typeface="Arial" panose="020B0604020202020204" pitchFamily="34" charset="0"/>
+              <a:buChar char="•"/>
+            </a:pPr>
+            <a:endParaRPr lang="en-US" sz="2800" dirty="0"/>
+          </a:p>
+          <a:p>
+            <a:pPr marL="285750" indent="-285750">
+              <a:buFont typeface="Arial" panose="020B0604020202020204" pitchFamily="34" charset="0"/>
+              <a:buChar char="•"/>
+            </a:pPr>
+            <a:r>
+              <a:rPr lang="en-US" sz="2800" dirty="0"/>
+              <a:t>Many of the results were also achieved through trial and error (Such as dropout percentage, how many epochs, how many neurons in the Dense Layer…)</a:t>
+            </a:r>
+          </a:p>
+          <a:p>
+            <a:pPr marL="285750" indent="-285750">
+              <a:buFontTx/>
+              <a:buChar char="-"/>
+            </a:pPr>
+            <a:endParaRPr lang="en-US" dirty="0"/>
+          </a:p>
+          <a:p>
+            <a:pPr marL="285750" indent="-285750">
+              <a:buFontTx/>
+              <a:buChar char="-"/>
+            </a:pPr>
+            <a:endParaRPr lang="en-US" dirty="0"/>
+          </a:p>
+          <a:p>
+            <a:pPr marL="285750" indent="-285750">
+              <a:buFontTx/>
+              <a:buChar char="-"/>
+            </a:pPr>
+            <a:endParaRPr lang="en-US" dirty="0"/>
+          </a:p>
+          <a:p>
+            <a:pPr marL="285750" indent="-285750">
+              <a:buFontTx/>
+              <a:buChar char="-"/>
+            </a:pPr>
+            <a:endParaRPr lang="en-US" dirty="0"/>
+          </a:p>
+          <a:p>
+            <a:pPr marL="285750" indent="-285750">
+              <a:buFontTx/>
+              <a:buChar char="-"/>
+            </a:pPr>
+            <a:endParaRPr lang="en-IL" dirty="0"/>
           </a:p>
         </p:txBody>
       </p:sp>
     </p:spTree>
     <p:extLst>
       <p:ext uri="{BB962C8B-B14F-4D97-AF65-F5344CB8AC3E}">
-        <p14:creationId xmlns:p14="http://schemas.microsoft.com/office/powerpoint/2010/main" val="4274377935"/>
+        <p14:creationId xmlns:p14="http://schemas.microsoft.com/office/powerpoint/2010/main" val="3442977954"/>
       </p:ext>
     </p:extLst>
   </p:cSld>
   <p:clrMapOvr>
     <a:masterClrMapping/>
   </p:clrMapOvr>
+  <p:transition spd="slow">
+    <p:wipe dir="r"/>
+  </p:transition>
 </p:sld>
 </file>
 
@@ -11179,6 +10233,31 @@
 <file path=ppt/slides/slide30.xml><?xml version="1.0" encoding="utf-8"?>
 <p:sld xmlns:a="http://schemas.openxmlformats.org/drawingml/2006/main" xmlns:r="http://schemas.openxmlformats.org/officeDocument/2006/relationships" xmlns:p="http://schemas.openxmlformats.org/presentationml/2006/main">
   <p:cSld>
+    <p:bg>
+      <p:bgPr>
+        <a:gradFill rotWithShape="1">
+          <a:gsLst>
+            <a:gs pos="10000">
+              <a:schemeClr val="bg1">
+                <a:tint val="97000"/>
+                <a:hueMod val="92000"/>
+                <a:satMod val="169000"/>
+                <a:lumMod val="164000"/>
+              </a:schemeClr>
+            </a:gs>
+            <a:gs pos="100000">
+              <a:schemeClr val="bg1">
+                <a:shade val="96000"/>
+                <a:satMod val="120000"/>
+                <a:lumMod val="90000"/>
+              </a:schemeClr>
+            </a:gs>
+          </a:gsLst>
+          <a:lin ang="6120000" scaled="1"/>
+        </a:gradFill>
+        <a:effectLst/>
+      </p:bgPr>
+    </p:bg>
     <p:spTree>
       <p:nvGrpSpPr>
         <p:cNvPr id="1" name=""/>
@@ -11195,73 +10274,77 @@
       </p:grpSpPr>
       <p:sp>
         <p:nvSpPr>
-          <p:cNvPr id="2" name="כותרת 1">
+          <p:cNvPr id="5" name="ZoneTexte 4">
             <a:extLst>
               <a:ext uri="{FF2B5EF4-FFF2-40B4-BE49-F238E27FC236}">
-                <a16:creationId xmlns:a16="http://schemas.microsoft.com/office/drawing/2014/main" id="{AA98EC22-28E0-47EA-957B-82106268F31E}"/>
+                <a16:creationId xmlns:a16="http://schemas.microsoft.com/office/drawing/2014/main" id="{876FF7F0-32D0-4CD4-A877-04E15965A92F}"/>
               </a:ext>
             </a:extLst>
           </p:cNvPr>
-          <p:cNvSpPr>
-            <a:spLocks noGrp="1"/>
-          </p:cNvSpPr>
-          <p:nvPr>
-            <p:ph type="title"/>
-          </p:nvPr>
-        </p:nvSpPr>
-        <p:spPr/>
-        <p:txBody>
-          <a:bodyPr/>
-          <a:lstStyle/>
-          <a:p>
-            <a:pPr algn="ctr"/>
-            <a:r>
-              <a:rPr lang="en-US" dirty="0"/>
-              <a:t>Results</a:t>
-            </a:r>
-            <a:endParaRPr lang="he-IL" dirty="0"/>
-          </a:p>
-        </p:txBody>
-      </p:sp>
-      <p:pic>
-        <p:nvPicPr>
-          <p:cNvPr id="5" name="תמונה 4">
-            <a:extLst>
-              <a:ext uri="{FF2B5EF4-FFF2-40B4-BE49-F238E27FC236}">
-                <a16:creationId xmlns:a16="http://schemas.microsoft.com/office/drawing/2014/main" id="{50268C66-1635-4857-8F0E-34641F823DC9}"/>
-              </a:ext>
-            </a:extLst>
-          </p:cNvPr>
-          <p:cNvPicPr>
-            <a:picLocks noChangeAspect="1"/>
-          </p:cNvPicPr>
+          <p:cNvSpPr txBox="1"/>
           <p:nvPr/>
-        </p:nvPicPr>
-        <p:blipFill rotWithShape="1">
-          <a:blip r:embed="rId2"/>
-          <a:srcRect l="18987" t="32236" r="55570" b="10380"/>
-          <a:stretch/>
-        </p:blipFill>
-        <p:spPr>
-          <a:xfrm>
-            <a:off x="1986986" y="1248597"/>
-            <a:ext cx="8218027" cy="5609403"/>
+        </p:nvSpPr>
+        <p:spPr>
+          <a:xfrm>
+            <a:off x="866776" y="3429000"/>
+            <a:ext cx="6000749" cy="2185214"/>
           </a:xfrm>
           <a:prstGeom prst="rect">
             <a:avLst/>
           </a:prstGeom>
-        </p:spPr>
-      </p:pic>
+          <a:noFill/>
+        </p:spPr>
+        <p:txBody>
+          <a:bodyPr wrap="square" rtlCol="0">
+            <a:spAutoFit/>
+          </a:bodyPr>
+          <a:lstStyle/>
+          <a:p>
+            <a:r>
+              <a:rPr lang="en-US" sz="5400" b="1" dirty="0">
+                <a:latin typeface="Agency FB" panose="020B0503020202020204" pitchFamily="34" charset="0"/>
+              </a:rPr>
+              <a:t>Thank you for listening !</a:t>
+            </a:r>
+          </a:p>
+          <a:p>
+            <a:r>
+              <a:rPr lang="en-US" sz="4000" b="1" dirty="0">
+                <a:latin typeface="Agency FB" panose="020B0503020202020204" pitchFamily="34" charset="0"/>
+              </a:rPr>
+              <a:t>	</a:t>
+            </a:r>
+            <a:endParaRPr lang="en-US" dirty="0">
+              <a:solidFill>
+                <a:schemeClr val="bg1"/>
+              </a:solidFill>
+            </a:endParaRPr>
+          </a:p>
+          <a:p>
+            <a:endParaRPr lang="en-US" dirty="0"/>
+          </a:p>
+          <a:p>
+            <a:r>
+              <a:rPr lang="en-US" sz="2400" dirty="0"/>
+              <a:t>		</a:t>
+            </a:r>
+            <a:endParaRPr lang="en-IL" sz="2800" i="1" dirty="0"/>
+          </a:p>
+        </p:txBody>
+      </p:sp>
     </p:spTree>
     <p:extLst>
       <p:ext uri="{BB962C8B-B14F-4D97-AF65-F5344CB8AC3E}">
-        <p14:creationId xmlns:p14="http://schemas.microsoft.com/office/powerpoint/2010/main" val="1388387552"/>
+        <p14:creationId xmlns:p14="http://schemas.microsoft.com/office/powerpoint/2010/main" val="3898298195"/>
       </p:ext>
     </p:extLst>
   </p:cSld>
   <p:clrMapOvr>
     <a:masterClrMapping/>
   </p:clrMapOvr>
+  <p:transition spd="slow">
+    <p:wipe dir="r"/>
+  </p:transition>
 </p:sld>
 </file>
 
@@ -11320,7 +10403,7 @@
                   <a:schemeClr val="bg1"/>
                 </a:solidFill>
               </a:rPr>
-              <a:t>Given a large data set of Movie Poster, we want to create a model that will be able to classify the model to its genre.</a:t>
+              <a:t>Given a large data set of Movie Poster, we want to create a model that will be able to classify the movie posters  into there correct genres.</a:t>
             </a:r>
           </a:p>
           <a:p>
@@ -11355,7 +10438,7 @@
                   <a:schemeClr val="bg1"/>
                 </a:solidFill>
               </a:rPr>
-              <a:t>A file of 41K different movie posters</a:t>
+              <a:t>A file of 41K different movie posters.</a:t>
             </a:r>
           </a:p>
           <a:p>
@@ -11369,7 +10452,7 @@
                   <a:schemeClr val="bg1"/>
                 </a:solidFill>
               </a:rPr>
-              <a:t>A csv file which contains all the metadata and the classification of the movies</a:t>
+              <a:t>A csv file which contains all the metadata and the classification of each poster.</a:t>
             </a:r>
           </a:p>
           <a:p>

--- a/Slide Show.pptx
+++ b/Slide Show.pptx
@@ -20,21 +20,22 @@
     <p:sldId id="276" r:id="rId14"/>
     <p:sldId id="278" r:id="rId15"/>
     <p:sldId id="279" r:id="rId16"/>
-    <p:sldId id="282" r:id="rId17"/>
-    <p:sldId id="280" r:id="rId18"/>
-    <p:sldId id="286" r:id="rId19"/>
-    <p:sldId id="287" r:id="rId20"/>
-    <p:sldId id="281" r:id="rId21"/>
-    <p:sldId id="283" r:id="rId22"/>
-    <p:sldId id="284" r:id="rId23"/>
-    <p:sldId id="285" r:id="rId24"/>
-    <p:sldId id="288" r:id="rId25"/>
-    <p:sldId id="289" r:id="rId26"/>
-    <p:sldId id="290" r:id="rId27"/>
-    <p:sldId id="291" r:id="rId28"/>
-    <p:sldId id="293" r:id="rId29"/>
-    <p:sldId id="292" r:id="rId30"/>
-    <p:sldId id="294" r:id="rId31"/>
+    <p:sldId id="295" r:id="rId17"/>
+    <p:sldId id="282" r:id="rId18"/>
+    <p:sldId id="280" r:id="rId19"/>
+    <p:sldId id="286" r:id="rId20"/>
+    <p:sldId id="287" r:id="rId21"/>
+    <p:sldId id="281" r:id="rId22"/>
+    <p:sldId id="283" r:id="rId23"/>
+    <p:sldId id="284" r:id="rId24"/>
+    <p:sldId id="285" r:id="rId25"/>
+    <p:sldId id="288" r:id="rId26"/>
+    <p:sldId id="289" r:id="rId27"/>
+    <p:sldId id="290" r:id="rId28"/>
+    <p:sldId id="291" r:id="rId29"/>
+    <p:sldId id="293" r:id="rId30"/>
+    <p:sldId id="292" r:id="rId31"/>
+    <p:sldId id="294" r:id="rId32"/>
   </p:sldIdLst>
   <p:sldSz cx="12192000" cy="6858000"/>
   <p:notesSz cx="6858000" cy="9144000"/>
@@ -168,6 +169,20 @@
 </file>
 
 <file path=ppt/comments/comment2.xml><?xml version="1.0" encoding="utf-8"?>
+<p:cmLst xmlns:a="http://schemas.openxmlformats.org/drawingml/2006/main" xmlns:r="http://schemas.openxmlformats.org/officeDocument/2006/relationships" xmlns:p="http://schemas.openxmlformats.org/presentationml/2006/main">
+  <p:cm authorId="1" dt="2021-02-05T13:00:29.007" idx="2">
+    <p:pos x="7670" y="10"/>
+    <p:text/>
+    <p:extLst>
+      <p:ext uri="{C676402C-5697-4E1C-873F-D02D1690AC5C}">
+        <p15:threadingInfo xmlns:p15="http://schemas.microsoft.com/office/powerpoint/2012/main" timeZoneBias="-120"/>
+      </p:ext>
+    </p:extLst>
+  </p:cm>
+</p:cmLst>
+</file>
+
+<file path=ppt/comments/comment3.xml><?xml version="1.0" encoding="utf-8"?>
 <p:cmLst xmlns:a="http://schemas.openxmlformats.org/drawingml/2006/main" xmlns:r="http://schemas.openxmlformats.org/officeDocument/2006/relationships" xmlns:p="http://schemas.openxmlformats.org/presentationml/2006/main">
   <p:cm authorId="1" dt="2021-02-05T13:00:29.007" idx="2">
     <p:pos x="7670" y="10"/>
@@ -5470,7 +5485,7 @@
         <p:spPr>
           <a:xfrm>
             <a:off x="1455174" y="423332"/>
-            <a:ext cx="8534400" cy="1507067"/>
+            <a:ext cx="9525000" cy="1507067"/>
           </a:xfrm>
         </p:spPr>
         <p:txBody>
@@ -5484,7 +5499,7 @@
               <a:rPr lang="en-US" sz="5400" b="1" dirty="0">
                 <a:latin typeface="Agency FB" panose="020B0503020202020204" pitchFamily="34" charset="0"/>
               </a:rPr>
-              <a:t>Convolutional Neural Network for Movie Genre classification </a:t>
+              <a:t>Convolutional Neural Network for Movie Poster Genre classification </a:t>
             </a:r>
             <a:endParaRPr lang="en-IL" sz="5400" b="1" dirty="0">
               <a:latin typeface="Agency FB" panose="020B0503020202020204" pitchFamily="34" charset="0"/>
@@ -7125,31 +7140,6 @@
 <file path=ppt/slides/slide16.xml><?xml version="1.0" encoding="utf-8"?>
 <p:sld xmlns:a="http://schemas.openxmlformats.org/drawingml/2006/main" xmlns:r="http://schemas.openxmlformats.org/officeDocument/2006/relationships" xmlns:p="http://schemas.openxmlformats.org/presentationml/2006/main">
   <p:cSld>
-    <p:bg>
-      <p:bgPr>
-        <a:gradFill rotWithShape="1">
-          <a:gsLst>
-            <a:gs pos="10000">
-              <a:schemeClr val="bg1">
-                <a:tint val="97000"/>
-                <a:hueMod val="92000"/>
-                <a:satMod val="169000"/>
-                <a:lumMod val="164000"/>
-              </a:schemeClr>
-            </a:gs>
-            <a:gs pos="100000">
-              <a:schemeClr val="bg1">
-                <a:shade val="96000"/>
-                <a:satMod val="120000"/>
-                <a:lumMod val="90000"/>
-              </a:schemeClr>
-            </a:gs>
-          </a:gsLst>
-          <a:lin ang="6120000" scaled="1"/>
-        </a:gradFill>
-        <a:effectLst/>
-      </p:bgPr>
-    </p:bg>
     <p:spTree>
       <p:nvGrpSpPr>
         <p:cNvPr id="1" name=""/>
@@ -7169,7 +7159,7 @@
           <p:cNvPr id="5" name="ZoneTexte 4">
             <a:extLst>
               <a:ext uri="{FF2B5EF4-FFF2-40B4-BE49-F238E27FC236}">
-                <a16:creationId xmlns:a16="http://schemas.microsoft.com/office/drawing/2014/main" id="{876FF7F0-32D0-4CD4-A877-04E15965A92F}"/>
+                <a16:creationId xmlns:a16="http://schemas.microsoft.com/office/drawing/2014/main" id="{4B756054-08A3-4288-9125-9F314B993E8F}"/>
               </a:ext>
             </a:extLst>
           </p:cNvPr>
@@ -7178,8 +7168,8 @@
         </p:nvSpPr>
         <p:spPr>
           <a:xfrm>
-            <a:off x="161926" y="729779"/>
-            <a:ext cx="11934824" cy="3293209"/>
+            <a:off x="766302" y="402508"/>
+            <a:ext cx="10987548" cy="1077218"/>
           </a:xfrm>
           <a:prstGeom prst="rect">
             <a:avLst/>
@@ -7192,58 +7182,113 @@
           </a:bodyPr>
           <a:lstStyle/>
           <a:p>
-            <a:pPr marL="914400" indent="-914400">
-              <a:buAutoNum type="arabicPeriod" startAt="3"/>
+            <a:pPr marL="457200" indent="-457200">
+              <a:buFont typeface="Wingdings" panose="05000000000000000000" pitchFamily="2" charset="2"/>
+              <a:buChar char="v"/>
             </a:pPr>
             <a:r>
-              <a:rPr lang="en-US" sz="5400" b="1" dirty="0">
-                <a:latin typeface="Agency FB" panose="020B0503020202020204" pitchFamily="34" charset="0"/>
+              <a:rPr lang="en-US" sz="3200" b="1" dirty="0">
+                <a:solidFill>
+                  <a:srgbClr val="212121"/>
+                </a:solidFill>
+                <a:latin typeface="Roboto"/>
               </a:rPr>
-              <a:t>Implementation</a:t>
-            </a:r>
-          </a:p>
-          <a:p>
-            <a:endParaRPr lang="en-US" sz="5400" b="1" dirty="0">
-              <a:latin typeface="Agency FB" panose="020B0503020202020204" pitchFamily="34" charset="0"/>
+              <a:t>ConvNet Visualization</a:t>
+            </a:r>
+            <a:endParaRPr lang="en-US" sz="3200" b="0" i="0" dirty="0">
+              <a:solidFill>
+                <a:srgbClr val="212121"/>
+              </a:solidFill>
+              <a:effectLst/>
+              <a:latin typeface="Roboto"/>
             </a:endParaRPr>
           </a:p>
           <a:p>
-            <a:r>
-              <a:rPr lang="en-US" sz="4000" b="1" dirty="0">
-                <a:latin typeface="Agency FB" panose="020B0503020202020204" pitchFamily="34" charset="0"/>
-              </a:rPr>
-              <a:t>	</a:t>
-            </a:r>
-            <a:r>
-              <a:rPr lang="en-US" sz="3200" b="1" dirty="0">
-                <a:latin typeface="Agency FB" panose="020B0503020202020204" pitchFamily="34" charset="0"/>
-              </a:rPr>
-              <a:t>3.3 Training</a:t>
-            </a:r>
-          </a:p>
-          <a:p>
-            <a:endParaRPr lang="en-US" dirty="0">
+            <a:pPr marL="457200" indent="-457200">
+              <a:buFont typeface="Wingdings" panose="05000000000000000000" pitchFamily="2" charset="2"/>
+              <a:buChar char="v"/>
+            </a:pPr>
+            <a:endParaRPr lang="en-IL" sz="3200" b="1" dirty="0">
               <a:solidFill>
                 <a:schemeClr val="bg1"/>
               </a:solidFill>
             </a:endParaRPr>
           </a:p>
+        </p:txBody>
+      </p:sp>
+      <p:sp>
+        <p:nvSpPr>
+          <p:cNvPr id="10" name="ZoneTexte 9">
+            <a:extLst>
+              <a:ext uri="{FF2B5EF4-FFF2-40B4-BE49-F238E27FC236}">
+                <a16:creationId xmlns:a16="http://schemas.microsoft.com/office/drawing/2014/main" id="{19304ECA-5078-4DE6-B274-64A5695AE6F8}"/>
+              </a:ext>
+            </a:extLst>
+          </p:cNvPr>
+          <p:cNvSpPr txBox="1"/>
+          <p:nvPr/>
+        </p:nvSpPr>
+        <p:spPr>
+          <a:xfrm>
+            <a:off x="7014210" y="710845"/>
+            <a:ext cx="270510" cy="1292662"/>
+          </a:xfrm>
+          <a:prstGeom prst="rect">
+            <a:avLst/>
+          </a:prstGeom>
+          <a:noFill/>
+        </p:spPr>
+        <p:txBody>
+          <a:bodyPr wrap="square" rtlCol="0">
+            <a:spAutoFit/>
+          </a:bodyPr>
+          <a:lstStyle/>
           <a:p>
             <a:endParaRPr lang="en-US" dirty="0"/>
           </a:p>
           <a:p>
-            <a:r>
-              <a:rPr lang="en-US" sz="2400" dirty="0"/>
-              <a:t>		</a:t>
-            </a:r>
-            <a:endParaRPr lang="en-IL" sz="2800" i="1" dirty="0"/>
-          </a:p>
-        </p:txBody>
-      </p:sp>
+            <a:endParaRPr lang="en-IL" sz="6000" dirty="0"/>
+          </a:p>
+        </p:txBody>
+      </p:sp>
+      <p:pic>
+        <p:nvPicPr>
+          <p:cNvPr id="20" name="Image 19">
+            <a:extLst>
+              <a:ext uri="{FF2B5EF4-FFF2-40B4-BE49-F238E27FC236}">
+                <a16:creationId xmlns:a16="http://schemas.microsoft.com/office/drawing/2014/main" id="{2FEA9A00-9453-4F7F-85BD-84690E0E62EE}"/>
+              </a:ext>
+            </a:extLst>
+          </p:cNvPr>
+          <p:cNvPicPr/>
+          <p:nvPr/>
+        </p:nvPicPr>
+        <p:blipFill>
+          <a:blip r:embed="rId2" cstate="print">
+            <a:extLst>
+              <a:ext uri="{28A0092B-C50C-407E-A947-70E740481C1C}">
+                <a14:useLocalDpi xmlns:a14="http://schemas.microsoft.com/office/drawing/2010/main" val="0"/>
+              </a:ext>
+            </a:extLst>
+          </a:blip>
+          <a:stretch>
+            <a:fillRect/>
+          </a:stretch>
+        </p:blipFill>
+        <p:spPr>
+          <a:xfrm>
+            <a:off x="590550" y="1057276"/>
+            <a:ext cx="10572750" cy="5514974"/>
+          </a:xfrm>
+          <a:prstGeom prst="rect">
+            <a:avLst/>
+          </a:prstGeom>
+        </p:spPr>
+      </p:pic>
     </p:spTree>
     <p:extLst>
       <p:ext uri="{BB962C8B-B14F-4D97-AF65-F5344CB8AC3E}">
-        <p14:creationId xmlns:p14="http://schemas.microsoft.com/office/powerpoint/2010/main" val="2157823740"/>
+        <p14:creationId xmlns:p14="http://schemas.microsoft.com/office/powerpoint/2010/main" val="1616070712"/>
       </p:ext>
     </p:extLst>
   </p:cSld>
@@ -7257,850 +7302,6 @@
 </file>
 
 <file path=ppt/slides/slide17.xml><?xml version="1.0" encoding="utf-8"?>
-<p:sld xmlns:a="http://schemas.openxmlformats.org/drawingml/2006/main" xmlns:r="http://schemas.openxmlformats.org/officeDocument/2006/relationships" xmlns:p="http://schemas.openxmlformats.org/presentationml/2006/main">
-  <p:cSld>
-    <p:spTree>
-      <p:nvGrpSpPr>
-        <p:cNvPr id="1" name=""/>
-        <p:cNvGrpSpPr/>
-        <p:nvPr/>
-      </p:nvGrpSpPr>
-      <p:grpSpPr>
-        <a:xfrm>
-          <a:off x="0" y="0"/>
-          <a:ext cx="0" cy="0"/>
-          <a:chOff x="0" y="0"/>
-          <a:chExt cx="0" cy="0"/>
-        </a:xfrm>
-      </p:grpSpPr>
-      <p:sp>
-        <p:nvSpPr>
-          <p:cNvPr id="5" name="ZoneTexte 4">
-            <a:extLst>
-              <a:ext uri="{FF2B5EF4-FFF2-40B4-BE49-F238E27FC236}">
-                <a16:creationId xmlns:a16="http://schemas.microsoft.com/office/drawing/2014/main" id="{4B756054-08A3-4288-9125-9F314B993E8F}"/>
-              </a:ext>
-            </a:extLst>
-          </p:cNvPr>
-          <p:cNvSpPr txBox="1"/>
-          <p:nvPr/>
-        </p:nvSpPr>
-        <p:spPr>
-          <a:xfrm>
-            <a:off x="804402" y="383458"/>
-            <a:ext cx="10987548" cy="1077218"/>
-          </a:xfrm>
-          <a:prstGeom prst="rect">
-            <a:avLst/>
-          </a:prstGeom>
-          <a:noFill/>
-        </p:spPr>
-        <p:txBody>
-          <a:bodyPr wrap="square" rtlCol="0">
-            <a:spAutoFit/>
-          </a:bodyPr>
-          <a:lstStyle/>
-          <a:p>
-            <a:pPr marL="457200" indent="-457200">
-              <a:buFont typeface="Wingdings" panose="05000000000000000000" pitchFamily="2" charset="2"/>
-              <a:buChar char="v"/>
-            </a:pPr>
-            <a:r>
-              <a:rPr lang="en-US" sz="3200" b="1" dirty="0">
-                <a:solidFill>
-                  <a:srgbClr val="212121"/>
-                </a:solidFill>
-                <a:latin typeface="Roboto"/>
-              </a:rPr>
-              <a:t>Compiling and training the model</a:t>
-            </a:r>
-            <a:endParaRPr lang="en-US" sz="3200" b="0" i="0" dirty="0">
-              <a:solidFill>
-                <a:srgbClr val="212121"/>
-              </a:solidFill>
-              <a:effectLst/>
-              <a:latin typeface="Roboto"/>
-            </a:endParaRPr>
-          </a:p>
-          <a:p>
-            <a:pPr marL="457200" indent="-457200">
-              <a:buFont typeface="Wingdings" panose="05000000000000000000" pitchFamily="2" charset="2"/>
-              <a:buChar char="v"/>
-            </a:pPr>
-            <a:endParaRPr lang="en-IL" sz="3200" b="1" dirty="0">
-              <a:solidFill>
-                <a:schemeClr val="bg1"/>
-              </a:solidFill>
-            </a:endParaRPr>
-          </a:p>
-        </p:txBody>
-      </p:sp>
-      <p:pic>
-        <p:nvPicPr>
-          <p:cNvPr id="3" name="Image 2">
-            <a:extLst>
-              <a:ext uri="{FF2B5EF4-FFF2-40B4-BE49-F238E27FC236}">
-                <a16:creationId xmlns:a16="http://schemas.microsoft.com/office/drawing/2014/main" id="{2CDA7EC8-DE67-432A-8587-B6D695234FB3}"/>
-              </a:ext>
-            </a:extLst>
-          </p:cNvPr>
-          <p:cNvPicPr>
-            <a:picLocks noChangeAspect="1"/>
-          </p:cNvPicPr>
-          <p:nvPr/>
-        </p:nvPicPr>
-        <p:blipFill>
-          <a:blip r:embed="rId2">
-            <a:extLst>
-              <a:ext uri="{28A0092B-C50C-407E-A947-70E740481C1C}">
-                <a14:useLocalDpi xmlns:a14="http://schemas.microsoft.com/office/drawing/2010/main" val="0"/>
-              </a:ext>
-            </a:extLst>
-          </a:blip>
-          <a:stretch>
-            <a:fillRect/>
-          </a:stretch>
-        </p:blipFill>
-        <p:spPr>
-          <a:xfrm>
-            <a:off x="335280" y="1188976"/>
-            <a:ext cx="11238886" cy="543399"/>
-          </a:xfrm>
-          <a:prstGeom prst="rect">
-            <a:avLst/>
-          </a:prstGeom>
-        </p:spPr>
-      </p:pic>
-      <p:pic>
-        <p:nvPicPr>
-          <p:cNvPr id="7" name="Image 6" descr="Une image contenant texte&#10;&#10;Description générée automatiquement">
-            <a:extLst>
-              <a:ext uri="{FF2B5EF4-FFF2-40B4-BE49-F238E27FC236}">
-                <a16:creationId xmlns:a16="http://schemas.microsoft.com/office/drawing/2014/main" id="{4C7442AA-8B60-41DB-9E6C-197EB515522A}"/>
-              </a:ext>
-            </a:extLst>
-          </p:cNvPr>
-          <p:cNvPicPr>
-            <a:picLocks noChangeAspect="1"/>
-          </p:cNvPicPr>
-          <p:nvPr/>
-        </p:nvPicPr>
-        <p:blipFill>
-          <a:blip r:embed="rId3">
-            <a:extLst>
-              <a:ext uri="{28A0092B-C50C-407E-A947-70E740481C1C}">
-                <a14:useLocalDpi xmlns:a14="http://schemas.microsoft.com/office/drawing/2010/main" val="0"/>
-              </a:ext>
-            </a:extLst>
-          </a:blip>
-          <a:stretch>
-            <a:fillRect/>
-          </a:stretch>
-        </p:blipFill>
-        <p:spPr>
-          <a:xfrm>
-            <a:off x="335280" y="1960880"/>
-            <a:ext cx="11238886" cy="4513661"/>
-          </a:xfrm>
-          <a:prstGeom prst="rect">
-            <a:avLst/>
-          </a:prstGeom>
-        </p:spPr>
-      </p:pic>
-    </p:spTree>
-    <p:extLst>
-      <p:ext uri="{BB962C8B-B14F-4D97-AF65-F5344CB8AC3E}">
-        <p14:creationId xmlns:p14="http://schemas.microsoft.com/office/powerpoint/2010/main" val="1056489369"/>
-      </p:ext>
-    </p:extLst>
-  </p:cSld>
-  <p:clrMapOvr>
-    <a:masterClrMapping/>
-  </p:clrMapOvr>
-  <p:transition spd="slow">
-    <p:wipe dir="r"/>
-  </p:transition>
-</p:sld>
-</file>
-
-<file path=ppt/slides/slide18.xml><?xml version="1.0" encoding="utf-8"?>
-<p:sld xmlns:a="http://schemas.openxmlformats.org/drawingml/2006/main" xmlns:r="http://schemas.openxmlformats.org/officeDocument/2006/relationships" xmlns:p="http://schemas.openxmlformats.org/presentationml/2006/main">
-  <p:cSld>
-    <p:spTree>
-      <p:nvGrpSpPr>
-        <p:cNvPr id="1" name=""/>
-        <p:cNvGrpSpPr/>
-        <p:nvPr/>
-      </p:nvGrpSpPr>
-      <p:grpSpPr>
-        <a:xfrm>
-          <a:off x="0" y="0"/>
-          <a:ext cx="0" cy="0"/>
-          <a:chOff x="0" y="0"/>
-          <a:chExt cx="0" cy="0"/>
-        </a:xfrm>
-      </p:grpSpPr>
-      <p:sp>
-        <p:nvSpPr>
-          <p:cNvPr id="5" name="ZoneTexte 4">
-            <a:extLst>
-              <a:ext uri="{FF2B5EF4-FFF2-40B4-BE49-F238E27FC236}">
-                <a16:creationId xmlns:a16="http://schemas.microsoft.com/office/drawing/2014/main" id="{4B756054-08A3-4288-9125-9F314B993E8F}"/>
-              </a:ext>
-            </a:extLst>
-          </p:cNvPr>
-          <p:cNvSpPr txBox="1"/>
-          <p:nvPr/>
-        </p:nvSpPr>
-        <p:spPr>
-          <a:xfrm>
-            <a:off x="804402" y="383458"/>
-            <a:ext cx="10987548" cy="1077218"/>
-          </a:xfrm>
-          <a:prstGeom prst="rect">
-            <a:avLst/>
-          </a:prstGeom>
-          <a:noFill/>
-        </p:spPr>
-        <p:txBody>
-          <a:bodyPr wrap="square" rtlCol="0">
-            <a:spAutoFit/>
-          </a:bodyPr>
-          <a:lstStyle/>
-          <a:p>
-            <a:pPr marL="457200" indent="-457200">
-              <a:buFont typeface="Wingdings" panose="05000000000000000000" pitchFamily="2" charset="2"/>
-              <a:buChar char="v"/>
-            </a:pPr>
-            <a:r>
-              <a:rPr lang="en-US" sz="3200" b="1" dirty="0">
-                <a:solidFill>
-                  <a:srgbClr val="212121"/>
-                </a:solidFill>
-                <a:latin typeface="Roboto"/>
-              </a:rPr>
-              <a:t>Compiling and training the model</a:t>
-            </a:r>
-            <a:endParaRPr lang="en-US" sz="3200" b="0" i="0" dirty="0">
-              <a:solidFill>
-                <a:srgbClr val="212121"/>
-              </a:solidFill>
-              <a:effectLst/>
-              <a:latin typeface="Roboto"/>
-            </a:endParaRPr>
-          </a:p>
-          <a:p>
-            <a:pPr marL="457200" indent="-457200">
-              <a:buFont typeface="Wingdings" panose="05000000000000000000" pitchFamily="2" charset="2"/>
-              <a:buChar char="v"/>
-            </a:pPr>
-            <a:endParaRPr lang="en-IL" sz="3200" b="1" dirty="0">
-              <a:solidFill>
-                <a:schemeClr val="bg1"/>
-              </a:solidFill>
-            </a:endParaRPr>
-          </a:p>
-        </p:txBody>
-      </p:sp>
-      <p:pic>
-        <p:nvPicPr>
-          <p:cNvPr id="3" name="Image 2">
-            <a:extLst>
-              <a:ext uri="{FF2B5EF4-FFF2-40B4-BE49-F238E27FC236}">
-                <a16:creationId xmlns:a16="http://schemas.microsoft.com/office/drawing/2014/main" id="{2CDA7EC8-DE67-432A-8587-B6D695234FB3}"/>
-              </a:ext>
-            </a:extLst>
-          </p:cNvPr>
-          <p:cNvPicPr>
-            <a:picLocks noChangeAspect="1"/>
-          </p:cNvPicPr>
-          <p:nvPr/>
-        </p:nvPicPr>
-        <p:blipFill>
-          <a:blip r:embed="rId2">
-            <a:extLst>
-              <a:ext uri="{28A0092B-C50C-407E-A947-70E740481C1C}">
-                <a14:useLocalDpi xmlns:a14="http://schemas.microsoft.com/office/drawing/2010/main" val="0"/>
-              </a:ext>
-            </a:extLst>
-          </a:blip>
-          <a:stretch>
-            <a:fillRect/>
-          </a:stretch>
-        </p:blipFill>
-        <p:spPr>
-          <a:xfrm>
-            <a:off x="335280" y="1188976"/>
-            <a:ext cx="11238886" cy="543399"/>
-          </a:xfrm>
-          <a:prstGeom prst="rect">
-            <a:avLst/>
-          </a:prstGeom>
-        </p:spPr>
-      </p:pic>
-      <p:sp>
-        <p:nvSpPr>
-          <p:cNvPr id="2" name="ZoneTexte 1">
-            <a:extLst>
-              <a:ext uri="{FF2B5EF4-FFF2-40B4-BE49-F238E27FC236}">
-                <a16:creationId xmlns:a16="http://schemas.microsoft.com/office/drawing/2014/main" id="{C3F65CD4-D521-41B2-B614-1B1932418A6A}"/>
-              </a:ext>
-            </a:extLst>
-          </p:cNvPr>
-          <p:cNvSpPr txBox="1"/>
-          <p:nvPr/>
-        </p:nvSpPr>
-        <p:spPr>
-          <a:xfrm>
-            <a:off x="1231664" y="2333685"/>
-            <a:ext cx="10133023" cy="4524315"/>
-          </a:xfrm>
-          <a:prstGeom prst="rect">
-            <a:avLst/>
-          </a:prstGeom>
-          <a:noFill/>
-        </p:spPr>
-        <p:txBody>
-          <a:bodyPr wrap="square" rtlCol="0">
-            <a:spAutoFit/>
-          </a:bodyPr>
-          <a:lstStyle/>
-          <a:p>
-            <a:pPr marL="285750" indent="-285750">
-              <a:buFont typeface="Wingdings" panose="05000000000000000000" pitchFamily="2" charset="2"/>
-              <a:buChar char="v"/>
-            </a:pPr>
-            <a:r>
-              <a:rPr lang="en-US" u="sng" dirty="0">
-                <a:effectLst>
-                  <a:outerShdw blurRad="38100" dist="38100" dir="2700000" algn="tl">
-                    <a:srgbClr val="000000">
-                      <a:alpha val="43137"/>
-                    </a:srgbClr>
-                  </a:outerShdw>
-                </a:effectLst>
-              </a:rPr>
-              <a:t>Optimizer :</a:t>
-            </a:r>
-          </a:p>
-          <a:p>
-            <a:endParaRPr lang="en-US" dirty="0">
-              <a:effectLst>
-                <a:outerShdw blurRad="38100" dist="38100" dir="2700000" algn="tl">
-                  <a:srgbClr val="000000">
-                    <a:alpha val="43137"/>
-                  </a:srgbClr>
-                </a:outerShdw>
-              </a:effectLst>
-            </a:endParaRPr>
-          </a:p>
-          <a:p>
-            <a:pPr marL="742950" lvl="1" indent="-285750">
-              <a:buFontTx/>
-              <a:buChar char="-"/>
-            </a:pPr>
-            <a:r>
-              <a:rPr lang="en-US" dirty="0"/>
-              <a:t>Adam Optimizer : Empirically, Adam gave use better results than other optimizers </a:t>
-            </a:r>
-          </a:p>
-          <a:p>
-            <a:pPr marL="742950" lvl="1" indent="-285750">
-              <a:buFontTx/>
-              <a:buChar char="-"/>
-            </a:pPr>
-            <a:r>
-              <a:rPr lang="en-US" dirty="0"/>
-              <a:t>We assumed that there are a lot of noisy problems (even between pictures of the same genre) and because Adam handle noisy problems, it was another reason for us to choose this algorithm instead of SGD ,</a:t>
-            </a:r>
-            <a:r>
-              <a:rPr lang="en-US" dirty="0" err="1"/>
-              <a:t>RMSProp</a:t>
-            </a:r>
-            <a:r>
-              <a:rPr lang="en-US" dirty="0"/>
-              <a:t> or </a:t>
-            </a:r>
-            <a:r>
-              <a:rPr lang="en-US" dirty="0" err="1"/>
-              <a:t>Adagrad</a:t>
-            </a:r>
-            <a:endParaRPr lang="en-US" dirty="0"/>
-          </a:p>
-          <a:p>
-            <a:pPr lvl="1"/>
-            <a:endParaRPr lang="en-US" dirty="0"/>
-          </a:p>
-          <a:p>
-            <a:pPr marL="285750" indent="-285750">
-              <a:buFont typeface="Wingdings" panose="05000000000000000000" pitchFamily="2" charset="2"/>
-              <a:buChar char="v"/>
-            </a:pPr>
-            <a:r>
-              <a:rPr lang="en-US" u="sng" dirty="0"/>
-              <a:t>Loss function:</a:t>
-            </a:r>
-          </a:p>
-          <a:p>
-            <a:endParaRPr lang="en-US" u="sng" dirty="0"/>
-          </a:p>
-          <a:p>
-            <a:pPr marL="742950" lvl="1" indent="-285750">
-              <a:buFontTx/>
-              <a:buChar char="-"/>
-            </a:pPr>
-            <a:r>
-              <a:rPr lang="en-US" dirty="0"/>
-              <a:t> Binary Cross entropy loss function</a:t>
-            </a:r>
-            <a:r>
-              <a:rPr lang="en-US" b="0" i="0" dirty="0">
-                <a:effectLst/>
-              </a:rPr>
-              <a:t> is independent for each vector component (class), meaning that the loss computed for the CNN output vector component is not affected by other  component values. That’s why </a:t>
-            </a:r>
-            <a:r>
-              <a:rPr lang="en-US" dirty="0"/>
-              <a:t>we use binary cross entropy (</a:t>
-            </a:r>
-            <a:r>
-              <a:rPr lang="en-US" b="1" i="0" dirty="0">
-                <a:effectLst/>
-              </a:rPr>
-              <a:t>multi-label classification</a:t>
-            </a:r>
-            <a:r>
-              <a:rPr lang="en-US" dirty="0"/>
-              <a:t> to be differentiated with multi-class classification)</a:t>
-            </a:r>
-          </a:p>
-          <a:p>
-            <a:pPr lvl="1"/>
-            <a:r>
-              <a:rPr lang="en-US" dirty="0"/>
-              <a:t>	</a:t>
-            </a:r>
-          </a:p>
-          <a:p>
-            <a:endParaRPr lang="en-US" dirty="0"/>
-          </a:p>
-          <a:p>
-            <a:r>
-              <a:rPr lang="en-US" dirty="0"/>
-              <a:t>	</a:t>
-            </a:r>
-          </a:p>
-        </p:txBody>
-      </p:sp>
-    </p:spTree>
-    <p:extLst>
-      <p:ext uri="{BB962C8B-B14F-4D97-AF65-F5344CB8AC3E}">
-        <p14:creationId xmlns:p14="http://schemas.microsoft.com/office/powerpoint/2010/main" val="789464126"/>
-      </p:ext>
-    </p:extLst>
-  </p:cSld>
-  <p:clrMapOvr>
-    <a:masterClrMapping/>
-  </p:clrMapOvr>
-  <p:transition spd="slow">
-    <p:wipe dir="r"/>
-  </p:transition>
-</p:sld>
-</file>
-
-<file path=ppt/slides/slide19.xml><?xml version="1.0" encoding="utf-8"?>
-<p:sld xmlns:a="http://schemas.openxmlformats.org/drawingml/2006/main" xmlns:r="http://schemas.openxmlformats.org/officeDocument/2006/relationships" xmlns:p="http://schemas.openxmlformats.org/presentationml/2006/main">
-  <p:cSld>
-    <p:spTree>
-      <p:nvGrpSpPr>
-        <p:cNvPr id="1" name=""/>
-        <p:cNvGrpSpPr/>
-        <p:nvPr/>
-      </p:nvGrpSpPr>
-      <p:grpSpPr>
-        <a:xfrm>
-          <a:off x="0" y="0"/>
-          <a:ext cx="0" cy="0"/>
-          <a:chOff x="0" y="0"/>
-          <a:chExt cx="0" cy="0"/>
-        </a:xfrm>
-      </p:grpSpPr>
-      <p:sp>
-        <p:nvSpPr>
-          <p:cNvPr id="5" name="ZoneTexte 4">
-            <a:extLst>
-              <a:ext uri="{FF2B5EF4-FFF2-40B4-BE49-F238E27FC236}">
-                <a16:creationId xmlns:a16="http://schemas.microsoft.com/office/drawing/2014/main" id="{4B756054-08A3-4288-9125-9F314B993E8F}"/>
-              </a:ext>
-            </a:extLst>
-          </p:cNvPr>
-          <p:cNvSpPr txBox="1"/>
-          <p:nvPr/>
-        </p:nvSpPr>
-        <p:spPr>
-          <a:xfrm>
-            <a:off x="804402" y="383458"/>
-            <a:ext cx="10987548" cy="1077218"/>
-          </a:xfrm>
-          <a:prstGeom prst="rect">
-            <a:avLst/>
-          </a:prstGeom>
-          <a:noFill/>
-        </p:spPr>
-        <p:txBody>
-          <a:bodyPr wrap="square" rtlCol="0">
-            <a:spAutoFit/>
-          </a:bodyPr>
-          <a:lstStyle/>
-          <a:p>
-            <a:pPr marL="457200" indent="-457200">
-              <a:buFont typeface="Wingdings" panose="05000000000000000000" pitchFamily="2" charset="2"/>
-              <a:buChar char="v"/>
-            </a:pPr>
-            <a:r>
-              <a:rPr lang="en-US" sz="3200" b="1" dirty="0">
-                <a:solidFill>
-                  <a:srgbClr val="212121"/>
-                </a:solidFill>
-                <a:latin typeface="Roboto"/>
-              </a:rPr>
-              <a:t>Compiling and training the model</a:t>
-            </a:r>
-            <a:endParaRPr lang="en-US" sz="3200" b="0" i="0" dirty="0">
-              <a:solidFill>
-                <a:srgbClr val="212121"/>
-              </a:solidFill>
-              <a:effectLst/>
-              <a:latin typeface="Roboto"/>
-            </a:endParaRPr>
-          </a:p>
-          <a:p>
-            <a:pPr marL="457200" indent="-457200">
-              <a:buFont typeface="Wingdings" panose="05000000000000000000" pitchFamily="2" charset="2"/>
-              <a:buChar char="v"/>
-            </a:pPr>
-            <a:endParaRPr lang="en-IL" sz="3200" b="1" dirty="0">
-              <a:solidFill>
-                <a:schemeClr val="bg1"/>
-              </a:solidFill>
-            </a:endParaRPr>
-          </a:p>
-        </p:txBody>
-      </p:sp>
-      <p:pic>
-        <p:nvPicPr>
-          <p:cNvPr id="7" name="Image 6" descr="Une image contenant texte&#10;&#10;Description générée automatiquement">
-            <a:extLst>
-              <a:ext uri="{FF2B5EF4-FFF2-40B4-BE49-F238E27FC236}">
-                <a16:creationId xmlns:a16="http://schemas.microsoft.com/office/drawing/2014/main" id="{4C7442AA-8B60-41DB-9E6C-197EB515522A}"/>
-              </a:ext>
-            </a:extLst>
-          </p:cNvPr>
-          <p:cNvPicPr>
-            <a:picLocks noChangeAspect="1"/>
-          </p:cNvPicPr>
-          <p:nvPr/>
-        </p:nvPicPr>
-        <p:blipFill>
-          <a:blip r:embed="rId2">
-            <a:extLst>
-              <a:ext uri="{28A0092B-C50C-407E-A947-70E740481C1C}">
-                <a14:useLocalDpi xmlns:a14="http://schemas.microsoft.com/office/drawing/2010/main" val="0"/>
-              </a:ext>
-            </a:extLst>
-          </a:blip>
-          <a:stretch>
-            <a:fillRect/>
-          </a:stretch>
-        </p:blipFill>
-        <p:spPr>
-          <a:xfrm>
-            <a:off x="316230" y="1075056"/>
-            <a:ext cx="10142220" cy="4073228"/>
-          </a:xfrm>
-          <a:prstGeom prst="rect">
-            <a:avLst/>
-          </a:prstGeom>
-        </p:spPr>
-      </p:pic>
-      <p:sp>
-        <p:nvSpPr>
-          <p:cNvPr id="2" name="ZoneTexte 1">
-            <a:extLst>
-              <a:ext uri="{FF2B5EF4-FFF2-40B4-BE49-F238E27FC236}">
-                <a16:creationId xmlns:a16="http://schemas.microsoft.com/office/drawing/2014/main" id="{56123C48-1C08-4D88-A06D-EE06F3F5D1B2}"/>
-              </a:ext>
-            </a:extLst>
-          </p:cNvPr>
-          <p:cNvSpPr txBox="1"/>
-          <p:nvPr/>
-        </p:nvSpPr>
-        <p:spPr>
-          <a:xfrm>
-            <a:off x="804402" y="5534025"/>
-            <a:ext cx="6958473" cy="646331"/>
-          </a:xfrm>
-          <a:prstGeom prst="rect">
-            <a:avLst/>
-          </a:prstGeom>
-          <a:noFill/>
-        </p:spPr>
-        <p:txBody>
-          <a:bodyPr wrap="square" rtlCol="0">
-            <a:spAutoFit/>
-          </a:bodyPr>
-          <a:lstStyle/>
-          <a:p>
-            <a:r>
-              <a:rPr lang="en-US" dirty="0"/>
-              <a:t>-Training of 24000 samples, validating on 6000 samples</a:t>
-            </a:r>
-          </a:p>
-          <a:p>
-            <a:r>
-              <a:rPr lang="en-US" dirty="0"/>
-              <a:t>-20 epochs</a:t>
-            </a:r>
-            <a:endParaRPr lang="en-IL" dirty="0"/>
-          </a:p>
-        </p:txBody>
-      </p:sp>
-    </p:spTree>
-    <p:extLst>
-      <p:ext uri="{BB962C8B-B14F-4D97-AF65-F5344CB8AC3E}">
-        <p14:creationId xmlns:p14="http://schemas.microsoft.com/office/powerpoint/2010/main" val="2818804260"/>
-      </p:ext>
-    </p:extLst>
-  </p:cSld>
-  <p:clrMapOvr>
-    <a:masterClrMapping/>
-  </p:clrMapOvr>
-  <p:transition spd="slow">
-    <p:wipe dir="r"/>
-  </p:transition>
-</p:sld>
-</file>
-
-<file path=ppt/slides/slide2.xml><?xml version="1.0" encoding="utf-8"?>
-<p:sld xmlns:a="http://schemas.openxmlformats.org/drawingml/2006/main" xmlns:r="http://schemas.openxmlformats.org/officeDocument/2006/relationships" xmlns:p="http://schemas.openxmlformats.org/presentationml/2006/main">
-  <p:cSld>
-    <p:spTree>
-      <p:nvGrpSpPr>
-        <p:cNvPr id="1" name=""/>
-        <p:cNvGrpSpPr/>
-        <p:nvPr/>
-      </p:nvGrpSpPr>
-      <p:grpSpPr>
-        <a:xfrm>
-          <a:off x="0" y="0"/>
-          <a:ext cx="0" cy="0"/>
-          <a:chOff x="0" y="0"/>
-          <a:chExt cx="0" cy="0"/>
-        </a:xfrm>
-      </p:grpSpPr>
-      <p:sp>
-        <p:nvSpPr>
-          <p:cNvPr id="4" name="ZoneTexte 3">
-            <a:extLst>
-              <a:ext uri="{FF2B5EF4-FFF2-40B4-BE49-F238E27FC236}">
-                <a16:creationId xmlns:a16="http://schemas.microsoft.com/office/drawing/2014/main" id="{A075CB93-4D07-4A41-ABEB-3654CDE30508}"/>
-              </a:ext>
-            </a:extLst>
-          </p:cNvPr>
-          <p:cNvSpPr txBox="1"/>
-          <p:nvPr/>
-        </p:nvSpPr>
-        <p:spPr>
-          <a:xfrm>
-            <a:off x="504824" y="0"/>
-            <a:ext cx="10820401" cy="6740307"/>
-          </a:xfrm>
-          <a:prstGeom prst="rect">
-            <a:avLst/>
-          </a:prstGeom>
-          <a:noFill/>
-        </p:spPr>
-        <p:txBody>
-          <a:bodyPr wrap="square" rtlCol="0">
-            <a:spAutoFit/>
-          </a:bodyPr>
-          <a:lstStyle/>
-          <a:p>
-            <a:pPr marL="457200" indent="-457200">
-              <a:buFont typeface="Wingdings" panose="05000000000000000000" pitchFamily="2" charset="2"/>
-              <a:buChar char="v"/>
-            </a:pPr>
-            <a:r>
-              <a:rPr lang="en-US" sz="4000" b="1" u="sng" dirty="0">
-                <a:solidFill>
-                  <a:schemeClr val="bg1"/>
-                </a:solidFill>
-                <a:latin typeface="Agency FB" panose="020B0503020202020204" pitchFamily="34" charset="0"/>
-              </a:rPr>
-              <a:t>Steps of our presentation :</a:t>
-            </a:r>
-            <a:endParaRPr lang="en-US" b="1" u="sng" dirty="0">
-              <a:solidFill>
-                <a:schemeClr val="bg1"/>
-              </a:solidFill>
-            </a:endParaRPr>
-          </a:p>
-          <a:p>
-            <a:endParaRPr lang="en-US" b="1" dirty="0">
-              <a:latin typeface="Agency FB" panose="020B0503020202020204" pitchFamily="34" charset="0"/>
-            </a:endParaRPr>
-          </a:p>
-          <a:p>
-            <a:pPr marL="457200" indent="-457200">
-              <a:buFont typeface="+mj-lt"/>
-              <a:buAutoNum type="arabicPeriod"/>
-            </a:pPr>
-            <a:r>
-              <a:rPr lang="en-US" sz="3200" b="1" dirty="0">
-                <a:solidFill>
-                  <a:schemeClr val="bg1"/>
-                </a:solidFill>
-                <a:latin typeface="Agency FB" panose="020B0503020202020204" pitchFamily="34" charset="0"/>
-              </a:rPr>
-              <a:t>Introduction</a:t>
-            </a:r>
-          </a:p>
-          <a:p>
-            <a:pPr lvl="1"/>
-            <a:r>
-              <a:rPr lang="en-US" sz="3200" b="1" dirty="0">
-                <a:solidFill>
-                  <a:schemeClr val="bg1"/>
-                </a:solidFill>
-                <a:latin typeface="Agency FB" panose="020B0503020202020204" pitchFamily="34" charset="0"/>
-              </a:rPr>
-              <a:t>1.1 What we want to achieve in our project</a:t>
-            </a:r>
-          </a:p>
-          <a:p>
-            <a:pPr marL="457200" indent="-457200">
-              <a:buFont typeface="+mj-lt"/>
-              <a:buAutoNum type="arabicPeriod"/>
-            </a:pPr>
-            <a:r>
-              <a:rPr lang="en-US" sz="3200" b="1" dirty="0">
-                <a:solidFill>
-                  <a:schemeClr val="bg1"/>
-                </a:solidFill>
-                <a:latin typeface="Agency FB" panose="020B0503020202020204" pitchFamily="34" charset="0"/>
-              </a:rPr>
-              <a:t> Our dataset and some examples</a:t>
-            </a:r>
-          </a:p>
-          <a:p>
-            <a:pPr marL="457200" indent="-457200">
-              <a:buFont typeface="+mj-lt"/>
-              <a:buAutoNum type="arabicPeriod"/>
-            </a:pPr>
-            <a:r>
-              <a:rPr lang="en-US" sz="3200" b="1" dirty="0">
-                <a:solidFill>
-                  <a:schemeClr val="bg1"/>
-                </a:solidFill>
-                <a:latin typeface="Agency FB" panose="020B0503020202020204" pitchFamily="34" charset="0"/>
-              </a:rPr>
-              <a:t> Implementation</a:t>
-            </a:r>
-          </a:p>
-          <a:p>
-            <a:r>
-              <a:rPr lang="en-US" sz="3200" b="1" dirty="0">
-                <a:solidFill>
-                  <a:schemeClr val="bg1"/>
-                </a:solidFill>
-                <a:latin typeface="Agency FB" panose="020B0503020202020204" pitchFamily="34" charset="0"/>
-              </a:rPr>
-              <a:t>	3.1 Dealing with the dataset (Normalization, splitting,..)</a:t>
-            </a:r>
-          </a:p>
-          <a:p>
-            <a:r>
-              <a:rPr lang="en-US" sz="3200" b="1" dirty="0">
-                <a:solidFill>
-                  <a:schemeClr val="bg1"/>
-                </a:solidFill>
-                <a:latin typeface="Agency FB" panose="020B0503020202020204" pitchFamily="34" charset="0"/>
-              </a:rPr>
-              <a:t>	3.2 Convolutional Neural Network Architecture</a:t>
-            </a:r>
-          </a:p>
-          <a:p>
-            <a:r>
-              <a:rPr lang="en-US" sz="3200" b="1" dirty="0">
-                <a:solidFill>
-                  <a:schemeClr val="bg1"/>
-                </a:solidFill>
-                <a:latin typeface="Agency FB" panose="020B0503020202020204" pitchFamily="34" charset="0"/>
-              </a:rPr>
-              <a:t>	3.3 Training</a:t>
-            </a:r>
-          </a:p>
-          <a:p>
-            <a:r>
-              <a:rPr lang="en-US" sz="3200" b="1" dirty="0">
-                <a:solidFill>
-                  <a:schemeClr val="bg1"/>
-                </a:solidFill>
-                <a:latin typeface="Agency FB" panose="020B0503020202020204" pitchFamily="34" charset="0"/>
-              </a:rPr>
-              <a:t>	3.4 Results (Model Accuracy and Model Loss)</a:t>
-            </a:r>
-          </a:p>
-          <a:p>
-            <a:r>
-              <a:rPr lang="en-US" sz="3200" b="1" dirty="0">
-                <a:solidFill>
-                  <a:schemeClr val="bg1"/>
-                </a:solidFill>
-                <a:latin typeface="Agency FB" panose="020B0503020202020204" pitchFamily="34" charset="0"/>
-              </a:rPr>
-              <a:t>	3.5 Some examples of testing</a:t>
-            </a:r>
-          </a:p>
-          <a:p>
-            <a:r>
-              <a:rPr lang="en-US" sz="3200" b="1" dirty="0">
-                <a:solidFill>
-                  <a:schemeClr val="bg1"/>
-                </a:solidFill>
-                <a:latin typeface="Agency FB" panose="020B0503020202020204" pitchFamily="34" charset="0"/>
-              </a:rPr>
-              <a:t>4. Conclusion</a:t>
-            </a:r>
-          </a:p>
-          <a:p>
-            <a:endParaRPr lang="en-US" dirty="0"/>
-          </a:p>
-          <a:p>
-            <a:endParaRPr lang="en-US" dirty="0"/>
-          </a:p>
-          <a:p>
-            <a:endParaRPr lang="en-IL" dirty="0"/>
-          </a:p>
-        </p:txBody>
-      </p:sp>
-    </p:spTree>
-    <p:extLst>
-      <p:ext uri="{BB962C8B-B14F-4D97-AF65-F5344CB8AC3E}">
-        <p14:creationId xmlns:p14="http://schemas.microsoft.com/office/powerpoint/2010/main" val="2506319317"/>
-      </p:ext>
-    </p:extLst>
-  </p:cSld>
-  <p:clrMapOvr>
-    <a:masterClrMapping/>
-  </p:clrMapOvr>
-  <p:transition spd="slow">
-    <p:wipe dir="r"/>
-  </p:transition>
-</p:sld>
-</file>
-
-<file path=ppt/slides/slide20.xml><?xml version="1.0" encoding="utf-8"?>
 <p:sld xmlns:a="http://schemas.openxmlformats.org/drawingml/2006/main" xmlns:r="http://schemas.openxmlformats.org/officeDocument/2006/relationships" xmlns:p="http://schemas.openxmlformats.org/presentationml/2006/main">
   <p:cSld>
     <p:bg>
@@ -8196,7 +7397,7 @@
               <a:rPr lang="en-US" sz="3200" b="1" dirty="0">
                 <a:latin typeface="Agency FB" panose="020B0503020202020204" pitchFamily="34" charset="0"/>
               </a:rPr>
-              <a:t>3.4 Results (Model Accuracy and Model Loss)</a:t>
+              <a:t>3.3 Training</a:t>
             </a:r>
           </a:p>
           <a:p>
@@ -8221,7 +7422,7 @@
     </p:spTree>
     <p:extLst>
       <p:ext uri="{BB962C8B-B14F-4D97-AF65-F5344CB8AC3E}">
-        <p14:creationId xmlns:p14="http://schemas.microsoft.com/office/powerpoint/2010/main" val="2400191133"/>
+        <p14:creationId xmlns:p14="http://schemas.microsoft.com/office/powerpoint/2010/main" val="2157823740"/>
       </p:ext>
     </p:extLst>
   </p:cSld>
@@ -8234,7 +7435,7 @@
 </p:sld>
 </file>
 
-<file path=ppt/slides/slide21.xml><?xml version="1.0" encoding="utf-8"?>
+<file path=ppt/slides/slide18.xml><?xml version="1.0" encoding="utf-8"?>
 <p:sld xmlns:a="http://schemas.openxmlformats.org/drawingml/2006/main" xmlns:r="http://schemas.openxmlformats.org/officeDocument/2006/relationships" xmlns:p="http://schemas.openxmlformats.org/presentationml/2006/main">
   <p:cSld>
     <p:spTree>
@@ -8290,7 +7491,7 @@
                 </a:solidFill>
                 <a:latin typeface="Roboto"/>
               </a:rPr>
-              <a:t>Plots of our results</a:t>
+              <a:t>Compiling and training the model</a:t>
             </a:r>
             <a:endParaRPr lang="en-US" sz="3200" b="0" i="0" dirty="0">
               <a:solidFill>
@@ -8315,10 +7516,10 @@
       </p:sp>
       <p:pic>
         <p:nvPicPr>
-          <p:cNvPr id="4" name="Image 3">
+          <p:cNvPr id="3" name="Image 2">
             <a:extLst>
               <a:ext uri="{FF2B5EF4-FFF2-40B4-BE49-F238E27FC236}">
-                <a16:creationId xmlns:a16="http://schemas.microsoft.com/office/drawing/2014/main" id="{C196A33A-C91C-43DF-B2A8-D68FAC11F01D}"/>
+                <a16:creationId xmlns:a16="http://schemas.microsoft.com/office/drawing/2014/main" id="{2CDA7EC8-DE67-432A-8587-B6D695234FB3}"/>
               </a:ext>
             </a:extLst>
           </p:cNvPr>
@@ -8341,113 +7542,54 @@
         </p:blipFill>
         <p:spPr>
           <a:xfrm>
-            <a:off x="924560" y="1032302"/>
-            <a:ext cx="5618480" cy="5442240"/>
+            <a:off x="335280" y="1188976"/>
+            <a:ext cx="11238886" cy="543399"/>
           </a:xfrm>
           <a:prstGeom prst="rect">
             <a:avLst/>
           </a:prstGeom>
         </p:spPr>
       </p:pic>
-      <p:sp>
-        <p:nvSpPr>
-          <p:cNvPr id="6" name="ZoneTexte 5">
+      <p:pic>
+        <p:nvPicPr>
+          <p:cNvPr id="7" name="Image 6" descr="Une image contenant texte&#10;&#10;Description générée automatiquement">
             <a:extLst>
               <a:ext uri="{FF2B5EF4-FFF2-40B4-BE49-F238E27FC236}">
-                <a16:creationId xmlns:a16="http://schemas.microsoft.com/office/drawing/2014/main" id="{6C6CE549-0871-43C9-951F-BE9EBA674A31}"/>
+                <a16:creationId xmlns:a16="http://schemas.microsoft.com/office/drawing/2014/main" id="{4C7442AA-8B60-41DB-9E6C-197EB515522A}"/>
               </a:ext>
             </a:extLst>
           </p:cNvPr>
-          <p:cNvSpPr txBox="1"/>
+          <p:cNvPicPr>
+            <a:picLocks noChangeAspect="1"/>
+          </p:cNvPicPr>
           <p:nvPr/>
-        </p:nvSpPr>
-        <p:spPr>
-          <a:xfrm>
-            <a:off x="7086600" y="1133475"/>
-            <a:ext cx="4591050" cy="4247317"/>
+        </p:nvPicPr>
+        <p:blipFill>
+          <a:blip r:embed="rId3">
+            <a:extLst>
+              <a:ext uri="{28A0092B-C50C-407E-A947-70E740481C1C}">
+                <a14:useLocalDpi xmlns:a14="http://schemas.microsoft.com/office/drawing/2010/main" val="0"/>
+              </a:ext>
+            </a:extLst>
+          </a:blip>
+          <a:stretch>
+            <a:fillRect/>
+          </a:stretch>
+        </p:blipFill>
+        <p:spPr>
+          <a:xfrm>
+            <a:off x="335280" y="1960880"/>
+            <a:ext cx="11238886" cy="4513661"/>
           </a:xfrm>
           <a:prstGeom prst="rect">
             <a:avLst/>
           </a:prstGeom>
-          <a:noFill/>
-        </p:spPr>
-        <p:txBody>
-          <a:bodyPr wrap="square" rtlCol="0">
-            <a:spAutoFit/>
-          </a:bodyPr>
-          <a:lstStyle/>
-          <a:p>
-            <a:pPr marL="285750" indent="-285750">
-              <a:buFontTx/>
-              <a:buChar char="-"/>
-            </a:pPr>
-            <a:r>
-              <a:rPr lang="en-US" dirty="0"/>
-              <a:t>It seems that validation accuracy is higher than training accuracy because when we use dropout , we use it only for the training and not for the validation.</a:t>
-            </a:r>
-          </a:p>
-          <a:p>
-            <a:pPr marL="285750" indent="-285750">
-              <a:buFontTx/>
-              <a:buChar char="-"/>
-            </a:pPr>
-            <a:endParaRPr lang="en-US" dirty="0"/>
-          </a:p>
-          <a:p>
-            <a:pPr marL="285750" indent="-285750">
-              <a:buFontTx/>
-              <a:buChar char="-"/>
-            </a:pPr>
-            <a:endParaRPr lang="en-US" dirty="0"/>
-          </a:p>
-          <a:p>
-            <a:pPr marL="285750" indent="-285750">
-              <a:buFontTx/>
-              <a:buChar char="-"/>
-            </a:pPr>
-            <a:endParaRPr lang="en-US" dirty="0"/>
-          </a:p>
-          <a:p>
-            <a:pPr marL="285750" indent="-285750">
-              <a:buFontTx/>
-              <a:buChar char="-"/>
-            </a:pPr>
-            <a:endParaRPr lang="en-US" dirty="0"/>
-          </a:p>
-          <a:p>
-            <a:pPr marL="285750" indent="-285750">
-              <a:buFontTx/>
-              <a:buChar char="-"/>
-            </a:pPr>
-            <a:endParaRPr lang="en-US" dirty="0"/>
-          </a:p>
-          <a:p>
-            <a:pPr marL="285750" indent="-285750">
-              <a:buFontTx/>
-              <a:buChar char="-"/>
-            </a:pPr>
-            <a:endParaRPr lang="en-US" dirty="0"/>
-          </a:p>
-          <a:p>
-            <a:endParaRPr lang="en-US" dirty="0"/>
-          </a:p>
-          <a:p>
-            <a:pPr marL="285750" indent="-285750">
-              <a:buFontTx/>
-              <a:buChar char="-"/>
-            </a:pPr>
-            <a:r>
-              <a:rPr lang="en-US" dirty="0"/>
-              <a:t>For the loss, the validation loss is smaller than the training loss for the same reason mentioned previously</a:t>
-            </a:r>
-            <a:endParaRPr lang="en-IL" dirty="0"/>
-          </a:p>
-        </p:txBody>
-      </p:sp>
+        </p:spPr>
+      </p:pic>
     </p:spTree>
     <p:extLst>
       <p:ext uri="{BB962C8B-B14F-4D97-AF65-F5344CB8AC3E}">
-        <p14:creationId xmlns:p14="http://schemas.microsoft.com/office/powerpoint/2010/main" val="3945840291"/>
+        <p14:creationId xmlns:p14="http://schemas.microsoft.com/office/powerpoint/2010/main" val="1056489369"/>
       </p:ext>
     </p:extLst>
   </p:cSld>
@@ -8460,7 +7602,693 @@
 </p:sld>
 </file>
 
-<file path=ppt/slides/slide22.xml><?xml version="1.0" encoding="utf-8"?>
+<file path=ppt/slides/slide19.xml><?xml version="1.0" encoding="utf-8"?>
+<p:sld xmlns:a="http://schemas.openxmlformats.org/drawingml/2006/main" xmlns:r="http://schemas.openxmlformats.org/officeDocument/2006/relationships" xmlns:p="http://schemas.openxmlformats.org/presentationml/2006/main">
+  <p:cSld>
+    <p:spTree>
+      <p:nvGrpSpPr>
+        <p:cNvPr id="1" name=""/>
+        <p:cNvGrpSpPr/>
+        <p:nvPr/>
+      </p:nvGrpSpPr>
+      <p:grpSpPr>
+        <a:xfrm>
+          <a:off x="0" y="0"/>
+          <a:ext cx="0" cy="0"/>
+          <a:chOff x="0" y="0"/>
+          <a:chExt cx="0" cy="0"/>
+        </a:xfrm>
+      </p:grpSpPr>
+      <p:sp>
+        <p:nvSpPr>
+          <p:cNvPr id="5" name="ZoneTexte 4">
+            <a:extLst>
+              <a:ext uri="{FF2B5EF4-FFF2-40B4-BE49-F238E27FC236}">
+                <a16:creationId xmlns:a16="http://schemas.microsoft.com/office/drawing/2014/main" id="{4B756054-08A3-4288-9125-9F314B993E8F}"/>
+              </a:ext>
+            </a:extLst>
+          </p:cNvPr>
+          <p:cNvSpPr txBox="1"/>
+          <p:nvPr/>
+        </p:nvSpPr>
+        <p:spPr>
+          <a:xfrm>
+            <a:off x="804402" y="383458"/>
+            <a:ext cx="10987548" cy="1077218"/>
+          </a:xfrm>
+          <a:prstGeom prst="rect">
+            <a:avLst/>
+          </a:prstGeom>
+          <a:noFill/>
+        </p:spPr>
+        <p:txBody>
+          <a:bodyPr wrap="square" rtlCol="0">
+            <a:spAutoFit/>
+          </a:bodyPr>
+          <a:lstStyle/>
+          <a:p>
+            <a:pPr marL="457200" indent="-457200">
+              <a:buFont typeface="Wingdings" panose="05000000000000000000" pitchFamily="2" charset="2"/>
+              <a:buChar char="v"/>
+            </a:pPr>
+            <a:r>
+              <a:rPr lang="en-US" sz="3200" b="1" dirty="0">
+                <a:solidFill>
+                  <a:srgbClr val="212121"/>
+                </a:solidFill>
+                <a:latin typeface="Roboto"/>
+              </a:rPr>
+              <a:t>Compiling and training the model</a:t>
+            </a:r>
+            <a:endParaRPr lang="en-US" sz="3200" b="0" i="0" dirty="0">
+              <a:solidFill>
+                <a:srgbClr val="212121"/>
+              </a:solidFill>
+              <a:effectLst/>
+              <a:latin typeface="Roboto"/>
+            </a:endParaRPr>
+          </a:p>
+          <a:p>
+            <a:pPr marL="457200" indent="-457200">
+              <a:buFont typeface="Wingdings" panose="05000000000000000000" pitchFamily="2" charset="2"/>
+              <a:buChar char="v"/>
+            </a:pPr>
+            <a:endParaRPr lang="en-IL" sz="3200" b="1" dirty="0">
+              <a:solidFill>
+                <a:schemeClr val="bg1"/>
+              </a:solidFill>
+            </a:endParaRPr>
+          </a:p>
+        </p:txBody>
+      </p:sp>
+      <p:pic>
+        <p:nvPicPr>
+          <p:cNvPr id="3" name="Image 2">
+            <a:extLst>
+              <a:ext uri="{FF2B5EF4-FFF2-40B4-BE49-F238E27FC236}">
+                <a16:creationId xmlns:a16="http://schemas.microsoft.com/office/drawing/2014/main" id="{2CDA7EC8-DE67-432A-8587-B6D695234FB3}"/>
+              </a:ext>
+            </a:extLst>
+          </p:cNvPr>
+          <p:cNvPicPr>
+            <a:picLocks noChangeAspect="1"/>
+          </p:cNvPicPr>
+          <p:nvPr/>
+        </p:nvPicPr>
+        <p:blipFill>
+          <a:blip r:embed="rId2">
+            <a:extLst>
+              <a:ext uri="{28A0092B-C50C-407E-A947-70E740481C1C}">
+                <a14:useLocalDpi xmlns:a14="http://schemas.microsoft.com/office/drawing/2010/main" val="0"/>
+              </a:ext>
+            </a:extLst>
+          </a:blip>
+          <a:stretch>
+            <a:fillRect/>
+          </a:stretch>
+        </p:blipFill>
+        <p:spPr>
+          <a:xfrm>
+            <a:off x="335280" y="1188976"/>
+            <a:ext cx="11238886" cy="543399"/>
+          </a:xfrm>
+          <a:prstGeom prst="rect">
+            <a:avLst/>
+          </a:prstGeom>
+        </p:spPr>
+      </p:pic>
+      <p:sp>
+        <p:nvSpPr>
+          <p:cNvPr id="2" name="ZoneTexte 1">
+            <a:extLst>
+              <a:ext uri="{FF2B5EF4-FFF2-40B4-BE49-F238E27FC236}">
+                <a16:creationId xmlns:a16="http://schemas.microsoft.com/office/drawing/2014/main" id="{C3F65CD4-D521-41B2-B614-1B1932418A6A}"/>
+              </a:ext>
+            </a:extLst>
+          </p:cNvPr>
+          <p:cNvSpPr txBox="1"/>
+          <p:nvPr/>
+        </p:nvSpPr>
+        <p:spPr>
+          <a:xfrm>
+            <a:off x="279052" y="2227225"/>
+            <a:ext cx="11351342" cy="4247317"/>
+          </a:xfrm>
+          <a:prstGeom prst="rect">
+            <a:avLst/>
+          </a:prstGeom>
+          <a:noFill/>
+        </p:spPr>
+        <p:txBody>
+          <a:bodyPr wrap="square" rtlCol="0">
+            <a:spAutoFit/>
+          </a:bodyPr>
+          <a:lstStyle/>
+          <a:p>
+            <a:pPr marL="285750" indent="-285750">
+              <a:buFont typeface="Wingdings" panose="05000000000000000000" pitchFamily="2" charset="2"/>
+              <a:buChar char="v"/>
+            </a:pPr>
+            <a:r>
+              <a:rPr lang="en-US" u="sng" dirty="0">
+                <a:effectLst>
+                  <a:outerShdw blurRad="38100" dist="38100" dir="2700000" algn="tl">
+                    <a:srgbClr val="000000">
+                      <a:alpha val="43137"/>
+                    </a:srgbClr>
+                  </a:outerShdw>
+                </a:effectLst>
+              </a:rPr>
+              <a:t>Optimizer :</a:t>
+            </a:r>
+          </a:p>
+          <a:p>
+            <a:endParaRPr lang="en-US" dirty="0">
+              <a:effectLst>
+                <a:outerShdw blurRad="38100" dist="38100" dir="2700000" algn="tl">
+                  <a:srgbClr val="000000">
+                    <a:alpha val="43137"/>
+                  </a:srgbClr>
+                </a:outerShdw>
+              </a:effectLst>
+            </a:endParaRPr>
+          </a:p>
+          <a:p>
+            <a:pPr marL="742950" lvl="1" indent="-285750">
+              <a:buFontTx/>
+              <a:buChar char="-"/>
+            </a:pPr>
+            <a:r>
+              <a:rPr lang="en-US" dirty="0"/>
+              <a:t>Adam Optimizer : Empirically, Adam gave use better results than other optimizers </a:t>
+            </a:r>
+          </a:p>
+          <a:p>
+            <a:pPr marL="742950" lvl="1" indent="-285750">
+              <a:buFontTx/>
+              <a:buChar char="-"/>
+            </a:pPr>
+            <a:r>
+              <a:rPr lang="en-US" dirty="0"/>
+              <a:t>Adam optimizers adjusts its learning during training and is fast compared to other   algorithms.</a:t>
+            </a:r>
+          </a:p>
+          <a:p>
+            <a:pPr lvl="1"/>
+            <a:endParaRPr lang="en-US" dirty="0"/>
+          </a:p>
+          <a:p>
+            <a:pPr marL="285750" indent="-285750">
+              <a:buFont typeface="Wingdings" panose="05000000000000000000" pitchFamily="2" charset="2"/>
+              <a:buChar char="v"/>
+            </a:pPr>
+            <a:r>
+              <a:rPr lang="en-US" u="sng" dirty="0"/>
+              <a:t>Loss function:</a:t>
+            </a:r>
+          </a:p>
+          <a:p>
+            <a:endParaRPr lang="en-US" u="sng" dirty="0"/>
+          </a:p>
+          <a:p>
+            <a:pPr marL="742950" lvl="1" indent="-285750">
+              <a:buFontTx/>
+              <a:buChar char="-"/>
+            </a:pPr>
+            <a:r>
+              <a:rPr lang="en-US" dirty="0"/>
+              <a:t> Binary Cross entropy loss function</a:t>
+            </a:r>
+            <a:r>
+              <a:rPr lang="en-US" b="0" i="0" dirty="0">
+                <a:effectLst/>
+              </a:rPr>
+              <a:t> does not affect other output values. And that is exactly what we need. </a:t>
+            </a:r>
+            <a:r>
+              <a:rPr lang="en-US" b="0" i="0" u="sng" dirty="0">
+                <a:effectLst/>
+              </a:rPr>
+              <a:t>Multi-label classification</a:t>
+            </a:r>
+            <a:r>
+              <a:rPr lang="en-US" b="0" i="0" dirty="0">
+                <a:effectLst/>
+              </a:rPr>
+              <a:t> means that the output values are not impacted one by the other (unlike </a:t>
+            </a:r>
+            <a:r>
+              <a:rPr lang="en-US" b="0" i="0" u="sng" dirty="0">
+                <a:effectLst/>
+              </a:rPr>
+              <a:t>multi-class classification</a:t>
+            </a:r>
+            <a:r>
+              <a:rPr lang="en-US" b="0" i="0" dirty="0">
+                <a:effectLst/>
+              </a:rPr>
+              <a:t>). And because of that loss </a:t>
+            </a:r>
+            <a:r>
+              <a:rPr lang="en-US" dirty="0"/>
+              <a:t>needs to be calculated for each genre independently to other genres, the most </a:t>
+            </a:r>
+            <a:r>
+              <a:rPr lang="en-US" dirty="0" err="1"/>
+              <a:t>effictive</a:t>
+            </a:r>
+            <a:r>
+              <a:rPr lang="en-US" dirty="0"/>
+              <a:t> loss function to use was binary cross entropy.</a:t>
+            </a:r>
+          </a:p>
+          <a:p>
+            <a:pPr lvl="1"/>
+            <a:r>
+              <a:rPr lang="en-US" dirty="0"/>
+              <a:t>	</a:t>
+            </a:r>
+          </a:p>
+          <a:p>
+            <a:endParaRPr lang="en-US" dirty="0"/>
+          </a:p>
+          <a:p>
+            <a:r>
+              <a:rPr lang="en-US" dirty="0"/>
+              <a:t>	</a:t>
+            </a:r>
+          </a:p>
+        </p:txBody>
+      </p:sp>
+    </p:spTree>
+    <p:extLst>
+      <p:ext uri="{BB962C8B-B14F-4D97-AF65-F5344CB8AC3E}">
+        <p14:creationId xmlns:p14="http://schemas.microsoft.com/office/powerpoint/2010/main" val="789464126"/>
+      </p:ext>
+    </p:extLst>
+  </p:cSld>
+  <p:clrMapOvr>
+    <a:masterClrMapping/>
+  </p:clrMapOvr>
+  <p:transition spd="slow">
+    <p:wipe dir="r"/>
+  </p:transition>
+</p:sld>
+</file>
+
+<file path=ppt/slides/slide2.xml><?xml version="1.0" encoding="utf-8"?>
+<p:sld xmlns:a="http://schemas.openxmlformats.org/drawingml/2006/main" xmlns:r="http://schemas.openxmlformats.org/officeDocument/2006/relationships" xmlns:p="http://schemas.openxmlformats.org/presentationml/2006/main">
+  <p:cSld>
+    <p:spTree>
+      <p:nvGrpSpPr>
+        <p:cNvPr id="1" name=""/>
+        <p:cNvGrpSpPr/>
+        <p:nvPr/>
+      </p:nvGrpSpPr>
+      <p:grpSpPr>
+        <a:xfrm>
+          <a:off x="0" y="0"/>
+          <a:ext cx="0" cy="0"/>
+          <a:chOff x="0" y="0"/>
+          <a:chExt cx="0" cy="0"/>
+        </a:xfrm>
+      </p:grpSpPr>
+      <p:sp>
+        <p:nvSpPr>
+          <p:cNvPr id="4" name="ZoneTexte 3">
+            <a:extLst>
+              <a:ext uri="{FF2B5EF4-FFF2-40B4-BE49-F238E27FC236}">
+                <a16:creationId xmlns:a16="http://schemas.microsoft.com/office/drawing/2014/main" id="{A075CB93-4D07-4A41-ABEB-3654CDE30508}"/>
+              </a:ext>
+            </a:extLst>
+          </p:cNvPr>
+          <p:cNvSpPr txBox="1"/>
+          <p:nvPr/>
+        </p:nvSpPr>
+        <p:spPr>
+          <a:xfrm>
+            <a:off x="504824" y="0"/>
+            <a:ext cx="10820401" cy="6740307"/>
+          </a:xfrm>
+          <a:prstGeom prst="rect">
+            <a:avLst/>
+          </a:prstGeom>
+          <a:noFill/>
+        </p:spPr>
+        <p:txBody>
+          <a:bodyPr wrap="square" rtlCol="0">
+            <a:spAutoFit/>
+          </a:bodyPr>
+          <a:lstStyle/>
+          <a:p>
+            <a:pPr marL="457200" indent="-457200">
+              <a:buFont typeface="Wingdings" panose="05000000000000000000" pitchFamily="2" charset="2"/>
+              <a:buChar char="v"/>
+            </a:pPr>
+            <a:r>
+              <a:rPr lang="en-US" sz="4000" b="1" u="sng" dirty="0">
+                <a:solidFill>
+                  <a:schemeClr val="bg1"/>
+                </a:solidFill>
+                <a:latin typeface="Agency FB" panose="020B0503020202020204" pitchFamily="34" charset="0"/>
+              </a:rPr>
+              <a:t>Steps of our presentation :</a:t>
+            </a:r>
+            <a:endParaRPr lang="en-US" b="1" u="sng" dirty="0">
+              <a:solidFill>
+                <a:schemeClr val="bg1"/>
+              </a:solidFill>
+            </a:endParaRPr>
+          </a:p>
+          <a:p>
+            <a:endParaRPr lang="en-US" b="1" dirty="0">
+              <a:latin typeface="Agency FB" panose="020B0503020202020204" pitchFamily="34" charset="0"/>
+            </a:endParaRPr>
+          </a:p>
+          <a:p>
+            <a:pPr marL="457200" indent="-457200">
+              <a:buFont typeface="+mj-lt"/>
+              <a:buAutoNum type="arabicPeriod"/>
+            </a:pPr>
+            <a:r>
+              <a:rPr lang="en-US" sz="3200" b="1" dirty="0">
+                <a:solidFill>
+                  <a:schemeClr val="bg1"/>
+                </a:solidFill>
+                <a:latin typeface="Agency FB" panose="020B0503020202020204" pitchFamily="34" charset="0"/>
+              </a:rPr>
+              <a:t>Introduction</a:t>
+            </a:r>
+          </a:p>
+          <a:p>
+            <a:pPr lvl="1"/>
+            <a:r>
+              <a:rPr lang="en-US" sz="3200" b="1" dirty="0">
+                <a:solidFill>
+                  <a:schemeClr val="bg1"/>
+                </a:solidFill>
+                <a:latin typeface="Agency FB" panose="020B0503020202020204" pitchFamily="34" charset="0"/>
+              </a:rPr>
+              <a:t>1.1 What we want to achieve in our project</a:t>
+            </a:r>
+          </a:p>
+          <a:p>
+            <a:pPr marL="457200" indent="-457200">
+              <a:buFont typeface="+mj-lt"/>
+              <a:buAutoNum type="arabicPeriod"/>
+            </a:pPr>
+            <a:r>
+              <a:rPr lang="en-US" sz="3200" b="1" dirty="0">
+                <a:solidFill>
+                  <a:schemeClr val="bg1"/>
+                </a:solidFill>
+                <a:latin typeface="Agency FB" panose="020B0503020202020204" pitchFamily="34" charset="0"/>
+              </a:rPr>
+              <a:t> Our dataset and some examples</a:t>
+            </a:r>
+          </a:p>
+          <a:p>
+            <a:pPr marL="457200" indent="-457200">
+              <a:buFont typeface="+mj-lt"/>
+              <a:buAutoNum type="arabicPeriod"/>
+            </a:pPr>
+            <a:r>
+              <a:rPr lang="en-US" sz="3200" b="1" dirty="0">
+                <a:solidFill>
+                  <a:schemeClr val="bg1"/>
+                </a:solidFill>
+                <a:latin typeface="Agency FB" panose="020B0503020202020204" pitchFamily="34" charset="0"/>
+              </a:rPr>
+              <a:t> Implementation</a:t>
+            </a:r>
+          </a:p>
+          <a:p>
+            <a:r>
+              <a:rPr lang="en-US" sz="3200" b="1" dirty="0">
+                <a:solidFill>
+                  <a:schemeClr val="bg1"/>
+                </a:solidFill>
+                <a:latin typeface="Agency FB" panose="020B0503020202020204" pitchFamily="34" charset="0"/>
+              </a:rPr>
+              <a:t>	3.1 Dealing with the dataset (Normalization, splitting,..)</a:t>
+            </a:r>
+          </a:p>
+          <a:p>
+            <a:r>
+              <a:rPr lang="en-US" sz="3200" b="1" dirty="0">
+                <a:solidFill>
+                  <a:schemeClr val="bg1"/>
+                </a:solidFill>
+                <a:latin typeface="Agency FB" panose="020B0503020202020204" pitchFamily="34" charset="0"/>
+              </a:rPr>
+              <a:t>	3.2 Convolutional Neural Network Architecture</a:t>
+            </a:r>
+          </a:p>
+          <a:p>
+            <a:r>
+              <a:rPr lang="en-US" sz="3200" b="1" dirty="0">
+                <a:solidFill>
+                  <a:schemeClr val="bg1"/>
+                </a:solidFill>
+                <a:latin typeface="Agency FB" panose="020B0503020202020204" pitchFamily="34" charset="0"/>
+              </a:rPr>
+              <a:t>	3.3 Training</a:t>
+            </a:r>
+          </a:p>
+          <a:p>
+            <a:r>
+              <a:rPr lang="en-US" sz="3200" b="1" dirty="0">
+                <a:solidFill>
+                  <a:schemeClr val="bg1"/>
+                </a:solidFill>
+                <a:latin typeface="Agency FB" panose="020B0503020202020204" pitchFamily="34" charset="0"/>
+              </a:rPr>
+              <a:t>	3.4 Results (Model Accuracy and Model Loss)</a:t>
+            </a:r>
+          </a:p>
+          <a:p>
+            <a:r>
+              <a:rPr lang="en-US" sz="3200" b="1" dirty="0">
+                <a:solidFill>
+                  <a:schemeClr val="bg1"/>
+                </a:solidFill>
+                <a:latin typeface="Agency FB" panose="020B0503020202020204" pitchFamily="34" charset="0"/>
+              </a:rPr>
+              <a:t>	3.5 Some examples of testing</a:t>
+            </a:r>
+          </a:p>
+          <a:p>
+            <a:r>
+              <a:rPr lang="en-US" sz="3200" b="1" dirty="0">
+                <a:solidFill>
+                  <a:schemeClr val="bg1"/>
+                </a:solidFill>
+                <a:latin typeface="Agency FB" panose="020B0503020202020204" pitchFamily="34" charset="0"/>
+              </a:rPr>
+              <a:t>4. Conclusion</a:t>
+            </a:r>
+          </a:p>
+          <a:p>
+            <a:endParaRPr lang="en-US" dirty="0"/>
+          </a:p>
+          <a:p>
+            <a:endParaRPr lang="en-US" dirty="0"/>
+          </a:p>
+          <a:p>
+            <a:endParaRPr lang="en-IL" dirty="0"/>
+          </a:p>
+        </p:txBody>
+      </p:sp>
+    </p:spTree>
+    <p:extLst>
+      <p:ext uri="{BB962C8B-B14F-4D97-AF65-F5344CB8AC3E}">
+        <p14:creationId xmlns:p14="http://schemas.microsoft.com/office/powerpoint/2010/main" val="2506319317"/>
+      </p:ext>
+    </p:extLst>
+  </p:cSld>
+  <p:clrMapOvr>
+    <a:masterClrMapping/>
+  </p:clrMapOvr>
+  <p:transition spd="slow">
+    <p:wipe dir="r"/>
+  </p:transition>
+</p:sld>
+</file>
+
+<file path=ppt/slides/slide20.xml><?xml version="1.0" encoding="utf-8"?>
+<p:sld xmlns:a="http://schemas.openxmlformats.org/drawingml/2006/main" xmlns:r="http://schemas.openxmlformats.org/officeDocument/2006/relationships" xmlns:p="http://schemas.openxmlformats.org/presentationml/2006/main">
+  <p:cSld>
+    <p:spTree>
+      <p:nvGrpSpPr>
+        <p:cNvPr id="1" name=""/>
+        <p:cNvGrpSpPr/>
+        <p:nvPr/>
+      </p:nvGrpSpPr>
+      <p:grpSpPr>
+        <a:xfrm>
+          <a:off x="0" y="0"/>
+          <a:ext cx="0" cy="0"/>
+          <a:chOff x="0" y="0"/>
+          <a:chExt cx="0" cy="0"/>
+        </a:xfrm>
+      </p:grpSpPr>
+      <p:sp>
+        <p:nvSpPr>
+          <p:cNvPr id="5" name="ZoneTexte 4">
+            <a:extLst>
+              <a:ext uri="{FF2B5EF4-FFF2-40B4-BE49-F238E27FC236}">
+                <a16:creationId xmlns:a16="http://schemas.microsoft.com/office/drawing/2014/main" id="{4B756054-08A3-4288-9125-9F314B993E8F}"/>
+              </a:ext>
+            </a:extLst>
+          </p:cNvPr>
+          <p:cNvSpPr txBox="1"/>
+          <p:nvPr/>
+        </p:nvSpPr>
+        <p:spPr>
+          <a:xfrm>
+            <a:off x="804402" y="383458"/>
+            <a:ext cx="10987548" cy="1077218"/>
+          </a:xfrm>
+          <a:prstGeom prst="rect">
+            <a:avLst/>
+          </a:prstGeom>
+          <a:noFill/>
+        </p:spPr>
+        <p:txBody>
+          <a:bodyPr wrap="square" rtlCol="0">
+            <a:spAutoFit/>
+          </a:bodyPr>
+          <a:lstStyle/>
+          <a:p>
+            <a:pPr marL="457200" indent="-457200">
+              <a:buFont typeface="Wingdings" panose="05000000000000000000" pitchFamily="2" charset="2"/>
+              <a:buChar char="v"/>
+            </a:pPr>
+            <a:r>
+              <a:rPr lang="en-US" sz="3200" b="1" dirty="0">
+                <a:solidFill>
+                  <a:srgbClr val="212121"/>
+                </a:solidFill>
+                <a:latin typeface="Roboto"/>
+              </a:rPr>
+              <a:t>Compiling and training the model</a:t>
+            </a:r>
+            <a:endParaRPr lang="en-US" sz="3200" b="0" i="0" dirty="0">
+              <a:solidFill>
+                <a:srgbClr val="212121"/>
+              </a:solidFill>
+              <a:effectLst/>
+              <a:latin typeface="Roboto"/>
+            </a:endParaRPr>
+          </a:p>
+          <a:p>
+            <a:pPr marL="457200" indent="-457200">
+              <a:buFont typeface="Wingdings" panose="05000000000000000000" pitchFamily="2" charset="2"/>
+              <a:buChar char="v"/>
+            </a:pPr>
+            <a:endParaRPr lang="en-IL" sz="3200" b="1" dirty="0">
+              <a:solidFill>
+                <a:schemeClr val="bg1"/>
+              </a:solidFill>
+            </a:endParaRPr>
+          </a:p>
+        </p:txBody>
+      </p:sp>
+      <p:pic>
+        <p:nvPicPr>
+          <p:cNvPr id="7" name="Image 6" descr="Une image contenant texte&#10;&#10;Description générée automatiquement">
+            <a:extLst>
+              <a:ext uri="{FF2B5EF4-FFF2-40B4-BE49-F238E27FC236}">
+                <a16:creationId xmlns:a16="http://schemas.microsoft.com/office/drawing/2014/main" id="{4C7442AA-8B60-41DB-9E6C-197EB515522A}"/>
+              </a:ext>
+            </a:extLst>
+          </p:cNvPr>
+          <p:cNvPicPr>
+            <a:picLocks noChangeAspect="1"/>
+          </p:cNvPicPr>
+          <p:nvPr/>
+        </p:nvPicPr>
+        <p:blipFill>
+          <a:blip r:embed="rId2">
+            <a:extLst>
+              <a:ext uri="{28A0092B-C50C-407E-A947-70E740481C1C}">
+                <a14:useLocalDpi xmlns:a14="http://schemas.microsoft.com/office/drawing/2010/main" val="0"/>
+              </a:ext>
+            </a:extLst>
+          </a:blip>
+          <a:stretch>
+            <a:fillRect/>
+          </a:stretch>
+        </p:blipFill>
+        <p:spPr>
+          <a:xfrm>
+            <a:off x="316230" y="1075056"/>
+            <a:ext cx="10142220" cy="4073228"/>
+          </a:xfrm>
+          <a:prstGeom prst="rect">
+            <a:avLst/>
+          </a:prstGeom>
+        </p:spPr>
+      </p:pic>
+      <p:sp>
+        <p:nvSpPr>
+          <p:cNvPr id="2" name="ZoneTexte 1">
+            <a:extLst>
+              <a:ext uri="{FF2B5EF4-FFF2-40B4-BE49-F238E27FC236}">
+                <a16:creationId xmlns:a16="http://schemas.microsoft.com/office/drawing/2014/main" id="{56123C48-1C08-4D88-A06D-EE06F3F5D1B2}"/>
+              </a:ext>
+            </a:extLst>
+          </p:cNvPr>
+          <p:cNvSpPr txBox="1"/>
+          <p:nvPr/>
+        </p:nvSpPr>
+        <p:spPr>
+          <a:xfrm>
+            <a:off x="804402" y="5534025"/>
+            <a:ext cx="6958473" cy="646331"/>
+          </a:xfrm>
+          <a:prstGeom prst="rect">
+            <a:avLst/>
+          </a:prstGeom>
+          <a:noFill/>
+        </p:spPr>
+        <p:txBody>
+          <a:bodyPr wrap="square" rtlCol="0">
+            <a:spAutoFit/>
+          </a:bodyPr>
+          <a:lstStyle/>
+          <a:p>
+            <a:r>
+              <a:rPr lang="en-US" dirty="0"/>
+              <a:t>-Training of 24000 samples, validating on 6000 samples</a:t>
+            </a:r>
+          </a:p>
+          <a:p>
+            <a:r>
+              <a:rPr lang="en-US" dirty="0"/>
+              <a:t>-20 epochs</a:t>
+            </a:r>
+            <a:endParaRPr lang="en-IL" dirty="0"/>
+          </a:p>
+        </p:txBody>
+      </p:sp>
+    </p:spTree>
+    <p:extLst>
+      <p:ext uri="{BB962C8B-B14F-4D97-AF65-F5344CB8AC3E}">
+        <p14:creationId xmlns:p14="http://schemas.microsoft.com/office/powerpoint/2010/main" val="2818804260"/>
+      </p:ext>
+    </p:extLst>
+  </p:cSld>
+  <p:clrMapOvr>
+    <a:masterClrMapping/>
+  </p:clrMapOvr>
+  <p:transition spd="slow">
+    <p:wipe dir="r"/>
+  </p:transition>
+</p:sld>
+</file>
+
+<file path=ppt/slides/slide21.xml><?xml version="1.0" encoding="utf-8"?>
 <p:sld xmlns:a="http://schemas.openxmlformats.org/drawingml/2006/main" xmlns:r="http://schemas.openxmlformats.org/officeDocument/2006/relationships" xmlns:p="http://schemas.openxmlformats.org/presentationml/2006/main">
   <p:cSld>
     <p:bg>
@@ -8556,7 +8384,7 @@
               <a:rPr lang="en-US" sz="3200" b="1" dirty="0">
                 <a:latin typeface="Agency FB" panose="020B0503020202020204" pitchFamily="34" charset="0"/>
               </a:rPr>
-              <a:t>3.5 Some examples of testing</a:t>
+              <a:t>3.4 Results (Model Accuracy and Model Loss)</a:t>
             </a:r>
           </a:p>
           <a:p>
@@ -8581,7 +8409,7 @@
     </p:spTree>
     <p:extLst>
       <p:ext uri="{BB962C8B-B14F-4D97-AF65-F5344CB8AC3E}">
-        <p14:creationId xmlns:p14="http://schemas.microsoft.com/office/powerpoint/2010/main" val="3784921959"/>
+        <p14:creationId xmlns:p14="http://schemas.microsoft.com/office/powerpoint/2010/main" val="2400191133"/>
       </p:ext>
     </p:extLst>
   </p:cSld>
@@ -8594,7 +8422,7 @@
 </p:sld>
 </file>
 
-<file path=ppt/slides/slide23.xml><?xml version="1.0" encoding="utf-8"?>
+<file path=ppt/slides/slide22.xml><?xml version="1.0" encoding="utf-8"?>
 <p:sld xmlns:a="http://schemas.openxmlformats.org/drawingml/2006/main" xmlns:r="http://schemas.openxmlformats.org/officeDocument/2006/relationships" xmlns:p="http://schemas.openxmlformats.org/presentationml/2006/main">
   <p:cSld>
     <p:spTree>
@@ -8626,7 +8454,7 @@
         <p:spPr>
           <a:xfrm>
             <a:off x="804402" y="383458"/>
-            <a:ext cx="10987548" cy="584775"/>
+            <a:ext cx="10987548" cy="1077218"/>
           </a:xfrm>
           <a:prstGeom prst="rect">
             <a:avLst/>
@@ -8644,13 +8472,27 @@
               <a:buChar char="v"/>
             </a:pPr>
             <a:r>
-              <a:rPr lang="en-US" sz="3200" b="1">
+              <a:rPr lang="en-US" sz="3200" b="1" dirty="0">
                 <a:solidFill>
-                  <a:schemeClr val="bg1"/>
+                  <a:srgbClr val="212121"/>
                 </a:solidFill>
+                <a:latin typeface="Roboto"/>
               </a:rPr>
-              <a:t>Testing  Examples</a:t>
-            </a:r>
+              <a:t>Plots of our results</a:t>
+            </a:r>
+            <a:endParaRPr lang="en-US" sz="3200" b="0" i="0" dirty="0">
+              <a:solidFill>
+                <a:srgbClr val="212121"/>
+              </a:solidFill>
+              <a:effectLst/>
+              <a:latin typeface="Roboto"/>
+            </a:endParaRPr>
+          </a:p>
+          <a:p>
+            <a:pPr marL="457200" indent="-457200">
+              <a:buFont typeface="Wingdings" panose="05000000000000000000" pitchFamily="2" charset="2"/>
+              <a:buChar char="v"/>
+            </a:pPr>
             <a:endParaRPr lang="en-IL" sz="3200" b="1" dirty="0">
               <a:solidFill>
                 <a:schemeClr val="bg1"/>
@@ -8661,126 +8503,10 @@
       </p:sp>
       <p:pic>
         <p:nvPicPr>
-          <p:cNvPr id="3" name="Image 2">
+          <p:cNvPr id="4" name="Image 3">
             <a:extLst>
               <a:ext uri="{FF2B5EF4-FFF2-40B4-BE49-F238E27FC236}">
-                <a16:creationId xmlns:a16="http://schemas.microsoft.com/office/drawing/2014/main" id="{142E7E27-E0D8-483C-AE73-55C02EA855D5}"/>
-              </a:ext>
-            </a:extLst>
-          </p:cNvPr>
-          <p:cNvPicPr>
-            <a:picLocks noChangeAspect="1"/>
-          </p:cNvPicPr>
-          <p:nvPr/>
-        </p:nvPicPr>
-        <p:blipFill>
-          <a:blip r:embed="rId2">
-            <a:extLst>
-              <a:ext uri="{28A0092B-C50C-407E-A947-70E740481C1C}">
-                <a14:useLocalDpi xmlns:a14="http://schemas.microsoft.com/office/drawing/2010/main" val="0"/>
-              </a:ext>
-            </a:extLst>
-          </a:blip>
-          <a:srcRect/>
-          <a:stretch/>
-        </p:blipFill>
-        <p:spPr>
-          <a:xfrm>
-            <a:off x="804403" y="1053957"/>
-            <a:ext cx="7706982" cy="5506309"/>
-          </a:xfrm>
-          <a:prstGeom prst="rect">
-            <a:avLst/>
-          </a:prstGeom>
-        </p:spPr>
-      </p:pic>
-    </p:spTree>
-    <p:extLst>
-      <p:ext uri="{BB962C8B-B14F-4D97-AF65-F5344CB8AC3E}">
-        <p14:creationId xmlns:p14="http://schemas.microsoft.com/office/powerpoint/2010/main" val="857055219"/>
-      </p:ext>
-    </p:extLst>
-  </p:cSld>
-  <p:clrMapOvr>
-    <a:masterClrMapping/>
-  </p:clrMapOvr>
-  <p:transition spd="slow">
-    <p:wipe dir="r"/>
-  </p:transition>
-</p:sld>
-</file>
-
-<file path=ppt/slides/slide24.xml><?xml version="1.0" encoding="utf-8"?>
-<p:sld xmlns:a="http://schemas.openxmlformats.org/drawingml/2006/main" xmlns:r="http://schemas.openxmlformats.org/officeDocument/2006/relationships" xmlns:p="http://schemas.openxmlformats.org/presentationml/2006/main">
-  <p:cSld>
-    <p:spTree>
-      <p:nvGrpSpPr>
-        <p:cNvPr id="1" name=""/>
-        <p:cNvGrpSpPr/>
-        <p:nvPr/>
-      </p:nvGrpSpPr>
-      <p:grpSpPr>
-        <a:xfrm>
-          <a:off x="0" y="0"/>
-          <a:ext cx="0" cy="0"/>
-          <a:chOff x="0" y="0"/>
-          <a:chExt cx="0" cy="0"/>
-        </a:xfrm>
-      </p:grpSpPr>
-      <p:sp>
-        <p:nvSpPr>
-          <p:cNvPr id="5" name="ZoneTexte 4">
-            <a:extLst>
-              <a:ext uri="{FF2B5EF4-FFF2-40B4-BE49-F238E27FC236}">
-                <a16:creationId xmlns:a16="http://schemas.microsoft.com/office/drawing/2014/main" id="{4B756054-08A3-4288-9125-9F314B993E8F}"/>
-              </a:ext>
-            </a:extLst>
-          </p:cNvPr>
-          <p:cNvSpPr txBox="1"/>
-          <p:nvPr/>
-        </p:nvSpPr>
-        <p:spPr>
-          <a:xfrm>
-            <a:off x="804402" y="383458"/>
-            <a:ext cx="10987548" cy="584775"/>
-          </a:xfrm>
-          <a:prstGeom prst="rect">
-            <a:avLst/>
-          </a:prstGeom>
-          <a:noFill/>
-        </p:spPr>
-        <p:txBody>
-          <a:bodyPr wrap="square" rtlCol="0">
-            <a:spAutoFit/>
-          </a:bodyPr>
-          <a:lstStyle/>
-          <a:p>
-            <a:pPr marL="457200" indent="-457200">
-              <a:buFont typeface="Wingdings" panose="05000000000000000000" pitchFamily="2" charset="2"/>
-              <a:buChar char="v"/>
-            </a:pPr>
-            <a:r>
-              <a:rPr lang="en-US" sz="3200" b="1" dirty="0">
-                <a:solidFill>
-                  <a:schemeClr val="bg1"/>
-                </a:solidFill>
-              </a:rPr>
-              <a:t>Testing  Examples</a:t>
-            </a:r>
-            <a:endParaRPr lang="en-IL" sz="3200" b="1" dirty="0">
-              <a:solidFill>
-                <a:schemeClr val="bg1"/>
-              </a:solidFill>
-            </a:endParaRPr>
-          </a:p>
-        </p:txBody>
-      </p:sp>
-      <p:pic>
-        <p:nvPicPr>
-          <p:cNvPr id="4" name="Image 3" descr="Une image contenant texte&#10;&#10;Description générée automatiquement">
-            <a:extLst>
-              <a:ext uri="{FF2B5EF4-FFF2-40B4-BE49-F238E27FC236}">
-                <a16:creationId xmlns:a16="http://schemas.microsoft.com/office/drawing/2014/main" id="{AB8BFE25-5113-4CC9-A7ED-999618E7C732}"/>
+                <a16:creationId xmlns:a16="http://schemas.microsoft.com/office/drawing/2014/main" id="{C196A33A-C91C-43DF-B2A8-D68FAC11F01D}"/>
               </a:ext>
             </a:extLst>
           </p:cNvPr>
@@ -8803,18 +8529,113 @@
         </p:blipFill>
         <p:spPr>
           <a:xfrm>
-            <a:off x="877926" y="968233"/>
-            <a:ext cx="6837323" cy="5700476"/>
+            <a:off x="924560" y="1032302"/>
+            <a:ext cx="5618480" cy="5442240"/>
           </a:xfrm>
           <a:prstGeom prst="rect">
             <a:avLst/>
           </a:prstGeom>
         </p:spPr>
       </p:pic>
+      <p:sp>
+        <p:nvSpPr>
+          <p:cNvPr id="6" name="ZoneTexte 5">
+            <a:extLst>
+              <a:ext uri="{FF2B5EF4-FFF2-40B4-BE49-F238E27FC236}">
+                <a16:creationId xmlns:a16="http://schemas.microsoft.com/office/drawing/2014/main" id="{6C6CE549-0871-43C9-951F-BE9EBA674A31}"/>
+              </a:ext>
+            </a:extLst>
+          </p:cNvPr>
+          <p:cNvSpPr txBox="1"/>
+          <p:nvPr/>
+        </p:nvSpPr>
+        <p:spPr>
+          <a:xfrm>
+            <a:off x="7086600" y="1133475"/>
+            <a:ext cx="4591050" cy="4247317"/>
+          </a:xfrm>
+          <a:prstGeom prst="rect">
+            <a:avLst/>
+          </a:prstGeom>
+          <a:noFill/>
+        </p:spPr>
+        <p:txBody>
+          <a:bodyPr wrap="square" rtlCol="0">
+            <a:spAutoFit/>
+          </a:bodyPr>
+          <a:lstStyle/>
+          <a:p>
+            <a:pPr marL="285750" indent="-285750">
+              <a:buFontTx/>
+              <a:buChar char="-"/>
+            </a:pPr>
+            <a:r>
+              <a:rPr lang="en-US" dirty="0"/>
+              <a:t>It seems that validation accuracy is higher than training accuracy because when we use dropout , we use it only on the training and not on the validation.</a:t>
+            </a:r>
+          </a:p>
+          <a:p>
+            <a:pPr marL="285750" indent="-285750">
+              <a:buFontTx/>
+              <a:buChar char="-"/>
+            </a:pPr>
+            <a:endParaRPr lang="en-US" dirty="0"/>
+          </a:p>
+          <a:p>
+            <a:pPr marL="285750" indent="-285750">
+              <a:buFontTx/>
+              <a:buChar char="-"/>
+            </a:pPr>
+            <a:endParaRPr lang="en-US" dirty="0"/>
+          </a:p>
+          <a:p>
+            <a:pPr marL="285750" indent="-285750">
+              <a:buFontTx/>
+              <a:buChar char="-"/>
+            </a:pPr>
+            <a:endParaRPr lang="en-US" dirty="0"/>
+          </a:p>
+          <a:p>
+            <a:pPr marL="285750" indent="-285750">
+              <a:buFontTx/>
+              <a:buChar char="-"/>
+            </a:pPr>
+            <a:endParaRPr lang="en-US" dirty="0"/>
+          </a:p>
+          <a:p>
+            <a:pPr marL="285750" indent="-285750">
+              <a:buFontTx/>
+              <a:buChar char="-"/>
+            </a:pPr>
+            <a:endParaRPr lang="en-US" dirty="0"/>
+          </a:p>
+          <a:p>
+            <a:pPr marL="285750" indent="-285750">
+              <a:buFontTx/>
+              <a:buChar char="-"/>
+            </a:pPr>
+            <a:endParaRPr lang="en-US" dirty="0"/>
+          </a:p>
+          <a:p>
+            <a:endParaRPr lang="en-US" dirty="0"/>
+          </a:p>
+          <a:p>
+            <a:pPr marL="285750" indent="-285750">
+              <a:buFontTx/>
+              <a:buChar char="-"/>
+            </a:pPr>
+            <a:r>
+              <a:rPr lang="en-US" dirty="0"/>
+              <a:t>For the loss, the validation loss is smaller than the training loss for the same reason mentioned above.</a:t>
+            </a:r>
+            <a:endParaRPr lang="en-IL" dirty="0"/>
+          </a:p>
+        </p:txBody>
+      </p:sp>
     </p:spTree>
     <p:extLst>
       <p:ext uri="{BB962C8B-B14F-4D97-AF65-F5344CB8AC3E}">
-        <p14:creationId xmlns:p14="http://schemas.microsoft.com/office/powerpoint/2010/main" val="3109745550"/>
+        <p14:creationId xmlns:p14="http://schemas.microsoft.com/office/powerpoint/2010/main" val="3945840291"/>
       </p:ext>
     </p:extLst>
   </p:cSld>
@@ -8827,411 +8648,7 @@
 </p:sld>
 </file>
 
-<file path=ppt/slides/slide25.xml><?xml version="1.0" encoding="utf-8"?>
-<p:sld xmlns:a="http://schemas.openxmlformats.org/drawingml/2006/main" xmlns:r="http://schemas.openxmlformats.org/officeDocument/2006/relationships" xmlns:p="http://schemas.openxmlformats.org/presentationml/2006/main">
-  <p:cSld>
-    <p:spTree>
-      <p:nvGrpSpPr>
-        <p:cNvPr id="1" name=""/>
-        <p:cNvGrpSpPr/>
-        <p:nvPr/>
-      </p:nvGrpSpPr>
-      <p:grpSpPr>
-        <a:xfrm>
-          <a:off x="0" y="0"/>
-          <a:ext cx="0" cy="0"/>
-          <a:chOff x="0" y="0"/>
-          <a:chExt cx="0" cy="0"/>
-        </a:xfrm>
-      </p:grpSpPr>
-      <p:sp>
-        <p:nvSpPr>
-          <p:cNvPr id="5" name="ZoneTexte 4">
-            <a:extLst>
-              <a:ext uri="{FF2B5EF4-FFF2-40B4-BE49-F238E27FC236}">
-                <a16:creationId xmlns:a16="http://schemas.microsoft.com/office/drawing/2014/main" id="{4B756054-08A3-4288-9125-9F314B993E8F}"/>
-              </a:ext>
-            </a:extLst>
-          </p:cNvPr>
-          <p:cNvSpPr txBox="1"/>
-          <p:nvPr/>
-        </p:nvSpPr>
-        <p:spPr>
-          <a:xfrm>
-            <a:off x="804402" y="383458"/>
-            <a:ext cx="10987548" cy="584775"/>
-          </a:xfrm>
-          <a:prstGeom prst="rect">
-            <a:avLst/>
-          </a:prstGeom>
-          <a:noFill/>
-        </p:spPr>
-        <p:txBody>
-          <a:bodyPr wrap="square" rtlCol="0">
-            <a:spAutoFit/>
-          </a:bodyPr>
-          <a:lstStyle/>
-          <a:p>
-            <a:pPr marL="457200" indent="-457200">
-              <a:buFont typeface="Wingdings" panose="05000000000000000000" pitchFamily="2" charset="2"/>
-              <a:buChar char="v"/>
-            </a:pPr>
-            <a:r>
-              <a:rPr lang="en-US" sz="3200" b="1" dirty="0">
-                <a:solidFill>
-                  <a:schemeClr val="bg1"/>
-                </a:solidFill>
-              </a:rPr>
-              <a:t>Testing  Examples</a:t>
-            </a:r>
-            <a:endParaRPr lang="en-IL" sz="3200" b="1" dirty="0">
-              <a:solidFill>
-                <a:schemeClr val="bg1"/>
-              </a:solidFill>
-            </a:endParaRPr>
-          </a:p>
-        </p:txBody>
-      </p:sp>
-      <p:pic>
-        <p:nvPicPr>
-          <p:cNvPr id="3" name="Image 2" descr="Une image contenant texte&#10;&#10;Description générée automatiquement">
-            <a:extLst>
-              <a:ext uri="{FF2B5EF4-FFF2-40B4-BE49-F238E27FC236}">
-                <a16:creationId xmlns:a16="http://schemas.microsoft.com/office/drawing/2014/main" id="{6C7D628D-F760-43B8-88E2-62F6D9295F03}"/>
-              </a:ext>
-            </a:extLst>
-          </p:cNvPr>
-          <p:cNvPicPr>
-            <a:picLocks noChangeAspect="1"/>
-          </p:cNvPicPr>
-          <p:nvPr/>
-        </p:nvPicPr>
-        <p:blipFill>
-          <a:blip r:embed="rId2">
-            <a:extLst>
-              <a:ext uri="{28A0092B-C50C-407E-A947-70E740481C1C}">
-                <a14:useLocalDpi xmlns:a14="http://schemas.microsoft.com/office/drawing/2010/main" val="0"/>
-              </a:ext>
-            </a:extLst>
-          </a:blip>
-          <a:stretch>
-            <a:fillRect/>
-          </a:stretch>
-        </p:blipFill>
-        <p:spPr>
-          <a:xfrm>
-            <a:off x="804402" y="1038226"/>
-            <a:ext cx="7849280" cy="5511402"/>
-          </a:xfrm>
-          <a:prstGeom prst="rect">
-            <a:avLst/>
-          </a:prstGeom>
-        </p:spPr>
-      </p:pic>
-    </p:spTree>
-    <p:extLst>
-      <p:ext uri="{BB962C8B-B14F-4D97-AF65-F5344CB8AC3E}">
-        <p14:creationId xmlns:p14="http://schemas.microsoft.com/office/powerpoint/2010/main" val="1829723746"/>
-      </p:ext>
-    </p:extLst>
-  </p:cSld>
-  <p:clrMapOvr>
-    <a:masterClrMapping/>
-  </p:clrMapOvr>
-  <p:transition spd="slow">
-    <p:wipe dir="r"/>
-  </p:transition>
-</p:sld>
-</file>
-
-<file path=ppt/slides/slide26.xml><?xml version="1.0" encoding="utf-8"?>
-<p:sld xmlns:a="http://schemas.openxmlformats.org/drawingml/2006/main" xmlns:r="http://schemas.openxmlformats.org/officeDocument/2006/relationships" xmlns:p="http://schemas.openxmlformats.org/presentationml/2006/main">
-  <p:cSld>
-    <p:spTree>
-      <p:nvGrpSpPr>
-        <p:cNvPr id="1" name=""/>
-        <p:cNvGrpSpPr/>
-        <p:nvPr/>
-      </p:nvGrpSpPr>
-      <p:grpSpPr>
-        <a:xfrm>
-          <a:off x="0" y="0"/>
-          <a:ext cx="0" cy="0"/>
-          <a:chOff x="0" y="0"/>
-          <a:chExt cx="0" cy="0"/>
-        </a:xfrm>
-      </p:grpSpPr>
-      <p:sp>
-        <p:nvSpPr>
-          <p:cNvPr id="5" name="ZoneTexte 4">
-            <a:extLst>
-              <a:ext uri="{FF2B5EF4-FFF2-40B4-BE49-F238E27FC236}">
-                <a16:creationId xmlns:a16="http://schemas.microsoft.com/office/drawing/2014/main" id="{4B756054-08A3-4288-9125-9F314B993E8F}"/>
-              </a:ext>
-            </a:extLst>
-          </p:cNvPr>
-          <p:cNvSpPr txBox="1"/>
-          <p:nvPr/>
-        </p:nvSpPr>
-        <p:spPr>
-          <a:xfrm>
-            <a:off x="804402" y="383458"/>
-            <a:ext cx="10987548" cy="584775"/>
-          </a:xfrm>
-          <a:prstGeom prst="rect">
-            <a:avLst/>
-          </a:prstGeom>
-          <a:noFill/>
-        </p:spPr>
-        <p:txBody>
-          <a:bodyPr wrap="square" rtlCol="0">
-            <a:spAutoFit/>
-          </a:bodyPr>
-          <a:lstStyle/>
-          <a:p>
-            <a:pPr marL="457200" indent="-457200">
-              <a:buFont typeface="Wingdings" panose="05000000000000000000" pitchFamily="2" charset="2"/>
-              <a:buChar char="v"/>
-            </a:pPr>
-            <a:r>
-              <a:rPr lang="en-US" sz="3200" b="1" dirty="0">
-                <a:solidFill>
-                  <a:schemeClr val="bg1"/>
-                </a:solidFill>
-              </a:rPr>
-              <a:t>Interesting output</a:t>
-            </a:r>
-            <a:endParaRPr lang="en-IL" sz="3200" b="1" dirty="0">
-              <a:solidFill>
-                <a:schemeClr val="bg1"/>
-              </a:solidFill>
-            </a:endParaRPr>
-          </a:p>
-        </p:txBody>
-      </p:sp>
-      <p:pic>
-        <p:nvPicPr>
-          <p:cNvPr id="4" name="Image 3" descr="Une image contenant texte&#10;&#10;Description générée automatiquement">
-            <a:extLst>
-              <a:ext uri="{FF2B5EF4-FFF2-40B4-BE49-F238E27FC236}">
-                <a16:creationId xmlns:a16="http://schemas.microsoft.com/office/drawing/2014/main" id="{85EC88CC-A850-43B4-AA9F-EEA55B579069}"/>
-              </a:ext>
-            </a:extLst>
-          </p:cNvPr>
-          <p:cNvPicPr>
-            <a:picLocks noChangeAspect="1"/>
-          </p:cNvPicPr>
-          <p:nvPr/>
-        </p:nvPicPr>
-        <p:blipFill>
-          <a:blip r:embed="rId2">
-            <a:extLst>
-              <a:ext uri="{28A0092B-C50C-407E-A947-70E740481C1C}">
-                <a14:useLocalDpi xmlns:a14="http://schemas.microsoft.com/office/drawing/2010/main" val="0"/>
-              </a:ext>
-            </a:extLst>
-          </a:blip>
-          <a:stretch>
-            <a:fillRect/>
-          </a:stretch>
-        </p:blipFill>
-        <p:spPr>
-          <a:xfrm>
-            <a:off x="400050" y="968233"/>
-            <a:ext cx="7181850" cy="5395428"/>
-          </a:xfrm>
-          <a:prstGeom prst="rect">
-            <a:avLst/>
-          </a:prstGeom>
-        </p:spPr>
-      </p:pic>
-      <p:sp>
-        <p:nvSpPr>
-          <p:cNvPr id="6" name="ZoneTexte 5">
-            <a:extLst>
-              <a:ext uri="{FF2B5EF4-FFF2-40B4-BE49-F238E27FC236}">
-                <a16:creationId xmlns:a16="http://schemas.microsoft.com/office/drawing/2014/main" id="{CD13A848-68C3-4BF8-ABA7-D59462B1332D}"/>
-              </a:ext>
-            </a:extLst>
-          </p:cNvPr>
-          <p:cNvSpPr txBox="1"/>
-          <p:nvPr/>
-        </p:nvSpPr>
-        <p:spPr>
-          <a:xfrm>
-            <a:off x="7724774" y="968233"/>
-            <a:ext cx="4391025" cy="3693319"/>
-          </a:xfrm>
-          <a:prstGeom prst="rect">
-            <a:avLst/>
-          </a:prstGeom>
-          <a:noFill/>
-        </p:spPr>
-        <p:txBody>
-          <a:bodyPr wrap="square" rtlCol="0">
-            <a:spAutoFit/>
-          </a:bodyPr>
-          <a:lstStyle/>
-          <a:p>
-            <a:r>
-              <a:rPr lang="en-US" dirty="0"/>
-              <a:t>This picture is not a movie Poster.</a:t>
-            </a:r>
-          </a:p>
-          <a:p>
-            <a:r>
-              <a:rPr lang="en-US" dirty="0"/>
-              <a:t>We wanted to challenge the Network on a picture that shows two dogs one next to the other.</a:t>
-            </a:r>
-          </a:p>
-          <a:p>
-            <a:r>
-              <a:rPr lang="en-US" dirty="0"/>
-              <a:t>As humans, we can see  “ a couple “ of dogs, and it is interesting to see that the network classified this picture as a ‘romance’. </a:t>
-            </a:r>
-          </a:p>
-          <a:p>
-            <a:r>
-              <a:rPr lang="en-US" dirty="0"/>
-              <a:t>It seems like the Network has identified the pattern of ‘couple’ in romance movie posters and that might be the reason why this picture is classified as ‘romance’.</a:t>
-            </a:r>
-          </a:p>
-        </p:txBody>
-      </p:sp>
-    </p:spTree>
-    <p:extLst>
-      <p:ext uri="{BB962C8B-B14F-4D97-AF65-F5344CB8AC3E}">
-        <p14:creationId xmlns:p14="http://schemas.microsoft.com/office/powerpoint/2010/main" val="3797049450"/>
-      </p:ext>
-    </p:extLst>
-  </p:cSld>
-  <p:clrMapOvr>
-    <a:masterClrMapping/>
-  </p:clrMapOvr>
-  <p:transition spd="slow">
-    <p:wipe dir="r"/>
-  </p:transition>
-</p:sld>
-</file>
-
-<file path=ppt/slides/slide27.xml><?xml version="1.0" encoding="utf-8"?>
-<p:sld xmlns:a="http://schemas.openxmlformats.org/drawingml/2006/main" xmlns:r="http://schemas.openxmlformats.org/officeDocument/2006/relationships" xmlns:p="http://schemas.openxmlformats.org/presentationml/2006/main">
-  <p:cSld>
-    <p:spTree>
-      <p:nvGrpSpPr>
-        <p:cNvPr id="1" name=""/>
-        <p:cNvGrpSpPr/>
-        <p:nvPr/>
-      </p:nvGrpSpPr>
-      <p:grpSpPr>
-        <a:xfrm>
-          <a:off x="0" y="0"/>
-          <a:ext cx="0" cy="0"/>
-          <a:chOff x="0" y="0"/>
-          <a:chExt cx="0" cy="0"/>
-        </a:xfrm>
-      </p:grpSpPr>
-      <p:sp>
-        <p:nvSpPr>
-          <p:cNvPr id="5" name="ZoneTexte 4">
-            <a:extLst>
-              <a:ext uri="{FF2B5EF4-FFF2-40B4-BE49-F238E27FC236}">
-                <a16:creationId xmlns:a16="http://schemas.microsoft.com/office/drawing/2014/main" id="{4B756054-08A3-4288-9125-9F314B993E8F}"/>
-              </a:ext>
-            </a:extLst>
-          </p:cNvPr>
-          <p:cNvSpPr txBox="1"/>
-          <p:nvPr/>
-        </p:nvSpPr>
-        <p:spPr>
-          <a:xfrm>
-            <a:off x="804402" y="383458"/>
-            <a:ext cx="10987548" cy="584775"/>
-          </a:xfrm>
-          <a:prstGeom prst="rect">
-            <a:avLst/>
-          </a:prstGeom>
-          <a:noFill/>
-        </p:spPr>
-        <p:txBody>
-          <a:bodyPr wrap="square" rtlCol="0">
-            <a:spAutoFit/>
-          </a:bodyPr>
-          <a:lstStyle/>
-          <a:p>
-            <a:pPr marL="457200" indent="-457200">
-              <a:buFont typeface="Wingdings" panose="05000000000000000000" pitchFamily="2" charset="2"/>
-              <a:buChar char="v"/>
-            </a:pPr>
-            <a:r>
-              <a:rPr lang="en-US" sz="3200" b="1" dirty="0">
-                <a:solidFill>
-                  <a:schemeClr val="bg1"/>
-                </a:solidFill>
-              </a:rPr>
-              <a:t>Testing  Examples</a:t>
-            </a:r>
-            <a:endParaRPr lang="en-IL" sz="3200" b="1" dirty="0">
-              <a:solidFill>
-                <a:schemeClr val="bg1"/>
-              </a:solidFill>
-            </a:endParaRPr>
-          </a:p>
-        </p:txBody>
-      </p:sp>
-      <p:pic>
-        <p:nvPicPr>
-          <p:cNvPr id="4" name="Image 3" descr="Une image contenant texte&#10;&#10;Description générée automatiquement">
-            <a:extLst>
-              <a:ext uri="{FF2B5EF4-FFF2-40B4-BE49-F238E27FC236}">
-                <a16:creationId xmlns:a16="http://schemas.microsoft.com/office/drawing/2014/main" id="{9DD7A5CC-6930-4621-981F-138A9668580C}"/>
-              </a:ext>
-            </a:extLst>
-          </p:cNvPr>
-          <p:cNvPicPr>
-            <a:picLocks noChangeAspect="1"/>
-          </p:cNvPicPr>
-          <p:nvPr/>
-        </p:nvPicPr>
-        <p:blipFill>
-          <a:blip r:embed="rId2">
-            <a:extLst>
-              <a:ext uri="{28A0092B-C50C-407E-A947-70E740481C1C}">
-                <a14:useLocalDpi xmlns:a14="http://schemas.microsoft.com/office/drawing/2010/main" val="0"/>
-              </a:ext>
-            </a:extLst>
-          </a:blip>
-          <a:stretch>
-            <a:fillRect/>
-          </a:stretch>
-        </p:blipFill>
-        <p:spPr>
-          <a:xfrm>
-            <a:off x="643498" y="968233"/>
-            <a:ext cx="9038103" cy="5364945"/>
-          </a:xfrm>
-          <a:prstGeom prst="rect">
-            <a:avLst/>
-          </a:prstGeom>
-        </p:spPr>
-      </p:pic>
-    </p:spTree>
-    <p:extLst>
-      <p:ext uri="{BB962C8B-B14F-4D97-AF65-F5344CB8AC3E}">
-        <p14:creationId xmlns:p14="http://schemas.microsoft.com/office/powerpoint/2010/main" val="2117051270"/>
-      </p:ext>
-    </p:extLst>
-  </p:cSld>
-  <p:clrMapOvr>
-    <a:masterClrMapping/>
-  </p:clrMapOvr>
-  <p:transition spd="slow">
-    <p:wipe dir="r"/>
-  </p:transition>
-</p:sld>
-</file>
-
-<file path=ppt/slides/slide28.xml><?xml version="1.0" encoding="utf-8"?>
+<file path=ppt/slides/slide23.xml><?xml version="1.0" encoding="utf-8"?>
 <p:sld xmlns:a="http://schemas.openxmlformats.org/drawingml/2006/main" xmlns:r="http://schemas.openxmlformats.org/officeDocument/2006/relationships" xmlns:p="http://schemas.openxmlformats.org/presentationml/2006/main">
   <p:cSld>
     <p:bg>
@@ -9288,7 +8705,7 @@
         <p:spPr>
           <a:xfrm>
             <a:off x="161926" y="729779"/>
-            <a:ext cx="11934824" cy="3016210"/>
+            <a:ext cx="11934824" cy="3293209"/>
           </a:xfrm>
           <a:prstGeom prst="rect">
             <a:avLst/>
@@ -9301,11 +8718,14 @@
           </a:bodyPr>
           <a:lstStyle/>
           <a:p>
+            <a:pPr marL="914400" indent="-914400">
+              <a:buAutoNum type="arabicPeriod" startAt="3"/>
+            </a:pPr>
             <a:r>
               <a:rPr lang="en-US" sz="5400" b="1" dirty="0">
                 <a:latin typeface="Agency FB" panose="020B0503020202020204" pitchFamily="34" charset="0"/>
               </a:rPr>
-              <a:t>4. Conclusion</a:t>
+              <a:t>Implementation</a:t>
             </a:r>
           </a:p>
           <a:p>
@@ -9320,6 +8740,14 @@
               </a:rPr>
               <a:t>	</a:t>
             </a:r>
+            <a:r>
+              <a:rPr lang="en-US" sz="3200" b="1" dirty="0">
+                <a:latin typeface="Agency FB" panose="020B0503020202020204" pitchFamily="34" charset="0"/>
+              </a:rPr>
+              <a:t>3.5 Some examples of testing</a:t>
+            </a:r>
+          </a:p>
+          <a:p>
             <a:endParaRPr lang="en-US" dirty="0">
               <a:solidFill>
                 <a:schemeClr val="bg1"/>
@@ -9341,7 +8769,7 @@
     </p:spTree>
     <p:extLst>
       <p:ext uri="{BB962C8B-B14F-4D97-AF65-F5344CB8AC3E}">
-        <p14:creationId xmlns:p14="http://schemas.microsoft.com/office/powerpoint/2010/main" val="3343105150"/>
+        <p14:creationId xmlns:p14="http://schemas.microsoft.com/office/powerpoint/2010/main" val="3784921959"/>
       </p:ext>
     </p:extLst>
   </p:cSld>
@@ -9354,7 +8782,7 @@
 </p:sld>
 </file>
 
-<file path=ppt/slides/slide29.xml><?xml version="1.0" encoding="utf-8"?>
+<file path=ppt/slides/slide24.xml><?xml version="1.0" encoding="utf-8"?>
 <p:sld xmlns:a="http://schemas.openxmlformats.org/drawingml/2006/main" xmlns:r="http://schemas.openxmlformats.org/officeDocument/2006/relationships" xmlns:p="http://schemas.openxmlformats.org/presentationml/2006/main">
   <p:cSld>
     <p:spTree>
@@ -9373,10 +8801,10 @@
       </p:grpSpPr>
       <p:sp>
         <p:nvSpPr>
-          <p:cNvPr id="2" name="ZoneTexte 1">
+          <p:cNvPr id="5" name="ZoneTexte 4">
             <a:extLst>
               <a:ext uri="{FF2B5EF4-FFF2-40B4-BE49-F238E27FC236}">
-                <a16:creationId xmlns:a16="http://schemas.microsoft.com/office/drawing/2014/main" id="{DC8DBC59-0350-4D33-BE2D-3F3BA0D19ECB}"/>
+                <a16:creationId xmlns:a16="http://schemas.microsoft.com/office/drawing/2014/main" id="{4B756054-08A3-4288-9125-9F314B993E8F}"/>
               </a:ext>
             </a:extLst>
           </p:cNvPr>
@@ -9385,8 +8813,8 @@
         </p:nvSpPr>
         <p:spPr>
           <a:xfrm>
-            <a:off x="542924" y="866775"/>
-            <a:ext cx="10944225" cy="5355312"/>
+            <a:off x="804402" y="383458"/>
+            <a:ext cx="10987548" cy="584775"/>
           </a:xfrm>
           <a:prstGeom prst="rect">
             <a:avLst/>
@@ -9399,97 +8827,709 @@
           </a:bodyPr>
           <a:lstStyle/>
           <a:p>
-            <a:pPr marL="285750" indent="-285750">
-              <a:buFont typeface="Arial" panose="020B0604020202020204" pitchFamily="34" charset="0"/>
-              <a:buChar char="•"/>
+            <a:pPr marL="457200" indent="-457200">
+              <a:buFont typeface="Wingdings" panose="05000000000000000000" pitchFamily="2" charset="2"/>
+              <a:buChar char="v"/>
             </a:pPr>
-            <a:endParaRPr lang="en-US" sz="2800" dirty="0"/>
-          </a:p>
-          <a:p>
-            <a:pPr marL="285750" indent="-285750">
-              <a:buFont typeface="Arial" panose="020B0604020202020204" pitchFamily="34" charset="0"/>
-              <a:buChar char="•"/>
-            </a:pPr>
-            <a:r>
-              <a:rPr lang="en-US" sz="2800" dirty="0"/>
-              <a:t>The CNN is accurate at a rate of 97% !</a:t>
-            </a:r>
-          </a:p>
-          <a:p>
-            <a:pPr marL="285750" indent="-285750">
-              <a:buFont typeface="Arial" panose="020B0604020202020204" pitchFamily="34" charset="0"/>
-              <a:buChar char="•"/>
-            </a:pPr>
-            <a:endParaRPr lang="en-US" sz="2800" dirty="0"/>
-          </a:p>
-          <a:p>
-            <a:pPr marL="285750" indent="-285750">
-              <a:buFont typeface="Arial" panose="020B0604020202020204" pitchFamily="34" charset="0"/>
-              <a:buChar char="•"/>
-            </a:pPr>
-            <a:r>
-              <a:rPr lang="en-US" sz="2800" dirty="0"/>
-              <a:t>Overall, the CNN gives accurate predictions and even showed us some kind of “creativity”.</a:t>
-            </a:r>
-          </a:p>
-          <a:p>
-            <a:pPr marL="285750" indent="-285750">
-              <a:buFont typeface="Arial" panose="020B0604020202020204" pitchFamily="34" charset="0"/>
-              <a:buChar char="•"/>
-            </a:pPr>
-            <a:endParaRPr lang="en-US" sz="2800" dirty="0"/>
-          </a:p>
-          <a:p>
-            <a:pPr marL="285750" indent="-285750">
-              <a:buFont typeface="Arial" panose="020B0604020202020204" pitchFamily="34" charset="0"/>
-              <a:buChar char="•"/>
-            </a:pPr>
-            <a:r>
-              <a:rPr lang="en-US" sz="2800" dirty="0"/>
-              <a:t>Many of the results were also achieved through trial and error (Such as dropout percentage, how many epochs, how many neurons in the Dense Layer…)</a:t>
-            </a:r>
-          </a:p>
-          <a:p>
-            <a:pPr marL="285750" indent="-285750">
-              <a:buFontTx/>
-              <a:buChar char="-"/>
-            </a:pPr>
-            <a:endParaRPr lang="en-US" dirty="0"/>
-          </a:p>
-          <a:p>
-            <a:pPr marL="285750" indent="-285750">
-              <a:buFontTx/>
-              <a:buChar char="-"/>
-            </a:pPr>
-            <a:endParaRPr lang="en-US" dirty="0"/>
-          </a:p>
-          <a:p>
-            <a:pPr marL="285750" indent="-285750">
-              <a:buFontTx/>
-              <a:buChar char="-"/>
-            </a:pPr>
-            <a:endParaRPr lang="en-US" dirty="0"/>
-          </a:p>
-          <a:p>
-            <a:pPr marL="285750" indent="-285750">
-              <a:buFontTx/>
-              <a:buChar char="-"/>
-            </a:pPr>
-            <a:endParaRPr lang="en-US" dirty="0"/>
-          </a:p>
-          <a:p>
-            <a:pPr marL="285750" indent="-285750">
-              <a:buFontTx/>
-              <a:buChar char="-"/>
-            </a:pPr>
-            <a:endParaRPr lang="en-IL" dirty="0"/>
-          </a:p>
-        </p:txBody>
-      </p:sp>
+            <a:r>
+              <a:rPr lang="en-US" sz="3200" b="1">
+                <a:solidFill>
+                  <a:schemeClr val="bg1"/>
+                </a:solidFill>
+              </a:rPr>
+              <a:t>Testing  Examples</a:t>
+            </a:r>
+            <a:endParaRPr lang="en-IL" sz="3200" b="1" dirty="0">
+              <a:solidFill>
+                <a:schemeClr val="bg1"/>
+              </a:solidFill>
+            </a:endParaRPr>
+          </a:p>
+        </p:txBody>
+      </p:sp>
+      <p:pic>
+        <p:nvPicPr>
+          <p:cNvPr id="3" name="Image 2">
+            <a:extLst>
+              <a:ext uri="{FF2B5EF4-FFF2-40B4-BE49-F238E27FC236}">
+                <a16:creationId xmlns:a16="http://schemas.microsoft.com/office/drawing/2014/main" id="{142E7E27-E0D8-483C-AE73-55C02EA855D5}"/>
+              </a:ext>
+            </a:extLst>
+          </p:cNvPr>
+          <p:cNvPicPr>
+            <a:picLocks noChangeAspect="1"/>
+          </p:cNvPicPr>
+          <p:nvPr/>
+        </p:nvPicPr>
+        <p:blipFill>
+          <a:blip r:embed="rId2">
+            <a:extLst>
+              <a:ext uri="{28A0092B-C50C-407E-A947-70E740481C1C}">
+                <a14:useLocalDpi xmlns:a14="http://schemas.microsoft.com/office/drawing/2010/main" val="0"/>
+              </a:ext>
+            </a:extLst>
+          </a:blip>
+          <a:srcRect/>
+          <a:stretch/>
+        </p:blipFill>
+        <p:spPr>
+          <a:xfrm>
+            <a:off x="804403" y="1053957"/>
+            <a:ext cx="7706982" cy="5506309"/>
+          </a:xfrm>
+          <a:prstGeom prst="rect">
+            <a:avLst/>
+          </a:prstGeom>
+        </p:spPr>
+      </p:pic>
     </p:spTree>
     <p:extLst>
       <p:ext uri="{BB962C8B-B14F-4D97-AF65-F5344CB8AC3E}">
-        <p14:creationId xmlns:p14="http://schemas.microsoft.com/office/powerpoint/2010/main" val="3442977954"/>
+        <p14:creationId xmlns:p14="http://schemas.microsoft.com/office/powerpoint/2010/main" val="857055219"/>
+      </p:ext>
+    </p:extLst>
+  </p:cSld>
+  <p:clrMapOvr>
+    <a:masterClrMapping/>
+  </p:clrMapOvr>
+  <p:transition spd="slow">
+    <p:wipe dir="r"/>
+  </p:transition>
+</p:sld>
+</file>
+
+<file path=ppt/slides/slide25.xml><?xml version="1.0" encoding="utf-8"?>
+<p:sld xmlns:a="http://schemas.openxmlformats.org/drawingml/2006/main" xmlns:r="http://schemas.openxmlformats.org/officeDocument/2006/relationships" xmlns:p="http://schemas.openxmlformats.org/presentationml/2006/main">
+  <p:cSld>
+    <p:spTree>
+      <p:nvGrpSpPr>
+        <p:cNvPr id="1" name=""/>
+        <p:cNvGrpSpPr/>
+        <p:nvPr/>
+      </p:nvGrpSpPr>
+      <p:grpSpPr>
+        <a:xfrm>
+          <a:off x="0" y="0"/>
+          <a:ext cx="0" cy="0"/>
+          <a:chOff x="0" y="0"/>
+          <a:chExt cx="0" cy="0"/>
+        </a:xfrm>
+      </p:grpSpPr>
+      <p:sp>
+        <p:nvSpPr>
+          <p:cNvPr id="5" name="ZoneTexte 4">
+            <a:extLst>
+              <a:ext uri="{FF2B5EF4-FFF2-40B4-BE49-F238E27FC236}">
+                <a16:creationId xmlns:a16="http://schemas.microsoft.com/office/drawing/2014/main" id="{4B756054-08A3-4288-9125-9F314B993E8F}"/>
+              </a:ext>
+            </a:extLst>
+          </p:cNvPr>
+          <p:cNvSpPr txBox="1"/>
+          <p:nvPr/>
+        </p:nvSpPr>
+        <p:spPr>
+          <a:xfrm>
+            <a:off x="804402" y="383458"/>
+            <a:ext cx="10987548" cy="584775"/>
+          </a:xfrm>
+          <a:prstGeom prst="rect">
+            <a:avLst/>
+          </a:prstGeom>
+          <a:noFill/>
+        </p:spPr>
+        <p:txBody>
+          <a:bodyPr wrap="square" rtlCol="0">
+            <a:spAutoFit/>
+          </a:bodyPr>
+          <a:lstStyle/>
+          <a:p>
+            <a:pPr marL="457200" indent="-457200">
+              <a:buFont typeface="Wingdings" panose="05000000000000000000" pitchFamily="2" charset="2"/>
+              <a:buChar char="v"/>
+            </a:pPr>
+            <a:r>
+              <a:rPr lang="en-US" sz="3200" b="1" dirty="0">
+                <a:solidFill>
+                  <a:schemeClr val="bg1"/>
+                </a:solidFill>
+              </a:rPr>
+              <a:t>Testing  Examples</a:t>
+            </a:r>
+            <a:endParaRPr lang="en-IL" sz="3200" b="1" dirty="0">
+              <a:solidFill>
+                <a:schemeClr val="bg1"/>
+              </a:solidFill>
+            </a:endParaRPr>
+          </a:p>
+        </p:txBody>
+      </p:sp>
+      <p:pic>
+        <p:nvPicPr>
+          <p:cNvPr id="4" name="Image 3" descr="Une image contenant texte&#10;&#10;Description générée automatiquement">
+            <a:extLst>
+              <a:ext uri="{FF2B5EF4-FFF2-40B4-BE49-F238E27FC236}">
+                <a16:creationId xmlns:a16="http://schemas.microsoft.com/office/drawing/2014/main" id="{AB8BFE25-5113-4CC9-A7ED-999618E7C732}"/>
+              </a:ext>
+            </a:extLst>
+          </p:cNvPr>
+          <p:cNvPicPr>
+            <a:picLocks noChangeAspect="1"/>
+          </p:cNvPicPr>
+          <p:nvPr/>
+        </p:nvPicPr>
+        <p:blipFill>
+          <a:blip r:embed="rId2">
+            <a:extLst>
+              <a:ext uri="{28A0092B-C50C-407E-A947-70E740481C1C}">
+                <a14:useLocalDpi xmlns:a14="http://schemas.microsoft.com/office/drawing/2010/main" val="0"/>
+              </a:ext>
+            </a:extLst>
+          </a:blip>
+          <a:stretch>
+            <a:fillRect/>
+          </a:stretch>
+        </p:blipFill>
+        <p:spPr>
+          <a:xfrm>
+            <a:off x="877926" y="968233"/>
+            <a:ext cx="6837323" cy="5700476"/>
+          </a:xfrm>
+          <a:prstGeom prst="rect">
+            <a:avLst/>
+          </a:prstGeom>
+        </p:spPr>
+      </p:pic>
+    </p:spTree>
+    <p:extLst>
+      <p:ext uri="{BB962C8B-B14F-4D97-AF65-F5344CB8AC3E}">
+        <p14:creationId xmlns:p14="http://schemas.microsoft.com/office/powerpoint/2010/main" val="3109745550"/>
+      </p:ext>
+    </p:extLst>
+  </p:cSld>
+  <p:clrMapOvr>
+    <a:masterClrMapping/>
+  </p:clrMapOvr>
+  <p:transition spd="slow">
+    <p:wipe dir="r"/>
+  </p:transition>
+</p:sld>
+</file>
+
+<file path=ppt/slides/slide26.xml><?xml version="1.0" encoding="utf-8"?>
+<p:sld xmlns:a="http://schemas.openxmlformats.org/drawingml/2006/main" xmlns:r="http://schemas.openxmlformats.org/officeDocument/2006/relationships" xmlns:p="http://schemas.openxmlformats.org/presentationml/2006/main">
+  <p:cSld>
+    <p:spTree>
+      <p:nvGrpSpPr>
+        <p:cNvPr id="1" name=""/>
+        <p:cNvGrpSpPr/>
+        <p:nvPr/>
+      </p:nvGrpSpPr>
+      <p:grpSpPr>
+        <a:xfrm>
+          <a:off x="0" y="0"/>
+          <a:ext cx="0" cy="0"/>
+          <a:chOff x="0" y="0"/>
+          <a:chExt cx="0" cy="0"/>
+        </a:xfrm>
+      </p:grpSpPr>
+      <p:sp>
+        <p:nvSpPr>
+          <p:cNvPr id="5" name="ZoneTexte 4">
+            <a:extLst>
+              <a:ext uri="{FF2B5EF4-FFF2-40B4-BE49-F238E27FC236}">
+                <a16:creationId xmlns:a16="http://schemas.microsoft.com/office/drawing/2014/main" id="{4B756054-08A3-4288-9125-9F314B993E8F}"/>
+              </a:ext>
+            </a:extLst>
+          </p:cNvPr>
+          <p:cNvSpPr txBox="1"/>
+          <p:nvPr/>
+        </p:nvSpPr>
+        <p:spPr>
+          <a:xfrm>
+            <a:off x="804402" y="383458"/>
+            <a:ext cx="10987548" cy="584775"/>
+          </a:xfrm>
+          <a:prstGeom prst="rect">
+            <a:avLst/>
+          </a:prstGeom>
+          <a:noFill/>
+        </p:spPr>
+        <p:txBody>
+          <a:bodyPr wrap="square" rtlCol="0">
+            <a:spAutoFit/>
+          </a:bodyPr>
+          <a:lstStyle/>
+          <a:p>
+            <a:pPr marL="457200" indent="-457200">
+              <a:buFont typeface="Wingdings" panose="05000000000000000000" pitchFamily="2" charset="2"/>
+              <a:buChar char="v"/>
+            </a:pPr>
+            <a:r>
+              <a:rPr lang="en-US" sz="3200" b="1" dirty="0">
+                <a:solidFill>
+                  <a:schemeClr val="bg1"/>
+                </a:solidFill>
+              </a:rPr>
+              <a:t>Testing  Examples</a:t>
+            </a:r>
+            <a:endParaRPr lang="en-IL" sz="3200" b="1" dirty="0">
+              <a:solidFill>
+                <a:schemeClr val="bg1"/>
+              </a:solidFill>
+            </a:endParaRPr>
+          </a:p>
+        </p:txBody>
+      </p:sp>
+      <p:pic>
+        <p:nvPicPr>
+          <p:cNvPr id="3" name="Image 2" descr="Une image contenant texte&#10;&#10;Description générée automatiquement">
+            <a:extLst>
+              <a:ext uri="{FF2B5EF4-FFF2-40B4-BE49-F238E27FC236}">
+                <a16:creationId xmlns:a16="http://schemas.microsoft.com/office/drawing/2014/main" id="{6C7D628D-F760-43B8-88E2-62F6D9295F03}"/>
+              </a:ext>
+            </a:extLst>
+          </p:cNvPr>
+          <p:cNvPicPr>
+            <a:picLocks noChangeAspect="1"/>
+          </p:cNvPicPr>
+          <p:nvPr/>
+        </p:nvPicPr>
+        <p:blipFill>
+          <a:blip r:embed="rId2">
+            <a:extLst>
+              <a:ext uri="{28A0092B-C50C-407E-A947-70E740481C1C}">
+                <a14:useLocalDpi xmlns:a14="http://schemas.microsoft.com/office/drawing/2010/main" val="0"/>
+              </a:ext>
+            </a:extLst>
+          </a:blip>
+          <a:stretch>
+            <a:fillRect/>
+          </a:stretch>
+        </p:blipFill>
+        <p:spPr>
+          <a:xfrm>
+            <a:off x="804402" y="1038226"/>
+            <a:ext cx="7849280" cy="5511402"/>
+          </a:xfrm>
+          <a:prstGeom prst="rect">
+            <a:avLst/>
+          </a:prstGeom>
+        </p:spPr>
+      </p:pic>
+    </p:spTree>
+    <p:extLst>
+      <p:ext uri="{BB962C8B-B14F-4D97-AF65-F5344CB8AC3E}">
+        <p14:creationId xmlns:p14="http://schemas.microsoft.com/office/powerpoint/2010/main" val="1829723746"/>
+      </p:ext>
+    </p:extLst>
+  </p:cSld>
+  <p:clrMapOvr>
+    <a:masterClrMapping/>
+  </p:clrMapOvr>
+  <p:transition spd="slow">
+    <p:wipe dir="r"/>
+  </p:transition>
+</p:sld>
+</file>
+
+<file path=ppt/slides/slide27.xml><?xml version="1.0" encoding="utf-8"?>
+<p:sld xmlns:a="http://schemas.openxmlformats.org/drawingml/2006/main" xmlns:r="http://schemas.openxmlformats.org/officeDocument/2006/relationships" xmlns:p="http://schemas.openxmlformats.org/presentationml/2006/main">
+  <p:cSld>
+    <p:spTree>
+      <p:nvGrpSpPr>
+        <p:cNvPr id="1" name=""/>
+        <p:cNvGrpSpPr/>
+        <p:nvPr/>
+      </p:nvGrpSpPr>
+      <p:grpSpPr>
+        <a:xfrm>
+          <a:off x="0" y="0"/>
+          <a:ext cx="0" cy="0"/>
+          <a:chOff x="0" y="0"/>
+          <a:chExt cx="0" cy="0"/>
+        </a:xfrm>
+      </p:grpSpPr>
+      <p:sp>
+        <p:nvSpPr>
+          <p:cNvPr id="5" name="ZoneTexte 4">
+            <a:extLst>
+              <a:ext uri="{FF2B5EF4-FFF2-40B4-BE49-F238E27FC236}">
+                <a16:creationId xmlns:a16="http://schemas.microsoft.com/office/drawing/2014/main" id="{4B756054-08A3-4288-9125-9F314B993E8F}"/>
+              </a:ext>
+            </a:extLst>
+          </p:cNvPr>
+          <p:cNvSpPr txBox="1"/>
+          <p:nvPr/>
+        </p:nvSpPr>
+        <p:spPr>
+          <a:xfrm>
+            <a:off x="804402" y="383458"/>
+            <a:ext cx="10987548" cy="584775"/>
+          </a:xfrm>
+          <a:prstGeom prst="rect">
+            <a:avLst/>
+          </a:prstGeom>
+          <a:noFill/>
+        </p:spPr>
+        <p:txBody>
+          <a:bodyPr wrap="square" rtlCol="0">
+            <a:spAutoFit/>
+          </a:bodyPr>
+          <a:lstStyle/>
+          <a:p>
+            <a:pPr marL="457200" indent="-457200">
+              <a:buFont typeface="Wingdings" panose="05000000000000000000" pitchFamily="2" charset="2"/>
+              <a:buChar char="v"/>
+            </a:pPr>
+            <a:r>
+              <a:rPr lang="en-US" sz="3200" b="1" dirty="0">
+                <a:solidFill>
+                  <a:schemeClr val="bg1"/>
+                </a:solidFill>
+              </a:rPr>
+              <a:t>Interesting output</a:t>
+            </a:r>
+            <a:endParaRPr lang="en-IL" sz="3200" b="1" dirty="0">
+              <a:solidFill>
+                <a:schemeClr val="bg1"/>
+              </a:solidFill>
+            </a:endParaRPr>
+          </a:p>
+        </p:txBody>
+      </p:sp>
+      <p:pic>
+        <p:nvPicPr>
+          <p:cNvPr id="4" name="Image 3" descr="Une image contenant texte&#10;&#10;Description générée automatiquement">
+            <a:extLst>
+              <a:ext uri="{FF2B5EF4-FFF2-40B4-BE49-F238E27FC236}">
+                <a16:creationId xmlns:a16="http://schemas.microsoft.com/office/drawing/2014/main" id="{85EC88CC-A850-43B4-AA9F-EEA55B579069}"/>
+              </a:ext>
+            </a:extLst>
+          </p:cNvPr>
+          <p:cNvPicPr>
+            <a:picLocks noChangeAspect="1"/>
+          </p:cNvPicPr>
+          <p:nvPr/>
+        </p:nvPicPr>
+        <p:blipFill>
+          <a:blip r:embed="rId2">
+            <a:extLst>
+              <a:ext uri="{28A0092B-C50C-407E-A947-70E740481C1C}">
+                <a14:useLocalDpi xmlns:a14="http://schemas.microsoft.com/office/drawing/2010/main" val="0"/>
+              </a:ext>
+            </a:extLst>
+          </a:blip>
+          <a:stretch>
+            <a:fillRect/>
+          </a:stretch>
+        </p:blipFill>
+        <p:spPr>
+          <a:xfrm>
+            <a:off x="400050" y="968233"/>
+            <a:ext cx="7181850" cy="5395428"/>
+          </a:xfrm>
+          <a:prstGeom prst="rect">
+            <a:avLst/>
+          </a:prstGeom>
+        </p:spPr>
+      </p:pic>
+      <p:sp>
+        <p:nvSpPr>
+          <p:cNvPr id="6" name="ZoneTexte 5">
+            <a:extLst>
+              <a:ext uri="{FF2B5EF4-FFF2-40B4-BE49-F238E27FC236}">
+                <a16:creationId xmlns:a16="http://schemas.microsoft.com/office/drawing/2014/main" id="{CD13A848-68C3-4BF8-ABA7-D59462B1332D}"/>
+              </a:ext>
+            </a:extLst>
+          </p:cNvPr>
+          <p:cNvSpPr txBox="1"/>
+          <p:nvPr/>
+        </p:nvSpPr>
+        <p:spPr>
+          <a:xfrm>
+            <a:off x="7724774" y="968233"/>
+            <a:ext cx="4391025" cy="3693319"/>
+          </a:xfrm>
+          <a:prstGeom prst="rect">
+            <a:avLst/>
+          </a:prstGeom>
+          <a:noFill/>
+        </p:spPr>
+        <p:txBody>
+          <a:bodyPr wrap="square" rtlCol="0">
+            <a:spAutoFit/>
+          </a:bodyPr>
+          <a:lstStyle/>
+          <a:p>
+            <a:r>
+              <a:rPr lang="en-US" dirty="0"/>
+              <a:t>This picture is not a movie Poster.</a:t>
+            </a:r>
+          </a:p>
+          <a:p>
+            <a:r>
+              <a:rPr lang="en-US" dirty="0"/>
+              <a:t>We wanted to challenge the Network on a picture that shows two dogs one next to the other.</a:t>
+            </a:r>
+          </a:p>
+          <a:p>
+            <a:r>
+              <a:rPr lang="en-US" dirty="0"/>
+              <a:t>As humans, we can see  “ a couple “ of dogs, and it is interesting to see that the network classified this picture as a ‘romance’. </a:t>
+            </a:r>
+          </a:p>
+          <a:p>
+            <a:r>
+              <a:rPr lang="en-US" dirty="0"/>
+              <a:t>It seems like the Network has identified the pattern of ‘couple’ in romance movie posters and that might be the reason why this picture is classified as ‘romance’.</a:t>
+            </a:r>
+          </a:p>
+        </p:txBody>
+      </p:sp>
+    </p:spTree>
+    <p:extLst>
+      <p:ext uri="{BB962C8B-B14F-4D97-AF65-F5344CB8AC3E}">
+        <p14:creationId xmlns:p14="http://schemas.microsoft.com/office/powerpoint/2010/main" val="3797049450"/>
+      </p:ext>
+    </p:extLst>
+  </p:cSld>
+  <p:clrMapOvr>
+    <a:masterClrMapping/>
+  </p:clrMapOvr>
+  <p:transition spd="slow">
+    <p:wipe dir="r"/>
+  </p:transition>
+</p:sld>
+</file>
+
+<file path=ppt/slides/slide28.xml><?xml version="1.0" encoding="utf-8"?>
+<p:sld xmlns:a="http://schemas.openxmlformats.org/drawingml/2006/main" xmlns:r="http://schemas.openxmlformats.org/officeDocument/2006/relationships" xmlns:p="http://schemas.openxmlformats.org/presentationml/2006/main">
+  <p:cSld>
+    <p:spTree>
+      <p:nvGrpSpPr>
+        <p:cNvPr id="1" name=""/>
+        <p:cNvGrpSpPr/>
+        <p:nvPr/>
+      </p:nvGrpSpPr>
+      <p:grpSpPr>
+        <a:xfrm>
+          <a:off x="0" y="0"/>
+          <a:ext cx="0" cy="0"/>
+          <a:chOff x="0" y="0"/>
+          <a:chExt cx="0" cy="0"/>
+        </a:xfrm>
+      </p:grpSpPr>
+      <p:sp>
+        <p:nvSpPr>
+          <p:cNvPr id="5" name="ZoneTexte 4">
+            <a:extLst>
+              <a:ext uri="{FF2B5EF4-FFF2-40B4-BE49-F238E27FC236}">
+                <a16:creationId xmlns:a16="http://schemas.microsoft.com/office/drawing/2014/main" id="{4B756054-08A3-4288-9125-9F314B993E8F}"/>
+              </a:ext>
+            </a:extLst>
+          </p:cNvPr>
+          <p:cNvSpPr txBox="1"/>
+          <p:nvPr/>
+        </p:nvSpPr>
+        <p:spPr>
+          <a:xfrm>
+            <a:off x="804402" y="383458"/>
+            <a:ext cx="10987548" cy="584775"/>
+          </a:xfrm>
+          <a:prstGeom prst="rect">
+            <a:avLst/>
+          </a:prstGeom>
+          <a:noFill/>
+        </p:spPr>
+        <p:txBody>
+          <a:bodyPr wrap="square" rtlCol="0">
+            <a:spAutoFit/>
+          </a:bodyPr>
+          <a:lstStyle/>
+          <a:p>
+            <a:pPr marL="457200" indent="-457200">
+              <a:buFont typeface="Wingdings" panose="05000000000000000000" pitchFamily="2" charset="2"/>
+              <a:buChar char="v"/>
+            </a:pPr>
+            <a:r>
+              <a:rPr lang="en-US" sz="3200" b="1" dirty="0">
+                <a:solidFill>
+                  <a:schemeClr val="bg1"/>
+                </a:solidFill>
+              </a:rPr>
+              <a:t>Testing  Examples</a:t>
+            </a:r>
+            <a:endParaRPr lang="en-IL" sz="3200" b="1" dirty="0">
+              <a:solidFill>
+                <a:schemeClr val="bg1"/>
+              </a:solidFill>
+            </a:endParaRPr>
+          </a:p>
+        </p:txBody>
+      </p:sp>
+      <p:pic>
+        <p:nvPicPr>
+          <p:cNvPr id="4" name="Image 3" descr="Une image contenant texte&#10;&#10;Description générée automatiquement">
+            <a:extLst>
+              <a:ext uri="{FF2B5EF4-FFF2-40B4-BE49-F238E27FC236}">
+                <a16:creationId xmlns:a16="http://schemas.microsoft.com/office/drawing/2014/main" id="{9DD7A5CC-6930-4621-981F-138A9668580C}"/>
+              </a:ext>
+            </a:extLst>
+          </p:cNvPr>
+          <p:cNvPicPr>
+            <a:picLocks noChangeAspect="1"/>
+          </p:cNvPicPr>
+          <p:nvPr/>
+        </p:nvPicPr>
+        <p:blipFill>
+          <a:blip r:embed="rId2">
+            <a:extLst>
+              <a:ext uri="{28A0092B-C50C-407E-A947-70E740481C1C}">
+                <a14:useLocalDpi xmlns:a14="http://schemas.microsoft.com/office/drawing/2010/main" val="0"/>
+              </a:ext>
+            </a:extLst>
+          </a:blip>
+          <a:stretch>
+            <a:fillRect/>
+          </a:stretch>
+        </p:blipFill>
+        <p:spPr>
+          <a:xfrm>
+            <a:off x="643498" y="968233"/>
+            <a:ext cx="9038103" cy="5364945"/>
+          </a:xfrm>
+          <a:prstGeom prst="rect">
+            <a:avLst/>
+          </a:prstGeom>
+        </p:spPr>
+      </p:pic>
+    </p:spTree>
+    <p:extLst>
+      <p:ext uri="{BB962C8B-B14F-4D97-AF65-F5344CB8AC3E}">
+        <p14:creationId xmlns:p14="http://schemas.microsoft.com/office/powerpoint/2010/main" val="2117051270"/>
+      </p:ext>
+    </p:extLst>
+  </p:cSld>
+  <p:clrMapOvr>
+    <a:masterClrMapping/>
+  </p:clrMapOvr>
+  <p:transition spd="slow">
+    <p:wipe dir="r"/>
+  </p:transition>
+</p:sld>
+</file>
+
+<file path=ppt/slides/slide29.xml><?xml version="1.0" encoding="utf-8"?>
+<p:sld xmlns:a="http://schemas.openxmlformats.org/drawingml/2006/main" xmlns:r="http://schemas.openxmlformats.org/officeDocument/2006/relationships" xmlns:p="http://schemas.openxmlformats.org/presentationml/2006/main">
+  <p:cSld>
+    <p:bg>
+      <p:bgPr>
+        <a:gradFill rotWithShape="1">
+          <a:gsLst>
+            <a:gs pos="10000">
+              <a:schemeClr val="bg1">
+                <a:tint val="97000"/>
+                <a:hueMod val="92000"/>
+                <a:satMod val="169000"/>
+                <a:lumMod val="164000"/>
+              </a:schemeClr>
+            </a:gs>
+            <a:gs pos="100000">
+              <a:schemeClr val="bg1">
+                <a:shade val="96000"/>
+                <a:satMod val="120000"/>
+                <a:lumMod val="90000"/>
+              </a:schemeClr>
+            </a:gs>
+          </a:gsLst>
+          <a:lin ang="6120000" scaled="1"/>
+        </a:gradFill>
+        <a:effectLst/>
+      </p:bgPr>
+    </p:bg>
+    <p:spTree>
+      <p:nvGrpSpPr>
+        <p:cNvPr id="1" name=""/>
+        <p:cNvGrpSpPr/>
+        <p:nvPr/>
+      </p:nvGrpSpPr>
+      <p:grpSpPr>
+        <a:xfrm>
+          <a:off x="0" y="0"/>
+          <a:ext cx="0" cy="0"/>
+          <a:chOff x="0" y="0"/>
+          <a:chExt cx="0" cy="0"/>
+        </a:xfrm>
+      </p:grpSpPr>
+      <p:sp>
+        <p:nvSpPr>
+          <p:cNvPr id="5" name="ZoneTexte 4">
+            <a:extLst>
+              <a:ext uri="{FF2B5EF4-FFF2-40B4-BE49-F238E27FC236}">
+                <a16:creationId xmlns:a16="http://schemas.microsoft.com/office/drawing/2014/main" id="{876FF7F0-32D0-4CD4-A877-04E15965A92F}"/>
+              </a:ext>
+            </a:extLst>
+          </p:cNvPr>
+          <p:cNvSpPr txBox="1"/>
+          <p:nvPr/>
+        </p:nvSpPr>
+        <p:spPr>
+          <a:xfrm>
+            <a:off x="161926" y="729779"/>
+            <a:ext cx="11934824" cy="3016210"/>
+          </a:xfrm>
+          <a:prstGeom prst="rect">
+            <a:avLst/>
+          </a:prstGeom>
+          <a:noFill/>
+        </p:spPr>
+        <p:txBody>
+          <a:bodyPr wrap="square" rtlCol="0">
+            <a:spAutoFit/>
+          </a:bodyPr>
+          <a:lstStyle/>
+          <a:p>
+            <a:r>
+              <a:rPr lang="en-US" sz="5400" b="1" dirty="0">
+                <a:latin typeface="Agency FB" panose="020B0503020202020204" pitchFamily="34" charset="0"/>
+              </a:rPr>
+              <a:t>4. Conclusion</a:t>
+            </a:r>
+          </a:p>
+          <a:p>
+            <a:endParaRPr lang="en-US" sz="5400" b="1" dirty="0">
+              <a:latin typeface="Agency FB" panose="020B0503020202020204" pitchFamily="34" charset="0"/>
+            </a:endParaRPr>
+          </a:p>
+          <a:p>
+            <a:r>
+              <a:rPr lang="en-US" sz="4000" b="1" dirty="0">
+                <a:latin typeface="Agency FB" panose="020B0503020202020204" pitchFamily="34" charset="0"/>
+              </a:rPr>
+              <a:t>	</a:t>
+            </a:r>
+            <a:endParaRPr lang="en-US" dirty="0">
+              <a:solidFill>
+                <a:schemeClr val="bg1"/>
+              </a:solidFill>
+            </a:endParaRPr>
+          </a:p>
+          <a:p>
+            <a:endParaRPr lang="en-US" dirty="0"/>
+          </a:p>
+          <a:p>
+            <a:r>
+              <a:rPr lang="en-US" sz="2400" dirty="0"/>
+              <a:t>		</a:t>
+            </a:r>
+            <a:endParaRPr lang="en-IL" sz="2800" i="1" dirty="0"/>
+          </a:p>
+        </p:txBody>
+      </p:sp>
+    </p:spTree>
+    <p:extLst>
+      <p:ext uri="{BB962C8B-B14F-4D97-AF65-F5344CB8AC3E}">
+        <p14:creationId xmlns:p14="http://schemas.microsoft.com/office/powerpoint/2010/main" val="3343105150"/>
       </p:ext>
     </p:extLst>
   </p:cSld>
@@ -10233,6 +10273,154 @@
 <file path=ppt/slides/slide30.xml><?xml version="1.0" encoding="utf-8"?>
 <p:sld xmlns:a="http://schemas.openxmlformats.org/drawingml/2006/main" xmlns:r="http://schemas.openxmlformats.org/officeDocument/2006/relationships" xmlns:p="http://schemas.openxmlformats.org/presentationml/2006/main">
   <p:cSld>
+    <p:spTree>
+      <p:nvGrpSpPr>
+        <p:cNvPr id="1" name=""/>
+        <p:cNvGrpSpPr/>
+        <p:nvPr/>
+      </p:nvGrpSpPr>
+      <p:grpSpPr>
+        <a:xfrm>
+          <a:off x="0" y="0"/>
+          <a:ext cx="0" cy="0"/>
+          <a:chOff x="0" y="0"/>
+          <a:chExt cx="0" cy="0"/>
+        </a:xfrm>
+      </p:grpSpPr>
+      <p:sp>
+        <p:nvSpPr>
+          <p:cNvPr id="2" name="ZoneTexte 1">
+            <a:extLst>
+              <a:ext uri="{FF2B5EF4-FFF2-40B4-BE49-F238E27FC236}">
+                <a16:creationId xmlns:a16="http://schemas.microsoft.com/office/drawing/2014/main" id="{DC8DBC59-0350-4D33-BE2D-3F3BA0D19ECB}"/>
+              </a:ext>
+            </a:extLst>
+          </p:cNvPr>
+          <p:cNvSpPr txBox="1"/>
+          <p:nvPr/>
+        </p:nvSpPr>
+        <p:spPr>
+          <a:xfrm>
+            <a:off x="542924" y="866775"/>
+            <a:ext cx="10944225" cy="5355312"/>
+          </a:xfrm>
+          <a:prstGeom prst="rect">
+            <a:avLst/>
+          </a:prstGeom>
+          <a:noFill/>
+        </p:spPr>
+        <p:txBody>
+          <a:bodyPr wrap="square" rtlCol="0">
+            <a:spAutoFit/>
+          </a:bodyPr>
+          <a:lstStyle/>
+          <a:p>
+            <a:pPr marL="285750" indent="-285750">
+              <a:buFont typeface="Arial" panose="020B0604020202020204" pitchFamily="34" charset="0"/>
+              <a:buChar char="•"/>
+            </a:pPr>
+            <a:endParaRPr lang="en-US" sz="2800" dirty="0"/>
+          </a:p>
+          <a:p>
+            <a:pPr marL="285750" indent="-285750">
+              <a:buFont typeface="Arial" panose="020B0604020202020204" pitchFamily="34" charset="0"/>
+              <a:buChar char="•"/>
+            </a:pPr>
+            <a:r>
+              <a:rPr lang="en-US" sz="2800" dirty="0"/>
+              <a:t>The CNN is accurate at a rate of 97% !</a:t>
+            </a:r>
+          </a:p>
+          <a:p>
+            <a:pPr marL="285750" indent="-285750">
+              <a:buFont typeface="Arial" panose="020B0604020202020204" pitchFamily="34" charset="0"/>
+              <a:buChar char="•"/>
+            </a:pPr>
+            <a:endParaRPr lang="en-US" sz="2800" dirty="0"/>
+          </a:p>
+          <a:p>
+            <a:pPr marL="285750" indent="-285750">
+              <a:buFont typeface="Arial" panose="020B0604020202020204" pitchFamily="34" charset="0"/>
+              <a:buChar char="•"/>
+            </a:pPr>
+            <a:r>
+              <a:rPr lang="en-US" sz="2800" dirty="0"/>
+              <a:t>Overall, the CNN gives accurate predictions and even showed us some kind of “creativity”.</a:t>
+            </a:r>
+          </a:p>
+          <a:p>
+            <a:pPr marL="285750" indent="-285750">
+              <a:buFont typeface="Arial" panose="020B0604020202020204" pitchFamily="34" charset="0"/>
+              <a:buChar char="•"/>
+            </a:pPr>
+            <a:endParaRPr lang="en-US" sz="2800" dirty="0"/>
+          </a:p>
+          <a:p>
+            <a:pPr marL="285750" indent="-285750">
+              <a:buFont typeface="Arial" panose="020B0604020202020204" pitchFamily="34" charset="0"/>
+              <a:buChar char="•"/>
+            </a:pPr>
+            <a:r>
+              <a:rPr lang="en-US" sz="2800" dirty="0"/>
+              <a:t>Some of our results were also achieved through trial and error (Such as dropout percentage, how many epochs, how many neurons in the Dense Layer…)</a:t>
+            </a:r>
+          </a:p>
+          <a:p>
+            <a:pPr marL="285750" indent="-285750">
+              <a:buFontTx/>
+              <a:buChar char="-"/>
+            </a:pPr>
+            <a:endParaRPr lang="en-US" dirty="0"/>
+          </a:p>
+          <a:p>
+            <a:pPr marL="285750" indent="-285750">
+              <a:buFontTx/>
+              <a:buChar char="-"/>
+            </a:pPr>
+            <a:endParaRPr lang="en-US" dirty="0"/>
+          </a:p>
+          <a:p>
+            <a:pPr marL="285750" indent="-285750">
+              <a:buFontTx/>
+              <a:buChar char="-"/>
+            </a:pPr>
+            <a:endParaRPr lang="en-US" dirty="0"/>
+          </a:p>
+          <a:p>
+            <a:pPr marL="285750" indent="-285750">
+              <a:buFontTx/>
+              <a:buChar char="-"/>
+            </a:pPr>
+            <a:endParaRPr lang="en-US" dirty="0"/>
+          </a:p>
+          <a:p>
+            <a:pPr marL="285750" indent="-285750">
+              <a:buFontTx/>
+              <a:buChar char="-"/>
+            </a:pPr>
+            <a:endParaRPr lang="en-IL" dirty="0"/>
+          </a:p>
+        </p:txBody>
+      </p:sp>
+    </p:spTree>
+    <p:extLst>
+      <p:ext uri="{BB962C8B-B14F-4D97-AF65-F5344CB8AC3E}">
+        <p14:creationId xmlns:p14="http://schemas.microsoft.com/office/powerpoint/2010/main" val="3442977954"/>
+      </p:ext>
+    </p:extLst>
+  </p:cSld>
+  <p:clrMapOvr>
+    <a:masterClrMapping/>
+  </p:clrMapOvr>
+  <p:transition spd="slow">
+    <p:wipe dir="r"/>
+  </p:transition>
+</p:sld>
+</file>
+
+<file path=ppt/slides/slide31.xml><?xml version="1.0" encoding="utf-8"?>
+<p:sld xmlns:a="http://schemas.openxmlformats.org/drawingml/2006/main" xmlns:r="http://schemas.openxmlformats.org/officeDocument/2006/relationships" xmlns:p="http://schemas.openxmlformats.org/presentationml/2006/main">
+  <p:cSld>
     <p:bg>
       <p:bgPr>
         <a:gradFill rotWithShape="1">
@@ -10380,7 +10568,7 @@
         <p:spPr>
           <a:xfrm>
             <a:off x="781050" y="304800"/>
-            <a:ext cx="10010775" cy="7509748"/>
+            <a:ext cx="10010775" cy="6647974"/>
           </a:xfrm>
           <a:prstGeom prst="rect">
             <a:avLst/>
@@ -10456,31 +10644,6 @@
             </a:r>
           </a:p>
           <a:p>
-            <a:pPr marL="742950" lvl="1" indent="-285750">
-              <a:buFontTx/>
-              <a:buChar char="-"/>
-            </a:pPr>
-            <a:endParaRPr lang="en-US" sz="2800" b="1" dirty="0">
-              <a:solidFill>
-                <a:schemeClr val="bg1"/>
-              </a:solidFill>
-            </a:endParaRPr>
-          </a:p>
-          <a:p>
-            <a:pPr marL="285750" indent="-285750">
-              <a:buFontTx/>
-              <a:buChar char="-"/>
-            </a:pPr>
-            <a:r>
-              <a:rPr lang="en-US" sz="2800" b="1" dirty="0">
-                <a:solidFill>
-                  <a:schemeClr val="bg1"/>
-                </a:solidFill>
-              </a:rPr>
-              <a:t>We used only 30K images (lack of RAM)</a:t>
-            </a:r>
-          </a:p>
-          <a:p>
             <a:endParaRPr lang="en-US" sz="2800" b="1" dirty="0">
               <a:solidFill>
                 <a:schemeClr val="bg1"/>
@@ -10522,10 +10685,7 @@
             <a:endParaRPr lang="en-US" dirty="0"/>
           </a:p>
           <a:p>
-            <a:pPr marL="742950" lvl="1" indent="-285750">
-              <a:buFontTx/>
-              <a:buChar char="-"/>
-            </a:pPr>
+            <a:pPr lvl="1"/>
             <a:endParaRPr lang="en-US" dirty="0"/>
           </a:p>
           <a:p>

--- a/Slide Show.pptx
+++ b/Slide Show.pptx
@@ -8874,8 +8874,236 @@
         </p:blipFill>
         <p:spPr>
           <a:xfrm>
-            <a:off x="804403" y="1053957"/>
-            <a:ext cx="7706982" cy="5506309"/>
+            <a:off x="600075" y="1053957"/>
+            <a:ext cx="7911310" cy="5506309"/>
+          </a:xfrm>
+          <a:prstGeom prst="rect">
+            <a:avLst/>
+          </a:prstGeom>
+        </p:spPr>
+      </p:pic>
+      <p:pic>
+        <p:nvPicPr>
+          <p:cNvPr id="4" name="Image 3">
+            <a:extLst>
+              <a:ext uri="{FF2B5EF4-FFF2-40B4-BE49-F238E27FC236}">
+                <a16:creationId xmlns:a16="http://schemas.microsoft.com/office/drawing/2014/main" id="{FABF8391-B9B4-45C5-BA4F-4CCBC575E26C}"/>
+              </a:ext>
+            </a:extLst>
+          </p:cNvPr>
+          <p:cNvPicPr>
+            <a:picLocks noChangeAspect="1"/>
+          </p:cNvPicPr>
+          <p:nvPr/>
+        </p:nvPicPr>
+        <p:blipFill>
+          <a:blip r:embed="rId3">
+            <a:extLst>
+              <a:ext uri="{28A0092B-C50C-407E-A947-70E740481C1C}">
+                <a14:useLocalDpi xmlns:a14="http://schemas.microsoft.com/office/drawing/2010/main" val="0"/>
+              </a:ext>
+            </a:extLst>
+          </a:blip>
+          <a:srcRect/>
+          <a:stretch/>
+        </p:blipFill>
+        <p:spPr>
+          <a:xfrm>
+            <a:off x="5333708" y="1761744"/>
+            <a:ext cx="6744284" cy="1315212"/>
+          </a:xfrm>
+          <a:prstGeom prst="rect">
+            <a:avLst/>
+          </a:prstGeom>
+        </p:spPr>
+      </p:pic>
+      <p:sp>
+        <p:nvSpPr>
+          <p:cNvPr id="6" name="Légende : encadrée à une bordure 5">
+            <a:extLst>
+              <a:ext uri="{FF2B5EF4-FFF2-40B4-BE49-F238E27FC236}">
+                <a16:creationId xmlns:a16="http://schemas.microsoft.com/office/drawing/2014/main" id="{B1CBB144-9A79-4F18-9CE5-AE4771DF70E4}"/>
+              </a:ext>
+            </a:extLst>
+          </p:cNvPr>
+          <p:cNvSpPr/>
+          <p:nvPr/>
+        </p:nvSpPr>
+        <p:spPr>
+          <a:xfrm>
+            <a:off x="5876633" y="1760163"/>
+            <a:ext cx="6744283" cy="1318374"/>
+          </a:xfrm>
+          <a:prstGeom prst="accentCallout1">
+            <a:avLst>
+              <a:gd name="adj1" fmla="val 18750"/>
+              <a:gd name="adj2" fmla="val -8333"/>
+              <a:gd name="adj3" fmla="val 69151"/>
+              <a:gd name="adj4" fmla="val -42298"/>
+            </a:avLst>
+          </a:prstGeom>
+          <a:noFill/>
+        </p:spPr>
+        <p:style>
+          <a:lnRef idx="2">
+            <a:schemeClr val="accent1">
+              <a:shade val="50000"/>
+            </a:schemeClr>
+          </a:lnRef>
+          <a:fillRef idx="1">
+            <a:schemeClr val="accent1"/>
+          </a:fillRef>
+          <a:effectRef idx="0">
+            <a:schemeClr val="accent1"/>
+          </a:effectRef>
+          <a:fontRef idx="minor">
+            <a:schemeClr val="lt1"/>
+          </a:fontRef>
+        </p:style>
+        <p:txBody>
+          <a:bodyPr rtlCol="0" anchor="ctr"/>
+          <a:lstStyle/>
+          <a:p>
+            <a:pPr algn="ctr"/>
+            <a:endParaRPr lang="en-IL"/>
+          </a:p>
+        </p:txBody>
+      </p:sp>
+      <p:pic>
+        <p:nvPicPr>
+          <p:cNvPr id="9" name="Image 8">
+            <a:extLst>
+              <a:ext uri="{FF2B5EF4-FFF2-40B4-BE49-F238E27FC236}">
+                <a16:creationId xmlns:a16="http://schemas.microsoft.com/office/drawing/2014/main" id="{A1CDB48E-6A75-494C-87B2-7315D90E55FF}"/>
+              </a:ext>
+            </a:extLst>
+          </p:cNvPr>
+          <p:cNvPicPr>
+            <a:picLocks noChangeAspect="1"/>
+          </p:cNvPicPr>
+          <p:nvPr/>
+        </p:nvPicPr>
+        <p:blipFill>
+          <a:blip r:embed="rId4">
+            <a:extLst>
+              <a:ext uri="{28A0092B-C50C-407E-A947-70E740481C1C}">
+                <a14:useLocalDpi xmlns:a14="http://schemas.microsoft.com/office/drawing/2010/main" val="0"/>
+              </a:ext>
+            </a:extLst>
+          </a:blip>
+          <a:stretch>
+            <a:fillRect/>
+          </a:stretch>
+        </p:blipFill>
+        <p:spPr>
+          <a:xfrm>
+            <a:off x="9563100" y="2568120"/>
+            <a:ext cx="792480" cy="176961"/>
+          </a:xfrm>
+          <a:prstGeom prst="rect">
+            <a:avLst/>
+          </a:prstGeom>
+        </p:spPr>
+      </p:pic>
+      <p:pic>
+        <p:nvPicPr>
+          <p:cNvPr id="11" name="Image 10">
+            <a:extLst>
+              <a:ext uri="{FF2B5EF4-FFF2-40B4-BE49-F238E27FC236}">
+                <a16:creationId xmlns:a16="http://schemas.microsoft.com/office/drawing/2014/main" id="{5B649CEC-22C3-40B1-865C-97C6E1B9827C}"/>
+              </a:ext>
+            </a:extLst>
+          </p:cNvPr>
+          <p:cNvPicPr>
+            <a:picLocks noChangeAspect="1"/>
+          </p:cNvPicPr>
+          <p:nvPr/>
+        </p:nvPicPr>
+        <p:blipFill>
+          <a:blip r:embed="rId5">
+            <a:extLst>
+              <a:ext uri="{28A0092B-C50C-407E-A947-70E740481C1C}">
+                <a14:useLocalDpi xmlns:a14="http://schemas.microsoft.com/office/drawing/2010/main" val="0"/>
+              </a:ext>
+            </a:extLst>
+          </a:blip>
+          <a:srcRect/>
+          <a:stretch/>
+        </p:blipFill>
+        <p:spPr>
+          <a:xfrm>
+            <a:off x="5540067" y="2745081"/>
+            <a:ext cx="758109" cy="132484"/>
+          </a:xfrm>
+          <a:prstGeom prst="rect">
+            <a:avLst/>
+          </a:prstGeom>
+        </p:spPr>
+      </p:pic>
+      <p:pic>
+        <p:nvPicPr>
+          <p:cNvPr id="13" name="Image 12">
+            <a:extLst>
+              <a:ext uri="{FF2B5EF4-FFF2-40B4-BE49-F238E27FC236}">
+                <a16:creationId xmlns:a16="http://schemas.microsoft.com/office/drawing/2014/main" id="{54A4DEBE-184C-4563-86DD-EA47FA3B4A99}"/>
+              </a:ext>
+            </a:extLst>
+          </p:cNvPr>
+          <p:cNvPicPr>
+            <a:picLocks noChangeAspect="1"/>
+          </p:cNvPicPr>
+          <p:nvPr/>
+        </p:nvPicPr>
+        <p:blipFill rotWithShape="1">
+          <a:blip r:embed="rId6">
+            <a:extLst>
+              <a:ext uri="{28A0092B-C50C-407E-A947-70E740481C1C}">
+                <a14:useLocalDpi xmlns:a14="http://schemas.microsoft.com/office/drawing/2010/main" val="0"/>
+              </a:ext>
+            </a:extLst>
+          </a:blip>
+          <a:srcRect l="12000" t="32784" r="-1" b="-1"/>
+          <a:stretch/>
+        </p:blipFill>
+        <p:spPr>
+          <a:xfrm>
+            <a:off x="7734779" y="2909316"/>
+            <a:ext cx="167655" cy="153670"/>
+          </a:xfrm>
+          <a:prstGeom prst="rect">
+            <a:avLst/>
+          </a:prstGeom>
+        </p:spPr>
+      </p:pic>
+      <p:pic>
+        <p:nvPicPr>
+          <p:cNvPr id="15" name="Image 14">
+            <a:extLst>
+              <a:ext uri="{FF2B5EF4-FFF2-40B4-BE49-F238E27FC236}">
+                <a16:creationId xmlns:a16="http://schemas.microsoft.com/office/drawing/2014/main" id="{EA75FA5D-7ACB-4F9B-A8E3-3CCFDC24D448}"/>
+              </a:ext>
+            </a:extLst>
+          </p:cNvPr>
+          <p:cNvPicPr>
+            <a:picLocks noChangeAspect="1"/>
+          </p:cNvPicPr>
+          <p:nvPr/>
+        </p:nvPicPr>
+        <p:blipFill rotWithShape="1">
+          <a:blip r:embed="rId7">
+            <a:extLst>
+              <a:ext uri="{28A0092B-C50C-407E-A947-70E740481C1C}">
+                <a14:useLocalDpi xmlns:a14="http://schemas.microsoft.com/office/drawing/2010/main" val="0"/>
+              </a:ext>
+            </a:extLst>
+          </a:blip>
+          <a:srcRect l="1" t="25315" r="-1"/>
+          <a:stretch/>
+        </p:blipFill>
+        <p:spPr>
+          <a:xfrm>
+            <a:off x="7952274" y="2885187"/>
+            <a:ext cx="167655" cy="153669"/>
           </a:xfrm>
           <a:prstGeom prst="rect">
             <a:avLst/>
